--- a/Slides.pptx
+++ b/Slides.pptx
@@ -8,8 +8,9 @@
     <p:sldId id="259" r:id="rId2"/>
     <p:sldId id="261" r:id="rId3"/>
     <p:sldId id="257" r:id="rId4"/>
-    <p:sldId id="262" r:id="rId5"/>
-    <p:sldId id="263" r:id="rId6"/>
+    <p:sldId id="264" r:id="rId5"/>
+    <p:sldId id="262" r:id="rId6"/>
+    <p:sldId id="263" r:id="rId7"/>
   </p:sldIdLst>
   <p:sldSz cx="12192000" cy="6858000"/>
   <p:notesSz cx="6858000" cy="9144000"/>
@@ -12780,141 +12781,33 @@
       </p:sp>
       <p:sp>
         <p:nvSpPr>
-          <p:cNvPr id="4" name="Rectangle 3">
+          <p:cNvPr id="5" name="TextBox 4">
             <a:extLst>
               <a:ext uri="{FF2B5EF4-FFF2-40B4-BE49-F238E27FC236}">
-                <a16:creationId xmlns:a16="http://schemas.microsoft.com/office/drawing/2014/main" id="{C0C2D282-1CD4-5C56-09C9-CCB9DF7A4385}"/>
+                <a16:creationId xmlns:a16="http://schemas.microsoft.com/office/drawing/2014/main" id="{92ED22FC-2809-B2CB-28AC-9E933D385CFF}"/>
               </a:ext>
             </a:extLst>
           </p:cNvPr>
-          <p:cNvSpPr/>
+          <p:cNvSpPr txBox="1"/>
           <p:nvPr/>
         </p:nvSpPr>
         <p:spPr>
           <a:xfrm>
-            <a:off x="2785096" y="1321425"/>
-            <a:ext cx="4484514" cy="3747436"/>
+            <a:off x="1152939" y="2252870"/>
+            <a:ext cx="184731" cy="369332"/>
           </a:xfrm>
           <a:prstGeom prst="rect">
             <a:avLst/>
           </a:prstGeom>
+          <a:noFill/>
         </p:spPr>
         <p:txBody>
-          <a:bodyPr wrap="square">
+          <a:bodyPr wrap="none" rtlCol="0">
             <a:spAutoFit/>
           </a:bodyPr>
           <a:lstStyle/>
           <a:p>
-            <a:pPr>
-              <a:lnSpc>
-                <a:spcPct val="150000"/>
-              </a:lnSpc>
-            </a:pPr>
-            <a:r>
-              <a:rPr lang="en-US" sz="1600" dirty="0">
-                <a:latin typeface="+mj-lt"/>
-                <a:cs typeface="Segoe UI Light" panose="020B0502040204020203" pitchFamily="34" charset="0"/>
-              </a:rPr>
-              <a:t>We have gathered the data by web scraping, through API requests and manual downloads from the following resources:</a:t>
-            </a:r>
-          </a:p>
-          <a:p>
-            <a:pPr>
-              <a:lnSpc>
-                <a:spcPct val="150000"/>
-              </a:lnSpc>
-            </a:pPr>
-            <a:endParaRPr lang="en-US" sz="1600" dirty="0">
-              <a:latin typeface="+mj-lt"/>
-              <a:cs typeface="Segoe UI Light" panose="020B0502040204020203" pitchFamily="34" charset="0"/>
-            </a:endParaRPr>
-          </a:p>
-          <a:p>
-            <a:pPr marL="171450" indent="-171450">
-              <a:lnSpc>
-                <a:spcPct val="150000"/>
-              </a:lnSpc>
-              <a:buFont typeface="Arial" panose="020B0604020202020204" pitchFamily="34" charset="0"/>
-              <a:buChar char="•"/>
-            </a:pPr>
-            <a:r>
-              <a:rPr lang="en-US" sz="1600" dirty="0">
-                <a:latin typeface="+mj-lt"/>
-                <a:cs typeface="Segoe UI Light" panose="020B0502040204020203" pitchFamily="34" charset="0"/>
-              </a:rPr>
-              <a:t>World Health Organization (WHO)</a:t>
-            </a:r>
-          </a:p>
-          <a:p>
-            <a:pPr marL="171450" indent="-171450">
-              <a:lnSpc>
-                <a:spcPct val="150000"/>
-              </a:lnSpc>
-              <a:buFont typeface="Arial" panose="020B0604020202020204" pitchFamily="34" charset="0"/>
-              <a:buChar char="•"/>
-            </a:pPr>
-            <a:r>
-              <a:rPr lang="en-US" sz="1600" dirty="0">
-                <a:latin typeface="+mj-lt"/>
-                <a:cs typeface="Segoe UI Light" panose="020B0502040204020203" pitchFamily="34" charset="0"/>
-              </a:rPr>
-              <a:t>Global Alliance on Health and Pollution (GAHP)</a:t>
-            </a:r>
-          </a:p>
-          <a:p>
-            <a:pPr marL="171450" indent="-171450">
-              <a:lnSpc>
-                <a:spcPct val="150000"/>
-              </a:lnSpc>
-              <a:buFont typeface="Arial" panose="020B0604020202020204" pitchFamily="34" charset="0"/>
-              <a:buChar char="•"/>
-            </a:pPr>
-            <a:r>
-              <a:rPr lang="en-US" sz="1600" dirty="0">
-                <a:latin typeface="+mj-lt"/>
-                <a:cs typeface="Segoe UI Light" panose="020B0502040204020203" pitchFamily="34" charset="0"/>
-              </a:rPr>
-              <a:t>kaggle.com </a:t>
-            </a:r>
-          </a:p>
-          <a:p>
-            <a:pPr>
-              <a:lnSpc>
-                <a:spcPct val="150000"/>
-              </a:lnSpc>
-            </a:pPr>
-            <a:endParaRPr lang="en-US" sz="1600" dirty="0">
-              <a:latin typeface="+mj-lt"/>
-              <a:cs typeface="Segoe UI Light" panose="020B0502040204020203" pitchFamily="34" charset="0"/>
-            </a:endParaRPr>
-          </a:p>
-          <a:p>
-            <a:pPr>
-              <a:lnSpc>
-                <a:spcPct val="150000"/>
-              </a:lnSpc>
-            </a:pPr>
-            <a:r>
-              <a:rPr lang="en-US" sz="1600" dirty="0">
-                <a:latin typeface="+mj-lt"/>
-                <a:cs typeface="Segoe UI Light" panose="020B0502040204020203" pitchFamily="34" charset="0"/>
-              </a:rPr>
-              <a:t>For Data Cleaning we used Python &amp; </a:t>
-            </a:r>
-            <a:r>
-              <a:rPr lang="en-US" sz="1600" dirty="0" err="1">
-                <a:latin typeface="+mj-lt"/>
-                <a:cs typeface="Segoe UI Light" panose="020B0502040204020203" pitchFamily="34" charset="0"/>
-              </a:rPr>
-              <a:t>Jupyter</a:t>
-            </a:r>
-            <a:r>
-              <a:rPr lang="en-US" sz="1600" dirty="0">
-                <a:latin typeface="+mj-lt"/>
-                <a:cs typeface="Segoe UI Light" panose="020B0502040204020203" pitchFamily="34" charset="0"/>
-              </a:rPr>
-              <a:t> Notebook</a:t>
-            </a:r>
+            <a:endParaRPr lang="en-US" dirty="0"/>
           </a:p>
         </p:txBody>
       </p:sp>
@@ -12932,6 +12825,671 @@
 </file>
 
 <file path=ppt/slides/slide4.xml><?xml version="1.0" encoding="utf-8"?>
+<p:sld xmlns:a="http://schemas.openxmlformats.org/drawingml/2006/main" xmlns:r="http://schemas.openxmlformats.org/officeDocument/2006/relationships" xmlns:p="http://schemas.openxmlformats.org/presentationml/2006/main">
+  <p:cSld>
+    <p:bg>
+      <p:bgPr>
+        <a:solidFill>
+          <a:schemeClr val="bg1"/>
+        </a:solidFill>
+        <a:effectLst/>
+      </p:bgPr>
+    </p:bg>
+    <p:spTree>
+      <p:nvGrpSpPr>
+        <p:cNvPr id="1" name=""/>
+        <p:cNvGrpSpPr/>
+        <p:nvPr/>
+      </p:nvGrpSpPr>
+      <p:grpSpPr>
+        <a:xfrm>
+          <a:off x="0" y="0"/>
+          <a:ext cx="0" cy="0"/>
+          <a:chOff x="0" y="0"/>
+          <a:chExt cx="0" cy="0"/>
+        </a:xfrm>
+      </p:grpSpPr>
+      <p:sp useBgFill="1">
+        <p:nvSpPr>
+          <p:cNvPr id="45" name="Rectangle 44">
+            <a:extLst>
+              <a:ext uri="{FF2B5EF4-FFF2-40B4-BE49-F238E27FC236}">
+                <a16:creationId xmlns:a16="http://schemas.microsoft.com/office/drawing/2014/main" id="{398F3DEE-0E56-499F-AFAE-C2DA7C2C815B}"/>
+              </a:ext>
+              <a:ext uri="{C183D7F6-B498-43B3-948B-1728B52AA6E4}">
+                <adec:decorative xmlns:adec="http://schemas.microsoft.com/office/drawing/2017/decorative" val="1"/>
+              </a:ext>
+            </a:extLst>
+          </p:cNvPr>
+          <p:cNvSpPr>
+            <a:spLocks noGrp="1" noRot="1" noChangeAspect="1" noMove="1" noResize="1" noEditPoints="1" noAdjustHandles="1" noChangeArrowheads="1" noChangeShapeType="1" noTextEdit="1"/>
+          </p:cNvSpPr>
+          <p:nvPr>
+            <p:extLst>
+              <p:ext uri="{386F3935-93C4-4BCD-93E2-E3B085C9AB24}">
+                <p16:designElem xmlns:p16="http://schemas.microsoft.com/office/powerpoint/2015/main" val="1"/>
+              </p:ext>
+            </p:extLst>
+          </p:nvPr>
+        </p:nvSpPr>
+        <p:spPr>
+          <a:xfrm>
+            <a:off x="0" y="0"/>
+            <a:ext cx="12192000" cy="6858000"/>
+          </a:xfrm>
+          <a:prstGeom prst="rect">
+            <a:avLst/>
+          </a:prstGeom>
+          <a:ln w="12700" cap="flat" cmpd="sng" algn="ctr">
+            <a:noFill/>
+            <a:prstDash val="solid"/>
+            <a:miter lim="800000"/>
+          </a:ln>
+          <a:effectLst/>
+          <a:extLst>
+            <a:ext uri="{91240B29-F687-4F45-9708-019B960494DF}">
+              <a14:hiddenLine xmlns:a14="http://schemas.microsoft.com/office/drawing/2010/main" w="12700" cap="flat" cmpd="sng" algn="ctr">
+                <a:solidFill>
+                  <a:schemeClr val="accent1">
+                    <a:shade val="50000"/>
+                  </a:schemeClr>
+                </a:solidFill>
+                <a:prstDash val="solid"/>
+                <a:miter lim="800000"/>
+              </a14:hiddenLine>
+            </a:ext>
+          </a:extLst>
+        </p:spPr>
+        <p:style>
+          <a:lnRef idx="2">
+            <a:schemeClr val="accent1">
+              <a:shade val="50000"/>
+            </a:schemeClr>
+          </a:lnRef>
+          <a:fillRef idx="1">
+            <a:schemeClr val="accent1"/>
+          </a:fillRef>
+          <a:effectRef idx="0">
+            <a:schemeClr val="accent1"/>
+          </a:effectRef>
+          <a:fontRef idx="minor">
+            <a:schemeClr val="lt1"/>
+          </a:fontRef>
+        </p:style>
+        <p:txBody>
+          <a:bodyPr rtlCol="0" anchor="ctr"/>
+          <a:lstStyle/>
+          <a:p>
+            <a:pPr algn="ctr"/>
+            <a:endParaRPr lang="en-US"/>
+          </a:p>
+        </p:txBody>
+      </p:sp>
+      <p:sp>
+        <p:nvSpPr>
+          <p:cNvPr id="47" name="Rectangle 46">
+            <a:extLst>
+              <a:ext uri="{FF2B5EF4-FFF2-40B4-BE49-F238E27FC236}">
+                <a16:creationId xmlns:a16="http://schemas.microsoft.com/office/drawing/2014/main" id="{33B9C452-2C6E-4D52-8FC7-669291EE91D4}"/>
+              </a:ext>
+              <a:ext uri="{C183D7F6-B498-43B3-948B-1728B52AA6E4}">
+                <adec:decorative xmlns:adec="http://schemas.microsoft.com/office/drawing/2017/decorative" val="1"/>
+              </a:ext>
+            </a:extLst>
+          </p:cNvPr>
+          <p:cNvSpPr>
+            <a:spLocks noGrp="1" noRot="1" noChangeAspect="1" noMove="1" noResize="1" noEditPoints="1" noAdjustHandles="1" noChangeArrowheads="1" noChangeShapeType="1" noTextEdit="1"/>
+          </p:cNvSpPr>
+          <p:nvPr>
+            <p:extLst>
+              <p:ext uri="{386F3935-93C4-4BCD-93E2-E3B085C9AB24}">
+                <p16:designElem xmlns:p16="http://schemas.microsoft.com/office/powerpoint/2015/main" val="1"/>
+              </p:ext>
+            </p:extLst>
+          </p:nvPr>
+        </p:nvSpPr>
+        <p:spPr>
+          <a:xfrm flipH="1">
+            <a:off x="2" y="0"/>
+            <a:ext cx="12191998" cy="1575955"/>
+          </a:xfrm>
+          <a:prstGeom prst="rect">
+            <a:avLst/>
+          </a:prstGeom>
+          <a:gradFill>
+            <a:gsLst>
+              <a:gs pos="0">
+                <a:srgbClr val="000000">
+                  <a:alpha val="96000"/>
+                </a:srgbClr>
+              </a:gs>
+              <a:gs pos="100000">
+                <a:schemeClr val="accent1">
+                  <a:lumMod val="75000"/>
+                </a:schemeClr>
+              </a:gs>
+            </a:gsLst>
+            <a:lin ang="8400000" scaled="0"/>
+          </a:gradFill>
+          <a:ln>
+            <a:noFill/>
+          </a:ln>
+        </p:spPr>
+        <p:style>
+          <a:lnRef idx="2">
+            <a:schemeClr val="accent1">
+              <a:shade val="50000"/>
+            </a:schemeClr>
+          </a:lnRef>
+          <a:fillRef idx="1">
+            <a:schemeClr val="accent1"/>
+          </a:fillRef>
+          <a:effectRef idx="0">
+            <a:schemeClr val="accent1"/>
+          </a:effectRef>
+          <a:fontRef idx="minor">
+            <a:schemeClr val="lt1"/>
+          </a:fontRef>
+        </p:style>
+        <p:txBody>
+          <a:bodyPr rtlCol="0" anchor="ctr"/>
+          <a:lstStyle/>
+          <a:p>
+            <a:pPr algn="ctr"/>
+            <a:endParaRPr lang="en-US"/>
+          </a:p>
+        </p:txBody>
+      </p:sp>
+      <p:sp>
+        <p:nvSpPr>
+          <p:cNvPr id="49" name="Rectangle 48">
+            <a:extLst>
+              <a:ext uri="{FF2B5EF4-FFF2-40B4-BE49-F238E27FC236}">
+                <a16:creationId xmlns:a16="http://schemas.microsoft.com/office/drawing/2014/main" id="{34E1CC44-1B7F-472B-B668-B4F2F4723D7E}"/>
+              </a:ext>
+              <a:ext uri="{C183D7F6-B498-43B3-948B-1728B52AA6E4}">
+                <adec:decorative xmlns:adec="http://schemas.microsoft.com/office/drawing/2017/decorative" val="1"/>
+              </a:ext>
+            </a:extLst>
+          </p:cNvPr>
+          <p:cNvSpPr>
+            <a:spLocks noGrp="1" noRot="1" noChangeAspect="1" noMove="1" noResize="1" noEditPoints="1" noAdjustHandles="1" noChangeArrowheads="1" noChangeShapeType="1" noTextEdit="1"/>
+          </p:cNvSpPr>
+          <p:nvPr>
+            <p:extLst>
+              <p:ext uri="{386F3935-93C4-4BCD-93E2-E3B085C9AB24}">
+                <p16:designElem xmlns:p16="http://schemas.microsoft.com/office/powerpoint/2015/main" val="1"/>
+              </p:ext>
+            </p:extLst>
+          </p:nvPr>
+        </p:nvSpPr>
+        <p:spPr>
+          <a:xfrm rot="10800000" flipH="1">
+            <a:off x="8128857" y="0"/>
+            <a:ext cx="4063143" cy="1576412"/>
+          </a:xfrm>
+          <a:prstGeom prst="rect">
+            <a:avLst/>
+          </a:prstGeom>
+          <a:gradFill>
+            <a:gsLst>
+              <a:gs pos="19000">
+                <a:schemeClr val="accent1">
+                  <a:lumMod val="50000"/>
+                  <a:alpha val="68000"/>
+                </a:schemeClr>
+              </a:gs>
+              <a:gs pos="100000">
+                <a:schemeClr val="accent1">
+                  <a:alpha val="79000"/>
+                </a:schemeClr>
+              </a:gs>
+            </a:gsLst>
+            <a:lin ang="19200000" scaled="0"/>
+          </a:gradFill>
+          <a:ln>
+            <a:noFill/>
+          </a:ln>
+        </p:spPr>
+        <p:style>
+          <a:lnRef idx="2">
+            <a:schemeClr val="accent1">
+              <a:shade val="50000"/>
+            </a:schemeClr>
+          </a:lnRef>
+          <a:fillRef idx="1">
+            <a:schemeClr val="accent1"/>
+          </a:fillRef>
+          <a:effectRef idx="0">
+            <a:schemeClr val="accent1"/>
+          </a:effectRef>
+          <a:fontRef idx="minor">
+            <a:schemeClr val="lt1"/>
+          </a:fontRef>
+        </p:style>
+        <p:txBody>
+          <a:bodyPr rtlCol="0" anchor="ctr"/>
+          <a:lstStyle/>
+          <a:p>
+            <a:pPr algn="ctr"/>
+            <a:endParaRPr lang="en-US"/>
+          </a:p>
+        </p:txBody>
+      </p:sp>
+      <p:sp>
+        <p:nvSpPr>
+          <p:cNvPr id="51" name="Rectangle 50">
+            <a:extLst>
+              <a:ext uri="{FF2B5EF4-FFF2-40B4-BE49-F238E27FC236}">
+                <a16:creationId xmlns:a16="http://schemas.microsoft.com/office/drawing/2014/main" id="{B5BAD077-4A41-458D-9909-1A108699EA38}"/>
+              </a:ext>
+              <a:ext uri="{C183D7F6-B498-43B3-948B-1728B52AA6E4}">
+                <adec:decorative xmlns:adec="http://schemas.microsoft.com/office/drawing/2017/decorative" val="1"/>
+              </a:ext>
+            </a:extLst>
+          </p:cNvPr>
+          <p:cNvSpPr>
+            <a:spLocks noGrp="1" noRot="1" noChangeAspect="1" noMove="1" noResize="1" noEditPoints="1" noAdjustHandles="1" noChangeArrowheads="1" noChangeShapeType="1" noTextEdit="1"/>
+          </p:cNvSpPr>
+          <p:nvPr>
+            <p:extLst>
+              <p:ext uri="{386F3935-93C4-4BCD-93E2-E3B085C9AB24}">
+                <p16:designElem xmlns:p16="http://schemas.microsoft.com/office/powerpoint/2015/main" val="1"/>
+              </p:ext>
+            </p:extLst>
+          </p:nvPr>
+        </p:nvSpPr>
+        <p:spPr>
+          <a:xfrm rot="5400000">
+            <a:off x="5307777" y="-5307776"/>
+            <a:ext cx="1576446" cy="12192002"/>
+          </a:xfrm>
+          <a:prstGeom prst="rect">
+            <a:avLst/>
+          </a:prstGeom>
+          <a:gradFill>
+            <a:gsLst>
+              <a:gs pos="23000">
+                <a:schemeClr val="accent1">
+                  <a:alpha val="0"/>
+                </a:schemeClr>
+              </a:gs>
+              <a:gs pos="99000">
+                <a:srgbClr val="000000">
+                  <a:alpha val="74000"/>
+                </a:srgbClr>
+              </a:gs>
+            </a:gsLst>
+            <a:lin ang="20400000" scaled="0"/>
+          </a:gradFill>
+          <a:ln>
+            <a:noFill/>
+          </a:ln>
+        </p:spPr>
+        <p:style>
+          <a:lnRef idx="2">
+            <a:schemeClr val="accent1">
+              <a:shade val="50000"/>
+            </a:schemeClr>
+          </a:lnRef>
+          <a:fillRef idx="1">
+            <a:schemeClr val="accent1"/>
+          </a:fillRef>
+          <a:effectRef idx="0">
+            <a:schemeClr val="accent1"/>
+          </a:effectRef>
+          <a:fontRef idx="minor">
+            <a:schemeClr val="lt1"/>
+          </a:fontRef>
+        </p:style>
+        <p:txBody>
+          <a:bodyPr rtlCol="0" anchor="ctr"/>
+          <a:lstStyle/>
+          <a:p>
+            <a:pPr algn="ctr"/>
+            <a:endParaRPr lang="en-US" dirty="0"/>
+          </a:p>
+        </p:txBody>
+      </p:sp>
+      <p:sp>
+        <p:nvSpPr>
+          <p:cNvPr id="53" name="Rectangle 52">
+            <a:extLst>
+              <a:ext uri="{FF2B5EF4-FFF2-40B4-BE49-F238E27FC236}">
+                <a16:creationId xmlns:a16="http://schemas.microsoft.com/office/drawing/2014/main" id="{F1FC21CE-01FD-49CC-BAFC-06F38B34BB81}"/>
+              </a:ext>
+              <a:ext uri="{C183D7F6-B498-43B3-948B-1728B52AA6E4}">
+                <adec:decorative xmlns:adec="http://schemas.microsoft.com/office/drawing/2017/decorative" val="1"/>
+              </a:ext>
+            </a:extLst>
+          </p:cNvPr>
+          <p:cNvSpPr>
+            <a:spLocks noGrp="1" noRot="1" noChangeAspect="1" noMove="1" noResize="1" noEditPoints="1" noAdjustHandles="1" noChangeArrowheads="1" noChangeShapeType="1" noTextEdit="1"/>
+          </p:cNvSpPr>
+          <p:nvPr>
+            <p:extLst>
+              <p:ext uri="{386F3935-93C4-4BCD-93E2-E3B085C9AB24}">
+                <p16:designElem xmlns:p16="http://schemas.microsoft.com/office/powerpoint/2015/main" val="1"/>
+              </p:ext>
+            </p:extLst>
+          </p:nvPr>
+        </p:nvSpPr>
+        <p:spPr>
+          <a:xfrm>
+            <a:off x="3825434" y="0"/>
+            <a:ext cx="4303422" cy="1575461"/>
+          </a:xfrm>
+          <a:prstGeom prst="rect">
+            <a:avLst/>
+          </a:prstGeom>
+          <a:gradFill>
+            <a:gsLst>
+              <a:gs pos="0">
+                <a:schemeClr val="accent1">
+                  <a:alpha val="17000"/>
+                </a:schemeClr>
+              </a:gs>
+              <a:gs pos="74000">
+                <a:schemeClr val="accent1">
+                  <a:lumMod val="50000"/>
+                  <a:alpha val="0"/>
+                </a:schemeClr>
+              </a:gs>
+            </a:gsLst>
+            <a:lin ang="14400000" scaled="0"/>
+          </a:gradFill>
+          <a:ln>
+            <a:noFill/>
+          </a:ln>
+        </p:spPr>
+        <p:style>
+          <a:lnRef idx="2">
+            <a:schemeClr val="accent1">
+              <a:shade val="50000"/>
+            </a:schemeClr>
+          </a:lnRef>
+          <a:fillRef idx="1">
+            <a:schemeClr val="accent1"/>
+          </a:fillRef>
+          <a:effectRef idx="0">
+            <a:schemeClr val="accent1"/>
+          </a:effectRef>
+          <a:fontRef idx="minor">
+            <a:schemeClr val="lt1"/>
+          </a:fontRef>
+        </p:style>
+        <p:txBody>
+          <a:bodyPr rtlCol="0" anchor="ctr"/>
+          <a:lstStyle/>
+          <a:p>
+            <a:pPr algn="ctr"/>
+            <a:endParaRPr lang="en-US"/>
+          </a:p>
+        </p:txBody>
+      </p:sp>
+      <p:sp>
+        <p:nvSpPr>
+          <p:cNvPr id="2" name="Title 1">
+            <a:extLst>
+              <a:ext uri="{FF2B5EF4-FFF2-40B4-BE49-F238E27FC236}">
+                <a16:creationId xmlns:a16="http://schemas.microsoft.com/office/drawing/2014/main" id="{93F4D182-36A8-D18D-A20B-CE4EEDFB1E69}"/>
+              </a:ext>
+            </a:extLst>
+          </p:cNvPr>
+          <p:cNvSpPr>
+            <a:spLocks noGrp="1"/>
+          </p:cNvSpPr>
+          <p:nvPr>
+            <p:ph type="title"/>
+          </p:nvPr>
+        </p:nvSpPr>
+        <p:spPr>
+          <a:xfrm>
+            <a:off x="699714" y="321728"/>
+            <a:ext cx="6999883" cy="967956"/>
+          </a:xfrm>
+        </p:spPr>
+        <p:txBody>
+          <a:bodyPr vert="horz" lIns="91440" tIns="45720" rIns="91440" bIns="45720" rtlCol="0" anchor="ctr">
+            <a:normAutofit/>
+          </a:bodyPr>
+          <a:lstStyle/>
+          <a:p>
+            <a:r>
+              <a:rPr lang="en-US" sz="4000">
+                <a:solidFill>
+                  <a:srgbClr val="FFFFFF"/>
+                </a:solidFill>
+              </a:rPr>
+              <a:t>Database Management  </a:t>
+            </a:r>
+          </a:p>
+        </p:txBody>
+      </p:sp>
+      <p:pic>
+        <p:nvPicPr>
+          <p:cNvPr id="4" name="Picture 3" descr="Table&#10;&#10;Description automatically generated">
+            <a:extLst>
+              <a:ext uri="{FF2B5EF4-FFF2-40B4-BE49-F238E27FC236}">
+                <a16:creationId xmlns:a16="http://schemas.microsoft.com/office/drawing/2014/main" id="{922D2802-CEF8-8CB8-2DE9-844C63F46879}"/>
+              </a:ext>
+            </a:extLst>
+          </p:cNvPr>
+          <p:cNvPicPr>
+            <a:picLocks noChangeAspect="1"/>
+          </p:cNvPicPr>
+          <p:nvPr/>
+        </p:nvPicPr>
+        <p:blipFill>
+          <a:blip r:embed="rId2"/>
+          <a:stretch>
+            <a:fillRect/>
+          </a:stretch>
+        </p:blipFill>
+        <p:spPr>
+          <a:xfrm>
+            <a:off x="9854057" y="2137546"/>
+            <a:ext cx="1957222" cy="3903541"/>
+          </a:xfrm>
+          <a:prstGeom prst="rect">
+            <a:avLst/>
+          </a:prstGeom>
+        </p:spPr>
+      </p:pic>
+      <p:pic>
+        <p:nvPicPr>
+          <p:cNvPr id="13" name="Picture 12" descr="Table&#10;&#10;Description automatically generated">
+            <a:extLst>
+              <a:ext uri="{FF2B5EF4-FFF2-40B4-BE49-F238E27FC236}">
+                <a16:creationId xmlns:a16="http://schemas.microsoft.com/office/drawing/2014/main" id="{BFE135E6-B363-AEC9-E620-B5CC77C44E0D}"/>
+              </a:ext>
+            </a:extLst>
+          </p:cNvPr>
+          <p:cNvPicPr>
+            <a:picLocks noChangeAspect="1"/>
+          </p:cNvPicPr>
+          <p:nvPr/>
+        </p:nvPicPr>
+        <p:blipFill>
+          <a:blip r:embed="rId3"/>
+          <a:stretch>
+            <a:fillRect/>
+          </a:stretch>
+        </p:blipFill>
+        <p:spPr>
+          <a:xfrm>
+            <a:off x="6783299" y="3574774"/>
+            <a:ext cx="2494544" cy="2831644"/>
+          </a:xfrm>
+          <a:prstGeom prst="rect">
+            <a:avLst/>
+          </a:prstGeom>
+        </p:spPr>
+      </p:pic>
+      <p:pic>
+        <p:nvPicPr>
+          <p:cNvPr id="11" name="Picture 10" descr="Graphical user interface, application&#10;&#10;Description automatically generated">
+            <a:extLst>
+              <a:ext uri="{FF2B5EF4-FFF2-40B4-BE49-F238E27FC236}">
+                <a16:creationId xmlns:a16="http://schemas.microsoft.com/office/drawing/2014/main" id="{C369A315-2BC3-D66F-2B13-78968A13DE01}"/>
+              </a:ext>
+            </a:extLst>
+          </p:cNvPr>
+          <p:cNvPicPr>
+            <a:picLocks noChangeAspect="1"/>
+          </p:cNvPicPr>
+          <p:nvPr/>
+        </p:nvPicPr>
+        <p:blipFill>
+          <a:blip r:embed="rId4"/>
+          <a:stretch>
+            <a:fillRect/>
+          </a:stretch>
+        </p:blipFill>
+        <p:spPr>
+          <a:xfrm>
+            <a:off x="236631" y="2111042"/>
+            <a:ext cx="5740514" cy="1692332"/>
+          </a:xfrm>
+          <a:prstGeom prst="rect">
+            <a:avLst/>
+          </a:prstGeom>
+        </p:spPr>
+      </p:pic>
+      <p:pic>
+        <p:nvPicPr>
+          <p:cNvPr id="9" name="Picture 8" descr="Graphical user interface, application&#10;&#10;Description automatically generated">
+            <a:extLst>
+              <a:ext uri="{FF2B5EF4-FFF2-40B4-BE49-F238E27FC236}">
+                <a16:creationId xmlns:a16="http://schemas.microsoft.com/office/drawing/2014/main" id="{43384E07-1066-33DE-8802-C7BDB66F86A0}"/>
+              </a:ext>
+            </a:extLst>
+          </p:cNvPr>
+          <p:cNvPicPr>
+            <a:picLocks noChangeAspect="1"/>
+          </p:cNvPicPr>
+          <p:nvPr/>
+        </p:nvPicPr>
+        <p:blipFill>
+          <a:blip r:embed="rId5"/>
+          <a:stretch>
+            <a:fillRect/>
+          </a:stretch>
+        </p:blipFill>
+        <p:spPr>
+          <a:xfrm>
+            <a:off x="143449" y="4275090"/>
+            <a:ext cx="5740514" cy="1951771"/>
+          </a:xfrm>
+          <a:prstGeom prst="rect">
+            <a:avLst/>
+          </a:prstGeom>
+        </p:spPr>
+      </p:pic>
+      <p:sp>
+        <p:nvSpPr>
+          <p:cNvPr id="5" name="TextBox 4">
+            <a:extLst>
+              <a:ext uri="{FF2B5EF4-FFF2-40B4-BE49-F238E27FC236}">
+                <a16:creationId xmlns:a16="http://schemas.microsoft.com/office/drawing/2014/main" id="{92ED22FC-2809-B2CB-28AC-9E933D385CFF}"/>
+              </a:ext>
+            </a:extLst>
+          </p:cNvPr>
+          <p:cNvSpPr txBox="1"/>
+          <p:nvPr/>
+        </p:nvSpPr>
+        <p:spPr>
+          <a:xfrm>
+            <a:off x="1152939" y="2252870"/>
+            <a:ext cx="184731" cy="369332"/>
+          </a:xfrm>
+          <a:prstGeom prst="rect">
+            <a:avLst/>
+          </a:prstGeom>
+          <a:noFill/>
+        </p:spPr>
+        <p:txBody>
+          <a:bodyPr wrap="none" rtlCol="0">
+            <a:spAutoFit/>
+          </a:bodyPr>
+          <a:lstStyle/>
+          <a:p>
+            <a:endParaRPr lang="en-US" dirty="0"/>
+          </a:p>
+        </p:txBody>
+      </p:sp>
+      <p:sp>
+        <p:nvSpPr>
+          <p:cNvPr id="14" name="Down Arrow 13">
+            <a:extLst>
+              <a:ext uri="{FF2B5EF4-FFF2-40B4-BE49-F238E27FC236}">
+                <a16:creationId xmlns:a16="http://schemas.microsoft.com/office/drawing/2014/main" id="{98210B1B-2963-67FD-0615-CB47C1B096AF}"/>
+              </a:ext>
+            </a:extLst>
+          </p:cNvPr>
+          <p:cNvSpPr/>
+          <p:nvPr/>
+        </p:nvSpPr>
+        <p:spPr>
+          <a:xfrm>
+            <a:off x="2961114" y="3809421"/>
+            <a:ext cx="291547" cy="357809"/>
+          </a:xfrm>
+          <a:prstGeom prst="downArrow">
+            <a:avLst/>
+          </a:prstGeom>
+        </p:spPr>
+        <p:style>
+          <a:lnRef idx="2">
+            <a:schemeClr val="accent1">
+              <a:shade val="50000"/>
+            </a:schemeClr>
+          </a:lnRef>
+          <a:fillRef idx="1">
+            <a:schemeClr val="accent1"/>
+          </a:fillRef>
+          <a:effectRef idx="0">
+            <a:schemeClr val="accent1"/>
+          </a:effectRef>
+          <a:fontRef idx="minor">
+            <a:schemeClr val="lt1"/>
+          </a:fontRef>
+        </p:style>
+        <p:txBody>
+          <a:bodyPr rtlCol="0" anchor="ctr"/>
+          <a:lstStyle/>
+          <a:p>
+            <a:pPr algn="ctr"/>
+            <a:endParaRPr lang="en-US"/>
+          </a:p>
+        </p:txBody>
+      </p:sp>
+    </p:spTree>
+    <p:extLst>
+      <p:ext uri="{BB962C8B-B14F-4D97-AF65-F5344CB8AC3E}">
+        <p14:creationId xmlns:p14="http://schemas.microsoft.com/office/powerpoint/2010/main" val="4133445977"/>
+      </p:ext>
+    </p:extLst>
+  </p:cSld>
+  <p:clrMapOvr>
+    <a:masterClrMapping/>
+  </p:clrMapOvr>
+  <mc:AlternateContent xmlns:mc="http://schemas.openxmlformats.org/markup-compatibility/2006">
+    <mc:Choice xmlns:p159="http://schemas.microsoft.com/office/powerpoint/2015/09/main" Requires="p159">
+      <p:transition xmlns:p14="http://schemas.microsoft.com/office/powerpoint/2010/main" spd="slow" p14:dur="2000">
+        <p159:morph option="byObject"/>
+      </p:transition>
+    </mc:Choice>
+    <mc:Fallback>
+      <p:transition spd="slow">
+        <p:fade/>
+      </p:transition>
+    </mc:Fallback>
+  </mc:AlternateContent>
+</p:sld>
+</file>
+
+<file path=ppt/slides/slide5.xml><?xml version="1.0" encoding="utf-8"?>
 <p:sld xmlns:a="http://schemas.openxmlformats.org/drawingml/2006/main" xmlns:r="http://schemas.openxmlformats.org/officeDocument/2006/relationships" xmlns:p="http://schemas.openxmlformats.org/presentationml/2006/main">
   <p:cSld>
     <p:bg>
@@ -13233,19 +13791,8 @@
           <a:lstStyle/>
           <a:p>
             <a:r>
-              <a:rPr lang="en-US" sz="4000" kern="1200" dirty="0">
-                <a:solidFill>
-                  <a:schemeClr val="tx1"/>
-                </a:solidFill>
-                <a:latin typeface="+mj-lt"/>
-                <a:ea typeface="+mj-ea"/>
-                <a:cs typeface="+mj-cs"/>
-              </a:rPr>
-              <a:t>Data Exploratio</a:t>
-            </a:r>
-            <a:r>
               <a:rPr lang="en-US" sz="4000" dirty="0"/>
-              <a:t>n and Cleaning </a:t>
+              <a:t>Deep Dive into Data Set </a:t>
             </a:r>
             <a:endParaRPr lang="en-US" sz="4000" kern="1200" dirty="0">
               <a:solidFill>
@@ -13351,146 +13898,36 @@
           </a:p>
         </p:txBody>
       </p:sp>
-      <p:sp>
-        <p:nvSpPr>
-          <p:cNvPr id="4" name="Rectangle 3">
+      <p:pic>
+        <p:nvPicPr>
+          <p:cNvPr id="5" name="Picture 4" descr="Chart&#10;&#10;Description automatically generated">
             <a:extLst>
               <a:ext uri="{FF2B5EF4-FFF2-40B4-BE49-F238E27FC236}">
-                <a16:creationId xmlns:a16="http://schemas.microsoft.com/office/drawing/2014/main" id="{C0C2D282-1CD4-5C56-09C9-CCB9DF7A4385}"/>
+                <a16:creationId xmlns:a16="http://schemas.microsoft.com/office/drawing/2014/main" id="{9053DC67-3E40-EAF0-1FBD-0C3A56A1307A}"/>
               </a:ext>
             </a:extLst>
           </p:cNvPr>
-          <p:cNvSpPr/>
+          <p:cNvPicPr>
+            <a:picLocks noChangeAspect="1"/>
+          </p:cNvPicPr>
           <p:nvPr/>
-        </p:nvSpPr>
+        </p:nvPicPr>
+        <p:blipFill>
+          <a:blip r:embed="rId2"/>
+          <a:stretch>
+            <a:fillRect/>
+          </a:stretch>
+        </p:blipFill>
         <p:spPr>
           <a:xfrm>
-            <a:off x="2785096" y="1321425"/>
-            <a:ext cx="4484514" cy="3747436"/>
+            <a:off x="2595852" y="1451316"/>
+            <a:ext cx="3903733" cy="3379621"/>
           </a:xfrm>
           <a:prstGeom prst="rect">
             <a:avLst/>
           </a:prstGeom>
         </p:spPr>
-        <p:txBody>
-          <a:bodyPr wrap="square">
-            <a:spAutoFit/>
-          </a:bodyPr>
-          <a:lstStyle/>
-          <a:p>
-            <a:pPr>
-              <a:lnSpc>
-                <a:spcPct val="150000"/>
-              </a:lnSpc>
-            </a:pPr>
-            <a:r>
-              <a:rPr lang="en-US" sz="1600" dirty="0">
-                <a:latin typeface="+mj-lt"/>
-                <a:cs typeface="Segoe UI Light" panose="020B0502040204020203" pitchFamily="34" charset="0"/>
-              </a:rPr>
-              <a:t>We have gathered the data by web scraping, through API requests and manual downloads from the following resources:</a:t>
-            </a:r>
-          </a:p>
-          <a:p>
-            <a:pPr>
-              <a:lnSpc>
-                <a:spcPct val="150000"/>
-              </a:lnSpc>
-            </a:pPr>
-            <a:endParaRPr lang="en-US" sz="1600" dirty="0">
-              <a:latin typeface="+mj-lt"/>
-              <a:cs typeface="Segoe UI Light" panose="020B0502040204020203" pitchFamily="34" charset="0"/>
-            </a:endParaRPr>
-          </a:p>
-          <a:p>
-            <a:pPr marL="171450" indent="-171450">
-              <a:lnSpc>
-                <a:spcPct val="150000"/>
-              </a:lnSpc>
-              <a:buFont typeface="Arial" panose="020B0604020202020204" pitchFamily="34" charset="0"/>
-              <a:buChar char="•"/>
-            </a:pPr>
-            <a:r>
-              <a:rPr lang="en-US" sz="1600" dirty="0">
-                <a:latin typeface="+mj-lt"/>
-                <a:cs typeface="Segoe UI Light" panose="020B0502040204020203" pitchFamily="34" charset="0"/>
-              </a:rPr>
-              <a:t>World Health Organization (WHO)</a:t>
-            </a:r>
-          </a:p>
-          <a:p>
-            <a:pPr marL="171450" indent="-171450">
-              <a:lnSpc>
-                <a:spcPct val="150000"/>
-              </a:lnSpc>
-              <a:buFont typeface="Arial" panose="020B0604020202020204" pitchFamily="34" charset="0"/>
-              <a:buChar char="•"/>
-            </a:pPr>
-            <a:r>
-              <a:rPr lang="en-US" sz="1600" dirty="0">
-                <a:latin typeface="+mj-lt"/>
-                <a:cs typeface="Segoe UI Light" panose="020B0502040204020203" pitchFamily="34" charset="0"/>
-              </a:rPr>
-              <a:t>Global Alliance on Health and Pollution (GAHP)</a:t>
-            </a:r>
-          </a:p>
-          <a:p>
-            <a:pPr marL="171450" indent="-171450">
-              <a:lnSpc>
-                <a:spcPct val="150000"/>
-              </a:lnSpc>
-              <a:buFont typeface="Arial" panose="020B0604020202020204" pitchFamily="34" charset="0"/>
-              <a:buChar char="•"/>
-            </a:pPr>
-            <a:r>
-              <a:rPr lang="en-US" sz="1600" dirty="0">
-                <a:latin typeface="+mj-lt"/>
-                <a:cs typeface="Segoe UI Light" panose="020B0502040204020203" pitchFamily="34" charset="0"/>
-              </a:rPr>
-              <a:t>kaggle.com </a:t>
-            </a:r>
-          </a:p>
-          <a:p>
-            <a:pPr>
-              <a:lnSpc>
-                <a:spcPct val="150000"/>
-              </a:lnSpc>
-            </a:pPr>
-            <a:endParaRPr lang="en-US" sz="1600" dirty="0">
-              <a:latin typeface="+mj-lt"/>
-              <a:cs typeface="Segoe UI Light" panose="020B0502040204020203" pitchFamily="34" charset="0"/>
-            </a:endParaRPr>
-          </a:p>
-          <a:p>
-            <a:pPr>
-              <a:lnSpc>
-                <a:spcPct val="150000"/>
-              </a:lnSpc>
-            </a:pPr>
-            <a:r>
-              <a:rPr lang="en-US" sz="1600" dirty="0">
-                <a:latin typeface="+mj-lt"/>
-                <a:cs typeface="Segoe UI Light" panose="020B0502040204020203" pitchFamily="34" charset="0"/>
-              </a:rPr>
-              <a:t>For Data Cleaning we used Python &amp; </a:t>
-            </a:r>
-            <a:r>
-              <a:rPr lang="en-US" sz="1600" dirty="0" err="1">
-                <a:latin typeface="+mj-lt"/>
-                <a:cs typeface="Segoe UI Light" panose="020B0502040204020203" pitchFamily="34" charset="0"/>
-              </a:rPr>
-              <a:t>Jupyter</a:t>
-            </a:r>
-            <a:r>
-              <a:rPr lang="en-US" sz="1600" dirty="0">
-                <a:latin typeface="+mj-lt"/>
-                <a:cs typeface="Segoe UI Light" panose="020B0502040204020203" pitchFamily="34" charset="0"/>
-              </a:rPr>
-              <a:t> Notebook</a:t>
-            </a:r>
-          </a:p>
-        </p:txBody>
-      </p:sp>
+      </p:pic>
     </p:spTree>
     <p:extLst>
       <p:ext uri="{BB962C8B-B14F-4D97-AF65-F5344CB8AC3E}">
@@ -13504,7 +13941,7 @@
 </p:sld>
 </file>
 
-<file path=ppt/slides/slide5.xml><?xml version="1.0" encoding="utf-8"?>
+<file path=ppt/slides/slide6.xml><?xml version="1.0" encoding="utf-8"?>
 <p:sld xmlns:a="http://schemas.openxmlformats.org/drawingml/2006/main" xmlns:r="http://schemas.openxmlformats.org/officeDocument/2006/relationships" xmlns:p="http://schemas.openxmlformats.org/presentationml/2006/main">
   <p:cSld>
     <p:bg>

--- a/Slides.pptx
+++ b/Slides.pptx
@@ -5,7 +5,7 @@
     <p:sldMasterId id="2147483660" r:id="rId1"/>
   </p:sldMasterIdLst>
   <p:notesMasterIdLst>
-    <p:notesMasterId r:id="rId9"/>
+    <p:notesMasterId r:id="rId15"/>
   </p:notesMasterIdLst>
   <p:sldIdLst>
     <p:sldId id="259" r:id="rId2"/>
@@ -14,7 +14,13 @@
     <p:sldId id="265" r:id="rId5"/>
     <p:sldId id="266" r:id="rId6"/>
     <p:sldId id="262" r:id="rId7"/>
-    <p:sldId id="263" r:id="rId8"/>
+    <p:sldId id="267" r:id="rId8"/>
+    <p:sldId id="268" r:id="rId9"/>
+    <p:sldId id="274" r:id="rId10"/>
+    <p:sldId id="271" r:id="rId11"/>
+    <p:sldId id="272" r:id="rId12"/>
+    <p:sldId id="273" r:id="rId13"/>
+    <p:sldId id="269" r:id="rId14"/>
   </p:sldIdLst>
   <p:sldSz cx="12192000" cy="6858000"/>
   <p:notesSz cx="6858000" cy="9144000"/>
@@ -8154,6 +8160,4017 @@
 </p:sld>
 </file>
 
+<file path=ppt/slides/slide10.xml><?xml version="1.0" encoding="utf-8"?>
+<p:sld xmlns:a="http://schemas.openxmlformats.org/drawingml/2006/main" xmlns:r="http://schemas.openxmlformats.org/officeDocument/2006/relationships" xmlns:p="http://schemas.openxmlformats.org/presentationml/2006/main">
+  <p:cSld>
+    <p:bg>
+      <p:bgPr>
+        <a:solidFill>
+          <a:schemeClr val="bg1"/>
+        </a:solidFill>
+        <a:effectLst/>
+      </p:bgPr>
+    </p:bg>
+    <p:spTree>
+      <p:nvGrpSpPr>
+        <p:cNvPr id="1" name=""/>
+        <p:cNvGrpSpPr/>
+        <p:nvPr/>
+      </p:nvGrpSpPr>
+      <p:grpSpPr>
+        <a:xfrm>
+          <a:off x="0" y="0"/>
+          <a:ext cx="0" cy="0"/>
+          <a:chOff x="0" y="0"/>
+          <a:chExt cx="0" cy="0"/>
+        </a:xfrm>
+      </p:grpSpPr>
+      <p:sp useBgFill="1">
+        <p:nvSpPr>
+          <p:cNvPr id="32" name="Rectangle 31">
+            <a:extLst>
+              <a:ext uri="{FF2B5EF4-FFF2-40B4-BE49-F238E27FC236}">
+                <a16:creationId xmlns:a16="http://schemas.microsoft.com/office/drawing/2014/main" id="{2D6CE9D5-28BB-4329-B5E2-B06131F27F5B}"/>
+              </a:ext>
+              <a:ext uri="{C183D7F6-B498-43B3-948B-1728B52AA6E4}">
+                <adec:decorative xmlns:adec="http://schemas.microsoft.com/office/drawing/2017/decorative" val="1"/>
+              </a:ext>
+            </a:extLst>
+          </p:cNvPr>
+          <p:cNvSpPr>
+            <a:spLocks noGrp="1" noRot="1" noChangeAspect="1" noMove="1" noResize="1" noEditPoints="1" noAdjustHandles="1" noChangeArrowheads="1" noChangeShapeType="1" noTextEdit="1"/>
+          </p:cNvSpPr>
+          <p:nvPr>
+            <p:extLst>
+              <p:ext uri="{386F3935-93C4-4BCD-93E2-E3B085C9AB24}">
+                <p16:designElem xmlns:p16="http://schemas.microsoft.com/office/powerpoint/2015/main" val="1"/>
+              </p:ext>
+            </p:extLst>
+          </p:nvPr>
+        </p:nvSpPr>
+        <p:spPr bwMode="white">
+          <a:xfrm>
+            <a:off x="0" y="0"/>
+            <a:ext cx="12192000" cy="6858000"/>
+          </a:xfrm>
+          <a:prstGeom prst="rect">
+            <a:avLst/>
+          </a:prstGeom>
+          <a:ln>
+            <a:noFill/>
+          </a:ln>
+        </p:spPr>
+        <p:style>
+          <a:lnRef idx="2">
+            <a:schemeClr val="accent1">
+              <a:shade val="50000"/>
+            </a:schemeClr>
+          </a:lnRef>
+          <a:fillRef idx="1">
+            <a:schemeClr val="accent1"/>
+          </a:fillRef>
+          <a:effectRef idx="0">
+            <a:schemeClr val="accent1"/>
+          </a:effectRef>
+          <a:fontRef idx="minor">
+            <a:schemeClr val="lt1"/>
+          </a:fontRef>
+        </p:style>
+        <p:txBody>
+          <a:bodyPr rot="0" spcFirstLastPara="0" vert="horz" wrap="square" lIns="91440" tIns="45720" rIns="91440" bIns="45720" numCol="1" spcCol="0" rtlCol="0" fromWordArt="0" anchor="ctr" anchorCtr="0" forceAA="0" compatLnSpc="1">
+            <a:prstTxWarp prst="textNoShape">
+              <a:avLst/>
+            </a:prstTxWarp>
+            <a:noAutofit/>
+          </a:bodyPr>
+          <a:lstStyle>
+            <a:defPPr>
+              <a:defRPr lang="en-US"/>
+            </a:defPPr>
+            <a:lvl1pPr marL="0" algn="l" defTabSz="914400" rtl="0" eaLnBrk="1" latinLnBrk="0" hangingPunct="1">
+              <a:defRPr sz="1800" kern="1200">
+                <a:solidFill>
+                  <a:schemeClr val="lt1"/>
+                </a:solidFill>
+                <a:latin typeface="+mn-lt"/>
+                <a:ea typeface="+mn-ea"/>
+                <a:cs typeface="+mn-cs"/>
+              </a:defRPr>
+            </a:lvl1pPr>
+            <a:lvl2pPr marL="457200" algn="l" defTabSz="914400" rtl="0" eaLnBrk="1" latinLnBrk="0" hangingPunct="1">
+              <a:defRPr sz="1800" kern="1200">
+                <a:solidFill>
+                  <a:schemeClr val="lt1"/>
+                </a:solidFill>
+                <a:latin typeface="+mn-lt"/>
+                <a:ea typeface="+mn-ea"/>
+                <a:cs typeface="+mn-cs"/>
+              </a:defRPr>
+            </a:lvl2pPr>
+            <a:lvl3pPr marL="914400" algn="l" defTabSz="914400" rtl="0" eaLnBrk="1" latinLnBrk="0" hangingPunct="1">
+              <a:defRPr sz="1800" kern="1200">
+                <a:solidFill>
+                  <a:schemeClr val="lt1"/>
+                </a:solidFill>
+                <a:latin typeface="+mn-lt"/>
+                <a:ea typeface="+mn-ea"/>
+                <a:cs typeface="+mn-cs"/>
+              </a:defRPr>
+            </a:lvl3pPr>
+            <a:lvl4pPr marL="1371600" algn="l" defTabSz="914400" rtl="0" eaLnBrk="1" latinLnBrk="0" hangingPunct="1">
+              <a:defRPr sz="1800" kern="1200">
+                <a:solidFill>
+                  <a:schemeClr val="lt1"/>
+                </a:solidFill>
+                <a:latin typeface="+mn-lt"/>
+                <a:ea typeface="+mn-ea"/>
+                <a:cs typeface="+mn-cs"/>
+              </a:defRPr>
+            </a:lvl4pPr>
+            <a:lvl5pPr marL="1828800" algn="l" defTabSz="914400" rtl="0" eaLnBrk="1" latinLnBrk="0" hangingPunct="1">
+              <a:defRPr sz="1800" kern="1200">
+                <a:solidFill>
+                  <a:schemeClr val="lt1"/>
+                </a:solidFill>
+                <a:latin typeface="+mn-lt"/>
+                <a:ea typeface="+mn-ea"/>
+                <a:cs typeface="+mn-cs"/>
+              </a:defRPr>
+            </a:lvl5pPr>
+            <a:lvl6pPr marL="2286000" algn="l" defTabSz="914400" rtl="0" eaLnBrk="1" latinLnBrk="0" hangingPunct="1">
+              <a:defRPr sz="1800" kern="1200">
+                <a:solidFill>
+                  <a:schemeClr val="lt1"/>
+                </a:solidFill>
+                <a:latin typeface="+mn-lt"/>
+                <a:ea typeface="+mn-ea"/>
+                <a:cs typeface="+mn-cs"/>
+              </a:defRPr>
+            </a:lvl6pPr>
+            <a:lvl7pPr marL="2743200" algn="l" defTabSz="914400" rtl="0" eaLnBrk="1" latinLnBrk="0" hangingPunct="1">
+              <a:defRPr sz="1800" kern="1200">
+                <a:solidFill>
+                  <a:schemeClr val="lt1"/>
+                </a:solidFill>
+                <a:latin typeface="+mn-lt"/>
+                <a:ea typeface="+mn-ea"/>
+                <a:cs typeface="+mn-cs"/>
+              </a:defRPr>
+            </a:lvl7pPr>
+            <a:lvl8pPr marL="3200400" algn="l" defTabSz="914400" rtl="0" eaLnBrk="1" latinLnBrk="0" hangingPunct="1">
+              <a:defRPr sz="1800" kern="1200">
+                <a:solidFill>
+                  <a:schemeClr val="lt1"/>
+                </a:solidFill>
+                <a:latin typeface="+mn-lt"/>
+                <a:ea typeface="+mn-ea"/>
+                <a:cs typeface="+mn-cs"/>
+              </a:defRPr>
+            </a:lvl8pPr>
+            <a:lvl9pPr marL="3657600" algn="l" defTabSz="914400" rtl="0" eaLnBrk="1" latinLnBrk="0" hangingPunct="1">
+              <a:defRPr sz="1800" kern="1200">
+                <a:solidFill>
+                  <a:schemeClr val="lt1"/>
+                </a:solidFill>
+                <a:latin typeface="+mn-lt"/>
+                <a:ea typeface="+mn-ea"/>
+                <a:cs typeface="+mn-cs"/>
+              </a:defRPr>
+            </a:lvl9pPr>
+          </a:lstStyle>
+          <a:p>
+            <a:pPr algn="ctr"/>
+            <a:endParaRPr lang="en-US"/>
+          </a:p>
+        </p:txBody>
+      </p:sp>
+      <p:sp>
+        <p:nvSpPr>
+          <p:cNvPr id="34" name="Rectangle 33">
+            <a:extLst>
+              <a:ext uri="{FF2B5EF4-FFF2-40B4-BE49-F238E27FC236}">
+                <a16:creationId xmlns:a16="http://schemas.microsoft.com/office/drawing/2014/main" id="{8D9F7D40-5D59-4F59-A331-D8F7710AC903}"/>
+              </a:ext>
+              <a:ext uri="{C183D7F6-B498-43B3-948B-1728B52AA6E4}">
+                <adec:decorative xmlns:adec="http://schemas.microsoft.com/office/drawing/2017/decorative" val="1"/>
+              </a:ext>
+            </a:extLst>
+          </p:cNvPr>
+          <p:cNvSpPr>
+            <a:spLocks noGrp="1" noRot="1" noChangeAspect="1" noMove="1" noResize="1" noEditPoints="1" noAdjustHandles="1" noChangeArrowheads="1" noChangeShapeType="1" noTextEdit="1"/>
+          </p:cNvSpPr>
+          <p:nvPr>
+            <p:extLst>
+              <p:ext uri="{386F3935-93C4-4BCD-93E2-E3B085C9AB24}">
+                <p16:designElem xmlns:p16="http://schemas.microsoft.com/office/powerpoint/2015/main" val="1"/>
+              </p:ext>
+            </p:extLst>
+          </p:nvPr>
+        </p:nvSpPr>
+        <p:spPr>
+          <a:xfrm>
+            <a:off x="0" y="0"/>
+            <a:ext cx="283464" cy="6858000"/>
+          </a:xfrm>
+          <a:prstGeom prst="rect">
+            <a:avLst/>
+          </a:prstGeom>
+          <a:solidFill>
+            <a:schemeClr val="accent1"/>
+          </a:solidFill>
+          <a:ln>
+            <a:noFill/>
+          </a:ln>
+        </p:spPr>
+        <p:style>
+          <a:lnRef idx="2">
+            <a:schemeClr val="accent1">
+              <a:shade val="50000"/>
+            </a:schemeClr>
+          </a:lnRef>
+          <a:fillRef idx="1">
+            <a:schemeClr val="accent1"/>
+          </a:fillRef>
+          <a:effectRef idx="0">
+            <a:schemeClr val="accent1"/>
+          </a:effectRef>
+          <a:fontRef idx="minor">
+            <a:schemeClr val="lt1"/>
+          </a:fontRef>
+        </p:style>
+      </p:sp>
+      <p:sp>
+        <p:nvSpPr>
+          <p:cNvPr id="36" name="Freeform 11">
+            <a:extLst>
+              <a:ext uri="{FF2B5EF4-FFF2-40B4-BE49-F238E27FC236}">
+                <a16:creationId xmlns:a16="http://schemas.microsoft.com/office/drawing/2014/main" id="{E2B1BC2F-AEBF-4990-A7F9-197AAF28BC7A}"/>
+              </a:ext>
+              <a:ext uri="{C183D7F6-B498-43B3-948B-1728B52AA6E4}">
+                <adec:decorative xmlns:adec="http://schemas.microsoft.com/office/drawing/2017/decorative" val="1"/>
+              </a:ext>
+            </a:extLst>
+          </p:cNvPr>
+          <p:cNvSpPr>
+            <a:spLocks noGrp="1" noRot="1" noChangeAspect="1" noMove="1" noResize="1" noEditPoints="1" noAdjustHandles="1" noChangeArrowheads="1" noChangeShapeType="1" noTextEdit="1"/>
+          </p:cNvSpPr>
+          <p:nvPr>
+            <p:extLst>
+              <p:ext uri="{386F3935-93C4-4BCD-93E2-E3B085C9AB24}">
+                <p16:designElem xmlns:p16="http://schemas.microsoft.com/office/powerpoint/2015/main" val="1"/>
+              </p:ext>
+            </p:extLst>
+          </p:nvPr>
+        </p:nvSpPr>
+        <p:spPr bwMode="auto">
+          <a:xfrm>
+            <a:off x="7548664" y="0"/>
+            <a:ext cx="4643336" cy="6858000"/>
+          </a:xfrm>
+          <a:custGeom>
+            <a:avLst/>
+            <a:gdLst/>
+            <a:ahLst/>
+            <a:cxnLst/>
+            <a:rect l="0" t="0" r="r" b="b"/>
+            <a:pathLst>
+              <a:path w="3025" h="4320">
+                <a:moveTo>
+                  <a:pt x="0" y="0"/>
+                </a:moveTo>
+                <a:lnTo>
+                  <a:pt x="3025" y="0"/>
+                </a:lnTo>
+                <a:lnTo>
+                  <a:pt x="3025" y="4320"/>
+                </a:lnTo>
+                <a:lnTo>
+                  <a:pt x="0" y="4320"/>
+                </a:lnTo>
+                <a:lnTo>
+                  <a:pt x="3" y="4278"/>
+                </a:lnTo>
+                <a:lnTo>
+                  <a:pt x="8" y="4243"/>
+                </a:lnTo>
+                <a:lnTo>
+                  <a:pt x="14" y="4210"/>
+                </a:lnTo>
+                <a:lnTo>
+                  <a:pt x="24" y="4183"/>
+                </a:lnTo>
+                <a:lnTo>
+                  <a:pt x="34" y="4156"/>
+                </a:lnTo>
+                <a:lnTo>
+                  <a:pt x="46" y="4133"/>
+                </a:lnTo>
+                <a:lnTo>
+                  <a:pt x="58" y="4109"/>
+                </a:lnTo>
+                <a:lnTo>
+                  <a:pt x="69" y="4087"/>
+                </a:lnTo>
+                <a:lnTo>
+                  <a:pt x="80" y="4062"/>
+                </a:lnTo>
+                <a:lnTo>
+                  <a:pt x="90" y="4036"/>
+                </a:lnTo>
+                <a:lnTo>
+                  <a:pt x="99" y="4007"/>
+                </a:lnTo>
+                <a:lnTo>
+                  <a:pt x="106" y="3976"/>
+                </a:lnTo>
+                <a:lnTo>
+                  <a:pt x="111" y="3938"/>
+                </a:lnTo>
+                <a:lnTo>
+                  <a:pt x="113" y="3895"/>
+                </a:lnTo>
+                <a:lnTo>
+                  <a:pt x="111" y="3851"/>
+                </a:lnTo>
+                <a:lnTo>
+                  <a:pt x="106" y="3815"/>
+                </a:lnTo>
+                <a:lnTo>
+                  <a:pt x="99" y="3782"/>
+                </a:lnTo>
+                <a:lnTo>
+                  <a:pt x="90" y="3752"/>
+                </a:lnTo>
+                <a:lnTo>
+                  <a:pt x="80" y="3726"/>
+                </a:lnTo>
+                <a:lnTo>
+                  <a:pt x="68" y="3702"/>
+                </a:lnTo>
+                <a:lnTo>
+                  <a:pt x="56" y="3679"/>
+                </a:lnTo>
+                <a:lnTo>
+                  <a:pt x="44" y="3655"/>
+                </a:lnTo>
+                <a:lnTo>
+                  <a:pt x="33" y="3630"/>
+                </a:lnTo>
+                <a:lnTo>
+                  <a:pt x="22" y="3604"/>
+                </a:lnTo>
+                <a:lnTo>
+                  <a:pt x="13" y="3575"/>
+                </a:lnTo>
+                <a:lnTo>
+                  <a:pt x="7" y="3542"/>
+                </a:lnTo>
+                <a:lnTo>
+                  <a:pt x="1" y="3504"/>
+                </a:lnTo>
+                <a:lnTo>
+                  <a:pt x="0" y="3461"/>
+                </a:lnTo>
+                <a:lnTo>
+                  <a:pt x="1" y="3418"/>
+                </a:lnTo>
+                <a:lnTo>
+                  <a:pt x="7" y="3380"/>
+                </a:lnTo>
+                <a:lnTo>
+                  <a:pt x="13" y="3347"/>
+                </a:lnTo>
+                <a:lnTo>
+                  <a:pt x="22" y="3319"/>
+                </a:lnTo>
+                <a:lnTo>
+                  <a:pt x="33" y="3292"/>
+                </a:lnTo>
+                <a:lnTo>
+                  <a:pt x="44" y="3267"/>
+                </a:lnTo>
+                <a:lnTo>
+                  <a:pt x="56" y="3244"/>
+                </a:lnTo>
+                <a:lnTo>
+                  <a:pt x="68" y="3222"/>
+                </a:lnTo>
+                <a:lnTo>
+                  <a:pt x="80" y="3197"/>
+                </a:lnTo>
+                <a:lnTo>
+                  <a:pt x="90" y="3171"/>
+                </a:lnTo>
+                <a:lnTo>
+                  <a:pt x="99" y="3142"/>
+                </a:lnTo>
+                <a:lnTo>
+                  <a:pt x="106" y="3109"/>
+                </a:lnTo>
+                <a:lnTo>
+                  <a:pt x="111" y="3071"/>
+                </a:lnTo>
+                <a:lnTo>
+                  <a:pt x="113" y="3028"/>
+                </a:lnTo>
+                <a:lnTo>
+                  <a:pt x="111" y="2985"/>
+                </a:lnTo>
+                <a:lnTo>
+                  <a:pt x="106" y="2947"/>
+                </a:lnTo>
+                <a:lnTo>
+                  <a:pt x="99" y="2914"/>
+                </a:lnTo>
+                <a:lnTo>
+                  <a:pt x="90" y="2885"/>
+                </a:lnTo>
+                <a:lnTo>
+                  <a:pt x="80" y="2858"/>
+                </a:lnTo>
+                <a:lnTo>
+                  <a:pt x="68" y="2834"/>
+                </a:lnTo>
+                <a:lnTo>
+                  <a:pt x="44" y="2787"/>
+                </a:lnTo>
+                <a:lnTo>
+                  <a:pt x="33" y="2763"/>
+                </a:lnTo>
+                <a:lnTo>
+                  <a:pt x="22" y="2736"/>
+                </a:lnTo>
+                <a:lnTo>
+                  <a:pt x="13" y="2707"/>
+                </a:lnTo>
+                <a:lnTo>
+                  <a:pt x="7" y="2674"/>
+                </a:lnTo>
+                <a:lnTo>
+                  <a:pt x="1" y="2637"/>
+                </a:lnTo>
+                <a:lnTo>
+                  <a:pt x="0" y="2593"/>
+                </a:lnTo>
+                <a:lnTo>
+                  <a:pt x="1" y="2550"/>
+                </a:lnTo>
+                <a:lnTo>
+                  <a:pt x="7" y="2512"/>
+                </a:lnTo>
+                <a:lnTo>
+                  <a:pt x="13" y="2479"/>
+                </a:lnTo>
+                <a:lnTo>
+                  <a:pt x="22" y="2451"/>
+                </a:lnTo>
+                <a:lnTo>
+                  <a:pt x="33" y="2424"/>
+                </a:lnTo>
+                <a:lnTo>
+                  <a:pt x="44" y="2401"/>
+                </a:lnTo>
+                <a:lnTo>
+                  <a:pt x="68" y="2354"/>
+                </a:lnTo>
+                <a:lnTo>
+                  <a:pt x="80" y="2329"/>
+                </a:lnTo>
+                <a:lnTo>
+                  <a:pt x="90" y="2303"/>
+                </a:lnTo>
+                <a:lnTo>
+                  <a:pt x="99" y="2274"/>
+                </a:lnTo>
+                <a:lnTo>
+                  <a:pt x="106" y="2241"/>
+                </a:lnTo>
+                <a:lnTo>
+                  <a:pt x="111" y="2203"/>
+                </a:lnTo>
+                <a:lnTo>
+                  <a:pt x="113" y="2159"/>
+                </a:lnTo>
+                <a:lnTo>
+                  <a:pt x="111" y="2117"/>
+                </a:lnTo>
+                <a:lnTo>
+                  <a:pt x="106" y="2079"/>
+                </a:lnTo>
+                <a:lnTo>
+                  <a:pt x="99" y="2046"/>
+                </a:lnTo>
+                <a:lnTo>
+                  <a:pt x="90" y="2017"/>
+                </a:lnTo>
+                <a:lnTo>
+                  <a:pt x="80" y="1991"/>
+                </a:lnTo>
+                <a:lnTo>
+                  <a:pt x="68" y="1966"/>
+                </a:lnTo>
+                <a:lnTo>
+                  <a:pt x="56" y="1943"/>
+                </a:lnTo>
+                <a:lnTo>
+                  <a:pt x="44" y="1919"/>
+                </a:lnTo>
+                <a:lnTo>
+                  <a:pt x="33" y="1896"/>
+                </a:lnTo>
+                <a:lnTo>
+                  <a:pt x="22" y="1869"/>
+                </a:lnTo>
+                <a:lnTo>
+                  <a:pt x="13" y="1841"/>
+                </a:lnTo>
+                <a:lnTo>
+                  <a:pt x="7" y="1807"/>
+                </a:lnTo>
+                <a:lnTo>
+                  <a:pt x="1" y="1770"/>
+                </a:lnTo>
+                <a:lnTo>
+                  <a:pt x="0" y="1727"/>
+                </a:lnTo>
+                <a:lnTo>
+                  <a:pt x="1" y="1683"/>
+                </a:lnTo>
+                <a:lnTo>
+                  <a:pt x="7" y="1646"/>
+                </a:lnTo>
+                <a:lnTo>
+                  <a:pt x="13" y="1613"/>
+                </a:lnTo>
+                <a:lnTo>
+                  <a:pt x="22" y="1583"/>
+                </a:lnTo>
+                <a:lnTo>
+                  <a:pt x="33" y="1557"/>
+                </a:lnTo>
+                <a:lnTo>
+                  <a:pt x="44" y="1533"/>
+                </a:lnTo>
+                <a:lnTo>
+                  <a:pt x="56" y="1509"/>
+                </a:lnTo>
+                <a:lnTo>
+                  <a:pt x="68" y="1486"/>
+                </a:lnTo>
+                <a:lnTo>
+                  <a:pt x="80" y="1461"/>
+                </a:lnTo>
+                <a:lnTo>
+                  <a:pt x="90" y="1435"/>
+                </a:lnTo>
+                <a:lnTo>
+                  <a:pt x="99" y="1406"/>
+                </a:lnTo>
+                <a:lnTo>
+                  <a:pt x="106" y="1373"/>
+                </a:lnTo>
+                <a:lnTo>
+                  <a:pt x="111" y="1335"/>
+                </a:lnTo>
+                <a:lnTo>
+                  <a:pt x="113" y="1292"/>
+                </a:lnTo>
+                <a:lnTo>
+                  <a:pt x="111" y="1249"/>
+                </a:lnTo>
+                <a:lnTo>
+                  <a:pt x="106" y="1211"/>
+                </a:lnTo>
+                <a:lnTo>
+                  <a:pt x="99" y="1178"/>
+                </a:lnTo>
+                <a:lnTo>
+                  <a:pt x="90" y="1149"/>
+                </a:lnTo>
+                <a:lnTo>
+                  <a:pt x="80" y="1123"/>
+                </a:lnTo>
+                <a:lnTo>
+                  <a:pt x="68" y="1098"/>
+                </a:lnTo>
+                <a:lnTo>
+                  <a:pt x="56" y="1076"/>
+                </a:lnTo>
+                <a:lnTo>
+                  <a:pt x="44" y="1053"/>
+                </a:lnTo>
+                <a:lnTo>
+                  <a:pt x="33" y="1028"/>
+                </a:lnTo>
+                <a:lnTo>
+                  <a:pt x="22" y="1001"/>
+                </a:lnTo>
+                <a:lnTo>
+                  <a:pt x="13" y="973"/>
+                </a:lnTo>
+                <a:lnTo>
+                  <a:pt x="7" y="940"/>
+                </a:lnTo>
+                <a:lnTo>
+                  <a:pt x="1" y="902"/>
+                </a:lnTo>
+                <a:lnTo>
+                  <a:pt x="0" y="859"/>
+                </a:lnTo>
+                <a:lnTo>
+                  <a:pt x="1" y="816"/>
+                </a:lnTo>
+                <a:lnTo>
+                  <a:pt x="7" y="778"/>
+                </a:lnTo>
+                <a:lnTo>
+                  <a:pt x="13" y="745"/>
+                </a:lnTo>
+                <a:lnTo>
+                  <a:pt x="22" y="716"/>
+                </a:lnTo>
+                <a:lnTo>
+                  <a:pt x="33" y="690"/>
+                </a:lnTo>
+                <a:lnTo>
+                  <a:pt x="44" y="665"/>
+                </a:lnTo>
+                <a:lnTo>
+                  <a:pt x="56" y="641"/>
+                </a:lnTo>
+                <a:lnTo>
+                  <a:pt x="68" y="618"/>
+                </a:lnTo>
+                <a:lnTo>
+                  <a:pt x="80" y="594"/>
+                </a:lnTo>
+                <a:lnTo>
+                  <a:pt x="90" y="568"/>
+                </a:lnTo>
+                <a:lnTo>
+                  <a:pt x="99" y="538"/>
+                </a:lnTo>
+                <a:lnTo>
+                  <a:pt x="106" y="505"/>
+                </a:lnTo>
+                <a:lnTo>
+                  <a:pt x="111" y="469"/>
+                </a:lnTo>
+                <a:lnTo>
+                  <a:pt x="113" y="424"/>
+                </a:lnTo>
+                <a:lnTo>
+                  <a:pt x="111" y="382"/>
+                </a:lnTo>
+                <a:lnTo>
+                  <a:pt x="106" y="344"/>
+                </a:lnTo>
+                <a:lnTo>
+                  <a:pt x="99" y="313"/>
+                </a:lnTo>
+                <a:lnTo>
+                  <a:pt x="90" y="284"/>
+                </a:lnTo>
+                <a:lnTo>
+                  <a:pt x="80" y="258"/>
+                </a:lnTo>
+                <a:lnTo>
+                  <a:pt x="69" y="233"/>
+                </a:lnTo>
+                <a:lnTo>
+                  <a:pt x="58" y="211"/>
+                </a:lnTo>
+                <a:lnTo>
+                  <a:pt x="46" y="187"/>
+                </a:lnTo>
+                <a:lnTo>
+                  <a:pt x="34" y="164"/>
+                </a:lnTo>
+                <a:lnTo>
+                  <a:pt x="24" y="137"/>
+                </a:lnTo>
+                <a:lnTo>
+                  <a:pt x="14" y="110"/>
+                </a:lnTo>
+                <a:lnTo>
+                  <a:pt x="8" y="77"/>
+                </a:lnTo>
+                <a:lnTo>
+                  <a:pt x="3" y="42"/>
+                </a:lnTo>
+                <a:lnTo>
+                  <a:pt x="0" y="0"/>
+                </a:lnTo>
+                <a:close/>
+              </a:path>
+            </a:pathLst>
+          </a:custGeom>
+          <a:solidFill>
+            <a:schemeClr val="tx2"/>
+          </a:solidFill>
+          <a:ln w="0">
+            <a:noFill/>
+            <a:prstDash val="solid"/>
+            <a:round/>
+            <a:headEnd/>
+            <a:tailEnd/>
+          </a:ln>
+        </p:spPr>
+      </p:sp>
+      <p:sp>
+        <p:nvSpPr>
+          <p:cNvPr id="2" name="Title 1">
+            <a:extLst>
+              <a:ext uri="{FF2B5EF4-FFF2-40B4-BE49-F238E27FC236}">
+                <a16:creationId xmlns:a16="http://schemas.microsoft.com/office/drawing/2014/main" id="{86B99B8C-EB75-0F86-636E-0F39839A7F3A}"/>
+              </a:ext>
+            </a:extLst>
+          </p:cNvPr>
+          <p:cNvSpPr>
+            <a:spLocks noGrp="1"/>
+          </p:cNvSpPr>
+          <p:nvPr>
+            <p:ph type="title"/>
+          </p:nvPr>
+        </p:nvSpPr>
+        <p:spPr>
+          <a:xfrm>
+            <a:off x="8339328" y="457200"/>
+            <a:ext cx="3090672" cy="1197864"/>
+          </a:xfrm>
+        </p:spPr>
+        <p:txBody>
+          <a:bodyPr vert="horz" lIns="91440" tIns="45720" rIns="91440" bIns="45720" rtlCol="0" anchor="b">
+            <a:normAutofit/>
+          </a:bodyPr>
+          <a:lstStyle/>
+          <a:p>
+            <a:r>
+              <a:rPr lang="en-US" sz="1900" dirty="0">
+                <a:solidFill>
+                  <a:schemeClr val="accent1"/>
+                </a:solidFill>
+              </a:rPr>
+              <a:t>Machine learning– DEEP LEARNING model and optimization</a:t>
+            </a:r>
+          </a:p>
+        </p:txBody>
+      </p:sp>
+      <p:sp>
+        <p:nvSpPr>
+          <p:cNvPr id="16" name="TextBox 15">
+            <a:extLst>
+              <a:ext uri="{FF2B5EF4-FFF2-40B4-BE49-F238E27FC236}">
+                <a16:creationId xmlns:a16="http://schemas.microsoft.com/office/drawing/2014/main" id="{170C4ED6-9E22-8539-15B5-E099A1F91E4D}"/>
+              </a:ext>
+            </a:extLst>
+          </p:cNvPr>
+          <p:cNvSpPr txBox="1"/>
+          <p:nvPr/>
+        </p:nvSpPr>
+        <p:spPr>
+          <a:xfrm>
+            <a:off x="8339328" y="1655065"/>
+            <a:ext cx="3090672" cy="457199"/>
+          </a:xfrm>
+          <a:prstGeom prst="rect">
+            <a:avLst/>
+          </a:prstGeom>
+        </p:spPr>
+        <p:txBody>
+          <a:bodyPr vert="horz" lIns="91440" tIns="45720" rIns="91440" bIns="45720" rtlCol="0">
+            <a:normAutofit/>
+          </a:bodyPr>
+          <a:lstStyle/>
+          <a:p>
+            <a:pPr indent="-228600" defTabSz="914400">
+              <a:lnSpc>
+                <a:spcPct val="110000"/>
+              </a:lnSpc>
+              <a:spcBef>
+                <a:spcPts val="700"/>
+              </a:spcBef>
+              <a:buClr>
+                <a:schemeClr val="tx2"/>
+              </a:buClr>
+            </a:pPr>
+            <a:r>
+              <a:rPr lang="en-US" sz="1600" dirty="0">
+                <a:solidFill>
+                  <a:schemeClr val="bg1"/>
+                </a:solidFill>
+              </a:rPr>
+              <a:t>Target variable: INJURIES_TOTAL</a:t>
+            </a:r>
+          </a:p>
+        </p:txBody>
+      </p:sp>
+      <p:sp>
+        <p:nvSpPr>
+          <p:cNvPr id="19" name="TextBox 18">
+            <a:extLst>
+              <a:ext uri="{FF2B5EF4-FFF2-40B4-BE49-F238E27FC236}">
+                <a16:creationId xmlns:a16="http://schemas.microsoft.com/office/drawing/2014/main" id="{12A2061A-80F9-896F-D8F4-FC7583D7D4B4}"/>
+              </a:ext>
+            </a:extLst>
+          </p:cNvPr>
+          <p:cNvSpPr txBox="1"/>
+          <p:nvPr/>
+        </p:nvSpPr>
+        <p:spPr>
+          <a:xfrm>
+            <a:off x="8339328" y="2395728"/>
+            <a:ext cx="1291700" cy="369332"/>
+          </a:xfrm>
+          <a:prstGeom prst="rect">
+            <a:avLst/>
+          </a:prstGeom>
+          <a:noFill/>
+        </p:spPr>
+        <p:txBody>
+          <a:bodyPr wrap="none" rtlCol="0">
+            <a:spAutoFit/>
+          </a:bodyPr>
+          <a:lstStyle/>
+          <a:p>
+            <a:r>
+              <a:rPr lang="en-US" dirty="0">
+                <a:solidFill>
+                  <a:schemeClr val="bg1"/>
+                </a:solidFill>
+              </a:rPr>
+              <a:t>Add details </a:t>
+            </a:r>
+          </a:p>
+        </p:txBody>
+      </p:sp>
+    </p:spTree>
+    <p:extLst>
+      <p:ext uri="{BB962C8B-B14F-4D97-AF65-F5344CB8AC3E}">
+        <p14:creationId xmlns:p14="http://schemas.microsoft.com/office/powerpoint/2010/main" val="3261538581"/>
+      </p:ext>
+    </p:extLst>
+  </p:cSld>
+  <p:clrMapOvr>
+    <a:masterClrMapping/>
+  </p:clrMapOvr>
+</p:sld>
+</file>
+
+<file path=ppt/slides/slide11.xml><?xml version="1.0" encoding="utf-8"?>
+<p:sld xmlns:a="http://schemas.openxmlformats.org/drawingml/2006/main" xmlns:r="http://schemas.openxmlformats.org/officeDocument/2006/relationships" xmlns:p="http://schemas.openxmlformats.org/presentationml/2006/main">
+  <p:cSld>
+    <p:bg>
+      <p:bgPr>
+        <a:solidFill>
+          <a:schemeClr val="bg1"/>
+        </a:solidFill>
+        <a:effectLst/>
+      </p:bgPr>
+    </p:bg>
+    <p:spTree>
+      <p:nvGrpSpPr>
+        <p:cNvPr id="1" name=""/>
+        <p:cNvGrpSpPr/>
+        <p:nvPr/>
+      </p:nvGrpSpPr>
+      <p:grpSpPr>
+        <a:xfrm>
+          <a:off x="0" y="0"/>
+          <a:ext cx="0" cy="0"/>
+          <a:chOff x="0" y="0"/>
+          <a:chExt cx="0" cy="0"/>
+        </a:xfrm>
+      </p:grpSpPr>
+      <p:sp useBgFill="1">
+        <p:nvSpPr>
+          <p:cNvPr id="32" name="Rectangle 31">
+            <a:extLst>
+              <a:ext uri="{FF2B5EF4-FFF2-40B4-BE49-F238E27FC236}">
+                <a16:creationId xmlns:a16="http://schemas.microsoft.com/office/drawing/2014/main" id="{2D6CE9D5-28BB-4329-B5E2-B06131F27F5B}"/>
+              </a:ext>
+              <a:ext uri="{C183D7F6-B498-43B3-948B-1728B52AA6E4}">
+                <adec:decorative xmlns:adec="http://schemas.microsoft.com/office/drawing/2017/decorative" val="1"/>
+              </a:ext>
+            </a:extLst>
+          </p:cNvPr>
+          <p:cNvSpPr>
+            <a:spLocks noGrp="1" noRot="1" noChangeAspect="1" noMove="1" noResize="1" noEditPoints="1" noAdjustHandles="1" noChangeArrowheads="1" noChangeShapeType="1" noTextEdit="1"/>
+          </p:cNvSpPr>
+          <p:nvPr>
+            <p:extLst>
+              <p:ext uri="{386F3935-93C4-4BCD-93E2-E3B085C9AB24}">
+                <p16:designElem xmlns:p16="http://schemas.microsoft.com/office/powerpoint/2015/main" val="1"/>
+              </p:ext>
+            </p:extLst>
+          </p:nvPr>
+        </p:nvSpPr>
+        <p:spPr bwMode="white">
+          <a:xfrm>
+            <a:off x="0" y="0"/>
+            <a:ext cx="12192000" cy="6858000"/>
+          </a:xfrm>
+          <a:prstGeom prst="rect">
+            <a:avLst/>
+          </a:prstGeom>
+          <a:ln>
+            <a:noFill/>
+          </a:ln>
+        </p:spPr>
+        <p:style>
+          <a:lnRef idx="2">
+            <a:schemeClr val="accent1">
+              <a:shade val="50000"/>
+            </a:schemeClr>
+          </a:lnRef>
+          <a:fillRef idx="1">
+            <a:schemeClr val="accent1"/>
+          </a:fillRef>
+          <a:effectRef idx="0">
+            <a:schemeClr val="accent1"/>
+          </a:effectRef>
+          <a:fontRef idx="minor">
+            <a:schemeClr val="lt1"/>
+          </a:fontRef>
+        </p:style>
+        <p:txBody>
+          <a:bodyPr rot="0" spcFirstLastPara="0" vert="horz" wrap="square" lIns="91440" tIns="45720" rIns="91440" bIns="45720" numCol="1" spcCol="0" rtlCol="0" fromWordArt="0" anchor="ctr" anchorCtr="0" forceAA="0" compatLnSpc="1">
+            <a:prstTxWarp prst="textNoShape">
+              <a:avLst/>
+            </a:prstTxWarp>
+            <a:noAutofit/>
+          </a:bodyPr>
+          <a:lstStyle>
+            <a:defPPr>
+              <a:defRPr lang="en-US"/>
+            </a:defPPr>
+            <a:lvl1pPr marL="0" algn="l" defTabSz="914400" rtl="0" eaLnBrk="1" latinLnBrk="0" hangingPunct="1">
+              <a:defRPr sz="1800" kern="1200">
+                <a:solidFill>
+                  <a:schemeClr val="lt1"/>
+                </a:solidFill>
+                <a:latin typeface="+mn-lt"/>
+                <a:ea typeface="+mn-ea"/>
+                <a:cs typeface="+mn-cs"/>
+              </a:defRPr>
+            </a:lvl1pPr>
+            <a:lvl2pPr marL="457200" algn="l" defTabSz="914400" rtl="0" eaLnBrk="1" latinLnBrk="0" hangingPunct="1">
+              <a:defRPr sz="1800" kern="1200">
+                <a:solidFill>
+                  <a:schemeClr val="lt1"/>
+                </a:solidFill>
+                <a:latin typeface="+mn-lt"/>
+                <a:ea typeface="+mn-ea"/>
+                <a:cs typeface="+mn-cs"/>
+              </a:defRPr>
+            </a:lvl2pPr>
+            <a:lvl3pPr marL="914400" algn="l" defTabSz="914400" rtl="0" eaLnBrk="1" latinLnBrk="0" hangingPunct="1">
+              <a:defRPr sz="1800" kern="1200">
+                <a:solidFill>
+                  <a:schemeClr val="lt1"/>
+                </a:solidFill>
+                <a:latin typeface="+mn-lt"/>
+                <a:ea typeface="+mn-ea"/>
+                <a:cs typeface="+mn-cs"/>
+              </a:defRPr>
+            </a:lvl3pPr>
+            <a:lvl4pPr marL="1371600" algn="l" defTabSz="914400" rtl="0" eaLnBrk="1" latinLnBrk="0" hangingPunct="1">
+              <a:defRPr sz="1800" kern="1200">
+                <a:solidFill>
+                  <a:schemeClr val="lt1"/>
+                </a:solidFill>
+                <a:latin typeface="+mn-lt"/>
+                <a:ea typeface="+mn-ea"/>
+                <a:cs typeface="+mn-cs"/>
+              </a:defRPr>
+            </a:lvl4pPr>
+            <a:lvl5pPr marL="1828800" algn="l" defTabSz="914400" rtl="0" eaLnBrk="1" latinLnBrk="0" hangingPunct="1">
+              <a:defRPr sz="1800" kern="1200">
+                <a:solidFill>
+                  <a:schemeClr val="lt1"/>
+                </a:solidFill>
+                <a:latin typeface="+mn-lt"/>
+                <a:ea typeface="+mn-ea"/>
+                <a:cs typeface="+mn-cs"/>
+              </a:defRPr>
+            </a:lvl5pPr>
+            <a:lvl6pPr marL="2286000" algn="l" defTabSz="914400" rtl="0" eaLnBrk="1" latinLnBrk="0" hangingPunct="1">
+              <a:defRPr sz="1800" kern="1200">
+                <a:solidFill>
+                  <a:schemeClr val="lt1"/>
+                </a:solidFill>
+                <a:latin typeface="+mn-lt"/>
+                <a:ea typeface="+mn-ea"/>
+                <a:cs typeface="+mn-cs"/>
+              </a:defRPr>
+            </a:lvl6pPr>
+            <a:lvl7pPr marL="2743200" algn="l" defTabSz="914400" rtl="0" eaLnBrk="1" latinLnBrk="0" hangingPunct="1">
+              <a:defRPr sz="1800" kern="1200">
+                <a:solidFill>
+                  <a:schemeClr val="lt1"/>
+                </a:solidFill>
+                <a:latin typeface="+mn-lt"/>
+                <a:ea typeface="+mn-ea"/>
+                <a:cs typeface="+mn-cs"/>
+              </a:defRPr>
+            </a:lvl7pPr>
+            <a:lvl8pPr marL="3200400" algn="l" defTabSz="914400" rtl="0" eaLnBrk="1" latinLnBrk="0" hangingPunct="1">
+              <a:defRPr sz="1800" kern="1200">
+                <a:solidFill>
+                  <a:schemeClr val="lt1"/>
+                </a:solidFill>
+                <a:latin typeface="+mn-lt"/>
+                <a:ea typeface="+mn-ea"/>
+                <a:cs typeface="+mn-cs"/>
+              </a:defRPr>
+            </a:lvl8pPr>
+            <a:lvl9pPr marL="3657600" algn="l" defTabSz="914400" rtl="0" eaLnBrk="1" latinLnBrk="0" hangingPunct="1">
+              <a:defRPr sz="1800" kern="1200">
+                <a:solidFill>
+                  <a:schemeClr val="lt1"/>
+                </a:solidFill>
+                <a:latin typeface="+mn-lt"/>
+                <a:ea typeface="+mn-ea"/>
+                <a:cs typeface="+mn-cs"/>
+              </a:defRPr>
+            </a:lvl9pPr>
+          </a:lstStyle>
+          <a:p>
+            <a:pPr algn="ctr"/>
+            <a:endParaRPr lang="en-US"/>
+          </a:p>
+        </p:txBody>
+      </p:sp>
+      <p:sp>
+        <p:nvSpPr>
+          <p:cNvPr id="34" name="Rectangle 33">
+            <a:extLst>
+              <a:ext uri="{FF2B5EF4-FFF2-40B4-BE49-F238E27FC236}">
+                <a16:creationId xmlns:a16="http://schemas.microsoft.com/office/drawing/2014/main" id="{8D9F7D40-5D59-4F59-A331-D8F7710AC903}"/>
+              </a:ext>
+              <a:ext uri="{C183D7F6-B498-43B3-948B-1728B52AA6E4}">
+                <adec:decorative xmlns:adec="http://schemas.microsoft.com/office/drawing/2017/decorative" val="1"/>
+              </a:ext>
+            </a:extLst>
+          </p:cNvPr>
+          <p:cNvSpPr>
+            <a:spLocks noGrp="1" noRot="1" noChangeAspect="1" noMove="1" noResize="1" noEditPoints="1" noAdjustHandles="1" noChangeArrowheads="1" noChangeShapeType="1" noTextEdit="1"/>
+          </p:cNvSpPr>
+          <p:nvPr>
+            <p:extLst>
+              <p:ext uri="{386F3935-93C4-4BCD-93E2-E3B085C9AB24}">
+                <p16:designElem xmlns:p16="http://schemas.microsoft.com/office/powerpoint/2015/main" val="1"/>
+              </p:ext>
+            </p:extLst>
+          </p:nvPr>
+        </p:nvSpPr>
+        <p:spPr>
+          <a:xfrm>
+            <a:off x="0" y="0"/>
+            <a:ext cx="283464" cy="6858000"/>
+          </a:xfrm>
+          <a:prstGeom prst="rect">
+            <a:avLst/>
+          </a:prstGeom>
+          <a:solidFill>
+            <a:schemeClr val="accent1"/>
+          </a:solidFill>
+          <a:ln>
+            <a:noFill/>
+          </a:ln>
+        </p:spPr>
+        <p:style>
+          <a:lnRef idx="2">
+            <a:schemeClr val="accent1">
+              <a:shade val="50000"/>
+            </a:schemeClr>
+          </a:lnRef>
+          <a:fillRef idx="1">
+            <a:schemeClr val="accent1"/>
+          </a:fillRef>
+          <a:effectRef idx="0">
+            <a:schemeClr val="accent1"/>
+          </a:effectRef>
+          <a:fontRef idx="minor">
+            <a:schemeClr val="lt1"/>
+          </a:fontRef>
+        </p:style>
+      </p:sp>
+      <p:sp>
+        <p:nvSpPr>
+          <p:cNvPr id="36" name="Freeform 11">
+            <a:extLst>
+              <a:ext uri="{FF2B5EF4-FFF2-40B4-BE49-F238E27FC236}">
+                <a16:creationId xmlns:a16="http://schemas.microsoft.com/office/drawing/2014/main" id="{E2B1BC2F-AEBF-4990-A7F9-197AAF28BC7A}"/>
+              </a:ext>
+              <a:ext uri="{C183D7F6-B498-43B3-948B-1728B52AA6E4}">
+                <adec:decorative xmlns:adec="http://schemas.microsoft.com/office/drawing/2017/decorative" val="1"/>
+              </a:ext>
+            </a:extLst>
+          </p:cNvPr>
+          <p:cNvSpPr>
+            <a:spLocks noGrp="1" noRot="1" noChangeAspect="1" noMove="1" noResize="1" noEditPoints="1" noAdjustHandles="1" noChangeArrowheads="1" noChangeShapeType="1" noTextEdit="1"/>
+          </p:cNvSpPr>
+          <p:nvPr>
+            <p:extLst>
+              <p:ext uri="{386F3935-93C4-4BCD-93E2-E3B085C9AB24}">
+                <p16:designElem xmlns:p16="http://schemas.microsoft.com/office/powerpoint/2015/main" val="1"/>
+              </p:ext>
+            </p:extLst>
+          </p:nvPr>
+        </p:nvSpPr>
+        <p:spPr bwMode="auto">
+          <a:xfrm>
+            <a:off x="7548664" y="0"/>
+            <a:ext cx="4643336" cy="6858000"/>
+          </a:xfrm>
+          <a:custGeom>
+            <a:avLst/>
+            <a:gdLst/>
+            <a:ahLst/>
+            <a:cxnLst/>
+            <a:rect l="0" t="0" r="r" b="b"/>
+            <a:pathLst>
+              <a:path w="3025" h="4320">
+                <a:moveTo>
+                  <a:pt x="0" y="0"/>
+                </a:moveTo>
+                <a:lnTo>
+                  <a:pt x="3025" y="0"/>
+                </a:lnTo>
+                <a:lnTo>
+                  <a:pt x="3025" y="4320"/>
+                </a:lnTo>
+                <a:lnTo>
+                  <a:pt x="0" y="4320"/>
+                </a:lnTo>
+                <a:lnTo>
+                  <a:pt x="3" y="4278"/>
+                </a:lnTo>
+                <a:lnTo>
+                  <a:pt x="8" y="4243"/>
+                </a:lnTo>
+                <a:lnTo>
+                  <a:pt x="14" y="4210"/>
+                </a:lnTo>
+                <a:lnTo>
+                  <a:pt x="24" y="4183"/>
+                </a:lnTo>
+                <a:lnTo>
+                  <a:pt x="34" y="4156"/>
+                </a:lnTo>
+                <a:lnTo>
+                  <a:pt x="46" y="4133"/>
+                </a:lnTo>
+                <a:lnTo>
+                  <a:pt x="58" y="4109"/>
+                </a:lnTo>
+                <a:lnTo>
+                  <a:pt x="69" y="4087"/>
+                </a:lnTo>
+                <a:lnTo>
+                  <a:pt x="80" y="4062"/>
+                </a:lnTo>
+                <a:lnTo>
+                  <a:pt x="90" y="4036"/>
+                </a:lnTo>
+                <a:lnTo>
+                  <a:pt x="99" y="4007"/>
+                </a:lnTo>
+                <a:lnTo>
+                  <a:pt x="106" y="3976"/>
+                </a:lnTo>
+                <a:lnTo>
+                  <a:pt x="111" y="3938"/>
+                </a:lnTo>
+                <a:lnTo>
+                  <a:pt x="113" y="3895"/>
+                </a:lnTo>
+                <a:lnTo>
+                  <a:pt x="111" y="3851"/>
+                </a:lnTo>
+                <a:lnTo>
+                  <a:pt x="106" y="3815"/>
+                </a:lnTo>
+                <a:lnTo>
+                  <a:pt x="99" y="3782"/>
+                </a:lnTo>
+                <a:lnTo>
+                  <a:pt x="90" y="3752"/>
+                </a:lnTo>
+                <a:lnTo>
+                  <a:pt x="80" y="3726"/>
+                </a:lnTo>
+                <a:lnTo>
+                  <a:pt x="68" y="3702"/>
+                </a:lnTo>
+                <a:lnTo>
+                  <a:pt x="56" y="3679"/>
+                </a:lnTo>
+                <a:lnTo>
+                  <a:pt x="44" y="3655"/>
+                </a:lnTo>
+                <a:lnTo>
+                  <a:pt x="33" y="3630"/>
+                </a:lnTo>
+                <a:lnTo>
+                  <a:pt x="22" y="3604"/>
+                </a:lnTo>
+                <a:lnTo>
+                  <a:pt x="13" y="3575"/>
+                </a:lnTo>
+                <a:lnTo>
+                  <a:pt x="7" y="3542"/>
+                </a:lnTo>
+                <a:lnTo>
+                  <a:pt x="1" y="3504"/>
+                </a:lnTo>
+                <a:lnTo>
+                  <a:pt x="0" y="3461"/>
+                </a:lnTo>
+                <a:lnTo>
+                  <a:pt x="1" y="3418"/>
+                </a:lnTo>
+                <a:lnTo>
+                  <a:pt x="7" y="3380"/>
+                </a:lnTo>
+                <a:lnTo>
+                  <a:pt x="13" y="3347"/>
+                </a:lnTo>
+                <a:lnTo>
+                  <a:pt x="22" y="3319"/>
+                </a:lnTo>
+                <a:lnTo>
+                  <a:pt x="33" y="3292"/>
+                </a:lnTo>
+                <a:lnTo>
+                  <a:pt x="44" y="3267"/>
+                </a:lnTo>
+                <a:lnTo>
+                  <a:pt x="56" y="3244"/>
+                </a:lnTo>
+                <a:lnTo>
+                  <a:pt x="68" y="3222"/>
+                </a:lnTo>
+                <a:lnTo>
+                  <a:pt x="80" y="3197"/>
+                </a:lnTo>
+                <a:lnTo>
+                  <a:pt x="90" y="3171"/>
+                </a:lnTo>
+                <a:lnTo>
+                  <a:pt x="99" y="3142"/>
+                </a:lnTo>
+                <a:lnTo>
+                  <a:pt x="106" y="3109"/>
+                </a:lnTo>
+                <a:lnTo>
+                  <a:pt x="111" y="3071"/>
+                </a:lnTo>
+                <a:lnTo>
+                  <a:pt x="113" y="3028"/>
+                </a:lnTo>
+                <a:lnTo>
+                  <a:pt x="111" y="2985"/>
+                </a:lnTo>
+                <a:lnTo>
+                  <a:pt x="106" y="2947"/>
+                </a:lnTo>
+                <a:lnTo>
+                  <a:pt x="99" y="2914"/>
+                </a:lnTo>
+                <a:lnTo>
+                  <a:pt x="90" y="2885"/>
+                </a:lnTo>
+                <a:lnTo>
+                  <a:pt x="80" y="2858"/>
+                </a:lnTo>
+                <a:lnTo>
+                  <a:pt x="68" y="2834"/>
+                </a:lnTo>
+                <a:lnTo>
+                  <a:pt x="44" y="2787"/>
+                </a:lnTo>
+                <a:lnTo>
+                  <a:pt x="33" y="2763"/>
+                </a:lnTo>
+                <a:lnTo>
+                  <a:pt x="22" y="2736"/>
+                </a:lnTo>
+                <a:lnTo>
+                  <a:pt x="13" y="2707"/>
+                </a:lnTo>
+                <a:lnTo>
+                  <a:pt x="7" y="2674"/>
+                </a:lnTo>
+                <a:lnTo>
+                  <a:pt x="1" y="2637"/>
+                </a:lnTo>
+                <a:lnTo>
+                  <a:pt x="0" y="2593"/>
+                </a:lnTo>
+                <a:lnTo>
+                  <a:pt x="1" y="2550"/>
+                </a:lnTo>
+                <a:lnTo>
+                  <a:pt x="7" y="2512"/>
+                </a:lnTo>
+                <a:lnTo>
+                  <a:pt x="13" y="2479"/>
+                </a:lnTo>
+                <a:lnTo>
+                  <a:pt x="22" y="2451"/>
+                </a:lnTo>
+                <a:lnTo>
+                  <a:pt x="33" y="2424"/>
+                </a:lnTo>
+                <a:lnTo>
+                  <a:pt x="44" y="2401"/>
+                </a:lnTo>
+                <a:lnTo>
+                  <a:pt x="68" y="2354"/>
+                </a:lnTo>
+                <a:lnTo>
+                  <a:pt x="80" y="2329"/>
+                </a:lnTo>
+                <a:lnTo>
+                  <a:pt x="90" y="2303"/>
+                </a:lnTo>
+                <a:lnTo>
+                  <a:pt x="99" y="2274"/>
+                </a:lnTo>
+                <a:lnTo>
+                  <a:pt x="106" y="2241"/>
+                </a:lnTo>
+                <a:lnTo>
+                  <a:pt x="111" y="2203"/>
+                </a:lnTo>
+                <a:lnTo>
+                  <a:pt x="113" y="2159"/>
+                </a:lnTo>
+                <a:lnTo>
+                  <a:pt x="111" y="2117"/>
+                </a:lnTo>
+                <a:lnTo>
+                  <a:pt x="106" y="2079"/>
+                </a:lnTo>
+                <a:lnTo>
+                  <a:pt x="99" y="2046"/>
+                </a:lnTo>
+                <a:lnTo>
+                  <a:pt x="90" y="2017"/>
+                </a:lnTo>
+                <a:lnTo>
+                  <a:pt x="80" y="1991"/>
+                </a:lnTo>
+                <a:lnTo>
+                  <a:pt x="68" y="1966"/>
+                </a:lnTo>
+                <a:lnTo>
+                  <a:pt x="56" y="1943"/>
+                </a:lnTo>
+                <a:lnTo>
+                  <a:pt x="44" y="1919"/>
+                </a:lnTo>
+                <a:lnTo>
+                  <a:pt x="33" y="1896"/>
+                </a:lnTo>
+                <a:lnTo>
+                  <a:pt x="22" y="1869"/>
+                </a:lnTo>
+                <a:lnTo>
+                  <a:pt x="13" y="1841"/>
+                </a:lnTo>
+                <a:lnTo>
+                  <a:pt x="7" y="1807"/>
+                </a:lnTo>
+                <a:lnTo>
+                  <a:pt x="1" y="1770"/>
+                </a:lnTo>
+                <a:lnTo>
+                  <a:pt x="0" y="1727"/>
+                </a:lnTo>
+                <a:lnTo>
+                  <a:pt x="1" y="1683"/>
+                </a:lnTo>
+                <a:lnTo>
+                  <a:pt x="7" y="1646"/>
+                </a:lnTo>
+                <a:lnTo>
+                  <a:pt x="13" y="1613"/>
+                </a:lnTo>
+                <a:lnTo>
+                  <a:pt x="22" y="1583"/>
+                </a:lnTo>
+                <a:lnTo>
+                  <a:pt x="33" y="1557"/>
+                </a:lnTo>
+                <a:lnTo>
+                  <a:pt x="44" y="1533"/>
+                </a:lnTo>
+                <a:lnTo>
+                  <a:pt x="56" y="1509"/>
+                </a:lnTo>
+                <a:lnTo>
+                  <a:pt x="68" y="1486"/>
+                </a:lnTo>
+                <a:lnTo>
+                  <a:pt x="80" y="1461"/>
+                </a:lnTo>
+                <a:lnTo>
+                  <a:pt x="90" y="1435"/>
+                </a:lnTo>
+                <a:lnTo>
+                  <a:pt x="99" y="1406"/>
+                </a:lnTo>
+                <a:lnTo>
+                  <a:pt x="106" y="1373"/>
+                </a:lnTo>
+                <a:lnTo>
+                  <a:pt x="111" y="1335"/>
+                </a:lnTo>
+                <a:lnTo>
+                  <a:pt x="113" y="1292"/>
+                </a:lnTo>
+                <a:lnTo>
+                  <a:pt x="111" y="1249"/>
+                </a:lnTo>
+                <a:lnTo>
+                  <a:pt x="106" y="1211"/>
+                </a:lnTo>
+                <a:lnTo>
+                  <a:pt x="99" y="1178"/>
+                </a:lnTo>
+                <a:lnTo>
+                  <a:pt x="90" y="1149"/>
+                </a:lnTo>
+                <a:lnTo>
+                  <a:pt x="80" y="1123"/>
+                </a:lnTo>
+                <a:lnTo>
+                  <a:pt x="68" y="1098"/>
+                </a:lnTo>
+                <a:lnTo>
+                  <a:pt x="56" y="1076"/>
+                </a:lnTo>
+                <a:lnTo>
+                  <a:pt x="44" y="1053"/>
+                </a:lnTo>
+                <a:lnTo>
+                  <a:pt x="33" y="1028"/>
+                </a:lnTo>
+                <a:lnTo>
+                  <a:pt x="22" y="1001"/>
+                </a:lnTo>
+                <a:lnTo>
+                  <a:pt x="13" y="973"/>
+                </a:lnTo>
+                <a:lnTo>
+                  <a:pt x="7" y="940"/>
+                </a:lnTo>
+                <a:lnTo>
+                  <a:pt x="1" y="902"/>
+                </a:lnTo>
+                <a:lnTo>
+                  <a:pt x="0" y="859"/>
+                </a:lnTo>
+                <a:lnTo>
+                  <a:pt x="1" y="816"/>
+                </a:lnTo>
+                <a:lnTo>
+                  <a:pt x="7" y="778"/>
+                </a:lnTo>
+                <a:lnTo>
+                  <a:pt x="13" y="745"/>
+                </a:lnTo>
+                <a:lnTo>
+                  <a:pt x="22" y="716"/>
+                </a:lnTo>
+                <a:lnTo>
+                  <a:pt x="33" y="690"/>
+                </a:lnTo>
+                <a:lnTo>
+                  <a:pt x="44" y="665"/>
+                </a:lnTo>
+                <a:lnTo>
+                  <a:pt x="56" y="641"/>
+                </a:lnTo>
+                <a:lnTo>
+                  <a:pt x="68" y="618"/>
+                </a:lnTo>
+                <a:lnTo>
+                  <a:pt x="80" y="594"/>
+                </a:lnTo>
+                <a:lnTo>
+                  <a:pt x="90" y="568"/>
+                </a:lnTo>
+                <a:lnTo>
+                  <a:pt x="99" y="538"/>
+                </a:lnTo>
+                <a:lnTo>
+                  <a:pt x="106" y="505"/>
+                </a:lnTo>
+                <a:lnTo>
+                  <a:pt x="111" y="469"/>
+                </a:lnTo>
+                <a:lnTo>
+                  <a:pt x="113" y="424"/>
+                </a:lnTo>
+                <a:lnTo>
+                  <a:pt x="111" y="382"/>
+                </a:lnTo>
+                <a:lnTo>
+                  <a:pt x="106" y="344"/>
+                </a:lnTo>
+                <a:lnTo>
+                  <a:pt x="99" y="313"/>
+                </a:lnTo>
+                <a:lnTo>
+                  <a:pt x="90" y="284"/>
+                </a:lnTo>
+                <a:lnTo>
+                  <a:pt x="80" y="258"/>
+                </a:lnTo>
+                <a:lnTo>
+                  <a:pt x="69" y="233"/>
+                </a:lnTo>
+                <a:lnTo>
+                  <a:pt x="58" y="211"/>
+                </a:lnTo>
+                <a:lnTo>
+                  <a:pt x="46" y="187"/>
+                </a:lnTo>
+                <a:lnTo>
+                  <a:pt x="34" y="164"/>
+                </a:lnTo>
+                <a:lnTo>
+                  <a:pt x="24" y="137"/>
+                </a:lnTo>
+                <a:lnTo>
+                  <a:pt x="14" y="110"/>
+                </a:lnTo>
+                <a:lnTo>
+                  <a:pt x="8" y="77"/>
+                </a:lnTo>
+                <a:lnTo>
+                  <a:pt x="3" y="42"/>
+                </a:lnTo>
+                <a:lnTo>
+                  <a:pt x="0" y="0"/>
+                </a:lnTo>
+                <a:close/>
+              </a:path>
+            </a:pathLst>
+          </a:custGeom>
+          <a:solidFill>
+            <a:schemeClr val="tx2"/>
+          </a:solidFill>
+          <a:ln w="0">
+            <a:noFill/>
+            <a:prstDash val="solid"/>
+            <a:round/>
+            <a:headEnd/>
+            <a:tailEnd/>
+          </a:ln>
+        </p:spPr>
+      </p:sp>
+      <p:sp>
+        <p:nvSpPr>
+          <p:cNvPr id="2" name="Title 1">
+            <a:extLst>
+              <a:ext uri="{FF2B5EF4-FFF2-40B4-BE49-F238E27FC236}">
+                <a16:creationId xmlns:a16="http://schemas.microsoft.com/office/drawing/2014/main" id="{86B99B8C-EB75-0F86-636E-0F39839A7F3A}"/>
+              </a:ext>
+            </a:extLst>
+          </p:cNvPr>
+          <p:cNvSpPr>
+            <a:spLocks noGrp="1"/>
+          </p:cNvSpPr>
+          <p:nvPr>
+            <p:ph type="title"/>
+          </p:nvPr>
+        </p:nvSpPr>
+        <p:spPr>
+          <a:xfrm>
+            <a:off x="8339328" y="457200"/>
+            <a:ext cx="3090672" cy="1197864"/>
+          </a:xfrm>
+        </p:spPr>
+        <p:txBody>
+          <a:bodyPr vert="horz" lIns="91440" tIns="45720" rIns="91440" bIns="45720" rtlCol="0" anchor="b">
+            <a:normAutofit/>
+          </a:bodyPr>
+          <a:lstStyle/>
+          <a:p>
+            <a:r>
+              <a:rPr lang="en-US" sz="1900" dirty="0">
+                <a:solidFill>
+                  <a:schemeClr val="accent1"/>
+                </a:solidFill>
+              </a:rPr>
+              <a:t>Machine learning – random forest model</a:t>
+            </a:r>
+          </a:p>
+        </p:txBody>
+      </p:sp>
+      <p:sp>
+        <p:nvSpPr>
+          <p:cNvPr id="16" name="TextBox 15">
+            <a:extLst>
+              <a:ext uri="{FF2B5EF4-FFF2-40B4-BE49-F238E27FC236}">
+                <a16:creationId xmlns:a16="http://schemas.microsoft.com/office/drawing/2014/main" id="{170C4ED6-9E22-8539-15B5-E099A1F91E4D}"/>
+              </a:ext>
+            </a:extLst>
+          </p:cNvPr>
+          <p:cNvSpPr txBox="1"/>
+          <p:nvPr/>
+        </p:nvSpPr>
+        <p:spPr>
+          <a:xfrm>
+            <a:off x="8339328" y="1655065"/>
+            <a:ext cx="3090672" cy="457199"/>
+          </a:xfrm>
+          <a:prstGeom prst="rect">
+            <a:avLst/>
+          </a:prstGeom>
+        </p:spPr>
+        <p:txBody>
+          <a:bodyPr vert="horz" lIns="91440" tIns="45720" rIns="91440" bIns="45720" rtlCol="0">
+            <a:normAutofit/>
+          </a:bodyPr>
+          <a:lstStyle/>
+          <a:p>
+            <a:pPr indent="-228600" defTabSz="914400">
+              <a:lnSpc>
+                <a:spcPct val="110000"/>
+              </a:lnSpc>
+              <a:spcBef>
+                <a:spcPts val="700"/>
+              </a:spcBef>
+              <a:buClr>
+                <a:schemeClr val="tx2"/>
+              </a:buClr>
+            </a:pPr>
+            <a:r>
+              <a:rPr lang="en-US" sz="1600" dirty="0">
+                <a:solidFill>
+                  <a:schemeClr val="bg1"/>
+                </a:solidFill>
+              </a:rPr>
+              <a:t>Target variable: INJURIES_TOTAL</a:t>
+            </a:r>
+          </a:p>
+        </p:txBody>
+      </p:sp>
+      <p:sp>
+        <p:nvSpPr>
+          <p:cNvPr id="19" name="TextBox 18">
+            <a:extLst>
+              <a:ext uri="{FF2B5EF4-FFF2-40B4-BE49-F238E27FC236}">
+                <a16:creationId xmlns:a16="http://schemas.microsoft.com/office/drawing/2014/main" id="{12A2061A-80F9-896F-D8F4-FC7583D7D4B4}"/>
+              </a:ext>
+            </a:extLst>
+          </p:cNvPr>
+          <p:cNvSpPr txBox="1"/>
+          <p:nvPr/>
+        </p:nvSpPr>
+        <p:spPr>
+          <a:xfrm>
+            <a:off x="8339328" y="2395728"/>
+            <a:ext cx="1291700" cy="369332"/>
+          </a:xfrm>
+          <a:prstGeom prst="rect">
+            <a:avLst/>
+          </a:prstGeom>
+          <a:noFill/>
+        </p:spPr>
+        <p:txBody>
+          <a:bodyPr wrap="none" rtlCol="0">
+            <a:spAutoFit/>
+          </a:bodyPr>
+          <a:lstStyle/>
+          <a:p>
+            <a:r>
+              <a:rPr lang="en-US" dirty="0">
+                <a:solidFill>
+                  <a:schemeClr val="bg1"/>
+                </a:solidFill>
+              </a:rPr>
+              <a:t>Add details </a:t>
+            </a:r>
+          </a:p>
+        </p:txBody>
+      </p:sp>
+    </p:spTree>
+    <p:extLst>
+      <p:ext uri="{BB962C8B-B14F-4D97-AF65-F5344CB8AC3E}">
+        <p14:creationId xmlns:p14="http://schemas.microsoft.com/office/powerpoint/2010/main" val="1777016273"/>
+      </p:ext>
+    </p:extLst>
+  </p:cSld>
+  <p:clrMapOvr>
+    <a:masterClrMapping/>
+  </p:clrMapOvr>
+</p:sld>
+</file>
+
+<file path=ppt/slides/slide12.xml><?xml version="1.0" encoding="utf-8"?>
+<p:sld xmlns:a="http://schemas.openxmlformats.org/drawingml/2006/main" xmlns:r="http://schemas.openxmlformats.org/officeDocument/2006/relationships" xmlns:p="http://schemas.openxmlformats.org/presentationml/2006/main">
+  <p:cSld>
+    <p:bg>
+      <p:bgPr>
+        <a:solidFill>
+          <a:schemeClr val="bg1"/>
+        </a:solidFill>
+        <a:effectLst/>
+      </p:bgPr>
+    </p:bg>
+    <p:spTree>
+      <p:nvGrpSpPr>
+        <p:cNvPr id="1" name=""/>
+        <p:cNvGrpSpPr/>
+        <p:nvPr/>
+      </p:nvGrpSpPr>
+      <p:grpSpPr>
+        <a:xfrm>
+          <a:off x="0" y="0"/>
+          <a:ext cx="0" cy="0"/>
+          <a:chOff x="0" y="0"/>
+          <a:chExt cx="0" cy="0"/>
+        </a:xfrm>
+      </p:grpSpPr>
+      <p:sp useBgFill="1">
+        <p:nvSpPr>
+          <p:cNvPr id="32" name="Rectangle 31">
+            <a:extLst>
+              <a:ext uri="{FF2B5EF4-FFF2-40B4-BE49-F238E27FC236}">
+                <a16:creationId xmlns:a16="http://schemas.microsoft.com/office/drawing/2014/main" id="{2D6CE9D5-28BB-4329-B5E2-B06131F27F5B}"/>
+              </a:ext>
+              <a:ext uri="{C183D7F6-B498-43B3-948B-1728B52AA6E4}">
+                <adec:decorative xmlns:adec="http://schemas.microsoft.com/office/drawing/2017/decorative" val="1"/>
+              </a:ext>
+            </a:extLst>
+          </p:cNvPr>
+          <p:cNvSpPr>
+            <a:spLocks noGrp="1" noRot="1" noChangeAspect="1" noMove="1" noResize="1" noEditPoints="1" noAdjustHandles="1" noChangeArrowheads="1" noChangeShapeType="1" noTextEdit="1"/>
+          </p:cNvSpPr>
+          <p:nvPr>
+            <p:extLst>
+              <p:ext uri="{386F3935-93C4-4BCD-93E2-E3B085C9AB24}">
+                <p16:designElem xmlns:p16="http://schemas.microsoft.com/office/powerpoint/2015/main" val="1"/>
+              </p:ext>
+            </p:extLst>
+          </p:nvPr>
+        </p:nvSpPr>
+        <p:spPr bwMode="white">
+          <a:xfrm>
+            <a:off x="0" y="0"/>
+            <a:ext cx="12192000" cy="6858000"/>
+          </a:xfrm>
+          <a:prstGeom prst="rect">
+            <a:avLst/>
+          </a:prstGeom>
+          <a:ln>
+            <a:noFill/>
+          </a:ln>
+        </p:spPr>
+        <p:style>
+          <a:lnRef idx="2">
+            <a:schemeClr val="accent1">
+              <a:shade val="50000"/>
+            </a:schemeClr>
+          </a:lnRef>
+          <a:fillRef idx="1">
+            <a:schemeClr val="accent1"/>
+          </a:fillRef>
+          <a:effectRef idx="0">
+            <a:schemeClr val="accent1"/>
+          </a:effectRef>
+          <a:fontRef idx="minor">
+            <a:schemeClr val="lt1"/>
+          </a:fontRef>
+        </p:style>
+        <p:txBody>
+          <a:bodyPr rot="0" spcFirstLastPara="0" vert="horz" wrap="square" lIns="91440" tIns="45720" rIns="91440" bIns="45720" numCol="1" spcCol="0" rtlCol="0" fromWordArt="0" anchor="ctr" anchorCtr="0" forceAA="0" compatLnSpc="1">
+            <a:prstTxWarp prst="textNoShape">
+              <a:avLst/>
+            </a:prstTxWarp>
+            <a:noAutofit/>
+          </a:bodyPr>
+          <a:lstStyle>
+            <a:defPPr>
+              <a:defRPr lang="en-US"/>
+            </a:defPPr>
+            <a:lvl1pPr marL="0" algn="l" defTabSz="914400" rtl="0" eaLnBrk="1" latinLnBrk="0" hangingPunct="1">
+              <a:defRPr sz="1800" kern="1200">
+                <a:solidFill>
+                  <a:schemeClr val="lt1"/>
+                </a:solidFill>
+                <a:latin typeface="+mn-lt"/>
+                <a:ea typeface="+mn-ea"/>
+                <a:cs typeface="+mn-cs"/>
+              </a:defRPr>
+            </a:lvl1pPr>
+            <a:lvl2pPr marL="457200" algn="l" defTabSz="914400" rtl="0" eaLnBrk="1" latinLnBrk="0" hangingPunct="1">
+              <a:defRPr sz="1800" kern="1200">
+                <a:solidFill>
+                  <a:schemeClr val="lt1"/>
+                </a:solidFill>
+                <a:latin typeface="+mn-lt"/>
+                <a:ea typeface="+mn-ea"/>
+                <a:cs typeface="+mn-cs"/>
+              </a:defRPr>
+            </a:lvl2pPr>
+            <a:lvl3pPr marL="914400" algn="l" defTabSz="914400" rtl="0" eaLnBrk="1" latinLnBrk="0" hangingPunct="1">
+              <a:defRPr sz="1800" kern="1200">
+                <a:solidFill>
+                  <a:schemeClr val="lt1"/>
+                </a:solidFill>
+                <a:latin typeface="+mn-lt"/>
+                <a:ea typeface="+mn-ea"/>
+                <a:cs typeface="+mn-cs"/>
+              </a:defRPr>
+            </a:lvl3pPr>
+            <a:lvl4pPr marL="1371600" algn="l" defTabSz="914400" rtl="0" eaLnBrk="1" latinLnBrk="0" hangingPunct="1">
+              <a:defRPr sz="1800" kern="1200">
+                <a:solidFill>
+                  <a:schemeClr val="lt1"/>
+                </a:solidFill>
+                <a:latin typeface="+mn-lt"/>
+                <a:ea typeface="+mn-ea"/>
+                <a:cs typeface="+mn-cs"/>
+              </a:defRPr>
+            </a:lvl4pPr>
+            <a:lvl5pPr marL="1828800" algn="l" defTabSz="914400" rtl="0" eaLnBrk="1" latinLnBrk="0" hangingPunct="1">
+              <a:defRPr sz="1800" kern="1200">
+                <a:solidFill>
+                  <a:schemeClr val="lt1"/>
+                </a:solidFill>
+                <a:latin typeface="+mn-lt"/>
+                <a:ea typeface="+mn-ea"/>
+                <a:cs typeface="+mn-cs"/>
+              </a:defRPr>
+            </a:lvl5pPr>
+            <a:lvl6pPr marL="2286000" algn="l" defTabSz="914400" rtl="0" eaLnBrk="1" latinLnBrk="0" hangingPunct="1">
+              <a:defRPr sz="1800" kern="1200">
+                <a:solidFill>
+                  <a:schemeClr val="lt1"/>
+                </a:solidFill>
+                <a:latin typeface="+mn-lt"/>
+                <a:ea typeface="+mn-ea"/>
+                <a:cs typeface="+mn-cs"/>
+              </a:defRPr>
+            </a:lvl6pPr>
+            <a:lvl7pPr marL="2743200" algn="l" defTabSz="914400" rtl="0" eaLnBrk="1" latinLnBrk="0" hangingPunct="1">
+              <a:defRPr sz="1800" kern="1200">
+                <a:solidFill>
+                  <a:schemeClr val="lt1"/>
+                </a:solidFill>
+                <a:latin typeface="+mn-lt"/>
+                <a:ea typeface="+mn-ea"/>
+                <a:cs typeface="+mn-cs"/>
+              </a:defRPr>
+            </a:lvl7pPr>
+            <a:lvl8pPr marL="3200400" algn="l" defTabSz="914400" rtl="0" eaLnBrk="1" latinLnBrk="0" hangingPunct="1">
+              <a:defRPr sz="1800" kern="1200">
+                <a:solidFill>
+                  <a:schemeClr val="lt1"/>
+                </a:solidFill>
+                <a:latin typeface="+mn-lt"/>
+                <a:ea typeface="+mn-ea"/>
+                <a:cs typeface="+mn-cs"/>
+              </a:defRPr>
+            </a:lvl8pPr>
+            <a:lvl9pPr marL="3657600" algn="l" defTabSz="914400" rtl="0" eaLnBrk="1" latinLnBrk="0" hangingPunct="1">
+              <a:defRPr sz="1800" kern="1200">
+                <a:solidFill>
+                  <a:schemeClr val="lt1"/>
+                </a:solidFill>
+                <a:latin typeface="+mn-lt"/>
+                <a:ea typeface="+mn-ea"/>
+                <a:cs typeface="+mn-cs"/>
+              </a:defRPr>
+            </a:lvl9pPr>
+          </a:lstStyle>
+          <a:p>
+            <a:pPr algn="ctr"/>
+            <a:endParaRPr lang="en-US"/>
+          </a:p>
+        </p:txBody>
+      </p:sp>
+      <p:sp>
+        <p:nvSpPr>
+          <p:cNvPr id="34" name="Rectangle 33">
+            <a:extLst>
+              <a:ext uri="{FF2B5EF4-FFF2-40B4-BE49-F238E27FC236}">
+                <a16:creationId xmlns:a16="http://schemas.microsoft.com/office/drawing/2014/main" id="{8D9F7D40-5D59-4F59-A331-D8F7710AC903}"/>
+              </a:ext>
+              <a:ext uri="{C183D7F6-B498-43B3-948B-1728B52AA6E4}">
+                <adec:decorative xmlns:adec="http://schemas.microsoft.com/office/drawing/2017/decorative" val="1"/>
+              </a:ext>
+            </a:extLst>
+          </p:cNvPr>
+          <p:cNvSpPr>
+            <a:spLocks noGrp="1" noRot="1" noChangeAspect="1" noMove="1" noResize="1" noEditPoints="1" noAdjustHandles="1" noChangeArrowheads="1" noChangeShapeType="1" noTextEdit="1"/>
+          </p:cNvSpPr>
+          <p:nvPr>
+            <p:extLst>
+              <p:ext uri="{386F3935-93C4-4BCD-93E2-E3B085C9AB24}">
+                <p16:designElem xmlns:p16="http://schemas.microsoft.com/office/powerpoint/2015/main" val="1"/>
+              </p:ext>
+            </p:extLst>
+          </p:nvPr>
+        </p:nvSpPr>
+        <p:spPr>
+          <a:xfrm>
+            <a:off x="0" y="0"/>
+            <a:ext cx="283464" cy="6858000"/>
+          </a:xfrm>
+          <a:prstGeom prst="rect">
+            <a:avLst/>
+          </a:prstGeom>
+          <a:solidFill>
+            <a:schemeClr val="accent1"/>
+          </a:solidFill>
+          <a:ln>
+            <a:noFill/>
+          </a:ln>
+        </p:spPr>
+        <p:style>
+          <a:lnRef idx="2">
+            <a:schemeClr val="accent1">
+              <a:shade val="50000"/>
+            </a:schemeClr>
+          </a:lnRef>
+          <a:fillRef idx="1">
+            <a:schemeClr val="accent1"/>
+          </a:fillRef>
+          <a:effectRef idx="0">
+            <a:schemeClr val="accent1"/>
+          </a:effectRef>
+          <a:fontRef idx="minor">
+            <a:schemeClr val="lt1"/>
+          </a:fontRef>
+        </p:style>
+      </p:sp>
+      <p:sp>
+        <p:nvSpPr>
+          <p:cNvPr id="36" name="Freeform 11">
+            <a:extLst>
+              <a:ext uri="{FF2B5EF4-FFF2-40B4-BE49-F238E27FC236}">
+                <a16:creationId xmlns:a16="http://schemas.microsoft.com/office/drawing/2014/main" id="{E2B1BC2F-AEBF-4990-A7F9-197AAF28BC7A}"/>
+              </a:ext>
+              <a:ext uri="{C183D7F6-B498-43B3-948B-1728B52AA6E4}">
+                <adec:decorative xmlns:adec="http://schemas.microsoft.com/office/drawing/2017/decorative" val="1"/>
+              </a:ext>
+            </a:extLst>
+          </p:cNvPr>
+          <p:cNvSpPr>
+            <a:spLocks noGrp="1" noRot="1" noChangeAspect="1" noMove="1" noResize="1" noEditPoints="1" noAdjustHandles="1" noChangeArrowheads="1" noChangeShapeType="1" noTextEdit="1"/>
+          </p:cNvSpPr>
+          <p:nvPr>
+            <p:extLst>
+              <p:ext uri="{386F3935-93C4-4BCD-93E2-E3B085C9AB24}">
+                <p16:designElem xmlns:p16="http://schemas.microsoft.com/office/powerpoint/2015/main" val="1"/>
+              </p:ext>
+            </p:extLst>
+          </p:nvPr>
+        </p:nvSpPr>
+        <p:spPr bwMode="auto">
+          <a:xfrm>
+            <a:off x="7548664" y="0"/>
+            <a:ext cx="4643336" cy="6858000"/>
+          </a:xfrm>
+          <a:custGeom>
+            <a:avLst/>
+            <a:gdLst/>
+            <a:ahLst/>
+            <a:cxnLst/>
+            <a:rect l="0" t="0" r="r" b="b"/>
+            <a:pathLst>
+              <a:path w="3025" h="4320">
+                <a:moveTo>
+                  <a:pt x="0" y="0"/>
+                </a:moveTo>
+                <a:lnTo>
+                  <a:pt x="3025" y="0"/>
+                </a:lnTo>
+                <a:lnTo>
+                  <a:pt x="3025" y="4320"/>
+                </a:lnTo>
+                <a:lnTo>
+                  <a:pt x="0" y="4320"/>
+                </a:lnTo>
+                <a:lnTo>
+                  <a:pt x="3" y="4278"/>
+                </a:lnTo>
+                <a:lnTo>
+                  <a:pt x="8" y="4243"/>
+                </a:lnTo>
+                <a:lnTo>
+                  <a:pt x="14" y="4210"/>
+                </a:lnTo>
+                <a:lnTo>
+                  <a:pt x="24" y="4183"/>
+                </a:lnTo>
+                <a:lnTo>
+                  <a:pt x="34" y="4156"/>
+                </a:lnTo>
+                <a:lnTo>
+                  <a:pt x="46" y="4133"/>
+                </a:lnTo>
+                <a:lnTo>
+                  <a:pt x="58" y="4109"/>
+                </a:lnTo>
+                <a:lnTo>
+                  <a:pt x="69" y="4087"/>
+                </a:lnTo>
+                <a:lnTo>
+                  <a:pt x="80" y="4062"/>
+                </a:lnTo>
+                <a:lnTo>
+                  <a:pt x="90" y="4036"/>
+                </a:lnTo>
+                <a:lnTo>
+                  <a:pt x="99" y="4007"/>
+                </a:lnTo>
+                <a:lnTo>
+                  <a:pt x="106" y="3976"/>
+                </a:lnTo>
+                <a:lnTo>
+                  <a:pt x="111" y="3938"/>
+                </a:lnTo>
+                <a:lnTo>
+                  <a:pt x="113" y="3895"/>
+                </a:lnTo>
+                <a:lnTo>
+                  <a:pt x="111" y="3851"/>
+                </a:lnTo>
+                <a:lnTo>
+                  <a:pt x="106" y="3815"/>
+                </a:lnTo>
+                <a:lnTo>
+                  <a:pt x="99" y="3782"/>
+                </a:lnTo>
+                <a:lnTo>
+                  <a:pt x="90" y="3752"/>
+                </a:lnTo>
+                <a:lnTo>
+                  <a:pt x="80" y="3726"/>
+                </a:lnTo>
+                <a:lnTo>
+                  <a:pt x="68" y="3702"/>
+                </a:lnTo>
+                <a:lnTo>
+                  <a:pt x="56" y="3679"/>
+                </a:lnTo>
+                <a:lnTo>
+                  <a:pt x="44" y="3655"/>
+                </a:lnTo>
+                <a:lnTo>
+                  <a:pt x="33" y="3630"/>
+                </a:lnTo>
+                <a:lnTo>
+                  <a:pt x="22" y="3604"/>
+                </a:lnTo>
+                <a:lnTo>
+                  <a:pt x="13" y="3575"/>
+                </a:lnTo>
+                <a:lnTo>
+                  <a:pt x="7" y="3542"/>
+                </a:lnTo>
+                <a:lnTo>
+                  <a:pt x="1" y="3504"/>
+                </a:lnTo>
+                <a:lnTo>
+                  <a:pt x="0" y="3461"/>
+                </a:lnTo>
+                <a:lnTo>
+                  <a:pt x="1" y="3418"/>
+                </a:lnTo>
+                <a:lnTo>
+                  <a:pt x="7" y="3380"/>
+                </a:lnTo>
+                <a:lnTo>
+                  <a:pt x="13" y="3347"/>
+                </a:lnTo>
+                <a:lnTo>
+                  <a:pt x="22" y="3319"/>
+                </a:lnTo>
+                <a:lnTo>
+                  <a:pt x="33" y="3292"/>
+                </a:lnTo>
+                <a:lnTo>
+                  <a:pt x="44" y="3267"/>
+                </a:lnTo>
+                <a:lnTo>
+                  <a:pt x="56" y="3244"/>
+                </a:lnTo>
+                <a:lnTo>
+                  <a:pt x="68" y="3222"/>
+                </a:lnTo>
+                <a:lnTo>
+                  <a:pt x="80" y="3197"/>
+                </a:lnTo>
+                <a:lnTo>
+                  <a:pt x="90" y="3171"/>
+                </a:lnTo>
+                <a:lnTo>
+                  <a:pt x="99" y="3142"/>
+                </a:lnTo>
+                <a:lnTo>
+                  <a:pt x="106" y="3109"/>
+                </a:lnTo>
+                <a:lnTo>
+                  <a:pt x="111" y="3071"/>
+                </a:lnTo>
+                <a:lnTo>
+                  <a:pt x="113" y="3028"/>
+                </a:lnTo>
+                <a:lnTo>
+                  <a:pt x="111" y="2985"/>
+                </a:lnTo>
+                <a:lnTo>
+                  <a:pt x="106" y="2947"/>
+                </a:lnTo>
+                <a:lnTo>
+                  <a:pt x="99" y="2914"/>
+                </a:lnTo>
+                <a:lnTo>
+                  <a:pt x="90" y="2885"/>
+                </a:lnTo>
+                <a:lnTo>
+                  <a:pt x="80" y="2858"/>
+                </a:lnTo>
+                <a:lnTo>
+                  <a:pt x="68" y="2834"/>
+                </a:lnTo>
+                <a:lnTo>
+                  <a:pt x="44" y="2787"/>
+                </a:lnTo>
+                <a:lnTo>
+                  <a:pt x="33" y="2763"/>
+                </a:lnTo>
+                <a:lnTo>
+                  <a:pt x="22" y="2736"/>
+                </a:lnTo>
+                <a:lnTo>
+                  <a:pt x="13" y="2707"/>
+                </a:lnTo>
+                <a:lnTo>
+                  <a:pt x="7" y="2674"/>
+                </a:lnTo>
+                <a:lnTo>
+                  <a:pt x="1" y="2637"/>
+                </a:lnTo>
+                <a:lnTo>
+                  <a:pt x="0" y="2593"/>
+                </a:lnTo>
+                <a:lnTo>
+                  <a:pt x="1" y="2550"/>
+                </a:lnTo>
+                <a:lnTo>
+                  <a:pt x="7" y="2512"/>
+                </a:lnTo>
+                <a:lnTo>
+                  <a:pt x="13" y="2479"/>
+                </a:lnTo>
+                <a:lnTo>
+                  <a:pt x="22" y="2451"/>
+                </a:lnTo>
+                <a:lnTo>
+                  <a:pt x="33" y="2424"/>
+                </a:lnTo>
+                <a:lnTo>
+                  <a:pt x="44" y="2401"/>
+                </a:lnTo>
+                <a:lnTo>
+                  <a:pt x="68" y="2354"/>
+                </a:lnTo>
+                <a:lnTo>
+                  <a:pt x="80" y="2329"/>
+                </a:lnTo>
+                <a:lnTo>
+                  <a:pt x="90" y="2303"/>
+                </a:lnTo>
+                <a:lnTo>
+                  <a:pt x="99" y="2274"/>
+                </a:lnTo>
+                <a:lnTo>
+                  <a:pt x="106" y="2241"/>
+                </a:lnTo>
+                <a:lnTo>
+                  <a:pt x="111" y="2203"/>
+                </a:lnTo>
+                <a:lnTo>
+                  <a:pt x="113" y="2159"/>
+                </a:lnTo>
+                <a:lnTo>
+                  <a:pt x="111" y="2117"/>
+                </a:lnTo>
+                <a:lnTo>
+                  <a:pt x="106" y="2079"/>
+                </a:lnTo>
+                <a:lnTo>
+                  <a:pt x="99" y="2046"/>
+                </a:lnTo>
+                <a:lnTo>
+                  <a:pt x="90" y="2017"/>
+                </a:lnTo>
+                <a:lnTo>
+                  <a:pt x="80" y="1991"/>
+                </a:lnTo>
+                <a:lnTo>
+                  <a:pt x="68" y="1966"/>
+                </a:lnTo>
+                <a:lnTo>
+                  <a:pt x="56" y="1943"/>
+                </a:lnTo>
+                <a:lnTo>
+                  <a:pt x="44" y="1919"/>
+                </a:lnTo>
+                <a:lnTo>
+                  <a:pt x="33" y="1896"/>
+                </a:lnTo>
+                <a:lnTo>
+                  <a:pt x="22" y="1869"/>
+                </a:lnTo>
+                <a:lnTo>
+                  <a:pt x="13" y="1841"/>
+                </a:lnTo>
+                <a:lnTo>
+                  <a:pt x="7" y="1807"/>
+                </a:lnTo>
+                <a:lnTo>
+                  <a:pt x="1" y="1770"/>
+                </a:lnTo>
+                <a:lnTo>
+                  <a:pt x="0" y="1727"/>
+                </a:lnTo>
+                <a:lnTo>
+                  <a:pt x="1" y="1683"/>
+                </a:lnTo>
+                <a:lnTo>
+                  <a:pt x="7" y="1646"/>
+                </a:lnTo>
+                <a:lnTo>
+                  <a:pt x="13" y="1613"/>
+                </a:lnTo>
+                <a:lnTo>
+                  <a:pt x="22" y="1583"/>
+                </a:lnTo>
+                <a:lnTo>
+                  <a:pt x="33" y="1557"/>
+                </a:lnTo>
+                <a:lnTo>
+                  <a:pt x="44" y="1533"/>
+                </a:lnTo>
+                <a:lnTo>
+                  <a:pt x="56" y="1509"/>
+                </a:lnTo>
+                <a:lnTo>
+                  <a:pt x="68" y="1486"/>
+                </a:lnTo>
+                <a:lnTo>
+                  <a:pt x="80" y="1461"/>
+                </a:lnTo>
+                <a:lnTo>
+                  <a:pt x="90" y="1435"/>
+                </a:lnTo>
+                <a:lnTo>
+                  <a:pt x="99" y="1406"/>
+                </a:lnTo>
+                <a:lnTo>
+                  <a:pt x="106" y="1373"/>
+                </a:lnTo>
+                <a:lnTo>
+                  <a:pt x="111" y="1335"/>
+                </a:lnTo>
+                <a:lnTo>
+                  <a:pt x="113" y="1292"/>
+                </a:lnTo>
+                <a:lnTo>
+                  <a:pt x="111" y="1249"/>
+                </a:lnTo>
+                <a:lnTo>
+                  <a:pt x="106" y="1211"/>
+                </a:lnTo>
+                <a:lnTo>
+                  <a:pt x="99" y="1178"/>
+                </a:lnTo>
+                <a:lnTo>
+                  <a:pt x="90" y="1149"/>
+                </a:lnTo>
+                <a:lnTo>
+                  <a:pt x="80" y="1123"/>
+                </a:lnTo>
+                <a:lnTo>
+                  <a:pt x="68" y="1098"/>
+                </a:lnTo>
+                <a:lnTo>
+                  <a:pt x="56" y="1076"/>
+                </a:lnTo>
+                <a:lnTo>
+                  <a:pt x="44" y="1053"/>
+                </a:lnTo>
+                <a:lnTo>
+                  <a:pt x="33" y="1028"/>
+                </a:lnTo>
+                <a:lnTo>
+                  <a:pt x="22" y="1001"/>
+                </a:lnTo>
+                <a:lnTo>
+                  <a:pt x="13" y="973"/>
+                </a:lnTo>
+                <a:lnTo>
+                  <a:pt x="7" y="940"/>
+                </a:lnTo>
+                <a:lnTo>
+                  <a:pt x="1" y="902"/>
+                </a:lnTo>
+                <a:lnTo>
+                  <a:pt x="0" y="859"/>
+                </a:lnTo>
+                <a:lnTo>
+                  <a:pt x="1" y="816"/>
+                </a:lnTo>
+                <a:lnTo>
+                  <a:pt x="7" y="778"/>
+                </a:lnTo>
+                <a:lnTo>
+                  <a:pt x="13" y="745"/>
+                </a:lnTo>
+                <a:lnTo>
+                  <a:pt x="22" y="716"/>
+                </a:lnTo>
+                <a:lnTo>
+                  <a:pt x="33" y="690"/>
+                </a:lnTo>
+                <a:lnTo>
+                  <a:pt x="44" y="665"/>
+                </a:lnTo>
+                <a:lnTo>
+                  <a:pt x="56" y="641"/>
+                </a:lnTo>
+                <a:lnTo>
+                  <a:pt x="68" y="618"/>
+                </a:lnTo>
+                <a:lnTo>
+                  <a:pt x="80" y="594"/>
+                </a:lnTo>
+                <a:lnTo>
+                  <a:pt x="90" y="568"/>
+                </a:lnTo>
+                <a:lnTo>
+                  <a:pt x="99" y="538"/>
+                </a:lnTo>
+                <a:lnTo>
+                  <a:pt x="106" y="505"/>
+                </a:lnTo>
+                <a:lnTo>
+                  <a:pt x="111" y="469"/>
+                </a:lnTo>
+                <a:lnTo>
+                  <a:pt x="113" y="424"/>
+                </a:lnTo>
+                <a:lnTo>
+                  <a:pt x="111" y="382"/>
+                </a:lnTo>
+                <a:lnTo>
+                  <a:pt x="106" y="344"/>
+                </a:lnTo>
+                <a:lnTo>
+                  <a:pt x="99" y="313"/>
+                </a:lnTo>
+                <a:lnTo>
+                  <a:pt x="90" y="284"/>
+                </a:lnTo>
+                <a:lnTo>
+                  <a:pt x="80" y="258"/>
+                </a:lnTo>
+                <a:lnTo>
+                  <a:pt x="69" y="233"/>
+                </a:lnTo>
+                <a:lnTo>
+                  <a:pt x="58" y="211"/>
+                </a:lnTo>
+                <a:lnTo>
+                  <a:pt x="46" y="187"/>
+                </a:lnTo>
+                <a:lnTo>
+                  <a:pt x="34" y="164"/>
+                </a:lnTo>
+                <a:lnTo>
+                  <a:pt x="24" y="137"/>
+                </a:lnTo>
+                <a:lnTo>
+                  <a:pt x="14" y="110"/>
+                </a:lnTo>
+                <a:lnTo>
+                  <a:pt x="8" y="77"/>
+                </a:lnTo>
+                <a:lnTo>
+                  <a:pt x="3" y="42"/>
+                </a:lnTo>
+                <a:lnTo>
+                  <a:pt x="0" y="0"/>
+                </a:lnTo>
+                <a:close/>
+              </a:path>
+            </a:pathLst>
+          </a:custGeom>
+          <a:solidFill>
+            <a:schemeClr val="tx2"/>
+          </a:solidFill>
+          <a:ln w="0">
+            <a:noFill/>
+            <a:prstDash val="solid"/>
+            <a:round/>
+            <a:headEnd/>
+            <a:tailEnd/>
+          </a:ln>
+        </p:spPr>
+      </p:sp>
+      <p:sp>
+        <p:nvSpPr>
+          <p:cNvPr id="2" name="Title 1">
+            <a:extLst>
+              <a:ext uri="{FF2B5EF4-FFF2-40B4-BE49-F238E27FC236}">
+                <a16:creationId xmlns:a16="http://schemas.microsoft.com/office/drawing/2014/main" id="{86B99B8C-EB75-0F86-636E-0F39839A7F3A}"/>
+              </a:ext>
+            </a:extLst>
+          </p:cNvPr>
+          <p:cNvSpPr>
+            <a:spLocks noGrp="1"/>
+          </p:cNvSpPr>
+          <p:nvPr>
+            <p:ph type="title"/>
+          </p:nvPr>
+        </p:nvSpPr>
+        <p:spPr>
+          <a:xfrm>
+            <a:off x="8339328" y="457200"/>
+            <a:ext cx="3090672" cy="1197864"/>
+          </a:xfrm>
+        </p:spPr>
+        <p:txBody>
+          <a:bodyPr vert="horz" lIns="91440" tIns="45720" rIns="91440" bIns="45720" rtlCol="0" anchor="b">
+            <a:normAutofit/>
+          </a:bodyPr>
+          <a:lstStyle/>
+          <a:p>
+            <a:r>
+              <a:rPr lang="en-US" sz="1900" dirty="0">
+                <a:solidFill>
+                  <a:schemeClr val="accent1"/>
+                </a:solidFill>
+              </a:rPr>
+              <a:t>Machine learning - Decision tree model</a:t>
+            </a:r>
+          </a:p>
+        </p:txBody>
+      </p:sp>
+      <p:sp>
+        <p:nvSpPr>
+          <p:cNvPr id="16" name="TextBox 15">
+            <a:extLst>
+              <a:ext uri="{FF2B5EF4-FFF2-40B4-BE49-F238E27FC236}">
+                <a16:creationId xmlns:a16="http://schemas.microsoft.com/office/drawing/2014/main" id="{170C4ED6-9E22-8539-15B5-E099A1F91E4D}"/>
+              </a:ext>
+            </a:extLst>
+          </p:cNvPr>
+          <p:cNvSpPr txBox="1"/>
+          <p:nvPr/>
+        </p:nvSpPr>
+        <p:spPr>
+          <a:xfrm>
+            <a:off x="8339328" y="1655065"/>
+            <a:ext cx="3090672" cy="457199"/>
+          </a:xfrm>
+          <a:prstGeom prst="rect">
+            <a:avLst/>
+          </a:prstGeom>
+        </p:spPr>
+        <p:txBody>
+          <a:bodyPr vert="horz" lIns="91440" tIns="45720" rIns="91440" bIns="45720" rtlCol="0">
+            <a:normAutofit/>
+          </a:bodyPr>
+          <a:lstStyle/>
+          <a:p>
+            <a:pPr indent="-228600" defTabSz="914400">
+              <a:lnSpc>
+                <a:spcPct val="110000"/>
+              </a:lnSpc>
+              <a:spcBef>
+                <a:spcPts val="700"/>
+              </a:spcBef>
+              <a:buClr>
+                <a:schemeClr val="tx2"/>
+              </a:buClr>
+            </a:pPr>
+            <a:r>
+              <a:rPr lang="en-US" sz="1600" dirty="0">
+                <a:solidFill>
+                  <a:schemeClr val="bg1"/>
+                </a:solidFill>
+              </a:rPr>
+              <a:t>Target variable: INJURIES_TOTAL</a:t>
+            </a:r>
+          </a:p>
+        </p:txBody>
+      </p:sp>
+      <p:sp>
+        <p:nvSpPr>
+          <p:cNvPr id="19" name="TextBox 18">
+            <a:extLst>
+              <a:ext uri="{FF2B5EF4-FFF2-40B4-BE49-F238E27FC236}">
+                <a16:creationId xmlns:a16="http://schemas.microsoft.com/office/drawing/2014/main" id="{12A2061A-80F9-896F-D8F4-FC7583D7D4B4}"/>
+              </a:ext>
+            </a:extLst>
+          </p:cNvPr>
+          <p:cNvSpPr txBox="1"/>
+          <p:nvPr/>
+        </p:nvSpPr>
+        <p:spPr>
+          <a:xfrm>
+            <a:off x="8339328" y="2395728"/>
+            <a:ext cx="1291700" cy="369332"/>
+          </a:xfrm>
+          <a:prstGeom prst="rect">
+            <a:avLst/>
+          </a:prstGeom>
+          <a:noFill/>
+        </p:spPr>
+        <p:txBody>
+          <a:bodyPr wrap="none" rtlCol="0">
+            <a:spAutoFit/>
+          </a:bodyPr>
+          <a:lstStyle/>
+          <a:p>
+            <a:r>
+              <a:rPr lang="en-US" dirty="0">
+                <a:solidFill>
+                  <a:schemeClr val="bg1"/>
+                </a:solidFill>
+              </a:rPr>
+              <a:t>Add details </a:t>
+            </a:r>
+          </a:p>
+        </p:txBody>
+      </p:sp>
+    </p:spTree>
+    <p:extLst>
+      <p:ext uri="{BB962C8B-B14F-4D97-AF65-F5344CB8AC3E}">
+        <p14:creationId xmlns:p14="http://schemas.microsoft.com/office/powerpoint/2010/main" val="3005795945"/>
+      </p:ext>
+    </p:extLst>
+  </p:cSld>
+  <p:clrMapOvr>
+    <a:masterClrMapping/>
+  </p:clrMapOvr>
+</p:sld>
+</file>
+
+<file path=ppt/slides/slide13.xml><?xml version="1.0" encoding="utf-8"?>
+<p:sld xmlns:a="http://schemas.openxmlformats.org/drawingml/2006/main" xmlns:r="http://schemas.openxmlformats.org/officeDocument/2006/relationships" xmlns:p="http://schemas.openxmlformats.org/presentationml/2006/main">
+  <p:cSld>
+    <p:bg>
+      <p:bgPr>
+        <a:solidFill>
+          <a:schemeClr val="bg2"/>
+        </a:solidFill>
+        <a:effectLst/>
+      </p:bgPr>
+    </p:bg>
+    <p:spTree>
+      <p:nvGrpSpPr>
+        <p:cNvPr id="1" name=""/>
+        <p:cNvGrpSpPr/>
+        <p:nvPr/>
+      </p:nvGrpSpPr>
+      <p:grpSpPr>
+        <a:xfrm>
+          <a:off x="0" y="0"/>
+          <a:ext cx="0" cy="0"/>
+          <a:chOff x="0" y="0"/>
+          <a:chExt cx="0" cy="0"/>
+        </a:xfrm>
+      </p:grpSpPr>
+      <p:sp useBgFill="1">
+        <p:nvSpPr>
+          <p:cNvPr id="8" name="Rectangle 7">
+            <a:extLst>
+              <a:ext uri="{FF2B5EF4-FFF2-40B4-BE49-F238E27FC236}">
+                <a16:creationId xmlns:a16="http://schemas.microsoft.com/office/drawing/2014/main" id="{06F0F283-C8B6-4598-89C9-C404C98A5715}"/>
+              </a:ext>
+              <a:ext uri="{C183D7F6-B498-43B3-948B-1728B52AA6E4}">
+                <adec:decorative xmlns:adec="http://schemas.microsoft.com/office/drawing/2017/decorative" val="1"/>
+              </a:ext>
+            </a:extLst>
+          </p:cNvPr>
+          <p:cNvSpPr>
+            <a:spLocks noGrp="1" noRot="1" noChangeAspect="1" noMove="1" noResize="1" noEditPoints="1" noAdjustHandles="1" noChangeArrowheads="1" noChangeShapeType="1" noTextEdit="1"/>
+          </p:cNvSpPr>
+          <p:nvPr>
+            <p:extLst>
+              <p:ext uri="{386F3935-93C4-4BCD-93E2-E3B085C9AB24}">
+                <p16:designElem xmlns:p16="http://schemas.microsoft.com/office/powerpoint/2015/main" val="1"/>
+              </p:ext>
+            </p:extLst>
+          </p:nvPr>
+        </p:nvSpPr>
+        <p:spPr bwMode="ltGray">
+          <a:xfrm>
+            <a:off x="0" y="0"/>
+            <a:ext cx="12191999" cy="6858000"/>
+          </a:xfrm>
+          <a:prstGeom prst="rect">
+            <a:avLst/>
+          </a:prstGeom>
+          <a:ln>
+            <a:noFill/>
+          </a:ln>
+        </p:spPr>
+        <p:style>
+          <a:lnRef idx="2">
+            <a:schemeClr val="accent1">
+              <a:shade val="50000"/>
+            </a:schemeClr>
+          </a:lnRef>
+          <a:fillRef idx="1">
+            <a:schemeClr val="accent1"/>
+          </a:fillRef>
+          <a:effectRef idx="0">
+            <a:schemeClr val="accent1"/>
+          </a:effectRef>
+          <a:fontRef idx="minor">
+            <a:schemeClr val="lt1"/>
+          </a:fontRef>
+        </p:style>
+        <p:txBody>
+          <a:bodyPr rtlCol="0" anchor="ctr"/>
+          <a:lstStyle/>
+          <a:p>
+            <a:pPr algn="ctr"/>
+            <a:endParaRPr lang="en-US"/>
+          </a:p>
+        </p:txBody>
+      </p:sp>
+      <p:sp>
+        <p:nvSpPr>
+          <p:cNvPr id="10" name="Freeform: Shape 9">
+            <a:extLst>
+              <a:ext uri="{FF2B5EF4-FFF2-40B4-BE49-F238E27FC236}">
+                <a16:creationId xmlns:a16="http://schemas.microsoft.com/office/drawing/2014/main" id="{E473B0C0-761B-443F-97A0-9D6E01FBB751}"/>
+              </a:ext>
+              <a:ext uri="{C183D7F6-B498-43B3-948B-1728B52AA6E4}">
+                <adec:decorative xmlns:adec="http://schemas.microsoft.com/office/drawing/2017/decorative" val="1"/>
+              </a:ext>
+            </a:extLst>
+          </p:cNvPr>
+          <p:cNvSpPr>
+            <a:spLocks noGrp="1" noRot="1" noChangeAspect="1" noMove="1" noResize="1" noEditPoints="1" noAdjustHandles="1" noChangeArrowheads="1" noChangeShapeType="1" noTextEdit="1"/>
+          </p:cNvSpPr>
+          <p:nvPr>
+            <p:extLst>
+              <p:ext uri="{386F3935-93C4-4BCD-93E2-E3B085C9AB24}">
+                <p16:designElem xmlns:p16="http://schemas.microsoft.com/office/powerpoint/2015/main" val="1"/>
+              </p:ext>
+            </p:extLst>
+          </p:nvPr>
+        </p:nvSpPr>
+        <p:spPr bwMode="ltGray">
+          <a:xfrm>
+            <a:off x="-1" y="-2"/>
+            <a:ext cx="6300250" cy="6858002"/>
+          </a:xfrm>
+          <a:custGeom>
+            <a:avLst/>
+            <a:gdLst>
+              <a:gd name="connsiteX0" fmla="*/ 0 w 6300250"/>
+              <a:gd name="connsiteY0" fmla="*/ 0 h 6858002"/>
+              <a:gd name="connsiteX1" fmla="*/ 3149600 w 6300250"/>
+              <a:gd name="connsiteY1" fmla="*/ 0 h 6858002"/>
+              <a:gd name="connsiteX2" fmla="*/ 3149600 w 6300250"/>
+              <a:gd name="connsiteY2" fmla="*/ 2 h 6858002"/>
+              <a:gd name="connsiteX3" fmla="*/ 6110455 w 6300250"/>
+              <a:gd name="connsiteY3" fmla="*/ 2 h 6858002"/>
+              <a:gd name="connsiteX4" fmla="*/ 6115495 w 6300250"/>
+              <a:gd name="connsiteY4" fmla="*/ 66677 h 6858002"/>
+              <a:gd name="connsiteX5" fmla="*/ 6123892 w 6300250"/>
+              <a:gd name="connsiteY5" fmla="*/ 122239 h 6858002"/>
+              <a:gd name="connsiteX6" fmla="*/ 6133970 w 6300250"/>
+              <a:gd name="connsiteY6" fmla="*/ 174627 h 6858002"/>
+              <a:gd name="connsiteX7" fmla="*/ 6150766 w 6300250"/>
+              <a:gd name="connsiteY7" fmla="*/ 217489 h 6858002"/>
+              <a:gd name="connsiteX8" fmla="*/ 6167562 w 6300250"/>
+              <a:gd name="connsiteY8" fmla="*/ 260352 h 6858002"/>
+              <a:gd name="connsiteX9" fmla="*/ 6187717 w 6300250"/>
+              <a:gd name="connsiteY9" fmla="*/ 296864 h 6858002"/>
+              <a:gd name="connsiteX10" fmla="*/ 6207872 w 6300250"/>
+              <a:gd name="connsiteY10" fmla="*/ 334964 h 6858002"/>
+              <a:gd name="connsiteX11" fmla="*/ 6226348 w 6300250"/>
+              <a:gd name="connsiteY11" fmla="*/ 369889 h 6858002"/>
+              <a:gd name="connsiteX12" fmla="*/ 6244823 w 6300250"/>
+              <a:gd name="connsiteY12" fmla="*/ 409577 h 6858002"/>
+              <a:gd name="connsiteX13" fmla="*/ 6261619 w 6300250"/>
+              <a:gd name="connsiteY13" fmla="*/ 450852 h 6858002"/>
+              <a:gd name="connsiteX14" fmla="*/ 6276736 w 6300250"/>
+              <a:gd name="connsiteY14" fmla="*/ 496889 h 6858002"/>
+              <a:gd name="connsiteX15" fmla="*/ 6288493 w 6300250"/>
+              <a:gd name="connsiteY15" fmla="*/ 546102 h 6858002"/>
+              <a:gd name="connsiteX16" fmla="*/ 6296891 w 6300250"/>
+              <a:gd name="connsiteY16" fmla="*/ 606427 h 6858002"/>
+              <a:gd name="connsiteX17" fmla="*/ 6300250 w 6300250"/>
+              <a:gd name="connsiteY17" fmla="*/ 673102 h 6858002"/>
+              <a:gd name="connsiteX18" fmla="*/ 6296891 w 6300250"/>
+              <a:gd name="connsiteY18" fmla="*/ 744539 h 6858002"/>
+              <a:gd name="connsiteX19" fmla="*/ 6288493 w 6300250"/>
+              <a:gd name="connsiteY19" fmla="*/ 801689 h 6858002"/>
+              <a:gd name="connsiteX20" fmla="*/ 6276736 w 6300250"/>
+              <a:gd name="connsiteY20" fmla="*/ 854077 h 6858002"/>
+              <a:gd name="connsiteX21" fmla="*/ 6261619 w 6300250"/>
+              <a:gd name="connsiteY21" fmla="*/ 901702 h 6858002"/>
+              <a:gd name="connsiteX22" fmla="*/ 6244823 w 6300250"/>
+              <a:gd name="connsiteY22" fmla="*/ 942977 h 6858002"/>
+              <a:gd name="connsiteX23" fmla="*/ 6224668 w 6300250"/>
+              <a:gd name="connsiteY23" fmla="*/ 981077 h 6858002"/>
+              <a:gd name="connsiteX24" fmla="*/ 6204513 w 6300250"/>
+              <a:gd name="connsiteY24" fmla="*/ 1017589 h 6858002"/>
+              <a:gd name="connsiteX25" fmla="*/ 6184358 w 6300250"/>
+              <a:gd name="connsiteY25" fmla="*/ 1055689 h 6858002"/>
+              <a:gd name="connsiteX26" fmla="*/ 6165882 w 6300250"/>
+              <a:gd name="connsiteY26" fmla="*/ 1095377 h 6858002"/>
+              <a:gd name="connsiteX27" fmla="*/ 6147406 w 6300250"/>
+              <a:gd name="connsiteY27" fmla="*/ 1136652 h 6858002"/>
+              <a:gd name="connsiteX28" fmla="*/ 6132291 w 6300250"/>
+              <a:gd name="connsiteY28" fmla="*/ 1182689 h 6858002"/>
+              <a:gd name="connsiteX29" fmla="*/ 6122213 w 6300250"/>
+              <a:gd name="connsiteY29" fmla="*/ 1235077 h 6858002"/>
+              <a:gd name="connsiteX30" fmla="*/ 6112135 w 6300250"/>
+              <a:gd name="connsiteY30" fmla="*/ 1295402 h 6858002"/>
+              <a:gd name="connsiteX31" fmla="*/ 6110455 w 6300250"/>
+              <a:gd name="connsiteY31" fmla="*/ 1363664 h 6858002"/>
+              <a:gd name="connsiteX32" fmla="*/ 6112135 w 6300250"/>
+              <a:gd name="connsiteY32" fmla="*/ 1431927 h 6858002"/>
+              <a:gd name="connsiteX33" fmla="*/ 6122213 w 6300250"/>
+              <a:gd name="connsiteY33" fmla="*/ 1492252 h 6858002"/>
+              <a:gd name="connsiteX34" fmla="*/ 6132291 w 6300250"/>
+              <a:gd name="connsiteY34" fmla="*/ 1544639 h 6858002"/>
+              <a:gd name="connsiteX35" fmla="*/ 6147406 w 6300250"/>
+              <a:gd name="connsiteY35" fmla="*/ 1589089 h 6858002"/>
+              <a:gd name="connsiteX36" fmla="*/ 6165882 w 6300250"/>
+              <a:gd name="connsiteY36" fmla="*/ 1631952 h 6858002"/>
+              <a:gd name="connsiteX37" fmla="*/ 6184358 w 6300250"/>
+              <a:gd name="connsiteY37" fmla="*/ 1671639 h 6858002"/>
+              <a:gd name="connsiteX38" fmla="*/ 6204513 w 6300250"/>
+              <a:gd name="connsiteY38" fmla="*/ 1708152 h 6858002"/>
+              <a:gd name="connsiteX39" fmla="*/ 6224668 w 6300250"/>
+              <a:gd name="connsiteY39" fmla="*/ 1743077 h 6858002"/>
+              <a:gd name="connsiteX40" fmla="*/ 6244823 w 6300250"/>
+              <a:gd name="connsiteY40" fmla="*/ 1782764 h 6858002"/>
+              <a:gd name="connsiteX41" fmla="*/ 6261619 w 6300250"/>
+              <a:gd name="connsiteY41" fmla="*/ 1824039 h 6858002"/>
+              <a:gd name="connsiteX42" fmla="*/ 6276736 w 6300250"/>
+              <a:gd name="connsiteY42" fmla="*/ 1870077 h 6858002"/>
+              <a:gd name="connsiteX43" fmla="*/ 6288493 w 6300250"/>
+              <a:gd name="connsiteY43" fmla="*/ 1922464 h 6858002"/>
+              <a:gd name="connsiteX44" fmla="*/ 6296891 w 6300250"/>
+              <a:gd name="connsiteY44" fmla="*/ 1982789 h 6858002"/>
+              <a:gd name="connsiteX45" fmla="*/ 6300250 w 6300250"/>
+              <a:gd name="connsiteY45" fmla="*/ 2051052 h 6858002"/>
+              <a:gd name="connsiteX46" fmla="*/ 6296891 w 6300250"/>
+              <a:gd name="connsiteY46" fmla="*/ 2119314 h 6858002"/>
+              <a:gd name="connsiteX47" fmla="*/ 6288493 w 6300250"/>
+              <a:gd name="connsiteY47" fmla="*/ 2179639 h 6858002"/>
+              <a:gd name="connsiteX48" fmla="*/ 6276736 w 6300250"/>
+              <a:gd name="connsiteY48" fmla="*/ 2232027 h 6858002"/>
+              <a:gd name="connsiteX49" fmla="*/ 6261619 w 6300250"/>
+              <a:gd name="connsiteY49" fmla="*/ 2278064 h 6858002"/>
+              <a:gd name="connsiteX50" fmla="*/ 6244823 w 6300250"/>
+              <a:gd name="connsiteY50" fmla="*/ 2319339 h 6858002"/>
+              <a:gd name="connsiteX51" fmla="*/ 6224668 w 6300250"/>
+              <a:gd name="connsiteY51" fmla="*/ 2359027 h 6858002"/>
+              <a:gd name="connsiteX52" fmla="*/ 6204513 w 6300250"/>
+              <a:gd name="connsiteY52" fmla="*/ 2395539 h 6858002"/>
+              <a:gd name="connsiteX53" fmla="*/ 6184358 w 6300250"/>
+              <a:gd name="connsiteY53" fmla="*/ 2433639 h 6858002"/>
+              <a:gd name="connsiteX54" fmla="*/ 6165882 w 6300250"/>
+              <a:gd name="connsiteY54" fmla="*/ 2471739 h 6858002"/>
+              <a:gd name="connsiteX55" fmla="*/ 6147406 w 6300250"/>
+              <a:gd name="connsiteY55" fmla="*/ 2513014 h 6858002"/>
+              <a:gd name="connsiteX56" fmla="*/ 6132291 w 6300250"/>
+              <a:gd name="connsiteY56" fmla="*/ 2560639 h 6858002"/>
+              <a:gd name="connsiteX57" fmla="*/ 6122213 w 6300250"/>
+              <a:gd name="connsiteY57" fmla="*/ 2613027 h 6858002"/>
+              <a:gd name="connsiteX58" fmla="*/ 6112135 w 6300250"/>
+              <a:gd name="connsiteY58" fmla="*/ 2671764 h 6858002"/>
+              <a:gd name="connsiteX59" fmla="*/ 6110455 w 6300250"/>
+              <a:gd name="connsiteY59" fmla="*/ 2741614 h 6858002"/>
+              <a:gd name="connsiteX60" fmla="*/ 6112135 w 6300250"/>
+              <a:gd name="connsiteY60" fmla="*/ 2809877 h 6858002"/>
+              <a:gd name="connsiteX61" fmla="*/ 6122213 w 6300250"/>
+              <a:gd name="connsiteY61" fmla="*/ 2868614 h 6858002"/>
+              <a:gd name="connsiteX62" fmla="*/ 6132291 w 6300250"/>
+              <a:gd name="connsiteY62" fmla="*/ 2922589 h 6858002"/>
+              <a:gd name="connsiteX63" fmla="*/ 6147406 w 6300250"/>
+              <a:gd name="connsiteY63" fmla="*/ 2967039 h 6858002"/>
+              <a:gd name="connsiteX64" fmla="*/ 6165882 w 6300250"/>
+              <a:gd name="connsiteY64" fmla="*/ 3009902 h 6858002"/>
+              <a:gd name="connsiteX65" fmla="*/ 6184358 w 6300250"/>
+              <a:gd name="connsiteY65" fmla="*/ 3046414 h 6858002"/>
+              <a:gd name="connsiteX66" fmla="*/ 6204513 w 6300250"/>
+              <a:gd name="connsiteY66" fmla="*/ 3084514 h 6858002"/>
+              <a:gd name="connsiteX67" fmla="*/ 6224668 w 6300250"/>
+              <a:gd name="connsiteY67" fmla="*/ 3121027 h 6858002"/>
+              <a:gd name="connsiteX68" fmla="*/ 6244823 w 6300250"/>
+              <a:gd name="connsiteY68" fmla="*/ 3160714 h 6858002"/>
+              <a:gd name="connsiteX69" fmla="*/ 6261619 w 6300250"/>
+              <a:gd name="connsiteY69" fmla="*/ 3201989 h 6858002"/>
+              <a:gd name="connsiteX70" fmla="*/ 6276736 w 6300250"/>
+              <a:gd name="connsiteY70" fmla="*/ 3248027 h 6858002"/>
+              <a:gd name="connsiteX71" fmla="*/ 6288493 w 6300250"/>
+              <a:gd name="connsiteY71" fmla="*/ 3300414 h 6858002"/>
+              <a:gd name="connsiteX72" fmla="*/ 6296891 w 6300250"/>
+              <a:gd name="connsiteY72" fmla="*/ 3360739 h 6858002"/>
+              <a:gd name="connsiteX73" fmla="*/ 6300250 w 6300250"/>
+              <a:gd name="connsiteY73" fmla="*/ 3427414 h 6858002"/>
+              <a:gd name="connsiteX74" fmla="*/ 6296891 w 6300250"/>
+              <a:gd name="connsiteY74" fmla="*/ 3497264 h 6858002"/>
+              <a:gd name="connsiteX75" fmla="*/ 6288493 w 6300250"/>
+              <a:gd name="connsiteY75" fmla="*/ 3557589 h 6858002"/>
+              <a:gd name="connsiteX76" fmla="*/ 6276736 w 6300250"/>
+              <a:gd name="connsiteY76" fmla="*/ 3609977 h 6858002"/>
+              <a:gd name="connsiteX77" fmla="*/ 6261619 w 6300250"/>
+              <a:gd name="connsiteY77" fmla="*/ 3656014 h 6858002"/>
+              <a:gd name="connsiteX78" fmla="*/ 6244823 w 6300250"/>
+              <a:gd name="connsiteY78" fmla="*/ 3697289 h 6858002"/>
+              <a:gd name="connsiteX79" fmla="*/ 6224668 w 6300250"/>
+              <a:gd name="connsiteY79" fmla="*/ 3736977 h 6858002"/>
+              <a:gd name="connsiteX80" fmla="*/ 6184358 w 6300250"/>
+              <a:gd name="connsiteY80" fmla="*/ 3811589 h 6858002"/>
+              <a:gd name="connsiteX81" fmla="*/ 6165882 w 6300250"/>
+              <a:gd name="connsiteY81" fmla="*/ 3848102 h 6858002"/>
+              <a:gd name="connsiteX82" fmla="*/ 6147406 w 6300250"/>
+              <a:gd name="connsiteY82" fmla="*/ 3890964 h 6858002"/>
+              <a:gd name="connsiteX83" fmla="*/ 6132291 w 6300250"/>
+              <a:gd name="connsiteY83" fmla="*/ 3935414 h 6858002"/>
+              <a:gd name="connsiteX84" fmla="*/ 6122213 w 6300250"/>
+              <a:gd name="connsiteY84" fmla="*/ 3987802 h 6858002"/>
+              <a:gd name="connsiteX85" fmla="*/ 6112135 w 6300250"/>
+              <a:gd name="connsiteY85" fmla="*/ 4048127 h 6858002"/>
+              <a:gd name="connsiteX86" fmla="*/ 6110455 w 6300250"/>
+              <a:gd name="connsiteY86" fmla="*/ 4116389 h 6858002"/>
+              <a:gd name="connsiteX87" fmla="*/ 6112135 w 6300250"/>
+              <a:gd name="connsiteY87" fmla="*/ 4186239 h 6858002"/>
+              <a:gd name="connsiteX88" fmla="*/ 6122213 w 6300250"/>
+              <a:gd name="connsiteY88" fmla="*/ 4244977 h 6858002"/>
+              <a:gd name="connsiteX89" fmla="*/ 6132291 w 6300250"/>
+              <a:gd name="connsiteY89" fmla="*/ 4297364 h 6858002"/>
+              <a:gd name="connsiteX90" fmla="*/ 6147406 w 6300250"/>
+              <a:gd name="connsiteY90" fmla="*/ 4343402 h 6858002"/>
+              <a:gd name="connsiteX91" fmla="*/ 6165882 w 6300250"/>
+              <a:gd name="connsiteY91" fmla="*/ 4386264 h 6858002"/>
+              <a:gd name="connsiteX92" fmla="*/ 6184358 w 6300250"/>
+              <a:gd name="connsiteY92" fmla="*/ 4424364 h 6858002"/>
+              <a:gd name="connsiteX93" fmla="*/ 6224668 w 6300250"/>
+              <a:gd name="connsiteY93" fmla="*/ 4498977 h 6858002"/>
+              <a:gd name="connsiteX94" fmla="*/ 6244823 w 6300250"/>
+              <a:gd name="connsiteY94" fmla="*/ 4537077 h 6858002"/>
+              <a:gd name="connsiteX95" fmla="*/ 6261619 w 6300250"/>
+              <a:gd name="connsiteY95" fmla="*/ 4579939 h 6858002"/>
+              <a:gd name="connsiteX96" fmla="*/ 6276736 w 6300250"/>
+              <a:gd name="connsiteY96" fmla="*/ 4625977 h 6858002"/>
+              <a:gd name="connsiteX97" fmla="*/ 6288493 w 6300250"/>
+              <a:gd name="connsiteY97" fmla="*/ 4678364 h 6858002"/>
+              <a:gd name="connsiteX98" fmla="*/ 6296891 w 6300250"/>
+              <a:gd name="connsiteY98" fmla="*/ 4738689 h 6858002"/>
+              <a:gd name="connsiteX99" fmla="*/ 6300250 w 6300250"/>
+              <a:gd name="connsiteY99" fmla="*/ 4806952 h 6858002"/>
+              <a:gd name="connsiteX100" fmla="*/ 6296891 w 6300250"/>
+              <a:gd name="connsiteY100" fmla="*/ 4875214 h 6858002"/>
+              <a:gd name="connsiteX101" fmla="*/ 6288493 w 6300250"/>
+              <a:gd name="connsiteY101" fmla="*/ 4935539 h 6858002"/>
+              <a:gd name="connsiteX102" fmla="*/ 6276736 w 6300250"/>
+              <a:gd name="connsiteY102" fmla="*/ 4987927 h 6858002"/>
+              <a:gd name="connsiteX103" fmla="*/ 6261619 w 6300250"/>
+              <a:gd name="connsiteY103" fmla="*/ 5033964 h 6858002"/>
+              <a:gd name="connsiteX104" fmla="*/ 6244823 w 6300250"/>
+              <a:gd name="connsiteY104" fmla="*/ 5075239 h 6858002"/>
+              <a:gd name="connsiteX105" fmla="*/ 6224668 w 6300250"/>
+              <a:gd name="connsiteY105" fmla="*/ 5114927 h 6858002"/>
+              <a:gd name="connsiteX106" fmla="*/ 6204513 w 6300250"/>
+              <a:gd name="connsiteY106" fmla="*/ 5149852 h 6858002"/>
+              <a:gd name="connsiteX107" fmla="*/ 6184358 w 6300250"/>
+              <a:gd name="connsiteY107" fmla="*/ 5186364 h 6858002"/>
+              <a:gd name="connsiteX108" fmla="*/ 6165882 w 6300250"/>
+              <a:gd name="connsiteY108" fmla="*/ 5226052 h 6858002"/>
+              <a:gd name="connsiteX109" fmla="*/ 6147406 w 6300250"/>
+              <a:gd name="connsiteY109" fmla="*/ 5268914 h 6858002"/>
+              <a:gd name="connsiteX110" fmla="*/ 6132291 w 6300250"/>
+              <a:gd name="connsiteY110" fmla="*/ 5313364 h 6858002"/>
+              <a:gd name="connsiteX111" fmla="*/ 6122213 w 6300250"/>
+              <a:gd name="connsiteY111" fmla="*/ 5365752 h 6858002"/>
+              <a:gd name="connsiteX112" fmla="*/ 6112135 w 6300250"/>
+              <a:gd name="connsiteY112" fmla="*/ 5426077 h 6858002"/>
+              <a:gd name="connsiteX113" fmla="*/ 6110455 w 6300250"/>
+              <a:gd name="connsiteY113" fmla="*/ 5494339 h 6858002"/>
+              <a:gd name="connsiteX114" fmla="*/ 6112135 w 6300250"/>
+              <a:gd name="connsiteY114" fmla="*/ 5562602 h 6858002"/>
+              <a:gd name="connsiteX115" fmla="*/ 6122213 w 6300250"/>
+              <a:gd name="connsiteY115" fmla="*/ 5622927 h 6858002"/>
+              <a:gd name="connsiteX116" fmla="*/ 6132291 w 6300250"/>
+              <a:gd name="connsiteY116" fmla="*/ 5675314 h 6858002"/>
+              <a:gd name="connsiteX117" fmla="*/ 6147406 w 6300250"/>
+              <a:gd name="connsiteY117" fmla="*/ 5721352 h 6858002"/>
+              <a:gd name="connsiteX118" fmla="*/ 6165882 w 6300250"/>
+              <a:gd name="connsiteY118" fmla="*/ 5762627 h 6858002"/>
+              <a:gd name="connsiteX119" fmla="*/ 6184358 w 6300250"/>
+              <a:gd name="connsiteY119" fmla="*/ 5802314 h 6858002"/>
+              <a:gd name="connsiteX120" fmla="*/ 6204513 w 6300250"/>
+              <a:gd name="connsiteY120" fmla="*/ 5840414 h 6858002"/>
+              <a:gd name="connsiteX121" fmla="*/ 6224668 w 6300250"/>
+              <a:gd name="connsiteY121" fmla="*/ 5876927 h 6858002"/>
+              <a:gd name="connsiteX122" fmla="*/ 6244823 w 6300250"/>
+              <a:gd name="connsiteY122" fmla="*/ 5915027 h 6858002"/>
+              <a:gd name="connsiteX123" fmla="*/ 6261619 w 6300250"/>
+              <a:gd name="connsiteY123" fmla="*/ 5956302 h 6858002"/>
+              <a:gd name="connsiteX124" fmla="*/ 6276736 w 6300250"/>
+              <a:gd name="connsiteY124" fmla="*/ 6003927 h 6858002"/>
+              <a:gd name="connsiteX125" fmla="*/ 6288493 w 6300250"/>
+              <a:gd name="connsiteY125" fmla="*/ 6056314 h 6858002"/>
+              <a:gd name="connsiteX126" fmla="*/ 6296891 w 6300250"/>
+              <a:gd name="connsiteY126" fmla="*/ 6113464 h 6858002"/>
+              <a:gd name="connsiteX127" fmla="*/ 6300250 w 6300250"/>
+              <a:gd name="connsiteY127" fmla="*/ 6183314 h 6858002"/>
+              <a:gd name="connsiteX128" fmla="*/ 6296891 w 6300250"/>
+              <a:gd name="connsiteY128" fmla="*/ 6251577 h 6858002"/>
+              <a:gd name="connsiteX129" fmla="*/ 6288493 w 6300250"/>
+              <a:gd name="connsiteY129" fmla="*/ 6311902 h 6858002"/>
+              <a:gd name="connsiteX130" fmla="*/ 6276736 w 6300250"/>
+              <a:gd name="connsiteY130" fmla="*/ 6361114 h 6858002"/>
+              <a:gd name="connsiteX131" fmla="*/ 6261619 w 6300250"/>
+              <a:gd name="connsiteY131" fmla="*/ 6407152 h 6858002"/>
+              <a:gd name="connsiteX132" fmla="*/ 6244823 w 6300250"/>
+              <a:gd name="connsiteY132" fmla="*/ 6448427 h 6858002"/>
+              <a:gd name="connsiteX133" fmla="*/ 6226348 w 6300250"/>
+              <a:gd name="connsiteY133" fmla="*/ 6488114 h 6858002"/>
+              <a:gd name="connsiteX134" fmla="*/ 6207872 w 6300250"/>
+              <a:gd name="connsiteY134" fmla="*/ 6523039 h 6858002"/>
+              <a:gd name="connsiteX135" fmla="*/ 6187717 w 6300250"/>
+              <a:gd name="connsiteY135" fmla="*/ 6561139 h 6858002"/>
+              <a:gd name="connsiteX136" fmla="*/ 6167562 w 6300250"/>
+              <a:gd name="connsiteY136" fmla="*/ 6597652 h 6858002"/>
+              <a:gd name="connsiteX137" fmla="*/ 6150766 w 6300250"/>
+              <a:gd name="connsiteY137" fmla="*/ 6640514 h 6858002"/>
+              <a:gd name="connsiteX138" fmla="*/ 6133970 w 6300250"/>
+              <a:gd name="connsiteY138" fmla="*/ 6683377 h 6858002"/>
+              <a:gd name="connsiteX139" fmla="*/ 6123892 w 6300250"/>
+              <a:gd name="connsiteY139" fmla="*/ 6735764 h 6858002"/>
+              <a:gd name="connsiteX140" fmla="*/ 6115495 w 6300250"/>
+              <a:gd name="connsiteY140" fmla="*/ 6791327 h 6858002"/>
+              <a:gd name="connsiteX141" fmla="*/ 6110455 w 6300250"/>
+              <a:gd name="connsiteY141" fmla="*/ 6858002 h 6858002"/>
+              <a:gd name="connsiteX142" fmla="*/ 3149600 w 6300250"/>
+              <a:gd name="connsiteY142" fmla="*/ 6858002 h 6858002"/>
+              <a:gd name="connsiteX143" fmla="*/ 2707087 w 6300250"/>
+              <a:gd name="connsiteY143" fmla="*/ 6858002 h 6858002"/>
+              <a:gd name="connsiteX144" fmla="*/ 0 w 6300250"/>
+              <a:gd name="connsiteY144" fmla="*/ 6858002 h 6858002"/>
+            </a:gdLst>
+            <a:ahLst/>
+            <a:cxnLst>
+              <a:cxn ang="0">
+                <a:pos x="connsiteX0" y="connsiteY0"/>
+              </a:cxn>
+              <a:cxn ang="0">
+                <a:pos x="connsiteX1" y="connsiteY1"/>
+              </a:cxn>
+              <a:cxn ang="0">
+                <a:pos x="connsiteX2" y="connsiteY2"/>
+              </a:cxn>
+              <a:cxn ang="0">
+                <a:pos x="connsiteX3" y="connsiteY3"/>
+              </a:cxn>
+              <a:cxn ang="0">
+                <a:pos x="connsiteX4" y="connsiteY4"/>
+              </a:cxn>
+              <a:cxn ang="0">
+                <a:pos x="connsiteX5" y="connsiteY5"/>
+              </a:cxn>
+              <a:cxn ang="0">
+                <a:pos x="connsiteX6" y="connsiteY6"/>
+              </a:cxn>
+              <a:cxn ang="0">
+                <a:pos x="connsiteX7" y="connsiteY7"/>
+              </a:cxn>
+              <a:cxn ang="0">
+                <a:pos x="connsiteX8" y="connsiteY8"/>
+              </a:cxn>
+              <a:cxn ang="0">
+                <a:pos x="connsiteX9" y="connsiteY9"/>
+              </a:cxn>
+              <a:cxn ang="0">
+                <a:pos x="connsiteX10" y="connsiteY10"/>
+              </a:cxn>
+              <a:cxn ang="0">
+                <a:pos x="connsiteX11" y="connsiteY11"/>
+              </a:cxn>
+              <a:cxn ang="0">
+                <a:pos x="connsiteX12" y="connsiteY12"/>
+              </a:cxn>
+              <a:cxn ang="0">
+                <a:pos x="connsiteX13" y="connsiteY13"/>
+              </a:cxn>
+              <a:cxn ang="0">
+                <a:pos x="connsiteX14" y="connsiteY14"/>
+              </a:cxn>
+              <a:cxn ang="0">
+                <a:pos x="connsiteX15" y="connsiteY15"/>
+              </a:cxn>
+              <a:cxn ang="0">
+                <a:pos x="connsiteX16" y="connsiteY16"/>
+              </a:cxn>
+              <a:cxn ang="0">
+                <a:pos x="connsiteX17" y="connsiteY17"/>
+              </a:cxn>
+              <a:cxn ang="0">
+                <a:pos x="connsiteX18" y="connsiteY18"/>
+              </a:cxn>
+              <a:cxn ang="0">
+                <a:pos x="connsiteX19" y="connsiteY19"/>
+              </a:cxn>
+              <a:cxn ang="0">
+                <a:pos x="connsiteX20" y="connsiteY20"/>
+              </a:cxn>
+              <a:cxn ang="0">
+                <a:pos x="connsiteX21" y="connsiteY21"/>
+              </a:cxn>
+              <a:cxn ang="0">
+                <a:pos x="connsiteX22" y="connsiteY22"/>
+              </a:cxn>
+              <a:cxn ang="0">
+                <a:pos x="connsiteX23" y="connsiteY23"/>
+              </a:cxn>
+              <a:cxn ang="0">
+                <a:pos x="connsiteX24" y="connsiteY24"/>
+              </a:cxn>
+              <a:cxn ang="0">
+                <a:pos x="connsiteX25" y="connsiteY25"/>
+              </a:cxn>
+              <a:cxn ang="0">
+                <a:pos x="connsiteX26" y="connsiteY26"/>
+              </a:cxn>
+              <a:cxn ang="0">
+                <a:pos x="connsiteX27" y="connsiteY27"/>
+              </a:cxn>
+              <a:cxn ang="0">
+                <a:pos x="connsiteX28" y="connsiteY28"/>
+              </a:cxn>
+              <a:cxn ang="0">
+                <a:pos x="connsiteX29" y="connsiteY29"/>
+              </a:cxn>
+              <a:cxn ang="0">
+                <a:pos x="connsiteX30" y="connsiteY30"/>
+              </a:cxn>
+              <a:cxn ang="0">
+                <a:pos x="connsiteX31" y="connsiteY31"/>
+              </a:cxn>
+              <a:cxn ang="0">
+                <a:pos x="connsiteX32" y="connsiteY32"/>
+              </a:cxn>
+              <a:cxn ang="0">
+                <a:pos x="connsiteX33" y="connsiteY33"/>
+              </a:cxn>
+              <a:cxn ang="0">
+                <a:pos x="connsiteX34" y="connsiteY34"/>
+              </a:cxn>
+              <a:cxn ang="0">
+                <a:pos x="connsiteX35" y="connsiteY35"/>
+              </a:cxn>
+              <a:cxn ang="0">
+                <a:pos x="connsiteX36" y="connsiteY36"/>
+              </a:cxn>
+              <a:cxn ang="0">
+                <a:pos x="connsiteX37" y="connsiteY37"/>
+              </a:cxn>
+              <a:cxn ang="0">
+                <a:pos x="connsiteX38" y="connsiteY38"/>
+              </a:cxn>
+              <a:cxn ang="0">
+                <a:pos x="connsiteX39" y="connsiteY39"/>
+              </a:cxn>
+              <a:cxn ang="0">
+                <a:pos x="connsiteX40" y="connsiteY40"/>
+              </a:cxn>
+              <a:cxn ang="0">
+                <a:pos x="connsiteX41" y="connsiteY41"/>
+              </a:cxn>
+              <a:cxn ang="0">
+                <a:pos x="connsiteX42" y="connsiteY42"/>
+              </a:cxn>
+              <a:cxn ang="0">
+                <a:pos x="connsiteX43" y="connsiteY43"/>
+              </a:cxn>
+              <a:cxn ang="0">
+                <a:pos x="connsiteX44" y="connsiteY44"/>
+              </a:cxn>
+              <a:cxn ang="0">
+                <a:pos x="connsiteX45" y="connsiteY45"/>
+              </a:cxn>
+              <a:cxn ang="0">
+                <a:pos x="connsiteX46" y="connsiteY46"/>
+              </a:cxn>
+              <a:cxn ang="0">
+                <a:pos x="connsiteX47" y="connsiteY47"/>
+              </a:cxn>
+              <a:cxn ang="0">
+                <a:pos x="connsiteX48" y="connsiteY48"/>
+              </a:cxn>
+              <a:cxn ang="0">
+                <a:pos x="connsiteX49" y="connsiteY49"/>
+              </a:cxn>
+              <a:cxn ang="0">
+                <a:pos x="connsiteX50" y="connsiteY50"/>
+              </a:cxn>
+              <a:cxn ang="0">
+                <a:pos x="connsiteX51" y="connsiteY51"/>
+              </a:cxn>
+              <a:cxn ang="0">
+                <a:pos x="connsiteX52" y="connsiteY52"/>
+              </a:cxn>
+              <a:cxn ang="0">
+                <a:pos x="connsiteX53" y="connsiteY53"/>
+              </a:cxn>
+              <a:cxn ang="0">
+                <a:pos x="connsiteX54" y="connsiteY54"/>
+              </a:cxn>
+              <a:cxn ang="0">
+                <a:pos x="connsiteX55" y="connsiteY55"/>
+              </a:cxn>
+              <a:cxn ang="0">
+                <a:pos x="connsiteX56" y="connsiteY56"/>
+              </a:cxn>
+              <a:cxn ang="0">
+                <a:pos x="connsiteX57" y="connsiteY57"/>
+              </a:cxn>
+              <a:cxn ang="0">
+                <a:pos x="connsiteX58" y="connsiteY58"/>
+              </a:cxn>
+              <a:cxn ang="0">
+                <a:pos x="connsiteX59" y="connsiteY59"/>
+              </a:cxn>
+              <a:cxn ang="0">
+                <a:pos x="connsiteX60" y="connsiteY60"/>
+              </a:cxn>
+              <a:cxn ang="0">
+                <a:pos x="connsiteX61" y="connsiteY61"/>
+              </a:cxn>
+              <a:cxn ang="0">
+                <a:pos x="connsiteX62" y="connsiteY62"/>
+              </a:cxn>
+              <a:cxn ang="0">
+                <a:pos x="connsiteX63" y="connsiteY63"/>
+              </a:cxn>
+              <a:cxn ang="0">
+                <a:pos x="connsiteX64" y="connsiteY64"/>
+              </a:cxn>
+              <a:cxn ang="0">
+                <a:pos x="connsiteX65" y="connsiteY65"/>
+              </a:cxn>
+              <a:cxn ang="0">
+                <a:pos x="connsiteX66" y="connsiteY66"/>
+              </a:cxn>
+              <a:cxn ang="0">
+                <a:pos x="connsiteX67" y="connsiteY67"/>
+              </a:cxn>
+              <a:cxn ang="0">
+                <a:pos x="connsiteX68" y="connsiteY68"/>
+              </a:cxn>
+              <a:cxn ang="0">
+                <a:pos x="connsiteX69" y="connsiteY69"/>
+              </a:cxn>
+              <a:cxn ang="0">
+                <a:pos x="connsiteX70" y="connsiteY70"/>
+              </a:cxn>
+              <a:cxn ang="0">
+                <a:pos x="connsiteX71" y="connsiteY71"/>
+              </a:cxn>
+              <a:cxn ang="0">
+                <a:pos x="connsiteX72" y="connsiteY72"/>
+              </a:cxn>
+              <a:cxn ang="0">
+                <a:pos x="connsiteX73" y="connsiteY73"/>
+              </a:cxn>
+              <a:cxn ang="0">
+                <a:pos x="connsiteX74" y="connsiteY74"/>
+              </a:cxn>
+              <a:cxn ang="0">
+                <a:pos x="connsiteX75" y="connsiteY75"/>
+              </a:cxn>
+              <a:cxn ang="0">
+                <a:pos x="connsiteX76" y="connsiteY76"/>
+              </a:cxn>
+              <a:cxn ang="0">
+                <a:pos x="connsiteX77" y="connsiteY77"/>
+              </a:cxn>
+              <a:cxn ang="0">
+                <a:pos x="connsiteX78" y="connsiteY78"/>
+              </a:cxn>
+              <a:cxn ang="0">
+                <a:pos x="connsiteX79" y="connsiteY79"/>
+              </a:cxn>
+              <a:cxn ang="0">
+                <a:pos x="connsiteX80" y="connsiteY80"/>
+              </a:cxn>
+              <a:cxn ang="0">
+                <a:pos x="connsiteX81" y="connsiteY81"/>
+              </a:cxn>
+              <a:cxn ang="0">
+                <a:pos x="connsiteX82" y="connsiteY82"/>
+              </a:cxn>
+              <a:cxn ang="0">
+                <a:pos x="connsiteX83" y="connsiteY83"/>
+              </a:cxn>
+              <a:cxn ang="0">
+                <a:pos x="connsiteX84" y="connsiteY84"/>
+              </a:cxn>
+              <a:cxn ang="0">
+                <a:pos x="connsiteX85" y="connsiteY85"/>
+              </a:cxn>
+              <a:cxn ang="0">
+                <a:pos x="connsiteX86" y="connsiteY86"/>
+              </a:cxn>
+              <a:cxn ang="0">
+                <a:pos x="connsiteX87" y="connsiteY87"/>
+              </a:cxn>
+              <a:cxn ang="0">
+                <a:pos x="connsiteX88" y="connsiteY88"/>
+              </a:cxn>
+              <a:cxn ang="0">
+                <a:pos x="connsiteX89" y="connsiteY89"/>
+              </a:cxn>
+              <a:cxn ang="0">
+                <a:pos x="connsiteX90" y="connsiteY90"/>
+              </a:cxn>
+              <a:cxn ang="0">
+                <a:pos x="connsiteX91" y="connsiteY91"/>
+              </a:cxn>
+              <a:cxn ang="0">
+                <a:pos x="connsiteX92" y="connsiteY92"/>
+              </a:cxn>
+              <a:cxn ang="0">
+                <a:pos x="connsiteX93" y="connsiteY93"/>
+              </a:cxn>
+              <a:cxn ang="0">
+                <a:pos x="connsiteX94" y="connsiteY94"/>
+              </a:cxn>
+              <a:cxn ang="0">
+                <a:pos x="connsiteX95" y="connsiteY95"/>
+              </a:cxn>
+              <a:cxn ang="0">
+                <a:pos x="connsiteX96" y="connsiteY96"/>
+              </a:cxn>
+              <a:cxn ang="0">
+                <a:pos x="connsiteX97" y="connsiteY97"/>
+              </a:cxn>
+              <a:cxn ang="0">
+                <a:pos x="connsiteX98" y="connsiteY98"/>
+              </a:cxn>
+              <a:cxn ang="0">
+                <a:pos x="connsiteX99" y="connsiteY99"/>
+              </a:cxn>
+              <a:cxn ang="0">
+                <a:pos x="connsiteX100" y="connsiteY100"/>
+              </a:cxn>
+              <a:cxn ang="0">
+                <a:pos x="connsiteX101" y="connsiteY101"/>
+              </a:cxn>
+              <a:cxn ang="0">
+                <a:pos x="connsiteX102" y="connsiteY102"/>
+              </a:cxn>
+              <a:cxn ang="0">
+                <a:pos x="connsiteX103" y="connsiteY103"/>
+              </a:cxn>
+              <a:cxn ang="0">
+                <a:pos x="connsiteX104" y="connsiteY104"/>
+              </a:cxn>
+              <a:cxn ang="0">
+                <a:pos x="connsiteX105" y="connsiteY105"/>
+              </a:cxn>
+              <a:cxn ang="0">
+                <a:pos x="connsiteX106" y="connsiteY106"/>
+              </a:cxn>
+              <a:cxn ang="0">
+                <a:pos x="connsiteX107" y="connsiteY107"/>
+              </a:cxn>
+              <a:cxn ang="0">
+                <a:pos x="connsiteX108" y="connsiteY108"/>
+              </a:cxn>
+              <a:cxn ang="0">
+                <a:pos x="connsiteX109" y="connsiteY109"/>
+              </a:cxn>
+              <a:cxn ang="0">
+                <a:pos x="connsiteX110" y="connsiteY110"/>
+              </a:cxn>
+              <a:cxn ang="0">
+                <a:pos x="connsiteX111" y="connsiteY111"/>
+              </a:cxn>
+              <a:cxn ang="0">
+                <a:pos x="connsiteX112" y="connsiteY112"/>
+              </a:cxn>
+              <a:cxn ang="0">
+                <a:pos x="connsiteX113" y="connsiteY113"/>
+              </a:cxn>
+              <a:cxn ang="0">
+                <a:pos x="connsiteX114" y="connsiteY114"/>
+              </a:cxn>
+              <a:cxn ang="0">
+                <a:pos x="connsiteX115" y="connsiteY115"/>
+              </a:cxn>
+              <a:cxn ang="0">
+                <a:pos x="connsiteX116" y="connsiteY116"/>
+              </a:cxn>
+              <a:cxn ang="0">
+                <a:pos x="connsiteX117" y="connsiteY117"/>
+              </a:cxn>
+              <a:cxn ang="0">
+                <a:pos x="connsiteX118" y="connsiteY118"/>
+              </a:cxn>
+              <a:cxn ang="0">
+                <a:pos x="connsiteX119" y="connsiteY119"/>
+              </a:cxn>
+              <a:cxn ang="0">
+                <a:pos x="connsiteX120" y="connsiteY120"/>
+              </a:cxn>
+              <a:cxn ang="0">
+                <a:pos x="connsiteX121" y="connsiteY121"/>
+              </a:cxn>
+              <a:cxn ang="0">
+                <a:pos x="connsiteX122" y="connsiteY122"/>
+              </a:cxn>
+              <a:cxn ang="0">
+                <a:pos x="connsiteX123" y="connsiteY123"/>
+              </a:cxn>
+              <a:cxn ang="0">
+                <a:pos x="connsiteX124" y="connsiteY124"/>
+              </a:cxn>
+              <a:cxn ang="0">
+                <a:pos x="connsiteX125" y="connsiteY125"/>
+              </a:cxn>
+              <a:cxn ang="0">
+                <a:pos x="connsiteX126" y="connsiteY126"/>
+              </a:cxn>
+              <a:cxn ang="0">
+                <a:pos x="connsiteX127" y="connsiteY127"/>
+              </a:cxn>
+              <a:cxn ang="0">
+                <a:pos x="connsiteX128" y="connsiteY128"/>
+              </a:cxn>
+              <a:cxn ang="0">
+                <a:pos x="connsiteX129" y="connsiteY129"/>
+              </a:cxn>
+              <a:cxn ang="0">
+                <a:pos x="connsiteX130" y="connsiteY130"/>
+              </a:cxn>
+              <a:cxn ang="0">
+                <a:pos x="connsiteX131" y="connsiteY131"/>
+              </a:cxn>
+              <a:cxn ang="0">
+                <a:pos x="connsiteX132" y="connsiteY132"/>
+              </a:cxn>
+              <a:cxn ang="0">
+                <a:pos x="connsiteX133" y="connsiteY133"/>
+              </a:cxn>
+              <a:cxn ang="0">
+                <a:pos x="connsiteX134" y="connsiteY134"/>
+              </a:cxn>
+              <a:cxn ang="0">
+                <a:pos x="connsiteX135" y="connsiteY135"/>
+              </a:cxn>
+              <a:cxn ang="0">
+                <a:pos x="connsiteX136" y="connsiteY136"/>
+              </a:cxn>
+              <a:cxn ang="0">
+                <a:pos x="connsiteX137" y="connsiteY137"/>
+              </a:cxn>
+              <a:cxn ang="0">
+                <a:pos x="connsiteX138" y="connsiteY138"/>
+              </a:cxn>
+              <a:cxn ang="0">
+                <a:pos x="connsiteX139" y="connsiteY139"/>
+              </a:cxn>
+              <a:cxn ang="0">
+                <a:pos x="connsiteX140" y="connsiteY140"/>
+              </a:cxn>
+              <a:cxn ang="0">
+                <a:pos x="connsiteX141" y="connsiteY141"/>
+              </a:cxn>
+              <a:cxn ang="0">
+                <a:pos x="connsiteX142" y="connsiteY142"/>
+              </a:cxn>
+              <a:cxn ang="0">
+                <a:pos x="connsiteX143" y="connsiteY143"/>
+              </a:cxn>
+              <a:cxn ang="0">
+                <a:pos x="connsiteX144" y="connsiteY144"/>
+              </a:cxn>
+            </a:cxnLst>
+            <a:rect l="l" t="t" r="r" b="b"/>
+            <a:pathLst>
+              <a:path w="6300250" h="6858002">
+                <a:moveTo>
+                  <a:pt x="0" y="0"/>
+                </a:moveTo>
+                <a:lnTo>
+                  <a:pt x="3149600" y="0"/>
+                </a:lnTo>
+                <a:lnTo>
+                  <a:pt x="3149600" y="2"/>
+                </a:lnTo>
+                <a:lnTo>
+                  <a:pt x="6110455" y="2"/>
+                </a:lnTo>
+                <a:lnTo>
+                  <a:pt x="6115495" y="66677"/>
+                </a:lnTo>
+                <a:lnTo>
+                  <a:pt x="6123892" y="122239"/>
+                </a:lnTo>
+                <a:lnTo>
+                  <a:pt x="6133970" y="174627"/>
+                </a:lnTo>
+                <a:lnTo>
+                  <a:pt x="6150766" y="217489"/>
+                </a:lnTo>
+                <a:lnTo>
+                  <a:pt x="6167562" y="260352"/>
+                </a:lnTo>
+                <a:lnTo>
+                  <a:pt x="6187717" y="296864"/>
+                </a:lnTo>
+                <a:lnTo>
+                  <a:pt x="6207872" y="334964"/>
+                </a:lnTo>
+                <a:lnTo>
+                  <a:pt x="6226348" y="369889"/>
+                </a:lnTo>
+                <a:lnTo>
+                  <a:pt x="6244823" y="409577"/>
+                </a:lnTo>
+                <a:lnTo>
+                  <a:pt x="6261619" y="450852"/>
+                </a:lnTo>
+                <a:lnTo>
+                  <a:pt x="6276736" y="496889"/>
+                </a:lnTo>
+                <a:lnTo>
+                  <a:pt x="6288493" y="546102"/>
+                </a:lnTo>
+                <a:lnTo>
+                  <a:pt x="6296891" y="606427"/>
+                </a:lnTo>
+                <a:lnTo>
+                  <a:pt x="6300250" y="673102"/>
+                </a:lnTo>
+                <a:lnTo>
+                  <a:pt x="6296891" y="744539"/>
+                </a:lnTo>
+                <a:lnTo>
+                  <a:pt x="6288493" y="801689"/>
+                </a:lnTo>
+                <a:lnTo>
+                  <a:pt x="6276736" y="854077"/>
+                </a:lnTo>
+                <a:lnTo>
+                  <a:pt x="6261619" y="901702"/>
+                </a:lnTo>
+                <a:lnTo>
+                  <a:pt x="6244823" y="942977"/>
+                </a:lnTo>
+                <a:lnTo>
+                  <a:pt x="6224668" y="981077"/>
+                </a:lnTo>
+                <a:lnTo>
+                  <a:pt x="6204513" y="1017589"/>
+                </a:lnTo>
+                <a:lnTo>
+                  <a:pt x="6184358" y="1055689"/>
+                </a:lnTo>
+                <a:lnTo>
+                  <a:pt x="6165882" y="1095377"/>
+                </a:lnTo>
+                <a:lnTo>
+                  <a:pt x="6147406" y="1136652"/>
+                </a:lnTo>
+                <a:lnTo>
+                  <a:pt x="6132291" y="1182689"/>
+                </a:lnTo>
+                <a:lnTo>
+                  <a:pt x="6122213" y="1235077"/>
+                </a:lnTo>
+                <a:lnTo>
+                  <a:pt x="6112135" y="1295402"/>
+                </a:lnTo>
+                <a:lnTo>
+                  <a:pt x="6110455" y="1363664"/>
+                </a:lnTo>
+                <a:lnTo>
+                  <a:pt x="6112135" y="1431927"/>
+                </a:lnTo>
+                <a:lnTo>
+                  <a:pt x="6122213" y="1492252"/>
+                </a:lnTo>
+                <a:lnTo>
+                  <a:pt x="6132291" y="1544639"/>
+                </a:lnTo>
+                <a:lnTo>
+                  <a:pt x="6147406" y="1589089"/>
+                </a:lnTo>
+                <a:lnTo>
+                  <a:pt x="6165882" y="1631952"/>
+                </a:lnTo>
+                <a:lnTo>
+                  <a:pt x="6184358" y="1671639"/>
+                </a:lnTo>
+                <a:lnTo>
+                  <a:pt x="6204513" y="1708152"/>
+                </a:lnTo>
+                <a:lnTo>
+                  <a:pt x="6224668" y="1743077"/>
+                </a:lnTo>
+                <a:lnTo>
+                  <a:pt x="6244823" y="1782764"/>
+                </a:lnTo>
+                <a:lnTo>
+                  <a:pt x="6261619" y="1824039"/>
+                </a:lnTo>
+                <a:lnTo>
+                  <a:pt x="6276736" y="1870077"/>
+                </a:lnTo>
+                <a:lnTo>
+                  <a:pt x="6288493" y="1922464"/>
+                </a:lnTo>
+                <a:lnTo>
+                  <a:pt x="6296891" y="1982789"/>
+                </a:lnTo>
+                <a:lnTo>
+                  <a:pt x="6300250" y="2051052"/>
+                </a:lnTo>
+                <a:lnTo>
+                  <a:pt x="6296891" y="2119314"/>
+                </a:lnTo>
+                <a:lnTo>
+                  <a:pt x="6288493" y="2179639"/>
+                </a:lnTo>
+                <a:lnTo>
+                  <a:pt x="6276736" y="2232027"/>
+                </a:lnTo>
+                <a:lnTo>
+                  <a:pt x="6261619" y="2278064"/>
+                </a:lnTo>
+                <a:lnTo>
+                  <a:pt x="6244823" y="2319339"/>
+                </a:lnTo>
+                <a:lnTo>
+                  <a:pt x="6224668" y="2359027"/>
+                </a:lnTo>
+                <a:lnTo>
+                  <a:pt x="6204513" y="2395539"/>
+                </a:lnTo>
+                <a:lnTo>
+                  <a:pt x="6184358" y="2433639"/>
+                </a:lnTo>
+                <a:lnTo>
+                  <a:pt x="6165882" y="2471739"/>
+                </a:lnTo>
+                <a:lnTo>
+                  <a:pt x="6147406" y="2513014"/>
+                </a:lnTo>
+                <a:lnTo>
+                  <a:pt x="6132291" y="2560639"/>
+                </a:lnTo>
+                <a:lnTo>
+                  <a:pt x="6122213" y="2613027"/>
+                </a:lnTo>
+                <a:lnTo>
+                  <a:pt x="6112135" y="2671764"/>
+                </a:lnTo>
+                <a:lnTo>
+                  <a:pt x="6110455" y="2741614"/>
+                </a:lnTo>
+                <a:lnTo>
+                  <a:pt x="6112135" y="2809877"/>
+                </a:lnTo>
+                <a:lnTo>
+                  <a:pt x="6122213" y="2868614"/>
+                </a:lnTo>
+                <a:lnTo>
+                  <a:pt x="6132291" y="2922589"/>
+                </a:lnTo>
+                <a:lnTo>
+                  <a:pt x="6147406" y="2967039"/>
+                </a:lnTo>
+                <a:lnTo>
+                  <a:pt x="6165882" y="3009902"/>
+                </a:lnTo>
+                <a:lnTo>
+                  <a:pt x="6184358" y="3046414"/>
+                </a:lnTo>
+                <a:lnTo>
+                  <a:pt x="6204513" y="3084514"/>
+                </a:lnTo>
+                <a:lnTo>
+                  <a:pt x="6224668" y="3121027"/>
+                </a:lnTo>
+                <a:lnTo>
+                  <a:pt x="6244823" y="3160714"/>
+                </a:lnTo>
+                <a:lnTo>
+                  <a:pt x="6261619" y="3201989"/>
+                </a:lnTo>
+                <a:lnTo>
+                  <a:pt x="6276736" y="3248027"/>
+                </a:lnTo>
+                <a:lnTo>
+                  <a:pt x="6288493" y="3300414"/>
+                </a:lnTo>
+                <a:lnTo>
+                  <a:pt x="6296891" y="3360739"/>
+                </a:lnTo>
+                <a:lnTo>
+                  <a:pt x="6300250" y="3427414"/>
+                </a:lnTo>
+                <a:lnTo>
+                  <a:pt x="6296891" y="3497264"/>
+                </a:lnTo>
+                <a:lnTo>
+                  <a:pt x="6288493" y="3557589"/>
+                </a:lnTo>
+                <a:lnTo>
+                  <a:pt x="6276736" y="3609977"/>
+                </a:lnTo>
+                <a:lnTo>
+                  <a:pt x="6261619" y="3656014"/>
+                </a:lnTo>
+                <a:lnTo>
+                  <a:pt x="6244823" y="3697289"/>
+                </a:lnTo>
+                <a:lnTo>
+                  <a:pt x="6224668" y="3736977"/>
+                </a:lnTo>
+                <a:lnTo>
+                  <a:pt x="6184358" y="3811589"/>
+                </a:lnTo>
+                <a:lnTo>
+                  <a:pt x="6165882" y="3848102"/>
+                </a:lnTo>
+                <a:lnTo>
+                  <a:pt x="6147406" y="3890964"/>
+                </a:lnTo>
+                <a:lnTo>
+                  <a:pt x="6132291" y="3935414"/>
+                </a:lnTo>
+                <a:lnTo>
+                  <a:pt x="6122213" y="3987802"/>
+                </a:lnTo>
+                <a:lnTo>
+                  <a:pt x="6112135" y="4048127"/>
+                </a:lnTo>
+                <a:lnTo>
+                  <a:pt x="6110455" y="4116389"/>
+                </a:lnTo>
+                <a:lnTo>
+                  <a:pt x="6112135" y="4186239"/>
+                </a:lnTo>
+                <a:lnTo>
+                  <a:pt x="6122213" y="4244977"/>
+                </a:lnTo>
+                <a:lnTo>
+                  <a:pt x="6132291" y="4297364"/>
+                </a:lnTo>
+                <a:lnTo>
+                  <a:pt x="6147406" y="4343402"/>
+                </a:lnTo>
+                <a:lnTo>
+                  <a:pt x="6165882" y="4386264"/>
+                </a:lnTo>
+                <a:lnTo>
+                  <a:pt x="6184358" y="4424364"/>
+                </a:lnTo>
+                <a:lnTo>
+                  <a:pt x="6224668" y="4498977"/>
+                </a:lnTo>
+                <a:lnTo>
+                  <a:pt x="6244823" y="4537077"/>
+                </a:lnTo>
+                <a:lnTo>
+                  <a:pt x="6261619" y="4579939"/>
+                </a:lnTo>
+                <a:lnTo>
+                  <a:pt x="6276736" y="4625977"/>
+                </a:lnTo>
+                <a:lnTo>
+                  <a:pt x="6288493" y="4678364"/>
+                </a:lnTo>
+                <a:lnTo>
+                  <a:pt x="6296891" y="4738689"/>
+                </a:lnTo>
+                <a:lnTo>
+                  <a:pt x="6300250" y="4806952"/>
+                </a:lnTo>
+                <a:lnTo>
+                  <a:pt x="6296891" y="4875214"/>
+                </a:lnTo>
+                <a:lnTo>
+                  <a:pt x="6288493" y="4935539"/>
+                </a:lnTo>
+                <a:lnTo>
+                  <a:pt x="6276736" y="4987927"/>
+                </a:lnTo>
+                <a:lnTo>
+                  <a:pt x="6261619" y="5033964"/>
+                </a:lnTo>
+                <a:lnTo>
+                  <a:pt x="6244823" y="5075239"/>
+                </a:lnTo>
+                <a:lnTo>
+                  <a:pt x="6224668" y="5114927"/>
+                </a:lnTo>
+                <a:lnTo>
+                  <a:pt x="6204513" y="5149852"/>
+                </a:lnTo>
+                <a:lnTo>
+                  <a:pt x="6184358" y="5186364"/>
+                </a:lnTo>
+                <a:lnTo>
+                  <a:pt x="6165882" y="5226052"/>
+                </a:lnTo>
+                <a:lnTo>
+                  <a:pt x="6147406" y="5268914"/>
+                </a:lnTo>
+                <a:lnTo>
+                  <a:pt x="6132291" y="5313364"/>
+                </a:lnTo>
+                <a:lnTo>
+                  <a:pt x="6122213" y="5365752"/>
+                </a:lnTo>
+                <a:lnTo>
+                  <a:pt x="6112135" y="5426077"/>
+                </a:lnTo>
+                <a:lnTo>
+                  <a:pt x="6110455" y="5494339"/>
+                </a:lnTo>
+                <a:lnTo>
+                  <a:pt x="6112135" y="5562602"/>
+                </a:lnTo>
+                <a:lnTo>
+                  <a:pt x="6122213" y="5622927"/>
+                </a:lnTo>
+                <a:lnTo>
+                  <a:pt x="6132291" y="5675314"/>
+                </a:lnTo>
+                <a:lnTo>
+                  <a:pt x="6147406" y="5721352"/>
+                </a:lnTo>
+                <a:lnTo>
+                  <a:pt x="6165882" y="5762627"/>
+                </a:lnTo>
+                <a:lnTo>
+                  <a:pt x="6184358" y="5802314"/>
+                </a:lnTo>
+                <a:lnTo>
+                  <a:pt x="6204513" y="5840414"/>
+                </a:lnTo>
+                <a:lnTo>
+                  <a:pt x="6224668" y="5876927"/>
+                </a:lnTo>
+                <a:lnTo>
+                  <a:pt x="6244823" y="5915027"/>
+                </a:lnTo>
+                <a:lnTo>
+                  <a:pt x="6261619" y="5956302"/>
+                </a:lnTo>
+                <a:lnTo>
+                  <a:pt x="6276736" y="6003927"/>
+                </a:lnTo>
+                <a:lnTo>
+                  <a:pt x="6288493" y="6056314"/>
+                </a:lnTo>
+                <a:lnTo>
+                  <a:pt x="6296891" y="6113464"/>
+                </a:lnTo>
+                <a:lnTo>
+                  <a:pt x="6300250" y="6183314"/>
+                </a:lnTo>
+                <a:lnTo>
+                  <a:pt x="6296891" y="6251577"/>
+                </a:lnTo>
+                <a:lnTo>
+                  <a:pt x="6288493" y="6311902"/>
+                </a:lnTo>
+                <a:lnTo>
+                  <a:pt x="6276736" y="6361114"/>
+                </a:lnTo>
+                <a:lnTo>
+                  <a:pt x="6261619" y="6407152"/>
+                </a:lnTo>
+                <a:lnTo>
+                  <a:pt x="6244823" y="6448427"/>
+                </a:lnTo>
+                <a:lnTo>
+                  <a:pt x="6226348" y="6488114"/>
+                </a:lnTo>
+                <a:lnTo>
+                  <a:pt x="6207872" y="6523039"/>
+                </a:lnTo>
+                <a:lnTo>
+                  <a:pt x="6187717" y="6561139"/>
+                </a:lnTo>
+                <a:lnTo>
+                  <a:pt x="6167562" y="6597652"/>
+                </a:lnTo>
+                <a:lnTo>
+                  <a:pt x="6150766" y="6640514"/>
+                </a:lnTo>
+                <a:lnTo>
+                  <a:pt x="6133970" y="6683377"/>
+                </a:lnTo>
+                <a:lnTo>
+                  <a:pt x="6123892" y="6735764"/>
+                </a:lnTo>
+                <a:lnTo>
+                  <a:pt x="6115495" y="6791327"/>
+                </a:lnTo>
+                <a:lnTo>
+                  <a:pt x="6110455" y="6858002"/>
+                </a:lnTo>
+                <a:lnTo>
+                  <a:pt x="3149600" y="6858002"/>
+                </a:lnTo>
+                <a:lnTo>
+                  <a:pt x="2707087" y="6858002"/>
+                </a:lnTo>
+                <a:lnTo>
+                  <a:pt x="0" y="6858002"/>
+                </a:lnTo>
+                <a:close/>
+              </a:path>
+            </a:pathLst>
+          </a:custGeom>
+          <a:solidFill>
+            <a:schemeClr val="accent1"/>
+          </a:solidFill>
+          <a:ln w="0">
+            <a:noFill/>
+            <a:prstDash val="solid"/>
+            <a:round/>
+            <a:headEnd/>
+            <a:tailEnd/>
+          </a:ln>
+        </p:spPr>
+      </p:sp>
+      <p:sp>
+        <p:nvSpPr>
+          <p:cNvPr id="2" name="Title 1">
+            <a:extLst>
+              <a:ext uri="{FF2B5EF4-FFF2-40B4-BE49-F238E27FC236}">
+                <a16:creationId xmlns:a16="http://schemas.microsoft.com/office/drawing/2014/main" id="{8E7046DA-533C-484C-831F-A5A0E8D21743}"/>
+              </a:ext>
+            </a:extLst>
+          </p:cNvPr>
+          <p:cNvSpPr>
+            <a:spLocks noGrp="1"/>
+          </p:cNvSpPr>
+          <p:nvPr>
+            <p:ph type="title"/>
+          </p:nvPr>
+        </p:nvSpPr>
+        <p:spPr>
+          <a:xfrm>
+            <a:off x="931933" y="1162940"/>
+            <a:ext cx="4515598" cy="4532120"/>
+          </a:xfrm>
+        </p:spPr>
+        <p:txBody>
+          <a:bodyPr anchor="ctr">
+            <a:normAutofit/>
+          </a:bodyPr>
+          <a:lstStyle/>
+          <a:p>
+            <a:r>
+              <a:rPr lang="en-US" sz="4400" dirty="0">
+                <a:solidFill>
+                  <a:srgbClr val="2A1A00"/>
+                </a:solidFill>
+              </a:rPr>
+              <a:t>Conclusion </a:t>
+            </a:r>
+          </a:p>
+        </p:txBody>
+      </p:sp>
+      <p:sp>
+        <p:nvSpPr>
+          <p:cNvPr id="12" name="Rectangle 11">
+            <a:extLst>
+              <a:ext uri="{FF2B5EF4-FFF2-40B4-BE49-F238E27FC236}">
+                <a16:creationId xmlns:a16="http://schemas.microsoft.com/office/drawing/2014/main" id="{E3B475C6-1445-41C7-9360-49FD7C1C1E7A}"/>
+              </a:ext>
+              <a:ext uri="{C183D7F6-B498-43B3-948B-1728B52AA6E4}">
+                <adec:decorative xmlns:adec="http://schemas.microsoft.com/office/drawing/2017/decorative" val="1"/>
+              </a:ext>
+            </a:extLst>
+          </p:cNvPr>
+          <p:cNvSpPr>
+            <a:spLocks noGrp="1" noRot="1" noChangeAspect="1" noMove="1" noResize="1" noEditPoints="1" noAdjustHandles="1" noChangeArrowheads="1" noChangeShapeType="1" noTextEdit="1"/>
+          </p:cNvSpPr>
+          <p:nvPr>
+            <p:extLst>
+              <p:ext uri="{386F3935-93C4-4BCD-93E2-E3B085C9AB24}">
+                <p16:designElem xmlns:p16="http://schemas.microsoft.com/office/powerpoint/2015/main" val="1"/>
+              </p:ext>
+            </p:extLst>
+          </p:nvPr>
+        </p:nvSpPr>
+        <p:spPr>
+          <a:xfrm>
+            <a:off x="0" y="0"/>
+            <a:ext cx="283464" cy="6858000"/>
+          </a:xfrm>
+          <a:prstGeom prst="rect">
+            <a:avLst/>
+          </a:prstGeom>
+          <a:solidFill>
+            <a:schemeClr val="accent1">
+              <a:lumMod val="75000"/>
+            </a:schemeClr>
+          </a:solidFill>
+          <a:ln>
+            <a:noFill/>
+          </a:ln>
+        </p:spPr>
+        <p:style>
+          <a:lnRef idx="2">
+            <a:schemeClr val="accent1">
+              <a:shade val="50000"/>
+            </a:schemeClr>
+          </a:lnRef>
+          <a:fillRef idx="1">
+            <a:schemeClr val="accent1"/>
+          </a:fillRef>
+          <a:effectRef idx="0">
+            <a:schemeClr val="accent1"/>
+          </a:effectRef>
+          <a:fontRef idx="minor">
+            <a:schemeClr val="lt1"/>
+          </a:fontRef>
+        </p:style>
+      </p:sp>
+      <p:sp>
+        <p:nvSpPr>
+          <p:cNvPr id="3" name="Content Placeholder 2">
+            <a:extLst>
+              <a:ext uri="{FF2B5EF4-FFF2-40B4-BE49-F238E27FC236}">
+                <a16:creationId xmlns:a16="http://schemas.microsoft.com/office/drawing/2014/main" id="{C9AD4F55-5310-4CF8-9EEA-F5BD003D76D1}"/>
+              </a:ext>
+            </a:extLst>
+          </p:cNvPr>
+          <p:cNvSpPr>
+            <a:spLocks noGrp="1"/>
+          </p:cNvSpPr>
+          <p:nvPr>
+            <p:ph idx="1"/>
+          </p:nvPr>
+        </p:nvSpPr>
+        <p:spPr>
+          <a:xfrm>
+            <a:off x="6749271" y="1128451"/>
+            <a:ext cx="4680729" cy="4566609"/>
+          </a:xfrm>
+        </p:spPr>
+        <p:txBody>
+          <a:bodyPr anchor="ctr">
+            <a:normAutofit/>
+          </a:bodyPr>
+          <a:lstStyle/>
+          <a:p>
+            <a:endParaRPr lang="en-US"/>
+          </a:p>
+        </p:txBody>
+      </p:sp>
+    </p:spTree>
+    <p:extLst>
+      <p:ext uri="{BB962C8B-B14F-4D97-AF65-F5344CB8AC3E}">
+        <p14:creationId xmlns:p14="http://schemas.microsoft.com/office/powerpoint/2010/main" val="186047992"/>
+      </p:ext>
+    </p:extLst>
+  </p:cSld>
+  <p:clrMapOvr>
+    <a:masterClrMapping/>
+  </p:clrMapOvr>
+</p:sld>
+</file>
+
 <file path=ppt/slides/slide2.xml><?xml version="1.0" encoding="utf-8"?>
 <p:sld xmlns:a="http://schemas.openxmlformats.org/drawingml/2006/main" xmlns:r="http://schemas.openxmlformats.org/officeDocument/2006/relationships" xmlns:p="http://schemas.openxmlformats.org/presentationml/2006/main">
   <p:cSld>
@@ -8978,10 +12995,10 @@
       </p:sp>
       <p:pic>
         <p:nvPicPr>
-          <p:cNvPr id="4" name="Picture 3" descr="Table&#10;&#10;Description automatically generated">
+          <p:cNvPr id="7" name="Picture 6" descr="Graphical user interface, application&#10;&#10;Description automatically generated">
             <a:extLst>
               <a:ext uri="{FF2B5EF4-FFF2-40B4-BE49-F238E27FC236}">
-                <a16:creationId xmlns:a16="http://schemas.microsoft.com/office/drawing/2014/main" id="{B84CC118-356D-C84C-CC13-EE017ED61FF6}"/>
+                <a16:creationId xmlns:a16="http://schemas.microsoft.com/office/drawing/2014/main" id="{70476FDF-FEB5-B317-019E-F43350B3531B}"/>
               </a:ext>
             </a:extLst>
           </p:cNvPr>
@@ -8998,68 +13015,8 @@
         </p:blipFill>
         <p:spPr>
           <a:xfrm>
-            <a:off x="8260510" y="2875069"/>
-            <a:ext cx="2494544" cy="2831644"/>
-          </a:xfrm>
-          <a:prstGeom prst="rect">
-            <a:avLst/>
-          </a:prstGeom>
-        </p:spPr>
-      </p:pic>
-      <p:pic>
-        <p:nvPicPr>
-          <p:cNvPr id="6" name="Picture 5" descr="Graphical user interface, application&#10;&#10;Description automatically generated">
-            <a:extLst>
-              <a:ext uri="{FF2B5EF4-FFF2-40B4-BE49-F238E27FC236}">
-                <a16:creationId xmlns:a16="http://schemas.microsoft.com/office/drawing/2014/main" id="{552B2426-7431-27A7-9220-5AD34AA7C5CC}"/>
-              </a:ext>
-            </a:extLst>
-          </p:cNvPr>
-          <p:cNvPicPr>
-            <a:picLocks noChangeAspect="1"/>
-          </p:cNvPicPr>
-          <p:nvPr/>
-        </p:nvPicPr>
-        <p:blipFill>
-          <a:blip r:embed="rId3"/>
-          <a:stretch>
-            <a:fillRect/>
-          </a:stretch>
-        </p:blipFill>
-        <p:spPr>
-          <a:xfrm>
-            <a:off x="1530128" y="1590894"/>
-            <a:ext cx="5740514" cy="1692332"/>
-          </a:xfrm>
-          <a:prstGeom prst="rect">
-            <a:avLst/>
-          </a:prstGeom>
-        </p:spPr>
-      </p:pic>
-      <p:pic>
-        <p:nvPicPr>
-          <p:cNvPr id="7" name="Picture 6" descr="Graphical user interface, application&#10;&#10;Description automatically generated">
-            <a:extLst>
-              <a:ext uri="{FF2B5EF4-FFF2-40B4-BE49-F238E27FC236}">
-                <a16:creationId xmlns:a16="http://schemas.microsoft.com/office/drawing/2014/main" id="{70476FDF-FEB5-B317-019E-F43350B3531B}"/>
-              </a:ext>
-            </a:extLst>
-          </p:cNvPr>
-          <p:cNvPicPr>
-            <a:picLocks noChangeAspect="1"/>
-          </p:cNvPicPr>
-          <p:nvPr/>
-        </p:nvPicPr>
-        <p:blipFill>
-          <a:blip r:embed="rId4"/>
-          <a:stretch>
-            <a:fillRect/>
-          </a:stretch>
-        </p:blipFill>
-        <p:spPr>
-          <a:xfrm>
-            <a:off x="1436946" y="3754942"/>
-            <a:ext cx="5833696" cy="1951771"/>
+            <a:off x="1483536" y="1354140"/>
+            <a:ext cx="5588777" cy="1869829"/>
           </a:xfrm>
           <a:prstGeom prst="rect">
             <a:avLst/>
@@ -9080,7 +13037,7 @@
         </p:nvSpPr>
         <p:spPr>
           <a:xfrm>
-            <a:off x="4254611" y="3289273"/>
+            <a:off x="4254610" y="3413898"/>
             <a:ext cx="291547" cy="357809"/>
           </a:xfrm>
           <a:prstGeom prst="downArrow">
@@ -9109,6 +13066,247 @@
           <a:p>
             <a:pPr algn="ctr"/>
             <a:endParaRPr lang="en-US"/>
+          </a:p>
+        </p:txBody>
+      </p:sp>
+      <p:pic>
+        <p:nvPicPr>
+          <p:cNvPr id="12" name="Picture 11" descr="Text&#10;&#10;Description automatically generated">
+            <a:extLst>
+              <a:ext uri="{FF2B5EF4-FFF2-40B4-BE49-F238E27FC236}">
+                <a16:creationId xmlns:a16="http://schemas.microsoft.com/office/drawing/2014/main" id="{559BAEA5-8DF0-9E53-0D63-721BED888716}"/>
+              </a:ext>
+            </a:extLst>
+          </p:cNvPr>
+          <p:cNvPicPr>
+            <a:picLocks noChangeAspect="1"/>
+          </p:cNvPicPr>
+          <p:nvPr/>
+        </p:nvPicPr>
+        <p:blipFill>
+          <a:blip r:embed="rId3"/>
+          <a:stretch>
+            <a:fillRect/>
+          </a:stretch>
+        </p:blipFill>
+        <p:spPr>
+          <a:xfrm>
+            <a:off x="8630792" y="3790321"/>
+            <a:ext cx="2501900" cy="2794000"/>
+          </a:xfrm>
+          <a:prstGeom prst="rect">
+            <a:avLst/>
+          </a:prstGeom>
+        </p:spPr>
+      </p:pic>
+      <p:pic>
+        <p:nvPicPr>
+          <p:cNvPr id="16" name="Picture 15" descr="Graphical user interface, application&#10;&#10;Description automatically generated">
+            <a:extLst>
+              <a:ext uri="{FF2B5EF4-FFF2-40B4-BE49-F238E27FC236}">
+                <a16:creationId xmlns:a16="http://schemas.microsoft.com/office/drawing/2014/main" id="{59588A73-0324-4331-27D0-8F0F647EA2B3}"/>
+              </a:ext>
+            </a:extLst>
+          </p:cNvPr>
+          <p:cNvPicPr>
+            <a:picLocks noChangeAspect="1"/>
+          </p:cNvPicPr>
+          <p:nvPr/>
+        </p:nvPicPr>
+        <p:blipFill>
+          <a:blip r:embed="rId4"/>
+          <a:stretch>
+            <a:fillRect/>
+          </a:stretch>
+        </p:blipFill>
+        <p:spPr>
+          <a:xfrm>
+            <a:off x="1483536" y="5055100"/>
+            <a:ext cx="5927357" cy="1529221"/>
+          </a:xfrm>
+          <a:prstGeom prst="rect">
+            <a:avLst/>
+          </a:prstGeom>
+        </p:spPr>
+      </p:pic>
+      <p:sp>
+        <p:nvSpPr>
+          <p:cNvPr id="17" name="Down Arrow 16">
+            <a:extLst>
+              <a:ext uri="{FF2B5EF4-FFF2-40B4-BE49-F238E27FC236}">
+                <a16:creationId xmlns:a16="http://schemas.microsoft.com/office/drawing/2014/main" id="{B8902CC7-1C95-AFBD-4B21-22B5735A4516}"/>
+              </a:ext>
+            </a:extLst>
+          </p:cNvPr>
+          <p:cNvSpPr/>
+          <p:nvPr/>
+        </p:nvSpPr>
+        <p:spPr>
+          <a:xfrm>
+            <a:off x="4257342" y="4603831"/>
+            <a:ext cx="291547" cy="357809"/>
+          </a:xfrm>
+          <a:prstGeom prst="downArrow">
+            <a:avLst/>
+          </a:prstGeom>
+        </p:spPr>
+        <p:style>
+          <a:lnRef idx="2">
+            <a:schemeClr val="accent1">
+              <a:shade val="50000"/>
+            </a:schemeClr>
+          </a:lnRef>
+          <a:fillRef idx="1">
+            <a:schemeClr val="accent1"/>
+          </a:fillRef>
+          <a:effectRef idx="0">
+            <a:schemeClr val="accent1"/>
+          </a:effectRef>
+          <a:fontRef idx="minor">
+            <a:schemeClr val="lt1"/>
+          </a:fontRef>
+        </p:style>
+        <p:txBody>
+          <a:bodyPr rtlCol="0" anchor="ctr"/>
+          <a:lstStyle/>
+          <a:p>
+            <a:pPr algn="ctr"/>
+            <a:endParaRPr lang="en-US"/>
+          </a:p>
+        </p:txBody>
+      </p:sp>
+      <p:sp>
+        <p:nvSpPr>
+          <p:cNvPr id="18" name="TextBox 17">
+            <a:extLst>
+              <a:ext uri="{FF2B5EF4-FFF2-40B4-BE49-F238E27FC236}">
+                <a16:creationId xmlns:a16="http://schemas.microsoft.com/office/drawing/2014/main" id="{6386BD98-869A-AC7F-DE63-29ADFF6EC6CE}"/>
+              </a:ext>
+            </a:extLst>
+          </p:cNvPr>
+          <p:cNvSpPr txBox="1"/>
+          <p:nvPr/>
+        </p:nvSpPr>
+        <p:spPr>
+          <a:xfrm>
+            <a:off x="2696131" y="3771707"/>
+            <a:ext cx="3547766" cy="738664"/>
+          </a:xfrm>
+          <a:prstGeom prst="rect">
+            <a:avLst/>
+          </a:prstGeom>
+          <a:noFill/>
+        </p:spPr>
+        <p:txBody>
+          <a:bodyPr wrap="none" rtlCol="0">
+            <a:spAutoFit/>
+          </a:bodyPr>
+          <a:lstStyle/>
+          <a:p>
+            <a:pPr marL="285750" indent="-285750">
+              <a:buFontTx/>
+              <a:buChar char="-"/>
+            </a:pPr>
+            <a:r>
+              <a:rPr lang="en-US" sz="1050" dirty="0"/>
+              <a:t>Dropped Unnecessary columns </a:t>
+            </a:r>
+          </a:p>
+          <a:p>
+            <a:pPr marL="285750" indent="-285750">
+              <a:buFontTx/>
+              <a:buChar char="-"/>
+            </a:pPr>
+            <a:r>
+              <a:rPr lang="en-US" sz="1050" dirty="0"/>
+              <a:t>Replaced </a:t>
+            </a:r>
+            <a:r>
+              <a:rPr lang="en-US" sz="1050" dirty="0" err="1"/>
+              <a:t>NaN</a:t>
+            </a:r>
+            <a:r>
+              <a:rPr lang="en-US" sz="1050" dirty="0"/>
+              <a:t> values with 0 &amp; NA</a:t>
+            </a:r>
+          </a:p>
+          <a:p>
+            <a:pPr marL="285750" indent="-285750">
+              <a:buFontTx/>
+              <a:buChar char="-"/>
+            </a:pPr>
+            <a:r>
+              <a:rPr lang="en-US" sz="1050" dirty="0"/>
+              <a:t>Converted CRASH_DATE column to datetime datatype</a:t>
+            </a:r>
+          </a:p>
+          <a:p>
+            <a:pPr marL="285750" indent="-285750">
+              <a:buFontTx/>
+              <a:buChar char="-"/>
+            </a:pPr>
+            <a:r>
+              <a:rPr lang="en-US" sz="1050" dirty="0"/>
+              <a:t>Redefined Injury and Damage columns </a:t>
+            </a:r>
+          </a:p>
+        </p:txBody>
+      </p:sp>
+      <p:sp>
+        <p:nvSpPr>
+          <p:cNvPr id="19" name="Title 1">
+            <a:extLst>
+              <a:ext uri="{FF2B5EF4-FFF2-40B4-BE49-F238E27FC236}">
+                <a16:creationId xmlns:a16="http://schemas.microsoft.com/office/drawing/2014/main" id="{9075D728-95DD-744D-7980-C45C8A6CAEA5}"/>
+              </a:ext>
+            </a:extLst>
+          </p:cNvPr>
+          <p:cNvSpPr txBox="1">
+            <a:spLocks/>
+          </p:cNvSpPr>
+          <p:nvPr/>
+        </p:nvSpPr>
+        <p:spPr>
+          <a:xfrm>
+            <a:off x="8630792" y="2976911"/>
+            <a:ext cx="2374903" cy="716849"/>
+          </a:xfrm>
+          <a:prstGeom prst="rect">
+            <a:avLst/>
+          </a:prstGeom>
+        </p:spPr>
+        <p:txBody>
+          <a:bodyPr vert="horz" lIns="91440" tIns="45720" rIns="91440" bIns="45720" rtlCol="0" anchor="b">
+            <a:normAutofit/>
+          </a:bodyPr>
+          <a:lstStyle>
+            <a:lvl1pPr algn="l" defTabSz="914400" rtl="0" eaLnBrk="1" latinLnBrk="0" hangingPunct="1">
+              <a:lnSpc>
+                <a:spcPct val="90000"/>
+              </a:lnSpc>
+              <a:spcBef>
+                <a:spcPct val="0"/>
+              </a:spcBef>
+              <a:buNone/>
+              <a:defRPr sz="5100" kern="1200" cap="all" spc="200" baseline="0">
+                <a:solidFill>
+                  <a:schemeClr val="tx2"/>
+                </a:solidFill>
+                <a:latin typeface="+mj-lt"/>
+                <a:ea typeface="+mj-ea"/>
+                <a:cs typeface="+mj-cs"/>
+              </a:defRPr>
+            </a:lvl1pPr>
+          </a:lstStyle>
+          <a:p>
+            <a:r>
+              <a:rPr lang="en-US" sz="4000" dirty="0">
+                <a:solidFill>
+                  <a:schemeClr val="tx1"/>
+                </a:solidFill>
+              </a:rPr>
+              <a:t>SCHEMA </a:t>
+            </a:r>
           </a:p>
         </p:txBody>
       </p:sp>
@@ -16326,7 +20524,7 @@
     <p:bg>
       <p:bgPr>
         <a:solidFill>
-          <a:schemeClr val="bg1"/>
+          <a:schemeClr val="bg2"/>
         </a:solidFill>
         <a:effectLst/>
       </p:bgPr>
@@ -16347,10 +20545,3463 @@
       </p:grpSpPr>
       <p:sp>
         <p:nvSpPr>
+          <p:cNvPr id="23" name="Freeform 6">
+            <a:extLst>
+              <a:ext uri="{FF2B5EF4-FFF2-40B4-BE49-F238E27FC236}">
+                <a16:creationId xmlns:a16="http://schemas.microsoft.com/office/drawing/2014/main" id="{DD0AEE21-CF4B-4395-A100-EFB0EB995182}"/>
+              </a:ext>
+              <a:ext uri="{C183D7F6-B498-43B3-948B-1728B52AA6E4}">
+                <adec:decorative xmlns:adec="http://schemas.microsoft.com/office/drawing/2017/decorative" val="1"/>
+              </a:ext>
+            </a:extLst>
+          </p:cNvPr>
+          <p:cNvSpPr>
+            <a:spLocks noGrp="1" noRot="1" noChangeAspect="1" noMove="1" noResize="1" noEditPoints="1" noAdjustHandles="1" noChangeArrowheads="1" noChangeShapeType="1" noTextEdit="1"/>
+          </p:cNvSpPr>
+          <p:nvPr>
+            <p:extLst>
+              <p:ext uri="{386F3935-93C4-4BCD-93E2-E3B085C9AB24}">
+                <p16:designElem xmlns:p16="http://schemas.microsoft.com/office/powerpoint/2015/main" val="1"/>
+              </p:ext>
+            </p:extLst>
+          </p:nvPr>
+        </p:nvSpPr>
+        <p:spPr bwMode="auto">
+          <a:xfrm>
+            <a:off x="0" y="0"/>
+            <a:ext cx="885825" cy="6858000"/>
+          </a:xfrm>
+          <a:custGeom>
+            <a:avLst/>
+            <a:gdLst/>
+            <a:ahLst/>
+            <a:cxnLst/>
+            <a:rect l="0" t="0" r="r" b="b"/>
+            <a:pathLst>
+              <a:path w="558" h="4320">
+                <a:moveTo>
+                  <a:pt x="0" y="0"/>
+                </a:moveTo>
+                <a:lnTo>
+                  <a:pt x="447" y="0"/>
+                </a:lnTo>
+                <a:lnTo>
+                  <a:pt x="448" y="43"/>
+                </a:lnTo>
+                <a:lnTo>
+                  <a:pt x="453" y="81"/>
+                </a:lnTo>
+                <a:lnTo>
+                  <a:pt x="460" y="114"/>
+                </a:lnTo>
+                <a:lnTo>
+                  <a:pt x="469" y="143"/>
+                </a:lnTo>
+                <a:lnTo>
+                  <a:pt x="479" y="169"/>
+                </a:lnTo>
+                <a:lnTo>
+                  <a:pt x="491" y="192"/>
+                </a:lnTo>
+                <a:lnTo>
+                  <a:pt x="503" y="216"/>
+                </a:lnTo>
+                <a:lnTo>
+                  <a:pt x="515" y="240"/>
+                </a:lnTo>
+                <a:lnTo>
+                  <a:pt x="525" y="263"/>
+                </a:lnTo>
+                <a:lnTo>
+                  <a:pt x="535" y="289"/>
+                </a:lnTo>
+                <a:lnTo>
+                  <a:pt x="545" y="318"/>
+                </a:lnTo>
+                <a:lnTo>
+                  <a:pt x="552" y="351"/>
+                </a:lnTo>
+                <a:lnTo>
+                  <a:pt x="556" y="389"/>
+                </a:lnTo>
+                <a:lnTo>
+                  <a:pt x="558" y="432"/>
+                </a:lnTo>
+                <a:lnTo>
+                  <a:pt x="556" y="475"/>
+                </a:lnTo>
+                <a:lnTo>
+                  <a:pt x="552" y="513"/>
+                </a:lnTo>
+                <a:lnTo>
+                  <a:pt x="545" y="546"/>
+                </a:lnTo>
+                <a:lnTo>
+                  <a:pt x="535" y="575"/>
+                </a:lnTo>
+                <a:lnTo>
+                  <a:pt x="525" y="601"/>
+                </a:lnTo>
+                <a:lnTo>
+                  <a:pt x="515" y="624"/>
+                </a:lnTo>
+                <a:lnTo>
+                  <a:pt x="503" y="648"/>
+                </a:lnTo>
+                <a:lnTo>
+                  <a:pt x="491" y="672"/>
+                </a:lnTo>
+                <a:lnTo>
+                  <a:pt x="479" y="695"/>
+                </a:lnTo>
+                <a:lnTo>
+                  <a:pt x="469" y="721"/>
+                </a:lnTo>
+                <a:lnTo>
+                  <a:pt x="460" y="750"/>
+                </a:lnTo>
+                <a:lnTo>
+                  <a:pt x="453" y="783"/>
+                </a:lnTo>
+                <a:lnTo>
+                  <a:pt x="448" y="821"/>
+                </a:lnTo>
+                <a:lnTo>
+                  <a:pt x="447" y="864"/>
+                </a:lnTo>
+                <a:lnTo>
+                  <a:pt x="448" y="907"/>
+                </a:lnTo>
+                <a:lnTo>
+                  <a:pt x="453" y="945"/>
+                </a:lnTo>
+                <a:lnTo>
+                  <a:pt x="460" y="978"/>
+                </a:lnTo>
+                <a:lnTo>
+                  <a:pt x="469" y="1007"/>
+                </a:lnTo>
+                <a:lnTo>
+                  <a:pt x="479" y="1033"/>
+                </a:lnTo>
+                <a:lnTo>
+                  <a:pt x="491" y="1056"/>
+                </a:lnTo>
+                <a:lnTo>
+                  <a:pt x="503" y="1080"/>
+                </a:lnTo>
+                <a:lnTo>
+                  <a:pt x="515" y="1104"/>
+                </a:lnTo>
+                <a:lnTo>
+                  <a:pt x="525" y="1127"/>
+                </a:lnTo>
+                <a:lnTo>
+                  <a:pt x="535" y="1153"/>
+                </a:lnTo>
+                <a:lnTo>
+                  <a:pt x="545" y="1182"/>
+                </a:lnTo>
+                <a:lnTo>
+                  <a:pt x="552" y="1215"/>
+                </a:lnTo>
+                <a:lnTo>
+                  <a:pt x="556" y="1253"/>
+                </a:lnTo>
+                <a:lnTo>
+                  <a:pt x="558" y="1296"/>
+                </a:lnTo>
+                <a:lnTo>
+                  <a:pt x="556" y="1339"/>
+                </a:lnTo>
+                <a:lnTo>
+                  <a:pt x="552" y="1377"/>
+                </a:lnTo>
+                <a:lnTo>
+                  <a:pt x="545" y="1410"/>
+                </a:lnTo>
+                <a:lnTo>
+                  <a:pt x="535" y="1439"/>
+                </a:lnTo>
+                <a:lnTo>
+                  <a:pt x="525" y="1465"/>
+                </a:lnTo>
+                <a:lnTo>
+                  <a:pt x="515" y="1488"/>
+                </a:lnTo>
+                <a:lnTo>
+                  <a:pt x="503" y="1512"/>
+                </a:lnTo>
+                <a:lnTo>
+                  <a:pt x="491" y="1536"/>
+                </a:lnTo>
+                <a:lnTo>
+                  <a:pt x="479" y="1559"/>
+                </a:lnTo>
+                <a:lnTo>
+                  <a:pt x="469" y="1585"/>
+                </a:lnTo>
+                <a:lnTo>
+                  <a:pt x="460" y="1614"/>
+                </a:lnTo>
+                <a:lnTo>
+                  <a:pt x="453" y="1647"/>
+                </a:lnTo>
+                <a:lnTo>
+                  <a:pt x="448" y="1685"/>
+                </a:lnTo>
+                <a:lnTo>
+                  <a:pt x="447" y="1728"/>
+                </a:lnTo>
+                <a:lnTo>
+                  <a:pt x="448" y="1771"/>
+                </a:lnTo>
+                <a:lnTo>
+                  <a:pt x="453" y="1809"/>
+                </a:lnTo>
+                <a:lnTo>
+                  <a:pt x="460" y="1842"/>
+                </a:lnTo>
+                <a:lnTo>
+                  <a:pt x="469" y="1871"/>
+                </a:lnTo>
+                <a:lnTo>
+                  <a:pt x="479" y="1897"/>
+                </a:lnTo>
+                <a:lnTo>
+                  <a:pt x="491" y="1920"/>
+                </a:lnTo>
+                <a:lnTo>
+                  <a:pt x="503" y="1944"/>
+                </a:lnTo>
+                <a:lnTo>
+                  <a:pt x="515" y="1968"/>
+                </a:lnTo>
+                <a:lnTo>
+                  <a:pt x="525" y="1991"/>
+                </a:lnTo>
+                <a:lnTo>
+                  <a:pt x="535" y="2017"/>
+                </a:lnTo>
+                <a:lnTo>
+                  <a:pt x="545" y="2046"/>
+                </a:lnTo>
+                <a:lnTo>
+                  <a:pt x="552" y="2079"/>
+                </a:lnTo>
+                <a:lnTo>
+                  <a:pt x="556" y="2117"/>
+                </a:lnTo>
+                <a:lnTo>
+                  <a:pt x="558" y="2159"/>
+                </a:lnTo>
+                <a:lnTo>
+                  <a:pt x="556" y="2203"/>
+                </a:lnTo>
+                <a:lnTo>
+                  <a:pt x="552" y="2241"/>
+                </a:lnTo>
+                <a:lnTo>
+                  <a:pt x="545" y="2274"/>
+                </a:lnTo>
+                <a:lnTo>
+                  <a:pt x="535" y="2303"/>
+                </a:lnTo>
+                <a:lnTo>
+                  <a:pt x="525" y="2329"/>
+                </a:lnTo>
+                <a:lnTo>
+                  <a:pt x="515" y="2352"/>
+                </a:lnTo>
+                <a:lnTo>
+                  <a:pt x="503" y="2376"/>
+                </a:lnTo>
+                <a:lnTo>
+                  <a:pt x="491" y="2400"/>
+                </a:lnTo>
+                <a:lnTo>
+                  <a:pt x="479" y="2423"/>
+                </a:lnTo>
+                <a:lnTo>
+                  <a:pt x="469" y="2449"/>
+                </a:lnTo>
+                <a:lnTo>
+                  <a:pt x="460" y="2478"/>
+                </a:lnTo>
+                <a:lnTo>
+                  <a:pt x="453" y="2511"/>
+                </a:lnTo>
+                <a:lnTo>
+                  <a:pt x="448" y="2549"/>
+                </a:lnTo>
+                <a:lnTo>
+                  <a:pt x="447" y="2592"/>
+                </a:lnTo>
+                <a:lnTo>
+                  <a:pt x="448" y="2635"/>
+                </a:lnTo>
+                <a:lnTo>
+                  <a:pt x="453" y="2673"/>
+                </a:lnTo>
+                <a:lnTo>
+                  <a:pt x="460" y="2706"/>
+                </a:lnTo>
+                <a:lnTo>
+                  <a:pt x="469" y="2735"/>
+                </a:lnTo>
+                <a:lnTo>
+                  <a:pt x="479" y="2761"/>
+                </a:lnTo>
+                <a:lnTo>
+                  <a:pt x="491" y="2784"/>
+                </a:lnTo>
+                <a:lnTo>
+                  <a:pt x="515" y="2832"/>
+                </a:lnTo>
+                <a:lnTo>
+                  <a:pt x="525" y="2855"/>
+                </a:lnTo>
+                <a:lnTo>
+                  <a:pt x="535" y="2881"/>
+                </a:lnTo>
+                <a:lnTo>
+                  <a:pt x="545" y="2910"/>
+                </a:lnTo>
+                <a:lnTo>
+                  <a:pt x="552" y="2943"/>
+                </a:lnTo>
+                <a:lnTo>
+                  <a:pt x="556" y="2981"/>
+                </a:lnTo>
+                <a:lnTo>
+                  <a:pt x="558" y="3024"/>
+                </a:lnTo>
+                <a:lnTo>
+                  <a:pt x="556" y="3067"/>
+                </a:lnTo>
+                <a:lnTo>
+                  <a:pt x="552" y="3105"/>
+                </a:lnTo>
+                <a:lnTo>
+                  <a:pt x="545" y="3138"/>
+                </a:lnTo>
+                <a:lnTo>
+                  <a:pt x="535" y="3167"/>
+                </a:lnTo>
+                <a:lnTo>
+                  <a:pt x="525" y="3193"/>
+                </a:lnTo>
+                <a:lnTo>
+                  <a:pt x="515" y="3216"/>
+                </a:lnTo>
+                <a:lnTo>
+                  <a:pt x="503" y="3240"/>
+                </a:lnTo>
+                <a:lnTo>
+                  <a:pt x="491" y="3264"/>
+                </a:lnTo>
+                <a:lnTo>
+                  <a:pt x="479" y="3287"/>
+                </a:lnTo>
+                <a:lnTo>
+                  <a:pt x="469" y="3313"/>
+                </a:lnTo>
+                <a:lnTo>
+                  <a:pt x="460" y="3342"/>
+                </a:lnTo>
+                <a:lnTo>
+                  <a:pt x="453" y="3375"/>
+                </a:lnTo>
+                <a:lnTo>
+                  <a:pt x="448" y="3413"/>
+                </a:lnTo>
+                <a:lnTo>
+                  <a:pt x="447" y="3456"/>
+                </a:lnTo>
+                <a:lnTo>
+                  <a:pt x="448" y="3499"/>
+                </a:lnTo>
+                <a:lnTo>
+                  <a:pt x="453" y="3537"/>
+                </a:lnTo>
+                <a:lnTo>
+                  <a:pt x="460" y="3570"/>
+                </a:lnTo>
+                <a:lnTo>
+                  <a:pt x="469" y="3599"/>
+                </a:lnTo>
+                <a:lnTo>
+                  <a:pt x="479" y="3625"/>
+                </a:lnTo>
+                <a:lnTo>
+                  <a:pt x="491" y="3648"/>
+                </a:lnTo>
+                <a:lnTo>
+                  <a:pt x="503" y="3672"/>
+                </a:lnTo>
+                <a:lnTo>
+                  <a:pt x="515" y="3696"/>
+                </a:lnTo>
+                <a:lnTo>
+                  <a:pt x="525" y="3719"/>
+                </a:lnTo>
+                <a:lnTo>
+                  <a:pt x="535" y="3745"/>
+                </a:lnTo>
+                <a:lnTo>
+                  <a:pt x="545" y="3774"/>
+                </a:lnTo>
+                <a:lnTo>
+                  <a:pt x="552" y="3807"/>
+                </a:lnTo>
+                <a:lnTo>
+                  <a:pt x="556" y="3845"/>
+                </a:lnTo>
+                <a:lnTo>
+                  <a:pt x="558" y="3888"/>
+                </a:lnTo>
+                <a:lnTo>
+                  <a:pt x="556" y="3931"/>
+                </a:lnTo>
+                <a:lnTo>
+                  <a:pt x="552" y="3969"/>
+                </a:lnTo>
+                <a:lnTo>
+                  <a:pt x="545" y="4002"/>
+                </a:lnTo>
+                <a:lnTo>
+                  <a:pt x="535" y="4031"/>
+                </a:lnTo>
+                <a:lnTo>
+                  <a:pt x="525" y="4057"/>
+                </a:lnTo>
+                <a:lnTo>
+                  <a:pt x="515" y="4080"/>
+                </a:lnTo>
+                <a:lnTo>
+                  <a:pt x="503" y="4104"/>
+                </a:lnTo>
+                <a:lnTo>
+                  <a:pt x="491" y="4128"/>
+                </a:lnTo>
+                <a:lnTo>
+                  <a:pt x="479" y="4151"/>
+                </a:lnTo>
+                <a:lnTo>
+                  <a:pt x="469" y="4177"/>
+                </a:lnTo>
+                <a:lnTo>
+                  <a:pt x="460" y="4206"/>
+                </a:lnTo>
+                <a:lnTo>
+                  <a:pt x="453" y="4239"/>
+                </a:lnTo>
+                <a:lnTo>
+                  <a:pt x="448" y="4277"/>
+                </a:lnTo>
+                <a:lnTo>
+                  <a:pt x="447" y="4320"/>
+                </a:lnTo>
+                <a:lnTo>
+                  <a:pt x="0" y="4320"/>
+                </a:lnTo>
+                <a:lnTo>
+                  <a:pt x="0" y="0"/>
+                </a:lnTo>
+                <a:close/>
+              </a:path>
+            </a:pathLst>
+          </a:custGeom>
+          <a:solidFill>
+            <a:schemeClr val="tx2"/>
+          </a:solidFill>
+          <a:ln w="0">
+            <a:noFill/>
+            <a:prstDash val="solid"/>
+            <a:round/>
+            <a:headEnd/>
+            <a:tailEnd/>
+          </a:ln>
+        </p:spPr>
+      </p:sp>
+      <p:sp>
+        <p:nvSpPr>
+          <p:cNvPr id="24" name="Rectangle 12">
+            <a:extLst>
+              <a:ext uri="{FF2B5EF4-FFF2-40B4-BE49-F238E27FC236}">
+                <a16:creationId xmlns:a16="http://schemas.microsoft.com/office/drawing/2014/main" id="{9F8DBD9A-1B56-4D4B-856B-89CC682C6B2B}"/>
+              </a:ext>
+              <a:ext uri="{C183D7F6-B498-43B3-948B-1728B52AA6E4}">
+                <adec:decorative xmlns:adec="http://schemas.microsoft.com/office/drawing/2017/decorative" val="1"/>
+              </a:ext>
+            </a:extLst>
+          </p:cNvPr>
+          <p:cNvSpPr>
+            <a:spLocks noGrp="1" noRot="1" noChangeAspect="1" noMove="1" noResize="1" noEditPoints="1" noAdjustHandles="1" noChangeArrowheads="1" noChangeShapeType="1" noTextEdit="1"/>
+          </p:cNvSpPr>
+          <p:nvPr>
+            <p:extLst>
+              <p:ext uri="{386F3935-93C4-4BCD-93E2-E3B085C9AB24}">
+                <p16:designElem xmlns:p16="http://schemas.microsoft.com/office/powerpoint/2015/main" val="1"/>
+              </p:ext>
+            </p:extLst>
+          </p:nvPr>
+        </p:nvSpPr>
+        <p:spPr>
+          <a:xfrm>
+            <a:off x="11908536" y="0"/>
+            <a:ext cx="283464" cy="6858000"/>
+          </a:xfrm>
+          <a:prstGeom prst="rect">
+            <a:avLst/>
+          </a:prstGeom>
+          <a:solidFill>
+            <a:schemeClr val="accent1"/>
+          </a:solidFill>
+          <a:ln>
+            <a:noFill/>
+          </a:ln>
+        </p:spPr>
+        <p:style>
+          <a:lnRef idx="2">
+            <a:schemeClr val="accent1">
+              <a:shade val="50000"/>
+            </a:schemeClr>
+          </a:lnRef>
+          <a:fillRef idx="1">
+            <a:schemeClr val="accent1"/>
+          </a:fillRef>
+          <a:effectRef idx="0">
+            <a:schemeClr val="accent1"/>
+          </a:effectRef>
+          <a:fontRef idx="minor">
+            <a:schemeClr val="lt1"/>
+          </a:fontRef>
+        </p:style>
+      </p:sp>
+      <p:sp>
+        <p:nvSpPr>
+          <p:cNvPr id="25" name="Rectangle 14">
+            <a:extLst>
+              <a:ext uri="{FF2B5EF4-FFF2-40B4-BE49-F238E27FC236}">
+                <a16:creationId xmlns:a16="http://schemas.microsoft.com/office/drawing/2014/main" id="{2A42EE89-46A6-4616-987D-6468BC70742C}"/>
+              </a:ext>
+              <a:ext uri="{C183D7F6-B498-43B3-948B-1728B52AA6E4}">
+                <adec:decorative xmlns:adec="http://schemas.microsoft.com/office/drawing/2017/decorative" val="1"/>
+              </a:ext>
+            </a:extLst>
+          </p:cNvPr>
+          <p:cNvSpPr>
+            <a:spLocks noGrp="1" noRot="1" noChangeAspect="1" noMove="1" noResize="1" noEditPoints="1" noAdjustHandles="1" noChangeArrowheads="1" noChangeShapeType="1" noTextEdit="1"/>
+          </p:cNvSpPr>
+          <p:nvPr>
+            <p:extLst>
+              <p:ext uri="{386F3935-93C4-4BCD-93E2-E3B085C9AB24}">
+                <p16:designElem xmlns:p16="http://schemas.microsoft.com/office/powerpoint/2015/main" val="1"/>
+              </p:ext>
+            </p:extLst>
+          </p:nvPr>
+        </p:nvSpPr>
+        <p:spPr>
+          <a:xfrm>
+            <a:off x="0" y="0"/>
+            <a:ext cx="12192000" cy="6858000"/>
+          </a:xfrm>
+          <a:prstGeom prst="rect">
+            <a:avLst/>
+          </a:prstGeom>
+          <a:solidFill>
+            <a:srgbClr val="FFFFFF"/>
+          </a:solidFill>
+          <a:ln>
+            <a:noFill/>
+          </a:ln>
+        </p:spPr>
+        <p:style>
+          <a:lnRef idx="2">
+            <a:schemeClr val="accent1">
+              <a:shade val="50000"/>
+            </a:schemeClr>
+          </a:lnRef>
+          <a:fillRef idx="1">
+            <a:schemeClr val="accent1"/>
+          </a:fillRef>
+          <a:effectRef idx="0">
+            <a:schemeClr val="accent1"/>
+          </a:effectRef>
+          <a:fontRef idx="minor">
+            <a:schemeClr val="lt1"/>
+          </a:fontRef>
+        </p:style>
+        <p:txBody>
+          <a:bodyPr rtlCol="0" anchor="ctr"/>
+          <a:lstStyle/>
+          <a:p>
+            <a:pPr algn="ctr"/>
+            <a:endParaRPr lang="en-US"/>
+          </a:p>
+        </p:txBody>
+      </p:sp>
+      <p:pic>
+        <p:nvPicPr>
+          <p:cNvPr id="6" name="Picture 5" descr="Chart&#10;&#10;Description automatically generated">
+            <a:extLst>
+              <a:ext uri="{FF2B5EF4-FFF2-40B4-BE49-F238E27FC236}">
+                <a16:creationId xmlns:a16="http://schemas.microsoft.com/office/drawing/2014/main" id="{8E1F4BB6-928C-1141-0719-F64B4DE5B877}"/>
+              </a:ext>
+            </a:extLst>
+          </p:cNvPr>
+          <p:cNvPicPr>
+            <a:picLocks noChangeAspect="1"/>
+          </p:cNvPicPr>
+          <p:nvPr/>
+        </p:nvPicPr>
+        <p:blipFill>
+          <a:blip r:embed="rId2"/>
+          <a:stretch>
+            <a:fillRect/>
+          </a:stretch>
+        </p:blipFill>
+        <p:spPr>
+          <a:xfrm>
+            <a:off x="3280229" y="965201"/>
+            <a:ext cx="5631541" cy="4927597"/>
+          </a:xfrm>
+          <a:prstGeom prst="rect">
+            <a:avLst/>
+          </a:prstGeom>
+        </p:spPr>
+      </p:pic>
+      <p:sp>
+        <p:nvSpPr>
+          <p:cNvPr id="26" name="Freeform: Shape 16">
+            <a:extLst>
+              <a:ext uri="{FF2B5EF4-FFF2-40B4-BE49-F238E27FC236}">
+                <a16:creationId xmlns:a16="http://schemas.microsoft.com/office/drawing/2014/main" id="{45A29992-9794-4D64-AB37-EA803ED6CEEA}"/>
+              </a:ext>
+              <a:ext uri="{C183D7F6-B498-43B3-948B-1728B52AA6E4}">
+                <adec:decorative xmlns:adec="http://schemas.microsoft.com/office/drawing/2017/decorative" val="1"/>
+              </a:ext>
+            </a:extLst>
+          </p:cNvPr>
+          <p:cNvSpPr>
+            <a:spLocks noGrp="1" noRot="1" noChangeAspect="1" noMove="1" noResize="1" noEditPoints="1" noAdjustHandles="1" noChangeArrowheads="1" noChangeShapeType="1" noTextEdit="1"/>
+          </p:cNvSpPr>
+          <p:nvPr>
+            <p:extLst>
+              <p:ext uri="{386F3935-93C4-4BCD-93E2-E3B085C9AB24}">
+                <p16:designElem xmlns:p16="http://schemas.microsoft.com/office/powerpoint/2015/main" val="1"/>
+              </p:ext>
+            </p:extLst>
+          </p:nvPr>
+        </p:nvSpPr>
+        <p:spPr bwMode="auto">
+          <a:xfrm rot="16200000">
+            <a:off x="5653089" y="319086"/>
+            <a:ext cx="885825" cy="12192000"/>
+          </a:xfrm>
+          <a:custGeom>
+            <a:avLst/>
+            <a:gdLst>
+              <a:gd name="connsiteX0" fmla="*/ 885825 w 885825"/>
+              <a:gd name="connsiteY0" fmla="*/ 6098626 h 12192000"/>
+              <a:gd name="connsiteX1" fmla="*/ 882650 w 885825"/>
+              <a:gd name="connsiteY1" fmla="*/ 6166889 h 12192000"/>
+              <a:gd name="connsiteX2" fmla="*/ 876300 w 885825"/>
+              <a:gd name="connsiteY2" fmla="*/ 6227214 h 12192000"/>
+              <a:gd name="connsiteX3" fmla="*/ 865188 w 885825"/>
+              <a:gd name="connsiteY3" fmla="*/ 6279601 h 12192000"/>
+              <a:gd name="connsiteX4" fmla="*/ 849313 w 885825"/>
+              <a:gd name="connsiteY4" fmla="*/ 6325639 h 12192000"/>
+              <a:gd name="connsiteX5" fmla="*/ 833438 w 885825"/>
+              <a:gd name="connsiteY5" fmla="*/ 6366914 h 12192000"/>
+              <a:gd name="connsiteX6" fmla="*/ 817563 w 885825"/>
+              <a:gd name="connsiteY6" fmla="*/ 6403426 h 12192000"/>
+              <a:gd name="connsiteX7" fmla="*/ 798513 w 885825"/>
+              <a:gd name="connsiteY7" fmla="*/ 6441526 h 12192000"/>
+              <a:gd name="connsiteX8" fmla="*/ 779463 w 885825"/>
+              <a:gd name="connsiteY8" fmla="*/ 6479626 h 12192000"/>
+              <a:gd name="connsiteX9" fmla="*/ 760413 w 885825"/>
+              <a:gd name="connsiteY9" fmla="*/ 6516139 h 12192000"/>
+              <a:gd name="connsiteX10" fmla="*/ 744538 w 885825"/>
+              <a:gd name="connsiteY10" fmla="*/ 6557414 h 12192000"/>
+              <a:gd name="connsiteX11" fmla="*/ 730250 w 885825"/>
+              <a:gd name="connsiteY11" fmla="*/ 6603451 h 12192000"/>
+              <a:gd name="connsiteX12" fmla="*/ 719138 w 885825"/>
+              <a:gd name="connsiteY12" fmla="*/ 6655839 h 12192000"/>
+              <a:gd name="connsiteX13" fmla="*/ 711200 w 885825"/>
+              <a:gd name="connsiteY13" fmla="*/ 6716164 h 12192000"/>
+              <a:gd name="connsiteX14" fmla="*/ 709613 w 885825"/>
+              <a:gd name="connsiteY14" fmla="*/ 6784426 h 12192000"/>
+              <a:gd name="connsiteX15" fmla="*/ 711200 w 885825"/>
+              <a:gd name="connsiteY15" fmla="*/ 6852689 h 12192000"/>
+              <a:gd name="connsiteX16" fmla="*/ 719138 w 885825"/>
+              <a:gd name="connsiteY16" fmla="*/ 6913014 h 12192000"/>
+              <a:gd name="connsiteX17" fmla="*/ 730250 w 885825"/>
+              <a:gd name="connsiteY17" fmla="*/ 6965401 h 12192000"/>
+              <a:gd name="connsiteX18" fmla="*/ 744538 w 885825"/>
+              <a:gd name="connsiteY18" fmla="*/ 7011439 h 12192000"/>
+              <a:gd name="connsiteX19" fmla="*/ 760413 w 885825"/>
+              <a:gd name="connsiteY19" fmla="*/ 7052714 h 12192000"/>
+              <a:gd name="connsiteX20" fmla="*/ 779463 w 885825"/>
+              <a:gd name="connsiteY20" fmla="*/ 7089226 h 12192000"/>
+              <a:gd name="connsiteX21" fmla="*/ 798513 w 885825"/>
+              <a:gd name="connsiteY21" fmla="*/ 7127326 h 12192000"/>
+              <a:gd name="connsiteX22" fmla="*/ 817563 w 885825"/>
+              <a:gd name="connsiteY22" fmla="*/ 7165426 h 12192000"/>
+              <a:gd name="connsiteX23" fmla="*/ 833438 w 885825"/>
+              <a:gd name="connsiteY23" fmla="*/ 7201939 h 12192000"/>
+              <a:gd name="connsiteX24" fmla="*/ 849313 w 885825"/>
+              <a:gd name="connsiteY24" fmla="*/ 7243214 h 12192000"/>
+              <a:gd name="connsiteX25" fmla="*/ 865188 w 885825"/>
+              <a:gd name="connsiteY25" fmla="*/ 7289251 h 12192000"/>
+              <a:gd name="connsiteX26" fmla="*/ 876300 w 885825"/>
+              <a:gd name="connsiteY26" fmla="*/ 7341639 h 12192000"/>
+              <a:gd name="connsiteX27" fmla="*/ 882650 w 885825"/>
+              <a:gd name="connsiteY27" fmla="*/ 7401964 h 12192000"/>
+              <a:gd name="connsiteX28" fmla="*/ 885825 w 885825"/>
+              <a:gd name="connsiteY28" fmla="*/ 7470226 h 12192000"/>
+              <a:gd name="connsiteX29" fmla="*/ 882650 w 885825"/>
+              <a:gd name="connsiteY29" fmla="*/ 7538489 h 12192000"/>
+              <a:gd name="connsiteX30" fmla="*/ 876300 w 885825"/>
+              <a:gd name="connsiteY30" fmla="*/ 7598814 h 12192000"/>
+              <a:gd name="connsiteX31" fmla="*/ 865188 w 885825"/>
+              <a:gd name="connsiteY31" fmla="*/ 7651201 h 12192000"/>
+              <a:gd name="connsiteX32" fmla="*/ 849313 w 885825"/>
+              <a:gd name="connsiteY32" fmla="*/ 7697239 h 12192000"/>
+              <a:gd name="connsiteX33" fmla="*/ 833438 w 885825"/>
+              <a:gd name="connsiteY33" fmla="*/ 7738514 h 12192000"/>
+              <a:gd name="connsiteX34" fmla="*/ 817563 w 885825"/>
+              <a:gd name="connsiteY34" fmla="*/ 7775026 h 12192000"/>
+              <a:gd name="connsiteX35" fmla="*/ 798513 w 885825"/>
+              <a:gd name="connsiteY35" fmla="*/ 7813126 h 12192000"/>
+              <a:gd name="connsiteX36" fmla="*/ 779463 w 885825"/>
+              <a:gd name="connsiteY36" fmla="*/ 7851226 h 12192000"/>
+              <a:gd name="connsiteX37" fmla="*/ 760413 w 885825"/>
+              <a:gd name="connsiteY37" fmla="*/ 7887739 h 12192000"/>
+              <a:gd name="connsiteX38" fmla="*/ 744538 w 885825"/>
+              <a:gd name="connsiteY38" fmla="*/ 7929014 h 12192000"/>
+              <a:gd name="connsiteX39" fmla="*/ 730250 w 885825"/>
+              <a:gd name="connsiteY39" fmla="*/ 7975051 h 12192000"/>
+              <a:gd name="connsiteX40" fmla="*/ 719138 w 885825"/>
+              <a:gd name="connsiteY40" fmla="*/ 8027439 h 12192000"/>
+              <a:gd name="connsiteX41" fmla="*/ 711200 w 885825"/>
+              <a:gd name="connsiteY41" fmla="*/ 8087764 h 12192000"/>
+              <a:gd name="connsiteX42" fmla="*/ 709613 w 885825"/>
+              <a:gd name="connsiteY42" fmla="*/ 8156026 h 12192000"/>
+              <a:gd name="connsiteX43" fmla="*/ 711200 w 885825"/>
+              <a:gd name="connsiteY43" fmla="*/ 8224289 h 12192000"/>
+              <a:gd name="connsiteX44" fmla="*/ 719138 w 885825"/>
+              <a:gd name="connsiteY44" fmla="*/ 8284614 h 12192000"/>
+              <a:gd name="connsiteX45" fmla="*/ 730250 w 885825"/>
+              <a:gd name="connsiteY45" fmla="*/ 8337001 h 12192000"/>
+              <a:gd name="connsiteX46" fmla="*/ 744538 w 885825"/>
+              <a:gd name="connsiteY46" fmla="*/ 8383039 h 12192000"/>
+              <a:gd name="connsiteX47" fmla="*/ 760413 w 885825"/>
+              <a:gd name="connsiteY47" fmla="*/ 8424314 h 12192000"/>
+              <a:gd name="connsiteX48" fmla="*/ 779463 w 885825"/>
+              <a:gd name="connsiteY48" fmla="*/ 8460826 h 12192000"/>
+              <a:gd name="connsiteX49" fmla="*/ 798513 w 885825"/>
+              <a:gd name="connsiteY49" fmla="*/ 8498926 h 12192000"/>
+              <a:gd name="connsiteX50" fmla="*/ 817563 w 885825"/>
+              <a:gd name="connsiteY50" fmla="*/ 8537026 h 12192000"/>
+              <a:gd name="connsiteX51" fmla="*/ 833438 w 885825"/>
+              <a:gd name="connsiteY51" fmla="*/ 8573540 h 12192000"/>
+              <a:gd name="connsiteX52" fmla="*/ 849313 w 885825"/>
+              <a:gd name="connsiteY52" fmla="*/ 8614814 h 12192000"/>
+              <a:gd name="connsiteX53" fmla="*/ 865188 w 885825"/>
+              <a:gd name="connsiteY53" fmla="*/ 8660852 h 12192000"/>
+              <a:gd name="connsiteX54" fmla="*/ 876300 w 885825"/>
+              <a:gd name="connsiteY54" fmla="*/ 8713240 h 12192000"/>
+              <a:gd name="connsiteX55" fmla="*/ 882650 w 885825"/>
+              <a:gd name="connsiteY55" fmla="*/ 8773564 h 12192000"/>
+              <a:gd name="connsiteX56" fmla="*/ 885825 w 885825"/>
+              <a:gd name="connsiteY56" fmla="*/ 8840240 h 12192000"/>
+              <a:gd name="connsiteX57" fmla="*/ 882650 w 885825"/>
+              <a:gd name="connsiteY57" fmla="*/ 8910090 h 12192000"/>
+              <a:gd name="connsiteX58" fmla="*/ 876300 w 885825"/>
+              <a:gd name="connsiteY58" fmla="*/ 8970414 h 12192000"/>
+              <a:gd name="connsiteX59" fmla="*/ 865188 w 885825"/>
+              <a:gd name="connsiteY59" fmla="*/ 9022802 h 12192000"/>
+              <a:gd name="connsiteX60" fmla="*/ 849313 w 885825"/>
+              <a:gd name="connsiteY60" fmla="*/ 9068840 h 12192000"/>
+              <a:gd name="connsiteX61" fmla="*/ 833438 w 885825"/>
+              <a:gd name="connsiteY61" fmla="*/ 9110114 h 12192000"/>
+              <a:gd name="connsiteX62" fmla="*/ 817563 w 885825"/>
+              <a:gd name="connsiteY62" fmla="*/ 9146628 h 12192000"/>
+              <a:gd name="connsiteX63" fmla="*/ 798513 w 885825"/>
+              <a:gd name="connsiteY63" fmla="*/ 9184728 h 12192000"/>
+              <a:gd name="connsiteX64" fmla="*/ 779463 w 885825"/>
+              <a:gd name="connsiteY64" fmla="*/ 9222828 h 12192000"/>
+              <a:gd name="connsiteX65" fmla="*/ 760413 w 885825"/>
+              <a:gd name="connsiteY65" fmla="*/ 9259340 h 12192000"/>
+              <a:gd name="connsiteX66" fmla="*/ 744538 w 885825"/>
+              <a:gd name="connsiteY66" fmla="*/ 9300614 h 12192000"/>
+              <a:gd name="connsiteX67" fmla="*/ 730250 w 885825"/>
+              <a:gd name="connsiteY67" fmla="*/ 9346652 h 12192000"/>
+              <a:gd name="connsiteX68" fmla="*/ 719138 w 885825"/>
+              <a:gd name="connsiteY68" fmla="*/ 9399040 h 12192000"/>
+              <a:gd name="connsiteX69" fmla="*/ 711200 w 885825"/>
+              <a:gd name="connsiteY69" fmla="*/ 9459364 h 12192000"/>
+              <a:gd name="connsiteX70" fmla="*/ 709613 w 885825"/>
+              <a:gd name="connsiteY70" fmla="*/ 9527628 h 12192000"/>
+              <a:gd name="connsiteX71" fmla="*/ 711200 w 885825"/>
+              <a:gd name="connsiteY71" fmla="*/ 9595890 h 12192000"/>
+              <a:gd name="connsiteX72" fmla="*/ 719138 w 885825"/>
+              <a:gd name="connsiteY72" fmla="*/ 9656214 h 12192000"/>
+              <a:gd name="connsiteX73" fmla="*/ 730250 w 885825"/>
+              <a:gd name="connsiteY73" fmla="*/ 9708602 h 12192000"/>
+              <a:gd name="connsiteX74" fmla="*/ 744538 w 885825"/>
+              <a:gd name="connsiteY74" fmla="*/ 9754640 h 12192000"/>
+              <a:gd name="connsiteX75" fmla="*/ 760413 w 885825"/>
+              <a:gd name="connsiteY75" fmla="*/ 9795914 h 12192000"/>
+              <a:gd name="connsiteX76" fmla="*/ 779463 w 885825"/>
+              <a:gd name="connsiteY76" fmla="*/ 9832428 h 12192000"/>
+              <a:gd name="connsiteX77" fmla="*/ 817563 w 885825"/>
+              <a:gd name="connsiteY77" fmla="*/ 9908628 h 12192000"/>
+              <a:gd name="connsiteX78" fmla="*/ 833438 w 885825"/>
+              <a:gd name="connsiteY78" fmla="*/ 9945140 h 12192000"/>
+              <a:gd name="connsiteX79" fmla="*/ 849313 w 885825"/>
+              <a:gd name="connsiteY79" fmla="*/ 9986414 h 12192000"/>
+              <a:gd name="connsiteX80" fmla="*/ 865188 w 885825"/>
+              <a:gd name="connsiteY80" fmla="*/ 10032452 h 12192000"/>
+              <a:gd name="connsiteX81" fmla="*/ 876300 w 885825"/>
+              <a:gd name="connsiteY81" fmla="*/ 10084840 h 12192000"/>
+              <a:gd name="connsiteX82" fmla="*/ 882650 w 885825"/>
+              <a:gd name="connsiteY82" fmla="*/ 10145164 h 12192000"/>
+              <a:gd name="connsiteX83" fmla="*/ 885825 w 885825"/>
+              <a:gd name="connsiteY83" fmla="*/ 10213428 h 12192000"/>
+              <a:gd name="connsiteX84" fmla="*/ 882650 w 885825"/>
+              <a:gd name="connsiteY84" fmla="*/ 10281690 h 12192000"/>
+              <a:gd name="connsiteX85" fmla="*/ 876300 w 885825"/>
+              <a:gd name="connsiteY85" fmla="*/ 10342014 h 12192000"/>
+              <a:gd name="connsiteX86" fmla="*/ 865188 w 885825"/>
+              <a:gd name="connsiteY86" fmla="*/ 10394402 h 12192000"/>
+              <a:gd name="connsiteX87" fmla="*/ 849313 w 885825"/>
+              <a:gd name="connsiteY87" fmla="*/ 10440440 h 12192000"/>
+              <a:gd name="connsiteX88" fmla="*/ 833438 w 885825"/>
+              <a:gd name="connsiteY88" fmla="*/ 10481714 h 12192000"/>
+              <a:gd name="connsiteX89" fmla="*/ 817563 w 885825"/>
+              <a:gd name="connsiteY89" fmla="*/ 10518228 h 12192000"/>
+              <a:gd name="connsiteX90" fmla="*/ 798513 w 885825"/>
+              <a:gd name="connsiteY90" fmla="*/ 10556328 h 12192000"/>
+              <a:gd name="connsiteX91" fmla="*/ 779463 w 885825"/>
+              <a:gd name="connsiteY91" fmla="*/ 10594428 h 12192000"/>
+              <a:gd name="connsiteX92" fmla="*/ 760413 w 885825"/>
+              <a:gd name="connsiteY92" fmla="*/ 10630940 h 12192000"/>
+              <a:gd name="connsiteX93" fmla="*/ 744538 w 885825"/>
+              <a:gd name="connsiteY93" fmla="*/ 10672214 h 12192000"/>
+              <a:gd name="connsiteX94" fmla="*/ 730250 w 885825"/>
+              <a:gd name="connsiteY94" fmla="*/ 10718252 h 12192000"/>
+              <a:gd name="connsiteX95" fmla="*/ 719138 w 885825"/>
+              <a:gd name="connsiteY95" fmla="*/ 10770640 h 12192000"/>
+              <a:gd name="connsiteX96" fmla="*/ 711200 w 885825"/>
+              <a:gd name="connsiteY96" fmla="*/ 10830964 h 12192000"/>
+              <a:gd name="connsiteX97" fmla="*/ 709613 w 885825"/>
+              <a:gd name="connsiteY97" fmla="*/ 10899228 h 12192000"/>
+              <a:gd name="connsiteX98" fmla="*/ 711200 w 885825"/>
+              <a:gd name="connsiteY98" fmla="*/ 10967490 h 12192000"/>
+              <a:gd name="connsiteX99" fmla="*/ 719138 w 885825"/>
+              <a:gd name="connsiteY99" fmla="*/ 11027814 h 12192000"/>
+              <a:gd name="connsiteX100" fmla="*/ 730250 w 885825"/>
+              <a:gd name="connsiteY100" fmla="*/ 11080202 h 12192000"/>
+              <a:gd name="connsiteX101" fmla="*/ 744538 w 885825"/>
+              <a:gd name="connsiteY101" fmla="*/ 11126240 h 12192000"/>
+              <a:gd name="connsiteX102" fmla="*/ 760413 w 885825"/>
+              <a:gd name="connsiteY102" fmla="*/ 11167514 h 12192000"/>
+              <a:gd name="connsiteX103" fmla="*/ 779463 w 885825"/>
+              <a:gd name="connsiteY103" fmla="*/ 11204028 h 12192000"/>
+              <a:gd name="connsiteX104" fmla="*/ 798513 w 885825"/>
+              <a:gd name="connsiteY104" fmla="*/ 11242128 h 12192000"/>
+              <a:gd name="connsiteX105" fmla="*/ 817563 w 885825"/>
+              <a:gd name="connsiteY105" fmla="*/ 11280228 h 12192000"/>
+              <a:gd name="connsiteX106" fmla="*/ 833438 w 885825"/>
+              <a:gd name="connsiteY106" fmla="*/ 11316740 h 12192000"/>
+              <a:gd name="connsiteX107" fmla="*/ 849313 w 885825"/>
+              <a:gd name="connsiteY107" fmla="*/ 11358014 h 12192000"/>
+              <a:gd name="connsiteX108" fmla="*/ 865188 w 885825"/>
+              <a:gd name="connsiteY108" fmla="*/ 11404052 h 12192000"/>
+              <a:gd name="connsiteX109" fmla="*/ 876300 w 885825"/>
+              <a:gd name="connsiteY109" fmla="*/ 11456440 h 12192000"/>
+              <a:gd name="connsiteX110" fmla="*/ 882650 w 885825"/>
+              <a:gd name="connsiteY110" fmla="*/ 11516764 h 12192000"/>
+              <a:gd name="connsiteX111" fmla="*/ 885825 w 885825"/>
+              <a:gd name="connsiteY111" fmla="*/ 11585028 h 12192000"/>
+              <a:gd name="connsiteX112" fmla="*/ 882650 w 885825"/>
+              <a:gd name="connsiteY112" fmla="*/ 11653290 h 12192000"/>
+              <a:gd name="connsiteX113" fmla="*/ 876300 w 885825"/>
+              <a:gd name="connsiteY113" fmla="*/ 11713614 h 12192000"/>
+              <a:gd name="connsiteX114" fmla="*/ 865188 w 885825"/>
+              <a:gd name="connsiteY114" fmla="*/ 11766002 h 12192000"/>
+              <a:gd name="connsiteX115" fmla="*/ 849313 w 885825"/>
+              <a:gd name="connsiteY115" fmla="*/ 11812040 h 12192000"/>
+              <a:gd name="connsiteX116" fmla="*/ 833438 w 885825"/>
+              <a:gd name="connsiteY116" fmla="*/ 11853314 h 12192000"/>
+              <a:gd name="connsiteX117" fmla="*/ 817563 w 885825"/>
+              <a:gd name="connsiteY117" fmla="*/ 11889828 h 12192000"/>
+              <a:gd name="connsiteX118" fmla="*/ 798513 w 885825"/>
+              <a:gd name="connsiteY118" fmla="*/ 11927928 h 12192000"/>
+              <a:gd name="connsiteX119" fmla="*/ 779463 w 885825"/>
+              <a:gd name="connsiteY119" fmla="*/ 11966028 h 12192000"/>
+              <a:gd name="connsiteX120" fmla="*/ 760413 w 885825"/>
+              <a:gd name="connsiteY120" fmla="*/ 12002540 h 12192000"/>
+              <a:gd name="connsiteX121" fmla="*/ 744538 w 885825"/>
+              <a:gd name="connsiteY121" fmla="*/ 12043814 h 12192000"/>
+              <a:gd name="connsiteX122" fmla="*/ 730250 w 885825"/>
+              <a:gd name="connsiteY122" fmla="*/ 12089852 h 12192000"/>
+              <a:gd name="connsiteX123" fmla="*/ 719138 w 885825"/>
+              <a:gd name="connsiteY123" fmla="*/ 12142240 h 12192000"/>
+              <a:gd name="connsiteX124" fmla="*/ 712590 w 885825"/>
+              <a:gd name="connsiteY124" fmla="*/ 12192000 h 12192000"/>
+              <a:gd name="connsiteX125" fmla="*/ 0 w 885825"/>
+              <a:gd name="connsiteY125" fmla="*/ 12192000 h 12192000"/>
+              <a:gd name="connsiteX126" fmla="*/ 0 w 885825"/>
+              <a:gd name="connsiteY126" fmla="*/ 6779170 h 12192000"/>
+              <a:gd name="connsiteX127" fmla="*/ 0 w 885825"/>
+              <a:gd name="connsiteY127" fmla="*/ 6779170 h 12192000"/>
+              <a:gd name="connsiteX128" fmla="*/ 0 w 885825"/>
+              <a:gd name="connsiteY128" fmla="*/ 0 h 12192000"/>
+              <a:gd name="connsiteX129" fmla="*/ 712590 w 885825"/>
+              <a:gd name="connsiteY129" fmla="*/ 0 h 12192000"/>
+              <a:gd name="connsiteX130" fmla="*/ 719137 w 885825"/>
+              <a:gd name="connsiteY130" fmla="*/ 49758 h 12192000"/>
+              <a:gd name="connsiteX131" fmla="*/ 730249 w 885825"/>
+              <a:gd name="connsiteY131" fmla="*/ 102145 h 12192000"/>
+              <a:gd name="connsiteX132" fmla="*/ 744537 w 885825"/>
+              <a:gd name="connsiteY132" fmla="*/ 148183 h 12192000"/>
+              <a:gd name="connsiteX133" fmla="*/ 760412 w 885825"/>
+              <a:gd name="connsiteY133" fmla="*/ 189458 h 12192000"/>
+              <a:gd name="connsiteX134" fmla="*/ 779462 w 885825"/>
+              <a:gd name="connsiteY134" fmla="*/ 225970 h 12192000"/>
+              <a:gd name="connsiteX135" fmla="*/ 798512 w 885825"/>
+              <a:gd name="connsiteY135" fmla="*/ 264070 h 12192000"/>
+              <a:gd name="connsiteX136" fmla="*/ 817562 w 885825"/>
+              <a:gd name="connsiteY136" fmla="*/ 302170 h 12192000"/>
+              <a:gd name="connsiteX137" fmla="*/ 833437 w 885825"/>
+              <a:gd name="connsiteY137" fmla="*/ 338683 h 12192000"/>
+              <a:gd name="connsiteX138" fmla="*/ 849312 w 885825"/>
+              <a:gd name="connsiteY138" fmla="*/ 379958 h 12192000"/>
+              <a:gd name="connsiteX139" fmla="*/ 865187 w 885825"/>
+              <a:gd name="connsiteY139" fmla="*/ 425995 h 12192000"/>
+              <a:gd name="connsiteX140" fmla="*/ 876299 w 885825"/>
+              <a:gd name="connsiteY140" fmla="*/ 478383 h 12192000"/>
+              <a:gd name="connsiteX141" fmla="*/ 882649 w 885825"/>
+              <a:gd name="connsiteY141" fmla="*/ 538708 h 12192000"/>
+              <a:gd name="connsiteX142" fmla="*/ 885824 w 885825"/>
+              <a:gd name="connsiteY142" fmla="*/ 606970 h 12192000"/>
+              <a:gd name="connsiteX143" fmla="*/ 882649 w 885825"/>
+              <a:gd name="connsiteY143" fmla="*/ 675233 h 12192000"/>
+              <a:gd name="connsiteX144" fmla="*/ 876299 w 885825"/>
+              <a:gd name="connsiteY144" fmla="*/ 735558 h 12192000"/>
+              <a:gd name="connsiteX145" fmla="*/ 865187 w 885825"/>
+              <a:gd name="connsiteY145" fmla="*/ 787945 h 12192000"/>
+              <a:gd name="connsiteX146" fmla="*/ 849312 w 885825"/>
+              <a:gd name="connsiteY146" fmla="*/ 833983 h 12192000"/>
+              <a:gd name="connsiteX147" fmla="*/ 833437 w 885825"/>
+              <a:gd name="connsiteY147" fmla="*/ 875258 h 12192000"/>
+              <a:gd name="connsiteX148" fmla="*/ 817562 w 885825"/>
+              <a:gd name="connsiteY148" fmla="*/ 911770 h 12192000"/>
+              <a:gd name="connsiteX149" fmla="*/ 798512 w 885825"/>
+              <a:gd name="connsiteY149" fmla="*/ 949870 h 12192000"/>
+              <a:gd name="connsiteX150" fmla="*/ 779462 w 885825"/>
+              <a:gd name="connsiteY150" fmla="*/ 987970 h 12192000"/>
+              <a:gd name="connsiteX151" fmla="*/ 760412 w 885825"/>
+              <a:gd name="connsiteY151" fmla="*/ 1024483 h 12192000"/>
+              <a:gd name="connsiteX152" fmla="*/ 744537 w 885825"/>
+              <a:gd name="connsiteY152" fmla="*/ 1065758 h 12192000"/>
+              <a:gd name="connsiteX153" fmla="*/ 730249 w 885825"/>
+              <a:gd name="connsiteY153" fmla="*/ 1111795 h 12192000"/>
+              <a:gd name="connsiteX154" fmla="*/ 719137 w 885825"/>
+              <a:gd name="connsiteY154" fmla="*/ 1164183 h 12192000"/>
+              <a:gd name="connsiteX155" fmla="*/ 711199 w 885825"/>
+              <a:gd name="connsiteY155" fmla="*/ 1224508 h 12192000"/>
+              <a:gd name="connsiteX156" fmla="*/ 709612 w 885825"/>
+              <a:gd name="connsiteY156" fmla="*/ 1292770 h 12192000"/>
+              <a:gd name="connsiteX157" fmla="*/ 711199 w 885825"/>
+              <a:gd name="connsiteY157" fmla="*/ 1361033 h 12192000"/>
+              <a:gd name="connsiteX158" fmla="*/ 719137 w 885825"/>
+              <a:gd name="connsiteY158" fmla="*/ 1421358 h 12192000"/>
+              <a:gd name="connsiteX159" fmla="*/ 730249 w 885825"/>
+              <a:gd name="connsiteY159" fmla="*/ 1473745 h 12192000"/>
+              <a:gd name="connsiteX160" fmla="*/ 744537 w 885825"/>
+              <a:gd name="connsiteY160" fmla="*/ 1519783 h 12192000"/>
+              <a:gd name="connsiteX161" fmla="*/ 760412 w 885825"/>
+              <a:gd name="connsiteY161" fmla="*/ 1561058 h 12192000"/>
+              <a:gd name="connsiteX162" fmla="*/ 779462 w 885825"/>
+              <a:gd name="connsiteY162" fmla="*/ 1597570 h 12192000"/>
+              <a:gd name="connsiteX163" fmla="*/ 798512 w 885825"/>
+              <a:gd name="connsiteY163" fmla="*/ 1635670 h 12192000"/>
+              <a:gd name="connsiteX164" fmla="*/ 817562 w 885825"/>
+              <a:gd name="connsiteY164" fmla="*/ 1673770 h 12192000"/>
+              <a:gd name="connsiteX165" fmla="*/ 833437 w 885825"/>
+              <a:gd name="connsiteY165" fmla="*/ 1710283 h 12192000"/>
+              <a:gd name="connsiteX166" fmla="*/ 849312 w 885825"/>
+              <a:gd name="connsiteY166" fmla="*/ 1751558 h 12192000"/>
+              <a:gd name="connsiteX167" fmla="*/ 865187 w 885825"/>
+              <a:gd name="connsiteY167" fmla="*/ 1797595 h 12192000"/>
+              <a:gd name="connsiteX168" fmla="*/ 876299 w 885825"/>
+              <a:gd name="connsiteY168" fmla="*/ 1849983 h 12192000"/>
+              <a:gd name="connsiteX169" fmla="*/ 882649 w 885825"/>
+              <a:gd name="connsiteY169" fmla="*/ 1910308 h 12192000"/>
+              <a:gd name="connsiteX170" fmla="*/ 885824 w 885825"/>
+              <a:gd name="connsiteY170" fmla="*/ 1978570 h 12192000"/>
+              <a:gd name="connsiteX171" fmla="*/ 882649 w 885825"/>
+              <a:gd name="connsiteY171" fmla="*/ 2046833 h 12192000"/>
+              <a:gd name="connsiteX172" fmla="*/ 876299 w 885825"/>
+              <a:gd name="connsiteY172" fmla="*/ 2107158 h 12192000"/>
+              <a:gd name="connsiteX173" fmla="*/ 865187 w 885825"/>
+              <a:gd name="connsiteY173" fmla="*/ 2159545 h 12192000"/>
+              <a:gd name="connsiteX174" fmla="*/ 849312 w 885825"/>
+              <a:gd name="connsiteY174" fmla="*/ 2205583 h 12192000"/>
+              <a:gd name="connsiteX175" fmla="*/ 833437 w 885825"/>
+              <a:gd name="connsiteY175" fmla="*/ 2246858 h 12192000"/>
+              <a:gd name="connsiteX176" fmla="*/ 817562 w 885825"/>
+              <a:gd name="connsiteY176" fmla="*/ 2283370 h 12192000"/>
+              <a:gd name="connsiteX177" fmla="*/ 798512 w 885825"/>
+              <a:gd name="connsiteY177" fmla="*/ 2321470 h 12192000"/>
+              <a:gd name="connsiteX178" fmla="*/ 779462 w 885825"/>
+              <a:gd name="connsiteY178" fmla="*/ 2359570 h 12192000"/>
+              <a:gd name="connsiteX179" fmla="*/ 760412 w 885825"/>
+              <a:gd name="connsiteY179" fmla="*/ 2396083 h 12192000"/>
+              <a:gd name="connsiteX180" fmla="*/ 744537 w 885825"/>
+              <a:gd name="connsiteY180" fmla="*/ 2437358 h 12192000"/>
+              <a:gd name="connsiteX181" fmla="*/ 730249 w 885825"/>
+              <a:gd name="connsiteY181" fmla="*/ 2483395 h 12192000"/>
+              <a:gd name="connsiteX182" fmla="*/ 719137 w 885825"/>
+              <a:gd name="connsiteY182" fmla="*/ 2535782 h 12192000"/>
+              <a:gd name="connsiteX183" fmla="*/ 711199 w 885825"/>
+              <a:gd name="connsiteY183" fmla="*/ 2596108 h 12192000"/>
+              <a:gd name="connsiteX184" fmla="*/ 709612 w 885825"/>
+              <a:gd name="connsiteY184" fmla="*/ 2664370 h 12192000"/>
+              <a:gd name="connsiteX185" fmla="*/ 711199 w 885825"/>
+              <a:gd name="connsiteY185" fmla="*/ 2732633 h 12192000"/>
+              <a:gd name="connsiteX186" fmla="*/ 719137 w 885825"/>
+              <a:gd name="connsiteY186" fmla="*/ 2792958 h 12192000"/>
+              <a:gd name="connsiteX187" fmla="*/ 730249 w 885825"/>
+              <a:gd name="connsiteY187" fmla="*/ 2845345 h 12192000"/>
+              <a:gd name="connsiteX188" fmla="*/ 744537 w 885825"/>
+              <a:gd name="connsiteY188" fmla="*/ 2891383 h 12192000"/>
+              <a:gd name="connsiteX189" fmla="*/ 760412 w 885825"/>
+              <a:gd name="connsiteY189" fmla="*/ 2932658 h 12192000"/>
+              <a:gd name="connsiteX190" fmla="*/ 779462 w 885825"/>
+              <a:gd name="connsiteY190" fmla="*/ 2969170 h 12192000"/>
+              <a:gd name="connsiteX191" fmla="*/ 798512 w 885825"/>
+              <a:gd name="connsiteY191" fmla="*/ 3007270 h 12192000"/>
+              <a:gd name="connsiteX192" fmla="*/ 817562 w 885825"/>
+              <a:gd name="connsiteY192" fmla="*/ 3045370 h 12192000"/>
+              <a:gd name="connsiteX193" fmla="*/ 833437 w 885825"/>
+              <a:gd name="connsiteY193" fmla="*/ 3081883 h 12192000"/>
+              <a:gd name="connsiteX194" fmla="*/ 849312 w 885825"/>
+              <a:gd name="connsiteY194" fmla="*/ 3123158 h 12192000"/>
+              <a:gd name="connsiteX195" fmla="*/ 865187 w 885825"/>
+              <a:gd name="connsiteY195" fmla="*/ 3169195 h 12192000"/>
+              <a:gd name="connsiteX196" fmla="*/ 876299 w 885825"/>
+              <a:gd name="connsiteY196" fmla="*/ 3221583 h 12192000"/>
+              <a:gd name="connsiteX197" fmla="*/ 882649 w 885825"/>
+              <a:gd name="connsiteY197" fmla="*/ 3281908 h 12192000"/>
+              <a:gd name="connsiteX198" fmla="*/ 885824 w 885825"/>
+              <a:gd name="connsiteY198" fmla="*/ 3348582 h 12192000"/>
+              <a:gd name="connsiteX199" fmla="*/ 882649 w 885825"/>
+              <a:gd name="connsiteY199" fmla="*/ 3418433 h 12192000"/>
+              <a:gd name="connsiteX200" fmla="*/ 876299 w 885825"/>
+              <a:gd name="connsiteY200" fmla="*/ 3478758 h 12192000"/>
+              <a:gd name="connsiteX201" fmla="*/ 865187 w 885825"/>
+              <a:gd name="connsiteY201" fmla="*/ 3531145 h 12192000"/>
+              <a:gd name="connsiteX202" fmla="*/ 849312 w 885825"/>
+              <a:gd name="connsiteY202" fmla="*/ 3577183 h 12192000"/>
+              <a:gd name="connsiteX203" fmla="*/ 833437 w 885825"/>
+              <a:gd name="connsiteY203" fmla="*/ 3618458 h 12192000"/>
+              <a:gd name="connsiteX204" fmla="*/ 817562 w 885825"/>
+              <a:gd name="connsiteY204" fmla="*/ 3654970 h 12192000"/>
+              <a:gd name="connsiteX205" fmla="*/ 798512 w 885825"/>
+              <a:gd name="connsiteY205" fmla="*/ 3693070 h 12192000"/>
+              <a:gd name="connsiteX206" fmla="*/ 779462 w 885825"/>
+              <a:gd name="connsiteY206" fmla="*/ 3731170 h 12192000"/>
+              <a:gd name="connsiteX207" fmla="*/ 760412 w 885825"/>
+              <a:gd name="connsiteY207" fmla="*/ 3767683 h 12192000"/>
+              <a:gd name="connsiteX208" fmla="*/ 744537 w 885825"/>
+              <a:gd name="connsiteY208" fmla="*/ 3808958 h 12192000"/>
+              <a:gd name="connsiteX209" fmla="*/ 730249 w 885825"/>
+              <a:gd name="connsiteY209" fmla="*/ 3854995 h 12192000"/>
+              <a:gd name="connsiteX210" fmla="*/ 719137 w 885825"/>
+              <a:gd name="connsiteY210" fmla="*/ 3907383 h 12192000"/>
+              <a:gd name="connsiteX211" fmla="*/ 711199 w 885825"/>
+              <a:gd name="connsiteY211" fmla="*/ 3967708 h 12192000"/>
+              <a:gd name="connsiteX212" fmla="*/ 709612 w 885825"/>
+              <a:gd name="connsiteY212" fmla="*/ 4035970 h 12192000"/>
+              <a:gd name="connsiteX213" fmla="*/ 711199 w 885825"/>
+              <a:gd name="connsiteY213" fmla="*/ 4104233 h 12192000"/>
+              <a:gd name="connsiteX214" fmla="*/ 719137 w 885825"/>
+              <a:gd name="connsiteY214" fmla="*/ 4164557 h 12192000"/>
+              <a:gd name="connsiteX215" fmla="*/ 730249 w 885825"/>
+              <a:gd name="connsiteY215" fmla="*/ 4216946 h 12192000"/>
+              <a:gd name="connsiteX216" fmla="*/ 744537 w 885825"/>
+              <a:gd name="connsiteY216" fmla="*/ 4262982 h 12192000"/>
+              <a:gd name="connsiteX217" fmla="*/ 760412 w 885825"/>
+              <a:gd name="connsiteY217" fmla="*/ 4304258 h 12192000"/>
+              <a:gd name="connsiteX218" fmla="*/ 779462 w 885825"/>
+              <a:gd name="connsiteY218" fmla="*/ 4340770 h 12192000"/>
+              <a:gd name="connsiteX219" fmla="*/ 817562 w 885825"/>
+              <a:gd name="connsiteY219" fmla="*/ 4416970 h 12192000"/>
+              <a:gd name="connsiteX220" fmla="*/ 833437 w 885825"/>
+              <a:gd name="connsiteY220" fmla="*/ 4453483 h 12192000"/>
+              <a:gd name="connsiteX221" fmla="*/ 849312 w 885825"/>
+              <a:gd name="connsiteY221" fmla="*/ 4494758 h 12192000"/>
+              <a:gd name="connsiteX222" fmla="*/ 865187 w 885825"/>
+              <a:gd name="connsiteY222" fmla="*/ 4540795 h 12192000"/>
+              <a:gd name="connsiteX223" fmla="*/ 876299 w 885825"/>
+              <a:gd name="connsiteY223" fmla="*/ 4593183 h 12192000"/>
+              <a:gd name="connsiteX224" fmla="*/ 882649 w 885825"/>
+              <a:gd name="connsiteY224" fmla="*/ 4653508 h 12192000"/>
+              <a:gd name="connsiteX225" fmla="*/ 885824 w 885825"/>
+              <a:gd name="connsiteY225" fmla="*/ 4721770 h 12192000"/>
+              <a:gd name="connsiteX226" fmla="*/ 882649 w 885825"/>
+              <a:gd name="connsiteY226" fmla="*/ 4790033 h 12192000"/>
+              <a:gd name="connsiteX227" fmla="*/ 876299 w 885825"/>
+              <a:gd name="connsiteY227" fmla="*/ 4850357 h 12192000"/>
+              <a:gd name="connsiteX228" fmla="*/ 865187 w 885825"/>
+              <a:gd name="connsiteY228" fmla="*/ 4902746 h 12192000"/>
+              <a:gd name="connsiteX229" fmla="*/ 849312 w 885825"/>
+              <a:gd name="connsiteY229" fmla="*/ 4948782 h 12192000"/>
+              <a:gd name="connsiteX230" fmla="*/ 833437 w 885825"/>
+              <a:gd name="connsiteY230" fmla="*/ 4990057 h 12192000"/>
+              <a:gd name="connsiteX231" fmla="*/ 817562 w 885825"/>
+              <a:gd name="connsiteY231" fmla="*/ 5026570 h 12192000"/>
+              <a:gd name="connsiteX232" fmla="*/ 798512 w 885825"/>
+              <a:gd name="connsiteY232" fmla="*/ 5064670 h 12192000"/>
+              <a:gd name="connsiteX233" fmla="*/ 779462 w 885825"/>
+              <a:gd name="connsiteY233" fmla="*/ 5102770 h 12192000"/>
+              <a:gd name="connsiteX234" fmla="*/ 760412 w 885825"/>
+              <a:gd name="connsiteY234" fmla="*/ 5139283 h 12192000"/>
+              <a:gd name="connsiteX235" fmla="*/ 744537 w 885825"/>
+              <a:gd name="connsiteY235" fmla="*/ 5180558 h 12192000"/>
+              <a:gd name="connsiteX236" fmla="*/ 730249 w 885825"/>
+              <a:gd name="connsiteY236" fmla="*/ 5226595 h 12192000"/>
+              <a:gd name="connsiteX237" fmla="*/ 719137 w 885825"/>
+              <a:gd name="connsiteY237" fmla="*/ 5278983 h 12192000"/>
+              <a:gd name="connsiteX238" fmla="*/ 711199 w 885825"/>
+              <a:gd name="connsiteY238" fmla="*/ 5339307 h 12192000"/>
+              <a:gd name="connsiteX239" fmla="*/ 709612 w 885825"/>
+              <a:gd name="connsiteY239" fmla="*/ 5407570 h 12192000"/>
+              <a:gd name="connsiteX240" fmla="*/ 711199 w 885825"/>
+              <a:gd name="connsiteY240" fmla="*/ 5475833 h 12192000"/>
+              <a:gd name="connsiteX241" fmla="*/ 719137 w 885825"/>
+              <a:gd name="connsiteY241" fmla="*/ 5536158 h 12192000"/>
+              <a:gd name="connsiteX242" fmla="*/ 730249 w 885825"/>
+              <a:gd name="connsiteY242" fmla="*/ 5588545 h 12192000"/>
+              <a:gd name="connsiteX243" fmla="*/ 744537 w 885825"/>
+              <a:gd name="connsiteY243" fmla="*/ 5634583 h 12192000"/>
+              <a:gd name="connsiteX244" fmla="*/ 760412 w 885825"/>
+              <a:gd name="connsiteY244" fmla="*/ 5675858 h 12192000"/>
+              <a:gd name="connsiteX245" fmla="*/ 779462 w 885825"/>
+              <a:gd name="connsiteY245" fmla="*/ 5712371 h 12192000"/>
+              <a:gd name="connsiteX246" fmla="*/ 798512 w 885825"/>
+              <a:gd name="connsiteY246" fmla="*/ 5750471 h 12192000"/>
+              <a:gd name="connsiteX247" fmla="*/ 817562 w 885825"/>
+              <a:gd name="connsiteY247" fmla="*/ 5788571 h 12192000"/>
+              <a:gd name="connsiteX248" fmla="*/ 833437 w 885825"/>
+              <a:gd name="connsiteY248" fmla="*/ 5825083 h 12192000"/>
+              <a:gd name="connsiteX249" fmla="*/ 849312 w 885825"/>
+              <a:gd name="connsiteY249" fmla="*/ 5866358 h 12192000"/>
+              <a:gd name="connsiteX250" fmla="*/ 865187 w 885825"/>
+              <a:gd name="connsiteY250" fmla="*/ 5912395 h 12192000"/>
+              <a:gd name="connsiteX251" fmla="*/ 876299 w 885825"/>
+              <a:gd name="connsiteY251" fmla="*/ 5964783 h 12192000"/>
+              <a:gd name="connsiteX252" fmla="*/ 882649 w 885825"/>
+              <a:gd name="connsiteY252" fmla="*/ 6025108 h 12192000"/>
+              <a:gd name="connsiteX253" fmla="*/ 885824 w 885825"/>
+              <a:gd name="connsiteY253" fmla="*/ 6093370 h 12192000"/>
+              <a:gd name="connsiteX254" fmla="*/ 885703 w 885825"/>
+              <a:gd name="connsiteY254" fmla="*/ 6095988 h 12192000"/>
+            </a:gdLst>
+            <a:ahLst/>
+            <a:cxnLst>
+              <a:cxn ang="0">
+                <a:pos x="connsiteX0" y="connsiteY0"/>
+              </a:cxn>
+              <a:cxn ang="0">
+                <a:pos x="connsiteX1" y="connsiteY1"/>
+              </a:cxn>
+              <a:cxn ang="0">
+                <a:pos x="connsiteX2" y="connsiteY2"/>
+              </a:cxn>
+              <a:cxn ang="0">
+                <a:pos x="connsiteX3" y="connsiteY3"/>
+              </a:cxn>
+              <a:cxn ang="0">
+                <a:pos x="connsiteX4" y="connsiteY4"/>
+              </a:cxn>
+              <a:cxn ang="0">
+                <a:pos x="connsiteX5" y="connsiteY5"/>
+              </a:cxn>
+              <a:cxn ang="0">
+                <a:pos x="connsiteX6" y="connsiteY6"/>
+              </a:cxn>
+              <a:cxn ang="0">
+                <a:pos x="connsiteX7" y="connsiteY7"/>
+              </a:cxn>
+              <a:cxn ang="0">
+                <a:pos x="connsiteX8" y="connsiteY8"/>
+              </a:cxn>
+              <a:cxn ang="0">
+                <a:pos x="connsiteX9" y="connsiteY9"/>
+              </a:cxn>
+              <a:cxn ang="0">
+                <a:pos x="connsiteX10" y="connsiteY10"/>
+              </a:cxn>
+              <a:cxn ang="0">
+                <a:pos x="connsiteX11" y="connsiteY11"/>
+              </a:cxn>
+              <a:cxn ang="0">
+                <a:pos x="connsiteX12" y="connsiteY12"/>
+              </a:cxn>
+              <a:cxn ang="0">
+                <a:pos x="connsiteX13" y="connsiteY13"/>
+              </a:cxn>
+              <a:cxn ang="0">
+                <a:pos x="connsiteX14" y="connsiteY14"/>
+              </a:cxn>
+              <a:cxn ang="0">
+                <a:pos x="connsiteX15" y="connsiteY15"/>
+              </a:cxn>
+              <a:cxn ang="0">
+                <a:pos x="connsiteX16" y="connsiteY16"/>
+              </a:cxn>
+              <a:cxn ang="0">
+                <a:pos x="connsiteX17" y="connsiteY17"/>
+              </a:cxn>
+              <a:cxn ang="0">
+                <a:pos x="connsiteX18" y="connsiteY18"/>
+              </a:cxn>
+              <a:cxn ang="0">
+                <a:pos x="connsiteX19" y="connsiteY19"/>
+              </a:cxn>
+              <a:cxn ang="0">
+                <a:pos x="connsiteX20" y="connsiteY20"/>
+              </a:cxn>
+              <a:cxn ang="0">
+                <a:pos x="connsiteX21" y="connsiteY21"/>
+              </a:cxn>
+              <a:cxn ang="0">
+                <a:pos x="connsiteX22" y="connsiteY22"/>
+              </a:cxn>
+              <a:cxn ang="0">
+                <a:pos x="connsiteX23" y="connsiteY23"/>
+              </a:cxn>
+              <a:cxn ang="0">
+                <a:pos x="connsiteX24" y="connsiteY24"/>
+              </a:cxn>
+              <a:cxn ang="0">
+                <a:pos x="connsiteX25" y="connsiteY25"/>
+              </a:cxn>
+              <a:cxn ang="0">
+                <a:pos x="connsiteX26" y="connsiteY26"/>
+              </a:cxn>
+              <a:cxn ang="0">
+                <a:pos x="connsiteX27" y="connsiteY27"/>
+              </a:cxn>
+              <a:cxn ang="0">
+                <a:pos x="connsiteX28" y="connsiteY28"/>
+              </a:cxn>
+              <a:cxn ang="0">
+                <a:pos x="connsiteX29" y="connsiteY29"/>
+              </a:cxn>
+              <a:cxn ang="0">
+                <a:pos x="connsiteX30" y="connsiteY30"/>
+              </a:cxn>
+              <a:cxn ang="0">
+                <a:pos x="connsiteX31" y="connsiteY31"/>
+              </a:cxn>
+              <a:cxn ang="0">
+                <a:pos x="connsiteX32" y="connsiteY32"/>
+              </a:cxn>
+              <a:cxn ang="0">
+                <a:pos x="connsiteX33" y="connsiteY33"/>
+              </a:cxn>
+              <a:cxn ang="0">
+                <a:pos x="connsiteX34" y="connsiteY34"/>
+              </a:cxn>
+              <a:cxn ang="0">
+                <a:pos x="connsiteX35" y="connsiteY35"/>
+              </a:cxn>
+              <a:cxn ang="0">
+                <a:pos x="connsiteX36" y="connsiteY36"/>
+              </a:cxn>
+              <a:cxn ang="0">
+                <a:pos x="connsiteX37" y="connsiteY37"/>
+              </a:cxn>
+              <a:cxn ang="0">
+                <a:pos x="connsiteX38" y="connsiteY38"/>
+              </a:cxn>
+              <a:cxn ang="0">
+                <a:pos x="connsiteX39" y="connsiteY39"/>
+              </a:cxn>
+              <a:cxn ang="0">
+                <a:pos x="connsiteX40" y="connsiteY40"/>
+              </a:cxn>
+              <a:cxn ang="0">
+                <a:pos x="connsiteX41" y="connsiteY41"/>
+              </a:cxn>
+              <a:cxn ang="0">
+                <a:pos x="connsiteX42" y="connsiteY42"/>
+              </a:cxn>
+              <a:cxn ang="0">
+                <a:pos x="connsiteX43" y="connsiteY43"/>
+              </a:cxn>
+              <a:cxn ang="0">
+                <a:pos x="connsiteX44" y="connsiteY44"/>
+              </a:cxn>
+              <a:cxn ang="0">
+                <a:pos x="connsiteX45" y="connsiteY45"/>
+              </a:cxn>
+              <a:cxn ang="0">
+                <a:pos x="connsiteX46" y="connsiteY46"/>
+              </a:cxn>
+              <a:cxn ang="0">
+                <a:pos x="connsiteX47" y="connsiteY47"/>
+              </a:cxn>
+              <a:cxn ang="0">
+                <a:pos x="connsiteX48" y="connsiteY48"/>
+              </a:cxn>
+              <a:cxn ang="0">
+                <a:pos x="connsiteX49" y="connsiteY49"/>
+              </a:cxn>
+              <a:cxn ang="0">
+                <a:pos x="connsiteX50" y="connsiteY50"/>
+              </a:cxn>
+              <a:cxn ang="0">
+                <a:pos x="connsiteX51" y="connsiteY51"/>
+              </a:cxn>
+              <a:cxn ang="0">
+                <a:pos x="connsiteX52" y="connsiteY52"/>
+              </a:cxn>
+              <a:cxn ang="0">
+                <a:pos x="connsiteX53" y="connsiteY53"/>
+              </a:cxn>
+              <a:cxn ang="0">
+                <a:pos x="connsiteX54" y="connsiteY54"/>
+              </a:cxn>
+              <a:cxn ang="0">
+                <a:pos x="connsiteX55" y="connsiteY55"/>
+              </a:cxn>
+              <a:cxn ang="0">
+                <a:pos x="connsiteX56" y="connsiteY56"/>
+              </a:cxn>
+              <a:cxn ang="0">
+                <a:pos x="connsiteX57" y="connsiteY57"/>
+              </a:cxn>
+              <a:cxn ang="0">
+                <a:pos x="connsiteX58" y="connsiteY58"/>
+              </a:cxn>
+              <a:cxn ang="0">
+                <a:pos x="connsiteX59" y="connsiteY59"/>
+              </a:cxn>
+              <a:cxn ang="0">
+                <a:pos x="connsiteX60" y="connsiteY60"/>
+              </a:cxn>
+              <a:cxn ang="0">
+                <a:pos x="connsiteX61" y="connsiteY61"/>
+              </a:cxn>
+              <a:cxn ang="0">
+                <a:pos x="connsiteX62" y="connsiteY62"/>
+              </a:cxn>
+              <a:cxn ang="0">
+                <a:pos x="connsiteX63" y="connsiteY63"/>
+              </a:cxn>
+              <a:cxn ang="0">
+                <a:pos x="connsiteX64" y="connsiteY64"/>
+              </a:cxn>
+              <a:cxn ang="0">
+                <a:pos x="connsiteX65" y="connsiteY65"/>
+              </a:cxn>
+              <a:cxn ang="0">
+                <a:pos x="connsiteX66" y="connsiteY66"/>
+              </a:cxn>
+              <a:cxn ang="0">
+                <a:pos x="connsiteX67" y="connsiteY67"/>
+              </a:cxn>
+              <a:cxn ang="0">
+                <a:pos x="connsiteX68" y="connsiteY68"/>
+              </a:cxn>
+              <a:cxn ang="0">
+                <a:pos x="connsiteX69" y="connsiteY69"/>
+              </a:cxn>
+              <a:cxn ang="0">
+                <a:pos x="connsiteX70" y="connsiteY70"/>
+              </a:cxn>
+              <a:cxn ang="0">
+                <a:pos x="connsiteX71" y="connsiteY71"/>
+              </a:cxn>
+              <a:cxn ang="0">
+                <a:pos x="connsiteX72" y="connsiteY72"/>
+              </a:cxn>
+              <a:cxn ang="0">
+                <a:pos x="connsiteX73" y="connsiteY73"/>
+              </a:cxn>
+              <a:cxn ang="0">
+                <a:pos x="connsiteX74" y="connsiteY74"/>
+              </a:cxn>
+              <a:cxn ang="0">
+                <a:pos x="connsiteX75" y="connsiteY75"/>
+              </a:cxn>
+              <a:cxn ang="0">
+                <a:pos x="connsiteX76" y="connsiteY76"/>
+              </a:cxn>
+              <a:cxn ang="0">
+                <a:pos x="connsiteX77" y="connsiteY77"/>
+              </a:cxn>
+              <a:cxn ang="0">
+                <a:pos x="connsiteX78" y="connsiteY78"/>
+              </a:cxn>
+              <a:cxn ang="0">
+                <a:pos x="connsiteX79" y="connsiteY79"/>
+              </a:cxn>
+              <a:cxn ang="0">
+                <a:pos x="connsiteX80" y="connsiteY80"/>
+              </a:cxn>
+              <a:cxn ang="0">
+                <a:pos x="connsiteX81" y="connsiteY81"/>
+              </a:cxn>
+              <a:cxn ang="0">
+                <a:pos x="connsiteX82" y="connsiteY82"/>
+              </a:cxn>
+              <a:cxn ang="0">
+                <a:pos x="connsiteX83" y="connsiteY83"/>
+              </a:cxn>
+              <a:cxn ang="0">
+                <a:pos x="connsiteX84" y="connsiteY84"/>
+              </a:cxn>
+              <a:cxn ang="0">
+                <a:pos x="connsiteX85" y="connsiteY85"/>
+              </a:cxn>
+              <a:cxn ang="0">
+                <a:pos x="connsiteX86" y="connsiteY86"/>
+              </a:cxn>
+              <a:cxn ang="0">
+                <a:pos x="connsiteX87" y="connsiteY87"/>
+              </a:cxn>
+              <a:cxn ang="0">
+                <a:pos x="connsiteX88" y="connsiteY88"/>
+              </a:cxn>
+              <a:cxn ang="0">
+                <a:pos x="connsiteX89" y="connsiteY89"/>
+              </a:cxn>
+              <a:cxn ang="0">
+                <a:pos x="connsiteX90" y="connsiteY90"/>
+              </a:cxn>
+              <a:cxn ang="0">
+                <a:pos x="connsiteX91" y="connsiteY91"/>
+              </a:cxn>
+              <a:cxn ang="0">
+                <a:pos x="connsiteX92" y="connsiteY92"/>
+              </a:cxn>
+              <a:cxn ang="0">
+                <a:pos x="connsiteX93" y="connsiteY93"/>
+              </a:cxn>
+              <a:cxn ang="0">
+                <a:pos x="connsiteX94" y="connsiteY94"/>
+              </a:cxn>
+              <a:cxn ang="0">
+                <a:pos x="connsiteX95" y="connsiteY95"/>
+              </a:cxn>
+              <a:cxn ang="0">
+                <a:pos x="connsiteX96" y="connsiteY96"/>
+              </a:cxn>
+              <a:cxn ang="0">
+                <a:pos x="connsiteX97" y="connsiteY97"/>
+              </a:cxn>
+              <a:cxn ang="0">
+                <a:pos x="connsiteX98" y="connsiteY98"/>
+              </a:cxn>
+              <a:cxn ang="0">
+                <a:pos x="connsiteX99" y="connsiteY99"/>
+              </a:cxn>
+              <a:cxn ang="0">
+                <a:pos x="connsiteX100" y="connsiteY100"/>
+              </a:cxn>
+              <a:cxn ang="0">
+                <a:pos x="connsiteX101" y="connsiteY101"/>
+              </a:cxn>
+              <a:cxn ang="0">
+                <a:pos x="connsiteX102" y="connsiteY102"/>
+              </a:cxn>
+              <a:cxn ang="0">
+                <a:pos x="connsiteX103" y="connsiteY103"/>
+              </a:cxn>
+              <a:cxn ang="0">
+                <a:pos x="connsiteX104" y="connsiteY104"/>
+              </a:cxn>
+              <a:cxn ang="0">
+                <a:pos x="connsiteX105" y="connsiteY105"/>
+              </a:cxn>
+              <a:cxn ang="0">
+                <a:pos x="connsiteX106" y="connsiteY106"/>
+              </a:cxn>
+              <a:cxn ang="0">
+                <a:pos x="connsiteX107" y="connsiteY107"/>
+              </a:cxn>
+              <a:cxn ang="0">
+                <a:pos x="connsiteX108" y="connsiteY108"/>
+              </a:cxn>
+              <a:cxn ang="0">
+                <a:pos x="connsiteX109" y="connsiteY109"/>
+              </a:cxn>
+              <a:cxn ang="0">
+                <a:pos x="connsiteX110" y="connsiteY110"/>
+              </a:cxn>
+              <a:cxn ang="0">
+                <a:pos x="connsiteX111" y="connsiteY111"/>
+              </a:cxn>
+              <a:cxn ang="0">
+                <a:pos x="connsiteX112" y="connsiteY112"/>
+              </a:cxn>
+              <a:cxn ang="0">
+                <a:pos x="connsiteX113" y="connsiteY113"/>
+              </a:cxn>
+              <a:cxn ang="0">
+                <a:pos x="connsiteX114" y="connsiteY114"/>
+              </a:cxn>
+              <a:cxn ang="0">
+                <a:pos x="connsiteX115" y="connsiteY115"/>
+              </a:cxn>
+              <a:cxn ang="0">
+                <a:pos x="connsiteX116" y="connsiteY116"/>
+              </a:cxn>
+              <a:cxn ang="0">
+                <a:pos x="connsiteX117" y="connsiteY117"/>
+              </a:cxn>
+              <a:cxn ang="0">
+                <a:pos x="connsiteX118" y="connsiteY118"/>
+              </a:cxn>
+              <a:cxn ang="0">
+                <a:pos x="connsiteX119" y="connsiteY119"/>
+              </a:cxn>
+              <a:cxn ang="0">
+                <a:pos x="connsiteX120" y="connsiteY120"/>
+              </a:cxn>
+              <a:cxn ang="0">
+                <a:pos x="connsiteX121" y="connsiteY121"/>
+              </a:cxn>
+              <a:cxn ang="0">
+                <a:pos x="connsiteX122" y="connsiteY122"/>
+              </a:cxn>
+              <a:cxn ang="0">
+                <a:pos x="connsiteX123" y="connsiteY123"/>
+              </a:cxn>
+              <a:cxn ang="0">
+                <a:pos x="connsiteX124" y="connsiteY124"/>
+              </a:cxn>
+              <a:cxn ang="0">
+                <a:pos x="connsiteX125" y="connsiteY125"/>
+              </a:cxn>
+              <a:cxn ang="0">
+                <a:pos x="connsiteX126" y="connsiteY126"/>
+              </a:cxn>
+              <a:cxn ang="0">
+                <a:pos x="connsiteX127" y="connsiteY127"/>
+              </a:cxn>
+              <a:cxn ang="0">
+                <a:pos x="connsiteX128" y="connsiteY128"/>
+              </a:cxn>
+              <a:cxn ang="0">
+                <a:pos x="connsiteX129" y="connsiteY129"/>
+              </a:cxn>
+              <a:cxn ang="0">
+                <a:pos x="connsiteX130" y="connsiteY130"/>
+              </a:cxn>
+              <a:cxn ang="0">
+                <a:pos x="connsiteX131" y="connsiteY131"/>
+              </a:cxn>
+              <a:cxn ang="0">
+                <a:pos x="connsiteX132" y="connsiteY132"/>
+              </a:cxn>
+              <a:cxn ang="0">
+                <a:pos x="connsiteX133" y="connsiteY133"/>
+              </a:cxn>
+              <a:cxn ang="0">
+                <a:pos x="connsiteX134" y="connsiteY134"/>
+              </a:cxn>
+              <a:cxn ang="0">
+                <a:pos x="connsiteX135" y="connsiteY135"/>
+              </a:cxn>
+              <a:cxn ang="0">
+                <a:pos x="connsiteX136" y="connsiteY136"/>
+              </a:cxn>
+              <a:cxn ang="0">
+                <a:pos x="connsiteX137" y="connsiteY137"/>
+              </a:cxn>
+              <a:cxn ang="0">
+                <a:pos x="connsiteX138" y="connsiteY138"/>
+              </a:cxn>
+              <a:cxn ang="0">
+                <a:pos x="connsiteX139" y="connsiteY139"/>
+              </a:cxn>
+              <a:cxn ang="0">
+                <a:pos x="connsiteX140" y="connsiteY140"/>
+              </a:cxn>
+              <a:cxn ang="0">
+                <a:pos x="connsiteX141" y="connsiteY141"/>
+              </a:cxn>
+              <a:cxn ang="0">
+                <a:pos x="connsiteX142" y="connsiteY142"/>
+              </a:cxn>
+              <a:cxn ang="0">
+                <a:pos x="connsiteX143" y="connsiteY143"/>
+              </a:cxn>
+              <a:cxn ang="0">
+                <a:pos x="connsiteX144" y="connsiteY144"/>
+              </a:cxn>
+              <a:cxn ang="0">
+                <a:pos x="connsiteX145" y="connsiteY145"/>
+              </a:cxn>
+              <a:cxn ang="0">
+                <a:pos x="connsiteX146" y="connsiteY146"/>
+              </a:cxn>
+              <a:cxn ang="0">
+                <a:pos x="connsiteX147" y="connsiteY147"/>
+              </a:cxn>
+              <a:cxn ang="0">
+                <a:pos x="connsiteX148" y="connsiteY148"/>
+              </a:cxn>
+              <a:cxn ang="0">
+                <a:pos x="connsiteX149" y="connsiteY149"/>
+              </a:cxn>
+              <a:cxn ang="0">
+                <a:pos x="connsiteX150" y="connsiteY150"/>
+              </a:cxn>
+              <a:cxn ang="0">
+                <a:pos x="connsiteX151" y="connsiteY151"/>
+              </a:cxn>
+              <a:cxn ang="0">
+                <a:pos x="connsiteX152" y="connsiteY152"/>
+              </a:cxn>
+              <a:cxn ang="0">
+                <a:pos x="connsiteX153" y="connsiteY153"/>
+              </a:cxn>
+              <a:cxn ang="0">
+                <a:pos x="connsiteX154" y="connsiteY154"/>
+              </a:cxn>
+              <a:cxn ang="0">
+                <a:pos x="connsiteX155" y="connsiteY155"/>
+              </a:cxn>
+              <a:cxn ang="0">
+                <a:pos x="connsiteX156" y="connsiteY156"/>
+              </a:cxn>
+              <a:cxn ang="0">
+                <a:pos x="connsiteX157" y="connsiteY157"/>
+              </a:cxn>
+              <a:cxn ang="0">
+                <a:pos x="connsiteX158" y="connsiteY158"/>
+              </a:cxn>
+              <a:cxn ang="0">
+                <a:pos x="connsiteX159" y="connsiteY159"/>
+              </a:cxn>
+              <a:cxn ang="0">
+                <a:pos x="connsiteX160" y="connsiteY160"/>
+              </a:cxn>
+              <a:cxn ang="0">
+                <a:pos x="connsiteX161" y="connsiteY161"/>
+              </a:cxn>
+              <a:cxn ang="0">
+                <a:pos x="connsiteX162" y="connsiteY162"/>
+              </a:cxn>
+              <a:cxn ang="0">
+                <a:pos x="connsiteX163" y="connsiteY163"/>
+              </a:cxn>
+              <a:cxn ang="0">
+                <a:pos x="connsiteX164" y="connsiteY164"/>
+              </a:cxn>
+              <a:cxn ang="0">
+                <a:pos x="connsiteX165" y="connsiteY165"/>
+              </a:cxn>
+              <a:cxn ang="0">
+                <a:pos x="connsiteX166" y="connsiteY166"/>
+              </a:cxn>
+              <a:cxn ang="0">
+                <a:pos x="connsiteX167" y="connsiteY167"/>
+              </a:cxn>
+              <a:cxn ang="0">
+                <a:pos x="connsiteX168" y="connsiteY168"/>
+              </a:cxn>
+              <a:cxn ang="0">
+                <a:pos x="connsiteX169" y="connsiteY169"/>
+              </a:cxn>
+              <a:cxn ang="0">
+                <a:pos x="connsiteX170" y="connsiteY170"/>
+              </a:cxn>
+              <a:cxn ang="0">
+                <a:pos x="connsiteX171" y="connsiteY171"/>
+              </a:cxn>
+              <a:cxn ang="0">
+                <a:pos x="connsiteX172" y="connsiteY172"/>
+              </a:cxn>
+              <a:cxn ang="0">
+                <a:pos x="connsiteX173" y="connsiteY173"/>
+              </a:cxn>
+              <a:cxn ang="0">
+                <a:pos x="connsiteX174" y="connsiteY174"/>
+              </a:cxn>
+              <a:cxn ang="0">
+                <a:pos x="connsiteX175" y="connsiteY175"/>
+              </a:cxn>
+              <a:cxn ang="0">
+                <a:pos x="connsiteX176" y="connsiteY176"/>
+              </a:cxn>
+              <a:cxn ang="0">
+                <a:pos x="connsiteX177" y="connsiteY177"/>
+              </a:cxn>
+              <a:cxn ang="0">
+                <a:pos x="connsiteX178" y="connsiteY178"/>
+              </a:cxn>
+              <a:cxn ang="0">
+                <a:pos x="connsiteX179" y="connsiteY179"/>
+              </a:cxn>
+              <a:cxn ang="0">
+                <a:pos x="connsiteX180" y="connsiteY180"/>
+              </a:cxn>
+              <a:cxn ang="0">
+                <a:pos x="connsiteX181" y="connsiteY181"/>
+              </a:cxn>
+              <a:cxn ang="0">
+                <a:pos x="connsiteX182" y="connsiteY182"/>
+              </a:cxn>
+              <a:cxn ang="0">
+                <a:pos x="connsiteX183" y="connsiteY183"/>
+              </a:cxn>
+              <a:cxn ang="0">
+                <a:pos x="connsiteX184" y="connsiteY184"/>
+              </a:cxn>
+              <a:cxn ang="0">
+                <a:pos x="connsiteX185" y="connsiteY185"/>
+              </a:cxn>
+              <a:cxn ang="0">
+                <a:pos x="connsiteX186" y="connsiteY186"/>
+              </a:cxn>
+              <a:cxn ang="0">
+                <a:pos x="connsiteX187" y="connsiteY187"/>
+              </a:cxn>
+              <a:cxn ang="0">
+                <a:pos x="connsiteX188" y="connsiteY188"/>
+              </a:cxn>
+              <a:cxn ang="0">
+                <a:pos x="connsiteX189" y="connsiteY189"/>
+              </a:cxn>
+              <a:cxn ang="0">
+                <a:pos x="connsiteX190" y="connsiteY190"/>
+              </a:cxn>
+              <a:cxn ang="0">
+                <a:pos x="connsiteX191" y="connsiteY191"/>
+              </a:cxn>
+              <a:cxn ang="0">
+                <a:pos x="connsiteX192" y="connsiteY192"/>
+              </a:cxn>
+              <a:cxn ang="0">
+                <a:pos x="connsiteX193" y="connsiteY193"/>
+              </a:cxn>
+              <a:cxn ang="0">
+                <a:pos x="connsiteX194" y="connsiteY194"/>
+              </a:cxn>
+              <a:cxn ang="0">
+                <a:pos x="connsiteX195" y="connsiteY195"/>
+              </a:cxn>
+              <a:cxn ang="0">
+                <a:pos x="connsiteX196" y="connsiteY196"/>
+              </a:cxn>
+              <a:cxn ang="0">
+                <a:pos x="connsiteX197" y="connsiteY197"/>
+              </a:cxn>
+              <a:cxn ang="0">
+                <a:pos x="connsiteX198" y="connsiteY198"/>
+              </a:cxn>
+              <a:cxn ang="0">
+                <a:pos x="connsiteX199" y="connsiteY199"/>
+              </a:cxn>
+              <a:cxn ang="0">
+                <a:pos x="connsiteX200" y="connsiteY200"/>
+              </a:cxn>
+              <a:cxn ang="0">
+                <a:pos x="connsiteX201" y="connsiteY201"/>
+              </a:cxn>
+              <a:cxn ang="0">
+                <a:pos x="connsiteX202" y="connsiteY202"/>
+              </a:cxn>
+              <a:cxn ang="0">
+                <a:pos x="connsiteX203" y="connsiteY203"/>
+              </a:cxn>
+              <a:cxn ang="0">
+                <a:pos x="connsiteX204" y="connsiteY204"/>
+              </a:cxn>
+              <a:cxn ang="0">
+                <a:pos x="connsiteX205" y="connsiteY205"/>
+              </a:cxn>
+              <a:cxn ang="0">
+                <a:pos x="connsiteX206" y="connsiteY206"/>
+              </a:cxn>
+              <a:cxn ang="0">
+                <a:pos x="connsiteX207" y="connsiteY207"/>
+              </a:cxn>
+              <a:cxn ang="0">
+                <a:pos x="connsiteX208" y="connsiteY208"/>
+              </a:cxn>
+              <a:cxn ang="0">
+                <a:pos x="connsiteX209" y="connsiteY209"/>
+              </a:cxn>
+              <a:cxn ang="0">
+                <a:pos x="connsiteX210" y="connsiteY210"/>
+              </a:cxn>
+              <a:cxn ang="0">
+                <a:pos x="connsiteX211" y="connsiteY211"/>
+              </a:cxn>
+              <a:cxn ang="0">
+                <a:pos x="connsiteX212" y="connsiteY212"/>
+              </a:cxn>
+              <a:cxn ang="0">
+                <a:pos x="connsiteX213" y="connsiteY213"/>
+              </a:cxn>
+              <a:cxn ang="0">
+                <a:pos x="connsiteX214" y="connsiteY214"/>
+              </a:cxn>
+              <a:cxn ang="0">
+                <a:pos x="connsiteX215" y="connsiteY215"/>
+              </a:cxn>
+              <a:cxn ang="0">
+                <a:pos x="connsiteX216" y="connsiteY216"/>
+              </a:cxn>
+              <a:cxn ang="0">
+                <a:pos x="connsiteX217" y="connsiteY217"/>
+              </a:cxn>
+              <a:cxn ang="0">
+                <a:pos x="connsiteX218" y="connsiteY218"/>
+              </a:cxn>
+              <a:cxn ang="0">
+                <a:pos x="connsiteX219" y="connsiteY219"/>
+              </a:cxn>
+              <a:cxn ang="0">
+                <a:pos x="connsiteX220" y="connsiteY220"/>
+              </a:cxn>
+              <a:cxn ang="0">
+                <a:pos x="connsiteX221" y="connsiteY221"/>
+              </a:cxn>
+              <a:cxn ang="0">
+                <a:pos x="connsiteX222" y="connsiteY222"/>
+              </a:cxn>
+              <a:cxn ang="0">
+                <a:pos x="connsiteX223" y="connsiteY223"/>
+              </a:cxn>
+              <a:cxn ang="0">
+                <a:pos x="connsiteX224" y="connsiteY224"/>
+              </a:cxn>
+              <a:cxn ang="0">
+                <a:pos x="connsiteX225" y="connsiteY225"/>
+              </a:cxn>
+              <a:cxn ang="0">
+                <a:pos x="connsiteX226" y="connsiteY226"/>
+              </a:cxn>
+              <a:cxn ang="0">
+                <a:pos x="connsiteX227" y="connsiteY227"/>
+              </a:cxn>
+              <a:cxn ang="0">
+                <a:pos x="connsiteX228" y="connsiteY228"/>
+              </a:cxn>
+              <a:cxn ang="0">
+                <a:pos x="connsiteX229" y="connsiteY229"/>
+              </a:cxn>
+              <a:cxn ang="0">
+                <a:pos x="connsiteX230" y="connsiteY230"/>
+              </a:cxn>
+              <a:cxn ang="0">
+                <a:pos x="connsiteX231" y="connsiteY231"/>
+              </a:cxn>
+              <a:cxn ang="0">
+                <a:pos x="connsiteX232" y="connsiteY232"/>
+              </a:cxn>
+              <a:cxn ang="0">
+                <a:pos x="connsiteX233" y="connsiteY233"/>
+              </a:cxn>
+              <a:cxn ang="0">
+                <a:pos x="connsiteX234" y="connsiteY234"/>
+              </a:cxn>
+              <a:cxn ang="0">
+                <a:pos x="connsiteX235" y="connsiteY235"/>
+              </a:cxn>
+              <a:cxn ang="0">
+                <a:pos x="connsiteX236" y="connsiteY236"/>
+              </a:cxn>
+              <a:cxn ang="0">
+                <a:pos x="connsiteX237" y="connsiteY237"/>
+              </a:cxn>
+              <a:cxn ang="0">
+                <a:pos x="connsiteX238" y="connsiteY238"/>
+              </a:cxn>
+              <a:cxn ang="0">
+                <a:pos x="connsiteX239" y="connsiteY239"/>
+              </a:cxn>
+              <a:cxn ang="0">
+                <a:pos x="connsiteX240" y="connsiteY240"/>
+              </a:cxn>
+              <a:cxn ang="0">
+                <a:pos x="connsiteX241" y="connsiteY241"/>
+              </a:cxn>
+              <a:cxn ang="0">
+                <a:pos x="connsiteX242" y="connsiteY242"/>
+              </a:cxn>
+              <a:cxn ang="0">
+                <a:pos x="connsiteX243" y="connsiteY243"/>
+              </a:cxn>
+              <a:cxn ang="0">
+                <a:pos x="connsiteX244" y="connsiteY244"/>
+              </a:cxn>
+              <a:cxn ang="0">
+                <a:pos x="connsiteX245" y="connsiteY245"/>
+              </a:cxn>
+              <a:cxn ang="0">
+                <a:pos x="connsiteX246" y="connsiteY246"/>
+              </a:cxn>
+              <a:cxn ang="0">
+                <a:pos x="connsiteX247" y="connsiteY247"/>
+              </a:cxn>
+              <a:cxn ang="0">
+                <a:pos x="connsiteX248" y="connsiteY248"/>
+              </a:cxn>
+              <a:cxn ang="0">
+                <a:pos x="connsiteX249" y="connsiteY249"/>
+              </a:cxn>
+              <a:cxn ang="0">
+                <a:pos x="connsiteX250" y="connsiteY250"/>
+              </a:cxn>
+              <a:cxn ang="0">
+                <a:pos x="connsiteX251" y="connsiteY251"/>
+              </a:cxn>
+              <a:cxn ang="0">
+                <a:pos x="connsiteX252" y="connsiteY252"/>
+              </a:cxn>
+              <a:cxn ang="0">
+                <a:pos x="connsiteX253" y="connsiteY253"/>
+              </a:cxn>
+              <a:cxn ang="0">
+                <a:pos x="connsiteX254" y="connsiteY254"/>
+              </a:cxn>
+            </a:cxnLst>
+            <a:rect l="l" t="t" r="r" b="b"/>
+            <a:pathLst>
+              <a:path w="885825" h="12192000">
+                <a:moveTo>
+                  <a:pt x="885825" y="6098626"/>
+                </a:moveTo>
+                <a:lnTo>
+                  <a:pt x="882650" y="6166889"/>
+                </a:lnTo>
+                <a:lnTo>
+                  <a:pt x="876300" y="6227214"/>
+                </a:lnTo>
+                <a:lnTo>
+                  <a:pt x="865188" y="6279601"/>
+                </a:lnTo>
+                <a:lnTo>
+                  <a:pt x="849313" y="6325639"/>
+                </a:lnTo>
+                <a:lnTo>
+                  <a:pt x="833438" y="6366914"/>
+                </a:lnTo>
+                <a:lnTo>
+                  <a:pt x="817563" y="6403426"/>
+                </a:lnTo>
+                <a:lnTo>
+                  <a:pt x="798513" y="6441526"/>
+                </a:lnTo>
+                <a:lnTo>
+                  <a:pt x="779463" y="6479626"/>
+                </a:lnTo>
+                <a:lnTo>
+                  <a:pt x="760413" y="6516139"/>
+                </a:lnTo>
+                <a:lnTo>
+                  <a:pt x="744538" y="6557414"/>
+                </a:lnTo>
+                <a:lnTo>
+                  <a:pt x="730250" y="6603451"/>
+                </a:lnTo>
+                <a:lnTo>
+                  <a:pt x="719138" y="6655839"/>
+                </a:lnTo>
+                <a:lnTo>
+                  <a:pt x="711200" y="6716164"/>
+                </a:lnTo>
+                <a:lnTo>
+                  <a:pt x="709613" y="6784426"/>
+                </a:lnTo>
+                <a:lnTo>
+                  <a:pt x="711200" y="6852689"/>
+                </a:lnTo>
+                <a:lnTo>
+                  <a:pt x="719138" y="6913014"/>
+                </a:lnTo>
+                <a:lnTo>
+                  <a:pt x="730250" y="6965401"/>
+                </a:lnTo>
+                <a:lnTo>
+                  <a:pt x="744538" y="7011439"/>
+                </a:lnTo>
+                <a:lnTo>
+                  <a:pt x="760413" y="7052714"/>
+                </a:lnTo>
+                <a:lnTo>
+                  <a:pt x="779463" y="7089226"/>
+                </a:lnTo>
+                <a:lnTo>
+                  <a:pt x="798513" y="7127326"/>
+                </a:lnTo>
+                <a:lnTo>
+                  <a:pt x="817563" y="7165426"/>
+                </a:lnTo>
+                <a:lnTo>
+                  <a:pt x="833438" y="7201939"/>
+                </a:lnTo>
+                <a:lnTo>
+                  <a:pt x="849313" y="7243214"/>
+                </a:lnTo>
+                <a:lnTo>
+                  <a:pt x="865188" y="7289251"/>
+                </a:lnTo>
+                <a:lnTo>
+                  <a:pt x="876300" y="7341639"/>
+                </a:lnTo>
+                <a:lnTo>
+                  <a:pt x="882650" y="7401964"/>
+                </a:lnTo>
+                <a:lnTo>
+                  <a:pt x="885825" y="7470226"/>
+                </a:lnTo>
+                <a:lnTo>
+                  <a:pt x="882650" y="7538489"/>
+                </a:lnTo>
+                <a:lnTo>
+                  <a:pt x="876300" y="7598814"/>
+                </a:lnTo>
+                <a:lnTo>
+                  <a:pt x="865188" y="7651201"/>
+                </a:lnTo>
+                <a:lnTo>
+                  <a:pt x="849313" y="7697239"/>
+                </a:lnTo>
+                <a:lnTo>
+                  <a:pt x="833438" y="7738514"/>
+                </a:lnTo>
+                <a:lnTo>
+                  <a:pt x="817563" y="7775026"/>
+                </a:lnTo>
+                <a:lnTo>
+                  <a:pt x="798513" y="7813126"/>
+                </a:lnTo>
+                <a:lnTo>
+                  <a:pt x="779463" y="7851226"/>
+                </a:lnTo>
+                <a:lnTo>
+                  <a:pt x="760413" y="7887739"/>
+                </a:lnTo>
+                <a:lnTo>
+                  <a:pt x="744538" y="7929014"/>
+                </a:lnTo>
+                <a:lnTo>
+                  <a:pt x="730250" y="7975051"/>
+                </a:lnTo>
+                <a:lnTo>
+                  <a:pt x="719138" y="8027439"/>
+                </a:lnTo>
+                <a:lnTo>
+                  <a:pt x="711200" y="8087764"/>
+                </a:lnTo>
+                <a:lnTo>
+                  <a:pt x="709613" y="8156026"/>
+                </a:lnTo>
+                <a:lnTo>
+                  <a:pt x="711200" y="8224289"/>
+                </a:lnTo>
+                <a:lnTo>
+                  <a:pt x="719138" y="8284614"/>
+                </a:lnTo>
+                <a:lnTo>
+                  <a:pt x="730250" y="8337001"/>
+                </a:lnTo>
+                <a:lnTo>
+                  <a:pt x="744538" y="8383039"/>
+                </a:lnTo>
+                <a:lnTo>
+                  <a:pt x="760413" y="8424314"/>
+                </a:lnTo>
+                <a:lnTo>
+                  <a:pt x="779463" y="8460826"/>
+                </a:lnTo>
+                <a:lnTo>
+                  <a:pt x="798513" y="8498926"/>
+                </a:lnTo>
+                <a:lnTo>
+                  <a:pt x="817563" y="8537026"/>
+                </a:lnTo>
+                <a:lnTo>
+                  <a:pt x="833438" y="8573540"/>
+                </a:lnTo>
+                <a:lnTo>
+                  <a:pt x="849313" y="8614814"/>
+                </a:lnTo>
+                <a:lnTo>
+                  <a:pt x="865188" y="8660852"/>
+                </a:lnTo>
+                <a:lnTo>
+                  <a:pt x="876300" y="8713240"/>
+                </a:lnTo>
+                <a:lnTo>
+                  <a:pt x="882650" y="8773564"/>
+                </a:lnTo>
+                <a:lnTo>
+                  <a:pt x="885825" y="8840240"/>
+                </a:lnTo>
+                <a:lnTo>
+                  <a:pt x="882650" y="8910090"/>
+                </a:lnTo>
+                <a:lnTo>
+                  <a:pt x="876300" y="8970414"/>
+                </a:lnTo>
+                <a:lnTo>
+                  <a:pt x="865188" y="9022802"/>
+                </a:lnTo>
+                <a:lnTo>
+                  <a:pt x="849313" y="9068840"/>
+                </a:lnTo>
+                <a:lnTo>
+                  <a:pt x="833438" y="9110114"/>
+                </a:lnTo>
+                <a:lnTo>
+                  <a:pt x="817563" y="9146628"/>
+                </a:lnTo>
+                <a:lnTo>
+                  <a:pt x="798513" y="9184728"/>
+                </a:lnTo>
+                <a:lnTo>
+                  <a:pt x="779463" y="9222828"/>
+                </a:lnTo>
+                <a:lnTo>
+                  <a:pt x="760413" y="9259340"/>
+                </a:lnTo>
+                <a:lnTo>
+                  <a:pt x="744538" y="9300614"/>
+                </a:lnTo>
+                <a:lnTo>
+                  <a:pt x="730250" y="9346652"/>
+                </a:lnTo>
+                <a:lnTo>
+                  <a:pt x="719138" y="9399040"/>
+                </a:lnTo>
+                <a:lnTo>
+                  <a:pt x="711200" y="9459364"/>
+                </a:lnTo>
+                <a:lnTo>
+                  <a:pt x="709613" y="9527628"/>
+                </a:lnTo>
+                <a:lnTo>
+                  <a:pt x="711200" y="9595890"/>
+                </a:lnTo>
+                <a:lnTo>
+                  <a:pt x="719138" y="9656214"/>
+                </a:lnTo>
+                <a:lnTo>
+                  <a:pt x="730250" y="9708602"/>
+                </a:lnTo>
+                <a:lnTo>
+                  <a:pt x="744538" y="9754640"/>
+                </a:lnTo>
+                <a:lnTo>
+                  <a:pt x="760413" y="9795914"/>
+                </a:lnTo>
+                <a:lnTo>
+                  <a:pt x="779463" y="9832428"/>
+                </a:lnTo>
+                <a:lnTo>
+                  <a:pt x="817563" y="9908628"/>
+                </a:lnTo>
+                <a:lnTo>
+                  <a:pt x="833438" y="9945140"/>
+                </a:lnTo>
+                <a:lnTo>
+                  <a:pt x="849313" y="9986414"/>
+                </a:lnTo>
+                <a:lnTo>
+                  <a:pt x="865188" y="10032452"/>
+                </a:lnTo>
+                <a:lnTo>
+                  <a:pt x="876300" y="10084840"/>
+                </a:lnTo>
+                <a:lnTo>
+                  <a:pt x="882650" y="10145164"/>
+                </a:lnTo>
+                <a:lnTo>
+                  <a:pt x="885825" y="10213428"/>
+                </a:lnTo>
+                <a:lnTo>
+                  <a:pt x="882650" y="10281690"/>
+                </a:lnTo>
+                <a:lnTo>
+                  <a:pt x="876300" y="10342014"/>
+                </a:lnTo>
+                <a:lnTo>
+                  <a:pt x="865188" y="10394402"/>
+                </a:lnTo>
+                <a:lnTo>
+                  <a:pt x="849313" y="10440440"/>
+                </a:lnTo>
+                <a:lnTo>
+                  <a:pt x="833438" y="10481714"/>
+                </a:lnTo>
+                <a:lnTo>
+                  <a:pt x="817563" y="10518228"/>
+                </a:lnTo>
+                <a:lnTo>
+                  <a:pt x="798513" y="10556328"/>
+                </a:lnTo>
+                <a:lnTo>
+                  <a:pt x="779463" y="10594428"/>
+                </a:lnTo>
+                <a:lnTo>
+                  <a:pt x="760413" y="10630940"/>
+                </a:lnTo>
+                <a:lnTo>
+                  <a:pt x="744538" y="10672214"/>
+                </a:lnTo>
+                <a:lnTo>
+                  <a:pt x="730250" y="10718252"/>
+                </a:lnTo>
+                <a:lnTo>
+                  <a:pt x="719138" y="10770640"/>
+                </a:lnTo>
+                <a:lnTo>
+                  <a:pt x="711200" y="10830964"/>
+                </a:lnTo>
+                <a:lnTo>
+                  <a:pt x="709613" y="10899228"/>
+                </a:lnTo>
+                <a:lnTo>
+                  <a:pt x="711200" y="10967490"/>
+                </a:lnTo>
+                <a:lnTo>
+                  <a:pt x="719138" y="11027814"/>
+                </a:lnTo>
+                <a:lnTo>
+                  <a:pt x="730250" y="11080202"/>
+                </a:lnTo>
+                <a:lnTo>
+                  <a:pt x="744538" y="11126240"/>
+                </a:lnTo>
+                <a:lnTo>
+                  <a:pt x="760413" y="11167514"/>
+                </a:lnTo>
+                <a:lnTo>
+                  <a:pt x="779463" y="11204028"/>
+                </a:lnTo>
+                <a:lnTo>
+                  <a:pt x="798513" y="11242128"/>
+                </a:lnTo>
+                <a:lnTo>
+                  <a:pt x="817563" y="11280228"/>
+                </a:lnTo>
+                <a:lnTo>
+                  <a:pt x="833438" y="11316740"/>
+                </a:lnTo>
+                <a:lnTo>
+                  <a:pt x="849313" y="11358014"/>
+                </a:lnTo>
+                <a:lnTo>
+                  <a:pt x="865188" y="11404052"/>
+                </a:lnTo>
+                <a:lnTo>
+                  <a:pt x="876300" y="11456440"/>
+                </a:lnTo>
+                <a:lnTo>
+                  <a:pt x="882650" y="11516764"/>
+                </a:lnTo>
+                <a:lnTo>
+                  <a:pt x="885825" y="11585028"/>
+                </a:lnTo>
+                <a:lnTo>
+                  <a:pt x="882650" y="11653290"/>
+                </a:lnTo>
+                <a:lnTo>
+                  <a:pt x="876300" y="11713614"/>
+                </a:lnTo>
+                <a:lnTo>
+                  <a:pt x="865188" y="11766002"/>
+                </a:lnTo>
+                <a:lnTo>
+                  <a:pt x="849313" y="11812040"/>
+                </a:lnTo>
+                <a:lnTo>
+                  <a:pt x="833438" y="11853314"/>
+                </a:lnTo>
+                <a:lnTo>
+                  <a:pt x="817563" y="11889828"/>
+                </a:lnTo>
+                <a:lnTo>
+                  <a:pt x="798513" y="11927928"/>
+                </a:lnTo>
+                <a:lnTo>
+                  <a:pt x="779463" y="11966028"/>
+                </a:lnTo>
+                <a:lnTo>
+                  <a:pt x="760413" y="12002540"/>
+                </a:lnTo>
+                <a:lnTo>
+                  <a:pt x="744538" y="12043814"/>
+                </a:lnTo>
+                <a:lnTo>
+                  <a:pt x="730250" y="12089852"/>
+                </a:lnTo>
+                <a:lnTo>
+                  <a:pt x="719138" y="12142240"/>
+                </a:lnTo>
+                <a:lnTo>
+                  <a:pt x="712590" y="12192000"/>
+                </a:lnTo>
+                <a:lnTo>
+                  <a:pt x="0" y="12192000"/>
+                </a:lnTo>
+                <a:lnTo>
+                  <a:pt x="0" y="6779170"/>
+                </a:lnTo>
+                <a:lnTo>
+                  <a:pt x="0" y="6779170"/>
+                </a:lnTo>
+                <a:lnTo>
+                  <a:pt x="0" y="0"/>
+                </a:lnTo>
+                <a:lnTo>
+                  <a:pt x="712590" y="0"/>
+                </a:lnTo>
+                <a:lnTo>
+                  <a:pt x="719137" y="49758"/>
+                </a:lnTo>
+                <a:lnTo>
+                  <a:pt x="730249" y="102145"/>
+                </a:lnTo>
+                <a:lnTo>
+                  <a:pt x="744537" y="148183"/>
+                </a:lnTo>
+                <a:lnTo>
+                  <a:pt x="760412" y="189458"/>
+                </a:lnTo>
+                <a:lnTo>
+                  <a:pt x="779462" y="225970"/>
+                </a:lnTo>
+                <a:lnTo>
+                  <a:pt x="798512" y="264070"/>
+                </a:lnTo>
+                <a:lnTo>
+                  <a:pt x="817562" y="302170"/>
+                </a:lnTo>
+                <a:lnTo>
+                  <a:pt x="833437" y="338683"/>
+                </a:lnTo>
+                <a:lnTo>
+                  <a:pt x="849312" y="379958"/>
+                </a:lnTo>
+                <a:lnTo>
+                  <a:pt x="865187" y="425995"/>
+                </a:lnTo>
+                <a:lnTo>
+                  <a:pt x="876299" y="478383"/>
+                </a:lnTo>
+                <a:lnTo>
+                  <a:pt x="882649" y="538708"/>
+                </a:lnTo>
+                <a:lnTo>
+                  <a:pt x="885824" y="606970"/>
+                </a:lnTo>
+                <a:lnTo>
+                  <a:pt x="882649" y="675233"/>
+                </a:lnTo>
+                <a:lnTo>
+                  <a:pt x="876299" y="735558"/>
+                </a:lnTo>
+                <a:lnTo>
+                  <a:pt x="865187" y="787945"/>
+                </a:lnTo>
+                <a:lnTo>
+                  <a:pt x="849312" y="833983"/>
+                </a:lnTo>
+                <a:lnTo>
+                  <a:pt x="833437" y="875258"/>
+                </a:lnTo>
+                <a:lnTo>
+                  <a:pt x="817562" y="911770"/>
+                </a:lnTo>
+                <a:lnTo>
+                  <a:pt x="798512" y="949870"/>
+                </a:lnTo>
+                <a:lnTo>
+                  <a:pt x="779462" y="987970"/>
+                </a:lnTo>
+                <a:lnTo>
+                  <a:pt x="760412" y="1024483"/>
+                </a:lnTo>
+                <a:lnTo>
+                  <a:pt x="744537" y="1065758"/>
+                </a:lnTo>
+                <a:lnTo>
+                  <a:pt x="730249" y="1111795"/>
+                </a:lnTo>
+                <a:lnTo>
+                  <a:pt x="719137" y="1164183"/>
+                </a:lnTo>
+                <a:lnTo>
+                  <a:pt x="711199" y="1224508"/>
+                </a:lnTo>
+                <a:lnTo>
+                  <a:pt x="709612" y="1292770"/>
+                </a:lnTo>
+                <a:lnTo>
+                  <a:pt x="711199" y="1361033"/>
+                </a:lnTo>
+                <a:lnTo>
+                  <a:pt x="719137" y="1421358"/>
+                </a:lnTo>
+                <a:lnTo>
+                  <a:pt x="730249" y="1473745"/>
+                </a:lnTo>
+                <a:lnTo>
+                  <a:pt x="744537" y="1519783"/>
+                </a:lnTo>
+                <a:lnTo>
+                  <a:pt x="760412" y="1561058"/>
+                </a:lnTo>
+                <a:lnTo>
+                  <a:pt x="779462" y="1597570"/>
+                </a:lnTo>
+                <a:lnTo>
+                  <a:pt x="798512" y="1635670"/>
+                </a:lnTo>
+                <a:lnTo>
+                  <a:pt x="817562" y="1673770"/>
+                </a:lnTo>
+                <a:lnTo>
+                  <a:pt x="833437" y="1710283"/>
+                </a:lnTo>
+                <a:lnTo>
+                  <a:pt x="849312" y="1751558"/>
+                </a:lnTo>
+                <a:lnTo>
+                  <a:pt x="865187" y="1797595"/>
+                </a:lnTo>
+                <a:lnTo>
+                  <a:pt x="876299" y="1849983"/>
+                </a:lnTo>
+                <a:lnTo>
+                  <a:pt x="882649" y="1910308"/>
+                </a:lnTo>
+                <a:lnTo>
+                  <a:pt x="885824" y="1978570"/>
+                </a:lnTo>
+                <a:lnTo>
+                  <a:pt x="882649" y="2046833"/>
+                </a:lnTo>
+                <a:lnTo>
+                  <a:pt x="876299" y="2107158"/>
+                </a:lnTo>
+                <a:lnTo>
+                  <a:pt x="865187" y="2159545"/>
+                </a:lnTo>
+                <a:lnTo>
+                  <a:pt x="849312" y="2205583"/>
+                </a:lnTo>
+                <a:lnTo>
+                  <a:pt x="833437" y="2246858"/>
+                </a:lnTo>
+                <a:lnTo>
+                  <a:pt x="817562" y="2283370"/>
+                </a:lnTo>
+                <a:lnTo>
+                  <a:pt x="798512" y="2321470"/>
+                </a:lnTo>
+                <a:lnTo>
+                  <a:pt x="779462" y="2359570"/>
+                </a:lnTo>
+                <a:lnTo>
+                  <a:pt x="760412" y="2396083"/>
+                </a:lnTo>
+                <a:lnTo>
+                  <a:pt x="744537" y="2437358"/>
+                </a:lnTo>
+                <a:lnTo>
+                  <a:pt x="730249" y="2483395"/>
+                </a:lnTo>
+                <a:lnTo>
+                  <a:pt x="719137" y="2535782"/>
+                </a:lnTo>
+                <a:lnTo>
+                  <a:pt x="711199" y="2596108"/>
+                </a:lnTo>
+                <a:lnTo>
+                  <a:pt x="709612" y="2664370"/>
+                </a:lnTo>
+                <a:lnTo>
+                  <a:pt x="711199" y="2732633"/>
+                </a:lnTo>
+                <a:lnTo>
+                  <a:pt x="719137" y="2792958"/>
+                </a:lnTo>
+                <a:lnTo>
+                  <a:pt x="730249" y="2845345"/>
+                </a:lnTo>
+                <a:lnTo>
+                  <a:pt x="744537" y="2891383"/>
+                </a:lnTo>
+                <a:lnTo>
+                  <a:pt x="760412" y="2932658"/>
+                </a:lnTo>
+                <a:lnTo>
+                  <a:pt x="779462" y="2969170"/>
+                </a:lnTo>
+                <a:lnTo>
+                  <a:pt x="798512" y="3007270"/>
+                </a:lnTo>
+                <a:lnTo>
+                  <a:pt x="817562" y="3045370"/>
+                </a:lnTo>
+                <a:lnTo>
+                  <a:pt x="833437" y="3081883"/>
+                </a:lnTo>
+                <a:lnTo>
+                  <a:pt x="849312" y="3123158"/>
+                </a:lnTo>
+                <a:lnTo>
+                  <a:pt x="865187" y="3169195"/>
+                </a:lnTo>
+                <a:lnTo>
+                  <a:pt x="876299" y="3221583"/>
+                </a:lnTo>
+                <a:lnTo>
+                  <a:pt x="882649" y="3281908"/>
+                </a:lnTo>
+                <a:lnTo>
+                  <a:pt x="885824" y="3348582"/>
+                </a:lnTo>
+                <a:lnTo>
+                  <a:pt x="882649" y="3418433"/>
+                </a:lnTo>
+                <a:lnTo>
+                  <a:pt x="876299" y="3478758"/>
+                </a:lnTo>
+                <a:lnTo>
+                  <a:pt x="865187" y="3531145"/>
+                </a:lnTo>
+                <a:lnTo>
+                  <a:pt x="849312" y="3577183"/>
+                </a:lnTo>
+                <a:lnTo>
+                  <a:pt x="833437" y="3618458"/>
+                </a:lnTo>
+                <a:lnTo>
+                  <a:pt x="817562" y="3654970"/>
+                </a:lnTo>
+                <a:lnTo>
+                  <a:pt x="798512" y="3693070"/>
+                </a:lnTo>
+                <a:lnTo>
+                  <a:pt x="779462" y="3731170"/>
+                </a:lnTo>
+                <a:lnTo>
+                  <a:pt x="760412" y="3767683"/>
+                </a:lnTo>
+                <a:lnTo>
+                  <a:pt x="744537" y="3808958"/>
+                </a:lnTo>
+                <a:lnTo>
+                  <a:pt x="730249" y="3854995"/>
+                </a:lnTo>
+                <a:lnTo>
+                  <a:pt x="719137" y="3907383"/>
+                </a:lnTo>
+                <a:lnTo>
+                  <a:pt x="711199" y="3967708"/>
+                </a:lnTo>
+                <a:lnTo>
+                  <a:pt x="709612" y="4035970"/>
+                </a:lnTo>
+                <a:lnTo>
+                  <a:pt x="711199" y="4104233"/>
+                </a:lnTo>
+                <a:lnTo>
+                  <a:pt x="719137" y="4164557"/>
+                </a:lnTo>
+                <a:lnTo>
+                  <a:pt x="730249" y="4216946"/>
+                </a:lnTo>
+                <a:lnTo>
+                  <a:pt x="744537" y="4262982"/>
+                </a:lnTo>
+                <a:lnTo>
+                  <a:pt x="760412" y="4304258"/>
+                </a:lnTo>
+                <a:lnTo>
+                  <a:pt x="779462" y="4340770"/>
+                </a:lnTo>
+                <a:lnTo>
+                  <a:pt x="817562" y="4416970"/>
+                </a:lnTo>
+                <a:lnTo>
+                  <a:pt x="833437" y="4453483"/>
+                </a:lnTo>
+                <a:lnTo>
+                  <a:pt x="849312" y="4494758"/>
+                </a:lnTo>
+                <a:lnTo>
+                  <a:pt x="865187" y="4540795"/>
+                </a:lnTo>
+                <a:lnTo>
+                  <a:pt x="876299" y="4593183"/>
+                </a:lnTo>
+                <a:lnTo>
+                  <a:pt x="882649" y="4653508"/>
+                </a:lnTo>
+                <a:lnTo>
+                  <a:pt x="885824" y="4721770"/>
+                </a:lnTo>
+                <a:lnTo>
+                  <a:pt x="882649" y="4790033"/>
+                </a:lnTo>
+                <a:lnTo>
+                  <a:pt x="876299" y="4850357"/>
+                </a:lnTo>
+                <a:lnTo>
+                  <a:pt x="865187" y="4902746"/>
+                </a:lnTo>
+                <a:lnTo>
+                  <a:pt x="849312" y="4948782"/>
+                </a:lnTo>
+                <a:lnTo>
+                  <a:pt x="833437" y="4990057"/>
+                </a:lnTo>
+                <a:lnTo>
+                  <a:pt x="817562" y="5026570"/>
+                </a:lnTo>
+                <a:lnTo>
+                  <a:pt x="798512" y="5064670"/>
+                </a:lnTo>
+                <a:lnTo>
+                  <a:pt x="779462" y="5102770"/>
+                </a:lnTo>
+                <a:lnTo>
+                  <a:pt x="760412" y="5139283"/>
+                </a:lnTo>
+                <a:lnTo>
+                  <a:pt x="744537" y="5180558"/>
+                </a:lnTo>
+                <a:lnTo>
+                  <a:pt x="730249" y="5226595"/>
+                </a:lnTo>
+                <a:lnTo>
+                  <a:pt x="719137" y="5278983"/>
+                </a:lnTo>
+                <a:lnTo>
+                  <a:pt x="711199" y="5339307"/>
+                </a:lnTo>
+                <a:lnTo>
+                  <a:pt x="709612" y="5407570"/>
+                </a:lnTo>
+                <a:lnTo>
+                  <a:pt x="711199" y="5475833"/>
+                </a:lnTo>
+                <a:lnTo>
+                  <a:pt x="719137" y="5536158"/>
+                </a:lnTo>
+                <a:lnTo>
+                  <a:pt x="730249" y="5588545"/>
+                </a:lnTo>
+                <a:lnTo>
+                  <a:pt x="744537" y="5634583"/>
+                </a:lnTo>
+                <a:lnTo>
+                  <a:pt x="760412" y="5675858"/>
+                </a:lnTo>
+                <a:lnTo>
+                  <a:pt x="779462" y="5712371"/>
+                </a:lnTo>
+                <a:lnTo>
+                  <a:pt x="798512" y="5750471"/>
+                </a:lnTo>
+                <a:lnTo>
+                  <a:pt x="817562" y="5788571"/>
+                </a:lnTo>
+                <a:lnTo>
+                  <a:pt x="833437" y="5825083"/>
+                </a:lnTo>
+                <a:lnTo>
+                  <a:pt x="849312" y="5866358"/>
+                </a:lnTo>
+                <a:lnTo>
+                  <a:pt x="865187" y="5912395"/>
+                </a:lnTo>
+                <a:lnTo>
+                  <a:pt x="876299" y="5964783"/>
+                </a:lnTo>
+                <a:lnTo>
+                  <a:pt x="882649" y="6025108"/>
+                </a:lnTo>
+                <a:lnTo>
+                  <a:pt x="885824" y="6093370"/>
+                </a:lnTo>
+                <a:lnTo>
+                  <a:pt x="885703" y="6095988"/>
+                </a:lnTo>
+                <a:close/>
+              </a:path>
+            </a:pathLst>
+          </a:custGeom>
+          <a:solidFill>
+            <a:schemeClr val="tx2"/>
+          </a:solidFill>
+          <a:ln w="0">
+            <a:noFill/>
+            <a:prstDash val="solid"/>
+            <a:round/>
+            <a:headEnd/>
+            <a:tailEnd/>
+          </a:ln>
+        </p:spPr>
+      </p:sp>
+    </p:spTree>
+    <p:extLst>
+      <p:ext uri="{BB962C8B-B14F-4D97-AF65-F5344CB8AC3E}">
+        <p14:creationId xmlns:p14="http://schemas.microsoft.com/office/powerpoint/2010/main" val="3490901285"/>
+      </p:ext>
+    </p:extLst>
+  </p:cSld>
+  <p:clrMapOvr>
+    <a:masterClrMapping/>
+  </p:clrMapOvr>
+</p:sld>
+</file>
+
+<file path=ppt/slides/slide8.xml><?xml version="1.0" encoding="utf-8"?>
+<p:sld xmlns:a="http://schemas.openxmlformats.org/drawingml/2006/main" xmlns:r="http://schemas.openxmlformats.org/officeDocument/2006/relationships" xmlns:p="http://schemas.openxmlformats.org/presentationml/2006/main">
+  <p:cSld>
+    <p:bg>
+      <p:bgPr>
+        <a:solidFill>
+          <a:schemeClr val="bg1"/>
+        </a:solidFill>
+        <a:effectLst/>
+      </p:bgPr>
+    </p:bg>
+    <p:spTree>
+      <p:nvGrpSpPr>
+        <p:cNvPr id="1" name=""/>
+        <p:cNvGrpSpPr/>
+        <p:nvPr/>
+      </p:nvGrpSpPr>
+      <p:grpSpPr>
+        <a:xfrm>
+          <a:off x="0" y="0"/>
+          <a:ext cx="0" cy="0"/>
+          <a:chOff x="0" y="0"/>
+          <a:chExt cx="0" cy="0"/>
+        </a:xfrm>
+      </p:grpSpPr>
+      <p:sp useBgFill="1">
+        <p:nvSpPr>
+          <p:cNvPr id="32" name="Rectangle 31">
+            <a:extLst>
+              <a:ext uri="{FF2B5EF4-FFF2-40B4-BE49-F238E27FC236}">
+                <a16:creationId xmlns:a16="http://schemas.microsoft.com/office/drawing/2014/main" id="{2D6CE9D5-28BB-4329-B5E2-B06131F27F5B}"/>
+              </a:ext>
+              <a:ext uri="{C183D7F6-B498-43B3-948B-1728B52AA6E4}">
+                <adec:decorative xmlns:adec="http://schemas.microsoft.com/office/drawing/2017/decorative" val="1"/>
+              </a:ext>
+            </a:extLst>
+          </p:cNvPr>
+          <p:cNvSpPr>
+            <a:spLocks noGrp="1" noRot="1" noChangeAspect="1" noMove="1" noResize="1" noEditPoints="1" noAdjustHandles="1" noChangeArrowheads="1" noChangeShapeType="1" noTextEdit="1"/>
+          </p:cNvSpPr>
+          <p:nvPr>
+            <p:extLst>
+              <p:ext uri="{386F3935-93C4-4BCD-93E2-E3B085C9AB24}">
+                <p16:designElem xmlns:p16="http://schemas.microsoft.com/office/powerpoint/2015/main" val="1"/>
+              </p:ext>
+            </p:extLst>
+          </p:nvPr>
+        </p:nvSpPr>
+        <p:spPr bwMode="white">
+          <a:xfrm>
+            <a:off x="0" y="0"/>
+            <a:ext cx="12192000" cy="6858000"/>
+          </a:xfrm>
+          <a:prstGeom prst="rect">
+            <a:avLst/>
+          </a:prstGeom>
+          <a:ln>
+            <a:noFill/>
+          </a:ln>
+        </p:spPr>
+        <p:style>
+          <a:lnRef idx="2">
+            <a:schemeClr val="accent1">
+              <a:shade val="50000"/>
+            </a:schemeClr>
+          </a:lnRef>
+          <a:fillRef idx="1">
+            <a:schemeClr val="accent1"/>
+          </a:fillRef>
+          <a:effectRef idx="0">
+            <a:schemeClr val="accent1"/>
+          </a:effectRef>
+          <a:fontRef idx="minor">
+            <a:schemeClr val="lt1"/>
+          </a:fontRef>
+        </p:style>
+        <p:txBody>
+          <a:bodyPr rot="0" spcFirstLastPara="0" vert="horz" wrap="square" lIns="91440" tIns="45720" rIns="91440" bIns="45720" numCol="1" spcCol="0" rtlCol="0" fromWordArt="0" anchor="ctr" anchorCtr="0" forceAA="0" compatLnSpc="1">
+            <a:prstTxWarp prst="textNoShape">
+              <a:avLst/>
+            </a:prstTxWarp>
+            <a:noAutofit/>
+          </a:bodyPr>
+          <a:lstStyle>
+            <a:defPPr>
+              <a:defRPr lang="en-US"/>
+            </a:defPPr>
+            <a:lvl1pPr marL="0" algn="l" defTabSz="914400" rtl="0" eaLnBrk="1" latinLnBrk="0" hangingPunct="1">
+              <a:defRPr sz="1800" kern="1200">
+                <a:solidFill>
+                  <a:schemeClr val="lt1"/>
+                </a:solidFill>
+                <a:latin typeface="+mn-lt"/>
+                <a:ea typeface="+mn-ea"/>
+                <a:cs typeface="+mn-cs"/>
+              </a:defRPr>
+            </a:lvl1pPr>
+            <a:lvl2pPr marL="457200" algn="l" defTabSz="914400" rtl="0" eaLnBrk="1" latinLnBrk="0" hangingPunct="1">
+              <a:defRPr sz="1800" kern="1200">
+                <a:solidFill>
+                  <a:schemeClr val="lt1"/>
+                </a:solidFill>
+                <a:latin typeface="+mn-lt"/>
+                <a:ea typeface="+mn-ea"/>
+                <a:cs typeface="+mn-cs"/>
+              </a:defRPr>
+            </a:lvl2pPr>
+            <a:lvl3pPr marL="914400" algn="l" defTabSz="914400" rtl="0" eaLnBrk="1" latinLnBrk="0" hangingPunct="1">
+              <a:defRPr sz="1800" kern="1200">
+                <a:solidFill>
+                  <a:schemeClr val="lt1"/>
+                </a:solidFill>
+                <a:latin typeface="+mn-lt"/>
+                <a:ea typeface="+mn-ea"/>
+                <a:cs typeface="+mn-cs"/>
+              </a:defRPr>
+            </a:lvl3pPr>
+            <a:lvl4pPr marL="1371600" algn="l" defTabSz="914400" rtl="0" eaLnBrk="1" latinLnBrk="0" hangingPunct="1">
+              <a:defRPr sz="1800" kern="1200">
+                <a:solidFill>
+                  <a:schemeClr val="lt1"/>
+                </a:solidFill>
+                <a:latin typeface="+mn-lt"/>
+                <a:ea typeface="+mn-ea"/>
+                <a:cs typeface="+mn-cs"/>
+              </a:defRPr>
+            </a:lvl4pPr>
+            <a:lvl5pPr marL="1828800" algn="l" defTabSz="914400" rtl="0" eaLnBrk="1" latinLnBrk="0" hangingPunct="1">
+              <a:defRPr sz="1800" kern="1200">
+                <a:solidFill>
+                  <a:schemeClr val="lt1"/>
+                </a:solidFill>
+                <a:latin typeface="+mn-lt"/>
+                <a:ea typeface="+mn-ea"/>
+                <a:cs typeface="+mn-cs"/>
+              </a:defRPr>
+            </a:lvl5pPr>
+            <a:lvl6pPr marL="2286000" algn="l" defTabSz="914400" rtl="0" eaLnBrk="1" latinLnBrk="0" hangingPunct="1">
+              <a:defRPr sz="1800" kern="1200">
+                <a:solidFill>
+                  <a:schemeClr val="lt1"/>
+                </a:solidFill>
+                <a:latin typeface="+mn-lt"/>
+                <a:ea typeface="+mn-ea"/>
+                <a:cs typeface="+mn-cs"/>
+              </a:defRPr>
+            </a:lvl6pPr>
+            <a:lvl7pPr marL="2743200" algn="l" defTabSz="914400" rtl="0" eaLnBrk="1" latinLnBrk="0" hangingPunct="1">
+              <a:defRPr sz="1800" kern="1200">
+                <a:solidFill>
+                  <a:schemeClr val="lt1"/>
+                </a:solidFill>
+                <a:latin typeface="+mn-lt"/>
+                <a:ea typeface="+mn-ea"/>
+                <a:cs typeface="+mn-cs"/>
+              </a:defRPr>
+            </a:lvl7pPr>
+            <a:lvl8pPr marL="3200400" algn="l" defTabSz="914400" rtl="0" eaLnBrk="1" latinLnBrk="0" hangingPunct="1">
+              <a:defRPr sz="1800" kern="1200">
+                <a:solidFill>
+                  <a:schemeClr val="lt1"/>
+                </a:solidFill>
+                <a:latin typeface="+mn-lt"/>
+                <a:ea typeface="+mn-ea"/>
+                <a:cs typeface="+mn-cs"/>
+              </a:defRPr>
+            </a:lvl8pPr>
+            <a:lvl9pPr marL="3657600" algn="l" defTabSz="914400" rtl="0" eaLnBrk="1" latinLnBrk="0" hangingPunct="1">
+              <a:defRPr sz="1800" kern="1200">
+                <a:solidFill>
+                  <a:schemeClr val="lt1"/>
+                </a:solidFill>
+                <a:latin typeface="+mn-lt"/>
+                <a:ea typeface="+mn-ea"/>
+                <a:cs typeface="+mn-cs"/>
+              </a:defRPr>
+            </a:lvl9pPr>
+          </a:lstStyle>
+          <a:p>
+            <a:pPr algn="ctr"/>
+            <a:endParaRPr lang="en-US"/>
+          </a:p>
+        </p:txBody>
+      </p:sp>
+      <p:sp>
+        <p:nvSpPr>
+          <p:cNvPr id="34" name="Rectangle 33">
+            <a:extLst>
+              <a:ext uri="{FF2B5EF4-FFF2-40B4-BE49-F238E27FC236}">
+                <a16:creationId xmlns:a16="http://schemas.microsoft.com/office/drawing/2014/main" id="{8D9F7D40-5D59-4F59-A331-D8F7710AC903}"/>
+              </a:ext>
+              <a:ext uri="{C183D7F6-B498-43B3-948B-1728B52AA6E4}">
+                <adec:decorative xmlns:adec="http://schemas.microsoft.com/office/drawing/2017/decorative" val="1"/>
+              </a:ext>
+            </a:extLst>
+          </p:cNvPr>
+          <p:cNvSpPr>
+            <a:spLocks noGrp="1" noRot="1" noChangeAspect="1" noMove="1" noResize="1" noEditPoints="1" noAdjustHandles="1" noChangeArrowheads="1" noChangeShapeType="1" noTextEdit="1"/>
+          </p:cNvSpPr>
+          <p:nvPr>
+            <p:extLst>
+              <p:ext uri="{386F3935-93C4-4BCD-93E2-E3B085C9AB24}">
+                <p16:designElem xmlns:p16="http://schemas.microsoft.com/office/powerpoint/2015/main" val="1"/>
+              </p:ext>
+            </p:extLst>
+          </p:nvPr>
+        </p:nvSpPr>
+        <p:spPr>
+          <a:xfrm>
+            <a:off x="0" y="0"/>
+            <a:ext cx="283464" cy="6858000"/>
+          </a:xfrm>
+          <a:prstGeom prst="rect">
+            <a:avLst/>
+          </a:prstGeom>
+          <a:solidFill>
+            <a:schemeClr val="accent1"/>
+          </a:solidFill>
+          <a:ln>
+            <a:noFill/>
+          </a:ln>
+        </p:spPr>
+        <p:style>
+          <a:lnRef idx="2">
+            <a:schemeClr val="accent1">
+              <a:shade val="50000"/>
+            </a:schemeClr>
+          </a:lnRef>
+          <a:fillRef idx="1">
+            <a:schemeClr val="accent1"/>
+          </a:fillRef>
+          <a:effectRef idx="0">
+            <a:schemeClr val="accent1"/>
+          </a:effectRef>
+          <a:fontRef idx="minor">
+            <a:schemeClr val="lt1"/>
+          </a:fontRef>
+        </p:style>
+      </p:sp>
+      <p:sp>
+        <p:nvSpPr>
+          <p:cNvPr id="36" name="Freeform 11">
+            <a:extLst>
+              <a:ext uri="{FF2B5EF4-FFF2-40B4-BE49-F238E27FC236}">
+                <a16:creationId xmlns:a16="http://schemas.microsoft.com/office/drawing/2014/main" id="{E2B1BC2F-AEBF-4990-A7F9-197AAF28BC7A}"/>
+              </a:ext>
+              <a:ext uri="{C183D7F6-B498-43B3-948B-1728B52AA6E4}">
+                <adec:decorative xmlns:adec="http://schemas.microsoft.com/office/drawing/2017/decorative" val="1"/>
+              </a:ext>
+            </a:extLst>
+          </p:cNvPr>
+          <p:cNvSpPr>
+            <a:spLocks noGrp="1" noRot="1" noChangeAspect="1" noMove="1" noResize="1" noEditPoints="1" noAdjustHandles="1" noChangeArrowheads="1" noChangeShapeType="1" noTextEdit="1"/>
+          </p:cNvSpPr>
+          <p:nvPr>
+            <p:extLst>
+              <p:ext uri="{386F3935-93C4-4BCD-93E2-E3B085C9AB24}">
+                <p16:designElem xmlns:p16="http://schemas.microsoft.com/office/powerpoint/2015/main" val="1"/>
+              </p:ext>
+            </p:extLst>
+          </p:nvPr>
+        </p:nvSpPr>
+        <p:spPr bwMode="auto">
+          <a:xfrm>
+            <a:off x="7548664" y="0"/>
+            <a:ext cx="4643336" cy="6858000"/>
+          </a:xfrm>
+          <a:custGeom>
+            <a:avLst/>
+            <a:gdLst/>
+            <a:ahLst/>
+            <a:cxnLst/>
+            <a:rect l="0" t="0" r="r" b="b"/>
+            <a:pathLst>
+              <a:path w="3025" h="4320">
+                <a:moveTo>
+                  <a:pt x="0" y="0"/>
+                </a:moveTo>
+                <a:lnTo>
+                  <a:pt x="3025" y="0"/>
+                </a:lnTo>
+                <a:lnTo>
+                  <a:pt x="3025" y="4320"/>
+                </a:lnTo>
+                <a:lnTo>
+                  <a:pt x="0" y="4320"/>
+                </a:lnTo>
+                <a:lnTo>
+                  <a:pt x="3" y="4278"/>
+                </a:lnTo>
+                <a:lnTo>
+                  <a:pt x="8" y="4243"/>
+                </a:lnTo>
+                <a:lnTo>
+                  <a:pt x="14" y="4210"/>
+                </a:lnTo>
+                <a:lnTo>
+                  <a:pt x="24" y="4183"/>
+                </a:lnTo>
+                <a:lnTo>
+                  <a:pt x="34" y="4156"/>
+                </a:lnTo>
+                <a:lnTo>
+                  <a:pt x="46" y="4133"/>
+                </a:lnTo>
+                <a:lnTo>
+                  <a:pt x="58" y="4109"/>
+                </a:lnTo>
+                <a:lnTo>
+                  <a:pt x="69" y="4087"/>
+                </a:lnTo>
+                <a:lnTo>
+                  <a:pt x="80" y="4062"/>
+                </a:lnTo>
+                <a:lnTo>
+                  <a:pt x="90" y="4036"/>
+                </a:lnTo>
+                <a:lnTo>
+                  <a:pt x="99" y="4007"/>
+                </a:lnTo>
+                <a:lnTo>
+                  <a:pt x="106" y="3976"/>
+                </a:lnTo>
+                <a:lnTo>
+                  <a:pt x="111" y="3938"/>
+                </a:lnTo>
+                <a:lnTo>
+                  <a:pt x="113" y="3895"/>
+                </a:lnTo>
+                <a:lnTo>
+                  <a:pt x="111" y="3851"/>
+                </a:lnTo>
+                <a:lnTo>
+                  <a:pt x="106" y="3815"/>
+                </a:lnTo>
+                <a:lnTo>
+                  <a:pt x="99" y="3782"/>
+                </a:lnTo>
+                <a:lnTo>
+                  <a:pt x="90" y="3752"/>
+                </a:lnTo>
+                <a:lnTo>
+                  <a:pt x="80" y="3726"/>
+                </a:lnTo>
+                <a:lnTo>
+                  <a:pt x="68" y="3702"/>
+                </a:lnTo>
+                <a:lnTo>
+                  <a:pt x="56" y="3679"/>
+                </a:lnTo>
+                <a:lnTo>
+                  <a:pt x="44" y="3655"/>
+                </a:lnTo>
+                <a:lnTo>
+                  <a:pt x="33" y="3630"/>
+                </a:lnTo>
+                <a:lnTo>
+                  <a:pt x="22" y="3604"/>
+                </a:lnTo>
+                <a:lnTo>
+                  <a:pt x="13" y="3575"/>
+                </a:lnTo>
+                <a:lnTo>
+                  <a:pt x="7" y="3542"/>
+                </a:lnTo>
+                <a:lnTo>
+                  <a:pt x="1" y="3504"/>
+                </a:lnTo>
+                <a:lnTo>
+                  <a:pt x="0" y="3461"/>
+                </a:lnTo>
+                <a:lnTo>
+                  <a:pt x="1" y="3418"/>
+                </a:lnTo>
+                <a:lnTo>
+                  <a:pt x="7" y="3380"/>
+                </a:lnTo>
+                <a:lnTo>
+                  <a:pt x="13" y="3347"/>
+                </a:lnTo>
+                <a:lnTo>
+                  <a:pt x="22" y="3319"/>
+                </a:lnTo>
+                <a:lnTo>
+                  <a:pt x="33" y="3292"/>
+                </a:lnTo>
+                <a:lnTo>
+                  <a:pt x="44" y="3267"/>
+                </a:lnTo>
+                <a:lnTo>
+                  <a:pt x="56" y="3244"/>
+                </a:lnTo>
+                <a:lnTo>
+                  <a:pt x="68" y="3222"/>
+                </a:lnTo>
+                <a:lnTo>
+                  <a:pt x="80" y="3197"/>
+                </a:lnTo>
+                <a:lnTo>
+                  <a:pt x="90" y="3171"/>
+                </a:lnTo>
+                <a:lnTo>
+                  <a:pt x="99" y="3142"/>
+                </a:lnTo>
+                <a:lnTo>
+                  <a:pt x="106" y="3109"/>
+                </a:lnTo>
+                <a:lnTo>
+                  <a:pt x="111" y="3071"/>
+                </a:lnTo>
+                <a:lnTo>
+                  <a:pt x="113" y="3028"/>
+                </a:lnTo>
+                <a:lnTo>
+                  <a:pt x="111" y="2985"/>
+                </a:lnTo>
+                <a:lnTo>
+                  <a:pt x="106" y="2947"/>
+                </a:lnTo>
+                <a:lnTo>
+                  <a:pt x="99" y="2914"/>
+                </a:lnTo>
+                <a:lnTo>
+                  <a:pt x="90" y="2885"/>
+                </a:lnTo>
+                <a:lnTo>
+                  <a:pt x="80" y="2858"/>
+                </a:lnTo>
+                <a:lnTo>
+                  <a:pt x="68" y="2834"/>
+                </a:lnTo>
+                <a:lnTo>
+                  <a:pt x="44" y="2787"/>
+                </a:lnTo>
+                <a:lnTo>
+                  <a:pt x="33" y="2763"/>
+                </a:lnTo>
+                <a:lnTo>
+                  <a:pt x="22" y="2736"/>
+                </a:lnTo>
+                <a:lnTo>
+                  <a:pt x="13" y="2707"/>
+                </a:lnTo>
+                <a:lnTo>
+                  <a:pt x="7" y="2674"/>
+                </a:lnTo>
+                <a:lnTo>
+                  <a:pt x="1" y="2637"/>
+                </a:lnTo>
+                <a:lnTo>
+                  <a:pt x="0" y="2593"/>
+                </a:lnTo>
+                <a:lnTo>
+                  <a:pt x="1" y="2550"/>
+                </a:lnTo>
+                <a:lnTo>
+                  <a:pt x="7" y="2512"/>
+                </a:lnTo>
+                <a:lnTo>
+                  <a:pt x="13" y="2479"/>
+                </a:lnTo>
+                <a:lnTo>
+                  <a:pt x="22" y="2451"/>
+                </a:lnTo>
+                <a:lnTo>
+                  <a:pt x="33" y="2424"/>
+                </a:lnTo>
+                <a:lnTo>
+                  <a:pt x="44" y="2401"/>
+                </a:lnTo>
+                <a:lnTo>
+                  <a:pt x="68" y="2354"/>
+                </a:lnTo>
+                <a:lnTo>
+                  <a:pt x="80" y="2329"/>
+                </a:lnTo>
+                <a:lnTo>
+                  <a:pt x="90" y="2303"/>
+                </a:lnTo>
+                <a:lnTo>
+                  <a:pt x="99" y="2274"/>
+                </a:lnTo>
+                <a:lnTo>
+                  <a:pt x="106" y="2241"/>
+                </a:lnTo>
+                <a:lnTo>
+                  <a:pt x="111" y="2203"/>
+                </a:lnTo>
+                <a:lnTo>
+                  <a:pt x="113" y="2159"/>
+                </a:lnTo>
+                <a:lnTo>
+                  <a:pt x="111" y="2117"/>
+                </a:lnTo>
+                <a:lnTo>
+                  <a:pt x="106" y="2079"/>
+                </a:lnTo>
+                <a:lnTo>
+                  <a:pt x="99" y="2046"/>
+                </a:lnTo>
+                <a:lnTo>
+                  <a:pt x="90" y="2017"/>
+                </a:lnTo>
+                <a:lnTo>
+                  <a:pt x="80" y="1991"/>
+                </a:lnTo>
+                <a:lnTo>
+                  <a:pt x="68" y="1966"/>
+                </a:lnTo>
+                <a:lnTo>
+                  <a:pt x="56" y="1943"/>
+                </a:lnTo>
+                <a:lnTo>
+                  <a:pt x="44" y="1919"/>
+                </a:lnTo>
+                <a:lnTo>
+                  <a:pt x="33" y="1896"/>
+                </a:lnTo>
+                <a:lnTo>
+                  <a:pt x="22" y="1869"/>
+                </a:lnTo>
+                <a:lnTo>
+                  <a:pt x="13" y="1841"/>
+                </a:lnTo>
+                <a:lnTo>
+                  <a:pt x="7" y="1807"/>
+                </a:lnTo>
+                <a:lnTo>
+                  <a:pt x="1" y="1770"/>
+                </a:lnTo>
+                <a:lnTo>
+                  <a:pt x="0" y="1727"/>
+                </a:lnTo>
+                <a:lnTo>
+                  <a:pt x="1" y="1683"/>
+                </a:lnTo>
+                <a:lnTo>
+                  <a:pt x="7" y="1646"/>
+                </a:lnTo>
+                <a:lnTo>
+                  <a:pt x="13" y="1613"/>
+                </a:lnTo>
+                <a:lnTo>
+                  <a:pt x="22" y="1583"/>
+                </a:lnTo>
+                <a:lnTo>
+                  <a:pt x="33" y="1557"/>
+                </a:lnTo>
+                <a:lnTo>
+                  <a:pt x="44" y="1533"/>
+                </a:lnTo>
+                <a:lnTo>
+                  <a:pt x="56" y="1509"/>
+                </a:lnTo>
+                <a:lnTo>
+                  <a:pt x="68" y="1486"/>
+                </a:lnTo>
+                <a:lnTo>
+                  <a:pt x="80" y="1461"/>
+                </a:lnTo>
+                <a:lnTo>
+                  <a:pt x="90" y="1435"/>
+                </a:lnTo>
+                <a:lnTo>
+                  <a:pt x="99" y="1406"/>
+                </a:lnTo>
+                <a:lnTo>
+                  <a:pt x="106" y="1373"/>
+                </a:lnTo>
+                <a:lnTo>
+                  <a:pt x="111" y="1335"/>
+                </a:lnTo>
+                <a:lnTo>
+                  <a:pt x="113" y="1292"/>
+                </a:lnTo>
+                <a:lnTo>
+                  <a:pt x="111" y="1249"/>
+                </a:lnTo>
+                <a:lnTo>
+                  <a:pt x="106" y="1211"/>
+                </a:lnTo>
+                <a:lnTo>
+                  <a:pt x="99" y="1178"/>
+                </a:lnTo>
+                <a:lnTo>
+                  <a:pt x="90" y="1149"/>
+                </a:lnTo>
+                <a:lnTo>
+                  <a:pt x="80" y="1123"/>
+                </a:lnTo>
+                <a:lnTo>
+                  <a:pt x="68" y="1098"/>
+                </a:lnTo>
+                <a:lnTo>
+                  <a:pt x="56" y="1076"/>
+                </a:lnTo>
+                <a:lnTo>
+                  <a:pt x="44" y="1053"/>
+                </a:lnTo>
+                <a:lnTo>
+                  <a:pt x="33" y="1028"/>
+                </a:lnTo>
+                <a:lnTo>
+                  <a:pt x="22" y="1001"/>
+                </a:lnTo>
+                <a:lnTo>
+                  <a:pt x="13" y="973"/>
+                </a:lnTo>
+                <a:lnTo>
+                  <a:pt x="7" y="940"/>
+                </a:lnTo>
+                <a:lnTo>
+                  <a:pt x="1" y="902"/>
+                </a:lnTo>
+                <a:lnTo>
+                  <a:pt x="0" y="859"/>
+                </a:lnTo>
+                <a:lnTo>
+                  <a:pt x="1" y="816"/>
+                </a:lnTo>
+                <a:lnTo>
+                  <a:pt x="7" y="778"/>
+                </a:lnTo>
+                <a:lnTo>
+                  <a:pt x="13" y="745"/>
+                </a:lnTo>
+                <a:lnTo>
+                  <a:pt x="22" y="716"/>
+                </a:lnTo>
+                <a:lnTo>
+                  <a:pt x="33" y="690"/>
+                </a:lnTo>
+                <a:lnTo>
+                  <a:pt x="44" y="665"/>
+                </a:lnTo>
+                <a:lnTo>
+                  <a:pt x="56" y="641"/>
+                </a:lnTo>
+                <a:lnTo>
+                  <a:pt x="68" y="618"/>
+                </a:lnTo>
+                <a:lnTo>
+                  <a:pt x="80" y="594"/>
+                </a:lnTo>
+                <a:lnTo>
+                  <a:pt x="90" y="568"/>
+                </a:lnTo>
+                <a:lnTo>
+                  <a:pt x="99" y="538"/>
+                </a:lnTo>
+                <a:lnTo>
+                  <a:pt x="106" y="505"/>
+                </a:lnTo>
+                <a:lnTo>
+                  <a:pt x="111" y="469"/>
+                </a:lnTo>
+                <a:lnTo>
+                  <a:pt x="113" y="424"/>
+                </a:lnTo>
+                <a:lnTo>
+                  <a:pt x="111" y="382"/>
+                </a:lnTo>
+                <a:lnTo>
+                  <a:pt x="106" y="344"/>
+                </a:lnTo>
+                <a:lnTo>
+                  <a:pt x="99" y="313"/>
+                </a:lnTo>
+                <a:lnTo>
+                  <a:pt x="90" y="284"/>
+                </a:lnTo>
+                <a:lnTo>
+                  <a:pt x="80" y="258"/>
+                </a:lnTo>
+                <a:lnTo>
+                  <a:pt x="69" y="233"/>
+                </a:lnTo>
+                <a:lnTo>
+                  <a:pt x="58" y="211"/>
+                </a:lnTo>
+                <a:lnTo>
+                  <a:pt x="46" y="187"/>
+                </a:lnTo>
+                <a:lnTo>
+                  <a:pt x="34" y="164"/>
+                </a:lnTo>
+                <a:lnTo>
+                  <a:pt x="24" y="137"/>
+                </a:lnTo>
+                <a:lnTo>
+                  <a:pt x="14" y="110"/>
+                </a:lnTo>
+                <a:lnTo>
+                  <a:pt x="8" y="77"/>
+                </a:lnTo>
+                <a:lnTo>
+                  <a:pt x="3" y="42"/>
+                </a:lnTo>
+                <a:lnTo>
+                  <a:pt x="0" y="0"/>
+                </a:lnTo>
+                <a:close/>
+              </a:path>
+            </a:pathLst>
+          </a:custGeom>
+          <a:solidFill>
+            <a:schemeClr val="tx2"/>
+          </a:solidFill>
+          <a:ln w="0">
+            <a:noFill/>
+            <a:prstDash val="solid"/>
+            <a:round/>
+            <a:headEnd/>
+            <a:tailEnd/>
+          </a:ln>
+        </p:spPr>
+      </p:sp>
+      <p:sp>
+        <p:nvSpPr>
           <p:cNvPr id="2" name="Title 1">
             <a:extLst>
               <a:ext uri="{FF2B5EF4-FFF2-40B4-BE49-F238E27FC236}">
-                <a16:creationId xmlns:a16="http://schemas.microsoft.com/office/drawing/2014/main" id="{93F4D182-36A8-D18D-A20B-CE4EEDFB1E69}"/>
+                <a16:creationId xmlns:a16="http://schemas.microsoft.com/office/drawing/2014/main" id="{86B99B8C-EB75-0F86-636E-0F39839A7F3A}"/>
               </a:ext>
             </a:extLst>
           </p:cNvPr>
@@ -16363,178 +24014,141 @@
         </p:nvSpPr>
         <p:spPr>
           <a:xfrm>
-            <a:off x="2206110" y="447362"/>
-            <a:ext cx="6626365" cy="716849"/>
+            <a:off x="8339328" y="457200"/>
+            <a:ext cx="3090672" cy="1197864"/>
           </a:xfrm>
         </p:spPr>
         <p:txBody>
           <a:bodyPr vert="horz" lIns="91440" tIns="45720" rIns="91440" bIns="45720" rtlCol="0" anchor="b">
-            <a:normAutofit fontScale="90000"/>
+            <a:normAutofit/>
           </a:bodyPr>
           <a:lstStyle/>
           <a:p>
             <a:r>
-              <a:rPr lang="en-US" sz="4000" kern="1200" dirty="0">
+              <a:rPr lang="en-US" sz="1900" dirty="0">
                 <a:solidFill>
-                  <a:schemeClr val="tx1"/>
+                  <a:schemeClr val="accent1"/>
                 </a:solidFill>
-                <a:latin typeface="+mj-lt"/>
-                <a:ea typeface="+mj-ea"/>
-                <a:cs typeface="+mj-cs"/>
               </a:rPr>
-              <a:t>Data Exploratio</a:t>
+              <a:t>Machine learning– Regression Model</a:t>
             </a:r>
-            <a:r>
-              <a:rPr lang="en-US" sz="4000" dirty="0"/>
-              <a:t>n and Cleaning </a:t>
-            </a:r>
-            <a:endParaRPr lang="en-US" sz="4000" kern="1200" dirty="0">
-              <a:solidFill>
-                <a:schemeClr val="tx1"/>
-              </a:solidFill>
-              <a:latin typeface="+mj-lt"/>
-              <a:ea typeface="+mj-ea"/>
-              <a:cs typeface="+mj-cs"/>
-            </a:endParaRPr>
           </a:p>
         </p:txBody>
       </p:sp>
-      <p:sp>
-        <p:nvSpPr>
-          <p:cNvPr id="4" name="Rectangle 3">
+      <p:pic>
+        <p:nvPicPr>
+          <p:cNvPr id="18" name="Picture 17" descr="A screenshot of a computer&#10;&#10;Description automatically generated with medium confidence">
             <a:extLst>
               <a:ext uri="{FF2B5EF4-FFF2-40B4-BE49-F238E27FC236}">
-                <a16:creationId xmlns:a16="http://schemas.microsoft.com/office/drawing/2014/main" id="{C0C2D282-1CD4-5C56-09C9-CCB9DF7A4385}"/>
+                <a16:creationId xmlns:a16="http://schemas.microsoft.com/office/drawing/2014/main" id="{098ADE91-C606-4F4F-9A89-DF035CCB0DC8}"/>
               </a:ext>
             </a:extLst>
           </p:cNvPr>
-          <p:cNvSpPr/>
+          <p:cNvPicPr>
+            <a:picLocks noChangeAspect="1"/>
+          </p:cNvPicPr>
+          <p:nvPr/>
+        </p:nvPicPr>
+        <p:blipFill>
+          <a:blip r:embed="rId2"/>
+          <a:stretch>
+            <a:fillRect/>
+          </a:stretch>
+        </p:blipFill>
+        <p:spPr>
+          <a:xfrm>
+            <a:off x="926927" y="1210734"/>
+            <a:ext cx="5978273" cy="4125850"/>
+          </a:xfrm>
+          <a:prstGeom prst="rect">
+            <a:avLst/>
+          </a:prstGeom>
+        </p:spPr>
+      </p:pic>
+      <p:sp>
+        <p:nvSpPr>
+          <p:cNvPr id="16" name="TextBox 15">
+            <a:extLst>
+              <a:ext uri="{FF2B5EF4-FFF2-40B4-BE49-F238E27FC236}">
+                <a16:creationId xmlns:a16="http://schemas.microsoft.com/office/drawing/2014/main" id="{170C4ED6-9E22-8539-15B5-E099A1F91E4D}"/>
+              </a:ext>
+            </a:extLst>
+          </p:cNvPr>
+          <p:cNvSpPr txBox="1"/>
           <p:nvPr/>
         </p:nvSpPr>
         <p:spPr>
           <a:xfrm>
-            <a:off x="2785096" y="1321425"/>
-            <a:ext cx="4484514" cy="3747436"/>
+            <a:off x="8339328" y="1655065"/>
+            <a:ext cx="3090672" cy="457199"/>
           </a:xfrm>
           <a:prstGeom prst="rect">
             <a:avLst/>
           </a:prstGeom>
         </p:spPr>
         <p:txBody>
-          <a:bodyPr wrap="square">
+          <a:bodyPr vert="horz" lIns="91440" tIns="45720" rIns="91440" bIns="45720" rtlCol="0">
+            <a:normAutofit/>
+          </a:bodyPr>
+          <a:lstStyle/>
+          <a:p>
+            <a:pPr indent="-228600" defTabSz="914400">
+              <a:lnSpc>
+                <a:spcPct val="110000"/>
+              </a:lnSpc>
+              <a:spcBef>
+                <a:spcPts val="700"/>
+              </a:spcBef>
+              <a:buClr>
+                <a:schemeClr val="tx2"/>
+              </a:buClr>
+            </a:pPr>
+            <a:r>
+              <a:rPr lang="en-US" sz="1600" dirty="0">
+                <a:solidFill>
+                  <a:schemeClr val="bg1"/>
+                </a:solidFill>
+              </a:rPr>
+              <a:t>Target variable: INJURIES_TOTAL</a:t>
+            </a:r>
+          </a:p>
+        </p:txBody>
+      </p:sp>
+      <p:sp>
+        <p:nvSpPr>
+          <p:cNvPr id="19" name="TextBox 18">
+            <a:extLst>
+              <a:ext uri="{FF2B5EF4-FFF2-40B4-BE49-F238E27FC236}">
+                <a16:creationId xmlns:a16="http://schemas.microsoft.com/office/drawing/2014/main" id="{12A2061A-80F9-896F-D8F4-FC7583D7D4B4}"/>
+              </a:ext>
+            </a:extLst>
+          </p:cNvPr>
+          <p:cNvSpPr txBox="1"/>
+          <p:nvPr/>
+        </p:nvSpPr>
+        <p:spPr>
+          <a:xfrm>
+            <a:off x="8339328" y="2395728"/>
+            <a:ext cx="1291700" cy="369332"/>
+          </a:xfrm>
+          <a:prstGeom prst="rect">
+            <a:avLst/>
+          </a:prstGeom>
+          <a:noFill/>
+        </p:spPr>
+        <p:txBody>
+          <a:bodyPr wrap="none" rtlCol="0">
             <a:spAutoFit/>
           </a:bodyPr>
           <a:lstStyle/>
           <a:p>
-            <a:pPr>
-              <a:lnSpc>
-                <a:spcPct val="150000"/>
-              </a:lnSpc>
-            </a:pPr>
             <a:r>
-              <a:rPr lang="en-US" sz="1600" dirty="0">
-                <a:latin typeface="+mj-lt"/>
-                <a:cs typeface="Segoe UI Light" panose="020B0502040204020203" pitchFamily="34" charset="0"/>
+              <a:rPr lang="en-US" dirty="0">
+                <a:solidFill>
+                  <a:schemeClr val="bg1"/>
+                </a:solidFill>
               </a:rPr>
-              <a:t>We have gathered the data by web scraping, through API requests and manual downloads from the following resources:</a:t>
-            </a:r>
-          </a:p>
-          <a:p>
-            <a:pPr>
-              <a:lnSpc>
-                <a:spcPct val="150000"/>
-              </a:lnSpc>
-            </a:pPr>
-            <a:endParaRPr lang="en-US" sz="1600" dirty="0">
-              <a:latin typeface="+mj-lt"/>
-              <a:cs typeface="Segoe UI Light" panose="020B0502040204020203" pitchFamily="34" charset="0"/>
-            </a:endParaRPr>
-          </a:p>
-          <a:p>
-            <a:pPr marL="171450" indent="-171450">
-              <a:lnSpc>
-                <a:spcPct val="150000"/>
-              </a:lnSpc>
-              <a:buFont typeface="Arial" panose="020B0604020202020204" pitchFamily="34" charset="0"/>
-              <a:buChar char="•"/>
-            </a:pPr>
-            <a:r>
-              <a:rPr lang="en-US" sz="1600" dirty="0">
-                <a:latin typeface="+mj-lt"/>
-                <a:cs typeface="Segoe UI Light" panose="020B0502040204020203" pitchFamily="34" charset="0"/>
-              </a:rPr>
-              <a:t>World Health Organization (WHO)</a:t>
-            </a:r>
-          </a:p>
-          <a:p>
-            <a:pPr marL="171450" indent="-171450">
-              <a:lnSpc>
-                <a:spcPct val="150000"/>
-              </a:lnSpc>
-              <a:buFont typeface="Arial" panose="020B0604020202020204" pitchFamily="34" charset="0"/>
-              <a:buChar char="•"/>
-            </a:pPr>
-            <a:r>
-              <a:rPr lang="en-US" sz="1600" dirty="0">
-                <a:latin typeface="+mj-lt"/>
-                <a:cs typeface="Segoe UI Light" panose="020B0502040204020203" pitchFamily="34" charset="0"/>
-              </a:rPr>
-              <a:t>Global Alliance on Health and Pollution (GAHP)</a:t>
-            </a:r>
-          </a:p>
-          <a:p>
-            <a:pPr marL="171450" indent="-171450">
-              <a:lnSpc>
-                <a:spcPct val="150000"/>
-              </a:lnSpc>
-              <a:buFont typeface="Arial" panose="020B0604020202020204" pitchFamily="34" charset="0"/>
-              <a:buChar char="•"/>
-            </a:pPr>
-            <a:r>
-              <a:rPr lang="en-US" sz="1600" dirty="0">
-                <a:latin typeface="+mj-lt"/>
-                <a:cs typeface="Segoe UI Light" panose="020B0502040204020203" pitchFamily="34" charset="0"/>
-              </a:rPr>
-              <a:t>kaggle.com </a:t>
-            </a:r>
-          </a:p>
-          <a:p>
-            <a:pPr>
-              <a:lnSpc>
-                <a:spcPct val="150000"/>
-              </a:lnSpc>
-            </a:pPr>
-            <a:endParaRPr lang="en-US" sz="1600" dirty="0">
-              <a:latin typeface="+mj-lt"/>
-              <a:cs typeface="Segoe UI Light" panose="020B0502040204020203" pitchFamily="34" charset="0"/>
-            </a:endParaRPr>
-          </a:p>
-          <a:p>
-            <a:pPr>
-              <a:lnSpc>
-                <a:spcPct val="150000"/>
-              </a:lnSpc>
-            </a:pPr>
-            <a:r>
-              <a:rPr lang="en-US" sz="1600" dirty="0">
-                <a:latin typeface="+mj-lt"/>
-                <a:cs typeface="Segoe UI Light" panose="020B0502040204020203" pitchFamily="34" charset="0"/>
-              </a:rPr>
-              <a:t>For Data Cleaning we used Python &amp; </a:t>
-            </a:r>
-            <a:r>
-              <a:rPr lang="en-US" sz="1600" dirty="0" err="1">
-                <a:latin typeface="+mj-lt"/>
-                <a:cs typeface="Segoe UI Light" panose="020B0502040204020203" pitchFamily="34" charset="0"/>
-              </a:rPr>
-              <a:t>Jupyter</a:t>
-            </a:r>
-            <a:r>
-              <a:rPr lang="en-US" sz="1600" dirty="0">
-                <a:latin typeface="+mj-lt"/>
-                <a:cs typeface="Segoe UI Light" panose="020B0502040204020203" pitchFamily="34" charset="0"/>
-              </a:rPr>
-              <a:t> Notebook</a:t>
+              <a:t>Add details </a:t>
             </a:r>
           </a:p>
         </p:txBody>
@@ -16542,7 +24156,864 @@
     </p:spTree>
     <p:extLst>
       <p:ext uri="{BB962C8B-B14F-4D97-AF65-F5344CB8AC3E}">
-        <p14:creationId xmlns:p14="http://schemas.microsoft.com/office/powerpoint/2010/main" val="2873409997"/>
+        <p14:creationId xmlns:p14="http://schemas.microsoft.com/office/powerpoint/2010/main" val="2444009416"/>
+      </p:ext>
+    </p:extLst>
+  </p:cSld>
+  <p:clrMapOvr>
+    <a:masterClrMapping/>
+  </p:clrMapOvr>
+</p:sld>
+</file>
+
+<file path=ppt/slides/slide9.xml><?xml version="1.0" encoding="utf-8"?>
+<p:sld xmlns:a="http://schemas.openxmlformats.org/drawingml/2006/main" xmlns:r="http://schemas.openxmlformats.org/officeDocument/2006/relationships" xmlns:p="http://schemas.openxmlformats.org/presentationml/2006/main">
+  <p:cSld>
+    <p:bg>
+      <p:bgPr>
+        <a:solidFill>
+          <a:schemeClr val="bg1"/>
+        </a:solidFill>
+        <a:effectLst/>
+      </p:bgPr>
+    </p:bg>
+    <p:spTree>
+      <p:nvGrpSpPr>
+        <p:cNvPr id="1" name=""/>
+        <p:cNvGrpSpPr/>
+        <p:nvPr/>
+      </p:nvGrpSpPr>
+      <p:grpSpPr>
+        <a:xfrm>
+          <a:off x="0" y="0"/>
+          <a:ext cx="0" cy="0"/>
+          <a:chOff x="0" y="0"/>
+          <a:chExt cx="0" cy="0"/>
+        </a:xfrm>
+      </p:grpSpPr>
+      <p:sp useBgFill="1">
+        <p:nvSpPr>
+          <p:cNvPr id="32" name="Rectangle 31">
+            <a:extLst>
+              <a:ext uri="{FF2B5EF4-FFF2-40B4-BE49-F238E27FC236}">
+                <a16:creationId xmlns:a16="http://schemas.microsoft.com/office/drawing/2014/main" id="{2D6CE9D5-28BB-4329-B5E2-B06131F27F5B}"/>
+              </a:ext>
+              <a:ext uri="{C183D7F6-B498-43B3-948B-1728B52AA6E4}">
+                <adec:decorative xmlns:adec="http://schemas.microsoft.com/office/drawing/2017/decorative" val="1"/>
+              </a:ext>
+            </a:extLst>
+          </p:cNvPr>
+          <p:cNvSpPr>
+            <a:spLocks noGrp="1" noRot="1" noChangeAspect="1" noMove="1" noResize="1" noEditPoints="1" noAdjustHandles="1" noChangeArrowheads="1" noChangeShapeType="1" noTextEdit="1"/>
+          </p:cNvSpPr>
+          <p:nvPr>
+            <p:extLst>
+              <p:ext uri="{386F3935-93C4-4BCD-93E2-E3B085C9AB24}">
+                <p16:designElem xmlns:p16="http://schemas.microsoft.com/office/powerpoint/2015/main" val="1"/>
+              </p:ext>
+            </p:extLst>
+          </p:nvPr>
+        </p:nvSpPr>
+        <p:spPr bwMode="white">
+          <a:xfrm>
+            <a:off x="0" y="0"/>
+            <a:ext cx="12192000" cy="6858000"/>
+          </a:xfrm>
+          <a:prstGeom prst="rect">
+            <a:avLst/>
+          </a:prstGeom>
+          <a:ln>
+            <a:noFill/>
+          </a:ln>
+        </p:spPr>
+        <p:style>
+          <a:lnRef idx="2">
+            <a:schemeClr val="accent1">
+              <a:shade val="50000"/>
+            </a:schemeClr>
+          </a:lnRef>
+          <a:fillRef idx="1">
+            <a:schemeClr val="accent1"/>
+          </a:fillRef>
+          <a:effectRef idx="0">
+            <a:schemeClr val="accent1"/>
+          </a:effectRef>
+          <a:fontRef idx="minor">
+            <a:schemeClr val="lt1"/>
+          </a:fontRef>
+        </p:style>
+        <p:txBody>
+          <a:bodyPr rot="0" spcFirstLastPara="0" vert="horz" wrap="square" lIns="91440" tIns="45720" rIns="91440" bIns="45720" numCol="1" spcCol="0" rtlCol="0" fromWordArt="0" anchor="ctr" anchorCtr="0" forceAA="0" compatLnSpc="1">
+            <a:prstTxWarp prst="textNoShape">
+              <a:avLst/>
+            </a:prstTxWarp>
+            <a:noAutofit/>
+          </a:bodyPr>
+          <a:lstStyle>
+            <a:defPPr>
+              <a:defRPr lang="en-US"/>
+            </a:defPPr>
+            <a:lvl1pPr marL="0" algn="l" defTabSz="914400" rtl="0" eaLnBrk="1" latinLnBrk="0" hangingPunct="1">
+              <a:defRPr sz="1800" kern="1200">
+                <a:solidFill>
+                  <a:schemeClr val="lt1"/>
+                </a:solidFill>
+                <a:latin typeface="+mn-lt"/>
+                <a:ea typeface="+mn-ea"/>
+                <a:cs typeface="+mn-cs"/>
+              </a:defRPr>
+            </a:lvl1pPr>
+            <a:lvl2pPr marL="457200" algn="l" defTabSz="914400" rtl="0" eaLnBrk="1" latinLnBrk="0" hangingPunct="1">
+              <a:defRPr sz="1800" kern="1200">
+                <a:solidFill>
+                  <a:schemeClr val="lt1"/>
+                </a:solidFill>
+                <a:latin typeface="+mn-lt"/>
+                <a:ea typeface="+mn-ea"/>
+                <a:cs typeface="+mn-cs"/>
+              </a:defRPr>
+            </a:lvl2pPr>
+            <a:lvl3pPr marL="914400" algn="l" defTabSz="914400" rtl="0" eaLnBrk="1" latinLnBrk="0" hangingPunct="1">
+              <a:defRPr sz="1800" kern="1200">
+                <a:solidFill>
+                  <a:schemeClr val="lt1"/>
+                </a:solidFill>
+                <a:latin typeface="+mn-lt"/>
+                <a:ea typeface="+mn-ea"/>
+                <a:cs typeface="+mn-cs"/>
+              </a:defRPr>
+            </a:lvl3pPr>
+            <a:lvl4pPr marL="1371600" algn="l" defTabSz="914400" rtl="0" eaLnBrk="1" latinLnBrk="0" hangingPunct="1">
+              <a:defRPr sz="1800" kern="1200">
+                <a:solidFill>
+                  <a:schemeClr val="lt1"/>
+                </a:solidFill>
+                <a:latin typeface="+mn-lt"/>
+                <a:ea typeface="+mn-ea"/>
+                <a:cs typeface="+mn-cs"/>
+              </a:defRPr>
+            </a:lvl4pPr>
+            <a:lvl5pPr marL="1828800" algn="l" defTabSz="914400" rtl="0" eaLnBrk="1" latinLnBrk="0" hangingPunct="1">
+              <a:defRPr sz="1800" kern="1200">
+                <a:solidFill>
+                  <a:schemeClr val="lt1"/>
+                </a:solidFill>
+                <a:latin typeface="+mn-lt"/>
+                <a:ea typeface="+mn-ea"/>
+                <a:cs typeface="+mn-cs"/>
+              </a:defRPr>
+            </a:lvl5pPr>
+            <a:lvl6pPr marL="2286000" algn="l" defTabSz="914400" rtl="0" eaLnBrk="1" latinLnBrk="0" hangingPunct="1">
+              <a:defRPr sz="1800" kern="1200">
+                <a:solidFill>
+                  <a:schemeClr val="lt1"/>
+                </a:solidFill>
+                <a:latin typeface="+mn-lt"/>
+                <a:ea typeface="+mn-ea"/>
+                <a:cs typeface="+mn-cs"/>
+              </a:defRPr>
+            </a:lvl6pPr>
+            <a:lvl7pPr marL="2743200" algn="l" defTabSz="914400" rtl="0" eaLnBrk="1" latinLnBrk="0" hangingPunct="1">
+              <a:defRPr sz="1800" kern="1200">
+                <a:solidFill>
+                  <a:schemeClr val="lt1"/>
+                </a:solidFill>
+                <a:latin typeface="+mn-lt"/>
+                <a:ea typeface="+mn-ea"/>
+                <a:cs typeface="+mn-cs"/>
+              </a:defRPr>
+            </a:lvl7pPr>
+            <a:lvl8pPr marL="3200400" algn="l" defTabSz="914400" rtl="0" eaLnBrk="1" latinLnBrk="0" hangingPunct="1">
+              <a:defRPr sz="1800" kern="1200">
+                <a:solidFill>
+                  <a:schemeClr val="lt1"/>
+                </a:solidFill>
+                <a:latin typeface="+mn-lt"/>
+                <a:ea typeface="+mn-ea"/>
+                <a:cs typeface="+mn-cs"/>
+              </a:defRPr>
+            </a:lvl8pPr>
+            <a:lvl9pPr marL="3657600" algn="l" defTabSz="914400" rtl="0" eaLnBrk="1" latinLnBrk="0" hangingPunct="1">
+              <a:defRPr sz="1800" kern="1200">
+                <a:solidFill>
+                  <a:schemeClr val="lt1"/>
+                </a:solidFill>
+                <a:latin typeface="+mn-lt"/>
+                <a:ea typeface="+mn-ea"/>
+                <a:cs typeface="+mn-cs"/>
+              </a:defRPr>
+            </a:lvl9pPr>
+          </a:lstStyle>
+          <a:p>
+            <a:pPr algn="ctr"/>
+            <a:endParaRPr lang="en-US"/>
+          </a:p>
+        </p:txBody>
+      </p:sp>
+      <p:sp>
+        <p:nvSpPr>
+          <p:cNvPr id="34" name="Rectangle 33">
+            <a:extLst>
+              <a:ext uri="{FF2B5EF4-FFF2-40B4-BE49-F238E27FC236}">
+                <a16:creationId xmlns:a16="http://schemas.microsoft.com/office/drawing/2014/main" id="{8D9F7D40-5D59-4F59-A331-D8F7710AC903}"/>
+              </a:ext>
+              <a:ext uri="{C183D7F6-B498-43B3-948B-1728B52AA6E4}">
+                <adec:decorative xmlns:adec="http://schemas.microsoft.com/office/drawing/2017/decorative" val="1"/>
+              </a:ext>
+            </a:extLst>
+          </p:cNvPr>
+          <p:cNvSpPr>
+            <a:spLocks noGrp="1" noRot="1" noChangeAspect="1" noMove="1" noResize="1" noEditPoints="1" noAdjustHandles="1" noChangeArrowheads="1" noChangeShapeType="1" noTextEdit="1"/>
+          </p:cNvSpPr>
+          <p:nvPr>
+            <p:extLst>
+              <p:ext uri="{386F3935-93C4-4BCD-93E2-E3B085C9AB24}">
+                <p16:designElem xmlns:p16="http://schemas.microsoft.com/office/powerpoint/2015/main" val="1"/>
+              </p:ext>
+            </p:extLst>
+          </p:nvPr>
+        </p:nvSpPr>
+        <p:spPr>
+          <a:xfrm>
+            <a:off x="0" y="0"/>
+            <a:ext cx="283464" cy="6858000"/>
+          </a:xfrm>
+          <a:prstGeom prst="rect">
+            <a:avLst/>
+          </a:prstGeom>
+          <a:solidFill>
+            <a:schemeClr val="accent1"/>
+          </a:solidFill>
+          <a:ln>
+            <a:noFill/>
+          </a:ln>
+        </p:spPr>
+        <p:style>
+          <a:lnRef idx="2">
+            <a:schemeClr val="accent1">
+              <a:shade val="50000"/>
+            </a:schemeClr>
+          </a:lnRef>
+          <a:fillRef idx="1">
+            <a:schemeClr val="accent1"/>
+          </a:fillRef>
+          <a:effectRef idx="0">
+            <a:schemeClr val="accent1"/>
+          </a:effectRef>
+          <a:fontRef idx="minor">
+            <a:schemeClr val="lt1"/>
+          </a:fontRef>
+        </p:style>
+      </p:sp>
+      <p:sp>
+        <p:nvSpPr>
+          <p:cNvPr id="36" name="Freeform 11">
+            <a:extLst>
+              <a:ext uri="{FF2B5EF4-FFF2-40B4-BE49-F238E27FC236}">
+                <a16:creationId xmlns:a16="http://schemas.microsoft.com/office/drawing/2014/main" id="{E2B1BC2F-AEBF-4990-A7F9-197AAF28BC7A}"/>
+              </a:ext>
+              <a:ext uri="{C183D7F6-B498-43B3-948B-1728B52AA6E4}">
+                <adec:decorative xmlns:adec="http://schemas.microsoft.com/office/drawing/2017/decorative" val="1"/>
+              </a:ext>
+            </a:extLst>
+          </p:cNvPr>
+          <p:cNvSpPr>
+            <a:spLocks noGrp="1" noRot="1" noChangeAspect="1" noMove="1" noResize="1" noEditPoints="1" noAdjustHandles="1" noChangeArrowheads="1" noChangeShapeType="1" noTextEdit="1"/>
+          </p:cNvSpPr>
+          <p:nvPr>
+            <p:extLst>
+              <p:ext uri="{386F3935-93C4-4BCD-93E2-E3B085C9AB24}">
+                <p16:designElem xmlns:p16="http://schemas.microsoft.com/office/powerpoint/2015/main" val="1"/>
+              </p:ext>
+            </p:extLst>
+          </p:nvPr>
+        </p:nvSpPr>
+        <p:spPr bwMode="auto">
+          <a:xfrm>
+            <a:off x="7548664" y="0"/>
+            <a:ext cx="4643336" cy="6858000"/>
+          </a:xfrm>
+          <a:custGeom>
+            <a:avLst/>
+            <a:gdLst/>
+            <a:ahLst/>
+            <a:cxnLst/>
+            <a:rect l="0" t="0" r="r" b="b"/>
+            <a:pathLst>
+              <a:path w="3025" h="4320">
+                <a:moveTo>
+                  <a:pt x="0" y="0"/>
+                </a:moveTo>
+                <a:lnTo>
+                  <a:pt x="3025" y="0"/>
+                </a:lnTo>
+                <a:lnTo>
+                  <a:pt x="3025" y="4320"/>
+                </a:lnTo>
+                <a:lnTo>
+                  <a:pt x="0" y="4320"/>
+                </a:lnTo>
+                <a:lnTo>
+                  <a:pt x="3" y="4278"/>
+                </a:lnTo>
+                <a:lnTo>
+                  <a:pt x="8" y="4243"/>
+                </a:lnTo>
+                <a:lnTo>
+                  <a:pt x="14" y="4210"/>
+                </a:lnTo>
+                <a:lnTo>
+                  <a:pt x="24" y="4183"/>
+                </a:lnTo>
+                <a:lnTo>
+                  <a:pt x="34" y="4156"/>
+                </a:lnTo>
+                <a:lnTo>
+                  <a:pt x="46" y="4133"/>
+                </a:lnTo>
+                <a:lnTo>
+                  <a:pt x="58" y="4109"/>
+                </a:lnTo>
+                <a:lnTo>
+                  <a:pt x="69" y="4087"/>
+                </a:lnTo>
+                <a:lnTo>
+                  <a:pt x="80" y="4062"/>
+                </a:lnTo>
+                <a:lnTo>
+                  <a:pt x="90" y="4036"/>
+                </a:lnTo>
+                <a:lnTo>
+                  <a:pt x="99" y="4007"/>
+                </a:lnTo>
+                <a:lnTo>
+                  <a:pt x="106" y="3976"/>
+                </a:lnTo>
+                <a:lnTo>
+                  <a:pt x="111" y="3938"/>
+                </a:lnTo>
+                <a:lnTo>
+                  <a:pt x="113" y="3895"/>
+                </a:lnTo>
+                <a:lnTo>
+                  <a:pt x="111" y="3851"/>
+                </a:lnTo>
+                <a:lnTo>
+                  <a:pt x="106" y="3815"/>
+                </a:lnTo>
+                <a:lnTo>
+                  <a:pt x="99" y="3782"/>
+                </a:lnTo>
+                <a:lnTo>
+                  <a:pt x="90" y="3752"/>
+                </a:lnTo>
+                <a:lnTo>
+                  <a:pt x="80" y="3726"/>
+                </a:lnTo>
+                <a:lnTo>
+                  <a:pt x="68" y="3702"/>
+                </a:lnTo>
+                <a:lnTo>
+                  <a:pt x="56" y="3679"/>
+                </a:lnTo>
+                <a:lnTo>
+                  <a:pt x="44" y="3655"/>
+                </a:lnTo>
+                <a:lnTo>
+                  <a:pt x="33" y="3630"/>
+                </a:lnTo>
+                <a:lnTo>
+                  <a:pt x="22" y="3604"/>
+                </a:lnTo>
+                <a:lnTo>
+                  <a:pt x="13" y="3575"/>
+                </a:lnTo>
+                <a:lnTo>
+                  <a:pt x="7" y="3542"/>
+                </a:lnTo>
+                <a:lnTo>
+                  <a:pt x="1" y="3504"/>
+                </a:lnTo>
+                <a:lnTo>
+                  <a:pt x="0" y="3461"/>
+                </a:lnTo>
+                <a:lnTo>
+                  <a:pt x="1" y="3418"/>
+                </a:lnTo>
+                <a:lnTo>
+                  <a:pt x="7" y="3380"/>
+                </a:lnTo>
+                <a:lnTo>
+                  <a:pt x="13" y="3347"/>
+                </a:lnTo>
+                <a:lnTo>
+                  <a:pt x="22" y="3319"/>
+                </a:lnTo>
+                <a:lnTo>
+                  <a:pt x="33" y="3292"/>
+                </a:lnTo>
+                <a:lnTo>
+                  <a:pt x="44" y="3267"/>
+                </a:lnTo>
+                <a:lnTo>
+                  <a:pt x="56" y="3244"/>
+                </a:lnTo>
+                <a:lnTo>
+                  <a:pt x="68" y="3222"/>
+                </a:lnTo>
+                <a:lnTo>
+                  <a:pt x="80" y="3197"/>
+                </a:lnTo>
+                <a:lnTo>
+                  <a:pt x="90" y="3171"/>
+                </a:lnTo>
+                <a:lnTo>
+                  <a:pt x="99" y="3142"/>
+                </a:lnTo>
+                <a:lnTo>
+                  <a:pt x="106" y="3109"/>
+                </a:lnTo>
+                <a:lnTo>
+                  <a:pt x="111" y="3071"/>
+                </a:lnTo>
+                <a:lnTo>
+                  <a:pt x="113" y="3028"/>
+                </a:lnTo>
+                <a:lnTo>
+                  <a:pt x="111" y="2985"/>
+                </a:lnTo>
+                <a:lnTo>
+                  <a:pt x="106" y="2947"/>
+                </a:lnTo>
+                <a:lnTo>
+                  <a:pt x="99" y="2914"/>
+                </a:lnTo>
+                <a:lnTo>
+                  <a:pt x="90" y="2885"/>
+                </a:lnTo>
+                <a:lnTo>
+                  <a:pt x="80" y="2858"/>
+                </a:lnTo>
+                <a:lnTo>
+                  <a:pt x="68" y="2834"/>
+                </a:lnTo>
+                <a:lnTo>
+                  <a:pt x="44" y="2787"/>
+                </a:lnTo>
+                <a:lnTo>
+                  <a:pt x="33" y="2763"/>
+                </a:lnTo>
+                <a:lnTo>
+                  <a:pt x="22" y="2736"/>
+                </a:lnTo>
+                <a:lnTo>
+                  <a:pt x="13" y="2707"/>
+                </a:lnTo>
+                <a:lnTo>
+                  <a:pt x="7" y="2674"/>
+                </a:lnTo>
+                <a:lnTo>
+                  <a:pt x="1" y="2637"/>
+                </a:lnTo>
+                <a:lnTo>
+                  <a:pt x="0" y="2593"/>
+                </a:lnTo>
+                <a:lnTo>
+                  <a:pt x="1" y="2550"/>
+                </a:lnTo>
+                <a:lnTo>
+                  <a:pt x="7" y="2512"/>
+                </a:lnTo>
+                <a:lnTo>
+                  <a:pt x="13" y="2479"/>
+                </a:lnTo>
+                <a:lnTo>
+                  <a:pt x="22" y="2451"/>
+                </a:lnTo>
+                <a:lnTo>
+                  <a:pt x="33" y="2424"/>
+                </a:lnTo>
+                <a:lnTo>
+                  <a:pt x="44" y="2401"/>
+                </a:lnTo>
+                <a:lnTo>
+                  <a:pt x="68" y="2354"/>
+                </a:lnTo>
+                <a:lnTo>
+                  <a:pt x="80" y="2329"/>
+                </a:lnTo>
+                <a:lnTo>
+                  <a:pt x="90" y="2303"/>
+                </a:lnTo>
+                <a:lnTo>
+                  <a:pt x="99" y="2274"/>
+                </a:lnTo>
+                <a:lnTo>
+                  <a:pt x="106" y="2241"/>
+                </a:lnTo>
+                <a:lnTo>
+                  <a:pt x="111" y="2203"/>
+                </a:lnTo>
+                <a:lnTo>
+                  <a:pt x="113" y="2159"/>
+                </a:lnTo>
+                <a:lnTo>
+                  <a:pt x="111" y="2117"/>
+                </a:lnTo>
+                <a:lnTo>
+                  <a:pt x="106" y="2079"/>
+                </a:lnTo>
+                <a:lnTo>
+                  <a:pt x="99" y="2046"/>
+                </a:lnTo>
+                <a:lnTo>
+                  <a:pt x="90" y="2017"/>
+                </a:lnTo>
+                <a:lnTo>
+                  <a:pt x="80" y="1991"/>
+                </a:lnTo>
+                <a:lnTo>
+                  <a:pt x="68" y="1966"/>
+                </a:lnTo>
+                <a:lnTo>
+                  <a:pt x="56" y="1943"/>
+                </a:lnTo>
+                <a:lnTo>
+                  <a:pt x="44" y="1919"/>
+                </a:lnTo>
+                <a:lnTo>
+                  <a:pt x="33" y="1896"/>
+                </a:lnTo>
+                <a:lnTo>
+                  <a:pt x="22" y="1869"/>
+                </a:lnTo>
+                <a:lnTo>
+                  <a:pt x="13" y="1841"/>
+                </a:lnTo>
+                <a:lnTo>
+                  <a:pt x="7" y="1807"/>
+                </a:lnTo>
+                <a:lnTo>
+                  <a:pt x="1" y="1770"/>
+                </a:lnTo>
+                <a:lnTo>
+                  <a:pt x="0" y="1727"/>
+                </a:lnTo>
+                <a:lnTo>
+                  <a:pt x="1" y="1683"/>
+                </a:lnTo>
+                <a:lnTo>
+                  <a:pt x="7" y="1646"/>
+                </a:lnTo>
+                <a:lnTo>
+                  <a:pt x="13" y="1613"/>
+                </a:lnTo>
+                <a:lnTo>
+                  <a:pt x="22" y="1583"/>
+                </a:lnTo>
+                <a:lnTo>
+                  <a:pt x="33" y="1557"/>
+                </a:lnTo>
+                <a:lnTo>
+                  <a:pt x="44" y="1533"/>
+                </a:lnTo>
+                <a:lnTo>
+                  <a:pt x="56" y="1509"/>
+                </a:lnTo>
+                <a:lnTo>
+                  <a:pt x="68" y="1486"/>
+                </a:lnTo>
+                <a:lnTo>
+                  <a:pt x="80" y="1461"/>
+                </a:lnTo>
+                <a:lnTo>
+                  <a:pt x="90" y="1435"/>
+                </a:lnTo>
+                <a:lnTo>
+                  <a:pt x="99" y="1406"/>
+                </a:lnTo>
+                <a:lnTo>
+                  <a:pt x="106" y="1373"/>
+                </a:lnTo>
+                <a:lnTo>
+                  <a:pt x="111" y="1335"/>
+                </a:lnTo>
+                <a:lnTo>
+                  <a:pt x="113" y="1292"/>
+                </a:lnTo>
+                <a:lnTo>
+                  <a:pt x="111" y="1249"/>
+                </a:lnTo>
+                <a:lnTo>
+                  <a:pt x="106" y="1211"/>
+                </a:lnTo>
+                <a:lnTo>
+                  <a:pt x="99" y="1178"/>
+                </a:lnTo>
+                <a:lnTo>
+                  <a:pt x="90" y="1149"/>
+                </a:lnTo>
+                <a:lnTo>
+                  <a:pt x="80" y="1123"/>
+                </a:lnTo>
+                <a:lnTo>
+                  <a:pt x="68" y="1098"/>
+                </a:lnTo>
+                <a:lnTo>
+                  <a:pt x="56" y="1076"/>
+                </a:lnTo>
+                <a:lnTo>
+                  <a:pt x="44" y="1053"/>
+                </a:lnTo>
+                <a:lnTo>
+                  <a:pt x="33" y="1028"/>
+                </a:lnTo>
+                <a:lnTo>
+                  <a:pt x="22" y="1001"/>
+                </a:lnTo>
+                <a:lnTo>
+                  <a:pt x="13" y="973"/>
+                </a:lnTo>
+                <a:lnTo>
+                  <a:pt x="7" y="940"/>
+                </a:lnTo>
+                <a:lnTo>
+                  <a:pt x="1" y="902"/>
+                </a:lnTo>
+                <a:lnTo>
+                  <a:pt x="0" y="859"/>
+                </a:lnTo>
+                <a:lnTo>
+                  <a:pt x="1" y="816"/>
+                </a:lnTo>
+                <a:lnTo>
+                  <a:pt x="7" y="778"/>
+                </a:lnTo>
+                <a:lnTo>
+                  <a:pt x="13" y="745"/>
+                </a:lnTo>
+                <a:lnTo>
+                  <a:pt x="22" y="716"/>
+                </a:lnTo>
+                <a:lnTo>
+                  <a:pt x="33" y="690"/>
+                </a:lnTo>
+                <a:lnTo>
+                  <a:pt x="44" y="665"/>
+                </a:lnTo>
+                <a:lnTo>
+                  <a:pt x="56" y="641"/>
+                </a:lnTo>
+                <a:lnTo>
+                  <a:pt x="68" y="618"/>
+                </a:lnTo>
+                <a:lnTo>
+                  <a:pt x="80" y="594"/>
+                </a:lnTo>
+                <a:lnTo>
+                  <a:pt x="90" y="568"/>
+                </a:lnTo>
+                <a:lnTo>
+                  <a:pt x="99" y="538"/>
+                </a:lnTo>
+                <a:lnTo>
+                  <a:pt x="106" y="505"/>
+                </a:lnTo>
+                <a:lnTo>
+                  <a:pt x="111" y="469"/>
+                </a:lnTo>
+                <a:lnTo>
+                  <a:pt x="113" y="424"/>
+                </a:lnTo>
+                <a:lnTo>
+                  <a:pt x="111" y="382"/>
+                </a:lnTo>
+                <a:lnTo>
+                  <a:pt x="106" y="344"/>
+                </a:lnTo>
+                <a:lnTo>
+                  <a:pt x="99" y="313"/>
+                </a:lnTo>
+                <a:lnTo>
+                  <a:pt x="90" y="284"/>
+                </a:lnTo>
+                <a:lnTo>
+                  <a:pt x="80" y="258"/>
+                </a:lnTo>
+                <a:lnTo>
+                  <a:pt x="69" y="233"/>
+                </a:lnTo>
+                <a:lnTo>
+                  <a:pt x="58" y="211"/>
+                </a:lnTo>
+                <a:lnTo>
+                  <a:pt x="46" y="187"/>
+                </a:lnTo>
+                <a:lnTo>
+                  <a:pt x="34" y="164"/>
+                </a:lnTo>
+                <a:lnTo>
+                  <a:pt x="24" y="137"/>
+                </a:lnTo>
+                <a:lnTo>
+                  <a:pt x="14" y="110"/>
+                </a:lnTo>
+                <a:lnTo>
+                  <a:pt x="8" y="77"/>
+                </a:lnTo>
+                <a:lnTo>
+                  <a:pt x="3" y="42"/>
+                </a:lnTo>
+                <a:lnTo>
+                  <a:pt x="0" y="0"/>
+                </a:lnTo>
+                <a:close/>
+              </a:path>
+            </a:pathLst>
+          </a:custGeom>
+          <a:solidFill>
+            <a:schemeClr val="tx2"/>
+          </a:solidFill>
+          <a:ln w="0">
+            <a:noFill/>
+            <a:prstDash val="solid"/>
+            <a:round/>
+            <a:headEnd/>
+            <a:tailEnd/>
+          </a:ln>
+        </p:spPr>
+      </p:sp>
+      <p:sp>
+        <p:nvSpPr>
+          <p:cNvPr id="2" name="Title 1">
+            <a:extLst>
+              <a:ext uri="{FF2B5EF4-FFF2-40B4-BE49-F238E27FC236}">
+                <a16:creationId xmlns:a16="http://schemas.microsoft.com/office/drawing/2014/main" id="{86B99B8C-EB75-0F86-636E-0F39839A7F3A}"/>
+              </a:ext>
+            </a:extLst>
+          </p:cNvPr>
+          <p:cNvSpPr>
+            <a:spLocks noGrp="1"/>
+          </p:cNvSpPr>
+          <p:nvPr>
+            <p:ph type="title"/>
+          </p:nvPr>
+        </p:nvSpPr>
+        <p:spPr>
+          <a:xfrm>
+            <a:off x="8339328" y="457200"/>
+            <a:ext cx="3090672" cy="1197864"/>
+          </a:xfrm>
+        </p:spPr>
+        <p:txBody>
+          <a:bodyPr vert="horz" lIns="91440" tIns="45720" rIns="91440" bIns="45720" rtlCol="0" anchor="b">
+            <a:normAutofit/>
+          </a:bodyPr>
+          <a:lstStyle/>
+          <a:p>
+            <a:r>
+              <a:rPr lang="en-US" sz="1900" dirty="0">
+                <a:solidFill>
+                  <a:schemeClr val="accent1"/>
+                </a:solidFill>
+              </a:rPr>
+              <a:t>Machine learning– logistic Regression Model</a:t>
+            </a:r>
+          </a:p>
+        </p:txBody>
+      </p:sp>
+      <p:sp>
+        <p:nvSpPr>
+          <p:cNvPr id="16" name="TextBox 15">
+            <a:extLst>
+              <a:ext uri="{FF2B5EF4-FFF2-40B4-BE49-F238E27FC236}">
+                <a16:creationId xmlns:a16="http://schemas.microsoft.com/office/drawing/2014/main" id="{170C4ED6-9E22-8539-15B5-E099A1F91E4D}"/>
+              </a:ext>
+            </a:extLst>
+          </p:cNvPr>
+          <p:cNvSpPr txBox="1"/>
+          <p:nvPr/>
+        </p:nvSpPr>
+        <p:spPr>
+          <a:xfrm>
+            <a:off x="8339328" y="1655065"/>
+            <a:ext cx="3090672" cy="457199"/>
+          </a:xfrm>
+          <a:prstGeom prst="rect">
+            <a:avLst/>
+          </a:prstGeom>
+        </p:spPr>
+        <p:txBody>
+          <a:bodyPr vert="horz" lIns="91440" tIns="45720" rIns="91440" bIns="45720" rtlCol="0">
+            <a:normAutofit/>
+          </a:bodyPr>
+          <a:lstStyle/>
+          <a:p>
+            <a:pPr indent="-228600" defTabSz="914400">
+              <a:lnSpc>
+                <a:spcPct val="110000"/>
+              </a:lnSpc>
+              <a:spcBef>
+                <a:spcPts val="700"/>
+              </a:spcBef>
+              <a:buClr>
+                <a:schemeClr val="tx2"/>
+              </a:buClr>
+            </a:pPr>
+            <a:r>
+              <a:rPr lang="en-US" sz="1600" dirty="0">
+                <a:solidFill>
+                  <a:schemeClr val="bg1"/>
+                </a:solidFill>
+              </a:rPr>
+              <a:t>Target variable: INJURIES_TOTAL</a:t>
+            </a:r>
+          </a:p>
+        </p:txBody>
+      </p:sp>
+      <p:sp>
+        <p:nvSpPr>
+          <p:cNvPr id="19" name="TextBox 18">
+            <a:extLst>
+              <a:ext uri="{FF2B5EF4-FFF2-40B4-BE49-F238E27FC236}">
+                <a16:creationId xmlns:a16="http://schemas.microsoft.com/office/drawing/2014/main" id="{12A2061A-80F9-896F-D8F4-FC7583D7D4B4}"/>
+              </a:ext>
+            </a:extLst>
+          </p:cNvPr>
+          <p:cNvSpPr txBox="1"/>
+          <p:nvPr/>
+        </p:nvSpPr>
+        <p:spPr>
+          <a:xfrm>
+            <a:off x="8339328" y="2395728"/>
+            <a:ext cx="1291700" cy="369332"/>
+          </a:xfrm>
+          <a:prstGeom prst="rect">
+            <a:avLst/>
+          </a:prstGeom>
+          <a:noFill/>
+        </p:spPr>
+        <p:txBody>
+          <a:bodyPr wrap="none" rtlCol="0">
+            <a:spAutoFit/>
+          </a:bodyPr>
+          <a:lstStyle/>
+          <a:p>
+            <a:r>
+              <a:rPr lang="en-US" dirty="0">
+                <a:solidFill>
+                  <a:schemeClr val="bg1"/>
+                </a:solidFill>
+              </a:rPr>
+              <a:t>Add details </a:t>
+            </a:r>
+          </a:p>
+        </p:txBody>
+      </p:sp>
+    </p:spTree>
+    <p:extLst>
+      <p:ext uri="{BB962C8B-B14F-4D97-AF65-F5344CB8AC3E}">
+        <p14:creationId xmlns:p14="http://schemas.microsoft.com/office/powerpoint/2010/main" val="681582342"/>
       </p:ext>
     </p:extLst>
   </p:cSld>
